--- a/docs/Littorina_offspring_size_maturity.pptx
+++ b/docs/Littorina_offspring_size_maturity.pptx
@@ -8,13 +8,15 @@
     <p:sldId id="256" r:id="rId2"/>
     <p:sldId id="257" r:id="rId3"/>
     <p:sldId id="261" r:id="rId4"/>
-    <p:sldId id="262" r:id="rId5"/>
+    <p:sldId id="268" r:id="rId5"/>
     <p:sldId id="259" r:id="rId6"/>
     <p:sldId id="264" r:id="rId7"/>
-    <p:sldId id="258" r:id="rId8"/>
+    <p:sldId id="269" r:id="rId8"/>
     <p:sldId id="265" r:id="rId9"/>
-    <p:sldId id="267" r:id="rId10"/>
-    <p:sldId id="263" r:id="rId11"/>
+    <p:sldId id="270" r:id="rId10"/>
+    <p:sldId id="267" r:id="rId11"/>
+    <p:sldId id="262" r:id="rId12"/>
+    <p:sldId id="263" r:id="rId13"/>
   </p:sldIdLst>
   <p:sldSz cx="12192000" cy="6858000"/>
   <p:notesSz cx="6858000" cy="9144000"/>
@@ -270,7 +272,7 @@
           <a:p>
             <a:fld id="{036DFB3D-27A1-E84B-9564-8CD6EABFCA81}" type="datetimeFigureOut">
               <a:rPr lang="en-GB" smtClean="0"/>
-              <a:t>23/04/2020</a:t>
+              <a:t>01/05/2020</a:t>
             </a:fld>
             <a:endParaRPr lang="en-GB"/>
           </a:p>
@@ -470,7 +472,7 @@
           <a:p>
             <a:fld id="{036DFB3D-27A1-E84B-9564-8CD6EABFCA81}" type="datetimeFigureOut">
               <a:rPr lang="en-GB" smtClean="0"/>
-              <a:t>23/04/2020</a:t>
+              <a:t>01/05/2020</a:t>
             </a:fld>
             <a:endParaRPr lang="en-GB"/>
           </a:p>
@@ -680,7 +682,7 @@
           <a:p>
             <a:fld id="{036DFB3D-27A1-E84B-9564-8CD6EABFCA81}" type="datetimeFigureOut">
               <a:rPr lang="en-GB" smtClean="0"/>
-              <a:t>23/04/2020</a:t>
+              <a:t>01/05/2020</a:t>
             </a:fld>
             <a:endParaRPr lang="en-GB"/>
           </a:p>
@@ -880,7 +882,7 @@
           <a:p>
             <a:fld id="{036DFB3D-27A1-E84B-9564-8CD6EABFCA81}" type="datetimeFigureOut">
               <a:rPr lang="en-GB" smtClean="0"/>
-              <a:t>23/04/2020</a:t>
+              <a:t>01/05/2020</a:t>
             </a:fld>
             <a:endParaRPr lang="en-GB"/>
           </a:p>
@@ -1156,7 +1158,7 @@
           <a:p>
             <a:fld id="{036DFB3D-27A1-E84B-9564-8CD6EABFCA81}" type="datetimeFigureOut">
               <a:rPr lang="en-GB" smtClean="0"/>
-              <a:t>23/04/2020</a:t>
+              <a:t>01/05/2020</a:t>
             </a:fld>
             <a:endParaRPr lang="en-GB"/>
           </a:p>
@@ -1424,7 +1426,7 @@
           <a:p>
             <a:fld id="{036DFB3D-27A1-E84B-9564-8CD6EABFCA81}" type="datetimeFigureOut">
               <a:rPr lang="en-GB" smtClean="0"/>
-              <a:t>23/04/2020</a:t>
+              <a:t>01/05/2020</a:t>
             </a:fld>
             <a:endParaRPr lang="en-GB"/>
           </a:p>
@@ -1839,7 +1841,7 @@
           <a:p>
             <a:fld id="{036DFB3D-27A1-E84B-9564-8CD6EABFCA81}" type="datetimeFigureOut">
               <a:rPr lang="en-GB" smtClean="0"/>
-              <a:t>23/04/2020</a:t>
+              <a:t>01/05/2020</a:t>
             </a:fld>
             <a:endParaRPr lang="en-GB"/>
           </a:p>
@@ -1981,7 +1983,7 @@
           <a:p>
             <a:fld id="{036DFB3D-27A1-E84B-9564-8CD6EABFCA81}" type="datetimeFigureOut">
               <a:rPr lang="en-GB" smtClean="0"/>
-              <a:t>23/04/2020</a:t>
+              <a:t>01/05/2020</a:t>
             </a:fld>
             <a:endParaRPr lang="en-GB"/>
           </a:p>
@@ -2094,7 +2096,7 @@
           <a:p>
             <a:fld id="{036DFB3D-27A1-E84B-9564-8CD6EABFCA81}" type="datetimeFigureOut">
               <a:rPr lang="en-GB" smtClean="0"/>
-              <a:t>23/04/2020</a:t>
+              <a:t>01/05/2020</a:t>
             </a:fld>
             <a:endParaRPr lang="en-GB"/>
           </a:p>
@@ -2407,7 +2409,7 @@
           <a:p>
             <a:fld id="{036DFB3D-27A1-E84B-9564-8CD6EABFCA81}" type="datetimeFigureOut">
               <a:rPr lang="en-GB" smtClean="0"/>
-              <a:t>23/04/2020</a:t>
+              <a:t>01/05/2020</a:t>
             </a:fld>
             <a:endParaRPr lang="en-GB"/>
           </a:p>
@@ -2696,7 +2698,7 @@
           <a:p>
             <a:fld id="{036DFB3D-27A1-E84B-9564-8CD6EABFCA81}" type="datetimeFigureOut">
               <a:rPr lang="en-GB" smtClean="0"/>
-              <a:t>23/04/2020</a:t>
+              <a:t>01/05/2020</a:t>
             </a:fld>
             <a:endParaRPr lang="en-GB"/>
           </a:p>
@@ -2939,7 +2941,7 @@
           <a:p>
             <a:fld id="{036DFB3D-27A1-E84B-9564-8CD6EABFCA81}" type="datetimeFigureOut">
               <a:rPr lang="en-GB" smtClean="0"/>
-              <a:t>23/04/2020</a:t>
+              <a:t>01/05/2020</a:t>
             </a:fld>
             <a:endParaRPr lang="en-GB"/>
           </a:p>
@@ -3424,7 +3426,7 @@
               <a:rPr lang="en-GB" sz="1600" i="1" dirty="0">
                 <a:latin typeface="Optima" panose="02000503060000020004" pitchFamily="2" charset="0"/>
               </a:rPr>
-              <a:t>Figure 101. Size variation over populations by maturity classes. The boxplot is based on median (horizontal black like), 25</a:t>
+              <a:t>Figure 101a. Size variation over populations by maturity classes. The boxplot is based on median (horizontal black like), 25</a:t>
             </a:r>
             <a:r>
               <a:rPr lang="en-GB" sz="1600" i="1" baseline="30000" dirty="0">
@@ -3522,10 +3524,54 @@
       </p:grpSpPr>
       <p:sp>
         <p:nvSpPr>
-          <p:cNvPr id="8" name="TextBox 7">
-            <a:extLst>
-              <a:ext uri="{FF2B5EF4-FFF2-40B4-BE49-F238E27FC236}">
-                <a16:creationId xmlns:a16="http://schemas.microsoft.com/office/drawing/2014/main" id="{0A8A04AC-8CA9-854E-8274-3F4FB2281C3B}"/>
+          <p:cNvPr id="2" name="Rectangle 1">
+            <a:extLst>
+              <a:ext uri="{FF2B5EF4-FFF2-40B4-BE49-F238E27FC236}">
+                <a16:creationId xmlns:a16="http://schemas.microsoft.com/office/drawing/2014/main" id="{3B715FB9-E5CF-D147-93F4-1763E5BE0254}"/>
+              </a:ext>
+            </a:extLst>
+          </p:cNvPr>
+          <p:cNvSpPr/>
+          <p:nvPr/>
+        </p:nvSpPr>
+        <p:spPr>
+          <a:xfrm>
+            <a:off x="0" y="5020345"/>
+            <a:ext cx="11861800" cy="1754326"/>
+          </a:xfrm>
+          <a:prstGeom prst="rect">
+            <a:avLst/>
+          </a:prstGeom>
+        </p:spPr>
+        <p:txBody>
+          <a:bodyPr wrap="square">
+            <a:spAutoFit/>
+          </a:bodyPr>
+          <a:lstStyle/>
+          <a:p>
+            <a:r>
+              <a:rPr lang="en-US" dirty="0">
+                <a:solidFill>
+                  <a:srgbClr val="0070C0"/>
+                </a:solidFill>
+                <a:latin typeface="Optima-Regular" panose="02000503060000020004" pitchFamily="2" charset="0"/>
+              </a:rPr>
+              <a:t>single slope for the logistic regressions of maturity on size, in order to focus on comparing the size at 50% maturity among tanks. Probably this should be done separately for gen0 and gen1, where there might be biological reasons for slopes to differ, but perhaps that difference, and the difference between sexes, could first be tested on the full data set. Then the slope could be fixed and individual tank/gen combinations analyses separately to find the size at 50% maturity and its standard error to use in the plasticity analyses (or you could fit a model with one slope and means for different tanks).</a:t>
+            </a:r>
+            <a:endParaRPr lang="en-GB" dirty="0">
+              <a:solidFill>
+                <a:srgbClr val="0070C0"/>
+              </a:solidFill>
+            </a:endParaRPr>
+          </a:p>
+        </p:txBody>
+      </p:sp>
+      <p:sp>
+        <p:nvSpPr>
+          <p:cNvPr id="3" name="TextBox 2">
+            <a:extLst>
+              <a:ext uri="{FF2B5EF4-FFF2-40B4-BE49-F238E27FC236}">
+                <a16:creationId xmlns:a16="http://schemas.microsoft.com/office/drawing/2014/main" id="{CB2E8586-4624-B042-96A4-2213BBA8C18E}"/>
               </a:ext>
             </a:extLst>
           </p:cNvPr>
@@ -3534,8 +3580,8 @@
         </p:nvSpPr>
         <p:spPr>
           <a:xfrm>
-            <a:off x="7022804" y="3579628"/>
-            <a:ext cx="4906926" cy="553998"/>
+            <a:off x="95290" y="126747"/>
+            <a:ext cx="4680384" cy="369332"/>
           </a:xfrm>
           <a:prstGeom prst="rect">
             <a:avLst/>
@@ -3543,43 +3589,6 @@
           <a:noFill/>
         </p:spPr>
         <p:txBody>
-          <a:bodyPr wrap="square" rtlCol="0">
-            <a:spAutoFit/>
-          </a:bodyPr>
-          <a:lstStyle/>
-          <a:p>
-            <a:r>
-              <a:rPr lang="en-GB" sz="1000" i="1" dirty="0">
-                <a:latin typeface="Optima" panose="02000503060000020004" pitchFamily="2" charset="0"/>
-              </a:rPr>
-              <a:t>Figure 102. Relationship between probability of maturity and size. Fitted curve in orange is superimposed on the observed proportions of mature snails(blue dots - proportions of adult snails for size bins. Blue error bars – 2.5th and 97.5th percentiles).</a:t>
-            </a:r>
-          </a:p>
-        </p:txBody>
-      </p:sp>
-      <p:sp>
-        <p:nvSpPr>
-          <p:cNvPr id="15" name="TextBox 14">
-            <a:extLst>
-              <a:ext uri="{FF2B5EF4-FFF2-40B4-BE49-F238E27FC236}">
-                <a16:creationId xmlns:a16="http://schemas.microsoft.com/office/drawing/2014/main" id="{3B141816-BF8B-7840-B8D0-8D8D47593700}"/>
-              </a:ext>
-            </a:extLst>
-          </p:cNvPr>
-          <p:cNvSpPr txBox="1"/>
-          <p:nvPr/>
-        </p:nvSpPr>
-        <p:spPr>
-          <a:xfrm>
-            <a:off x="133390" y="279147"/>
-            <a:ext cx="2662908" cy="369332"/>
-          </a:xfrm>
-          <a:prstGeom prst="rect">
-            <a:avLst/>
-          </a:prstGeom>
-          <a:noFill/>
-        </p:spPr>
-        <p:txBody>
           <a:bodyPr wrap="none" rtlCol="0">
             <a:spAutoFit/>
           </a:bodyPr>
@@ -3589,17 +3598,17 @@
               <a:rPr lang="en-GB" b="1" dirty="0">
                 <a:latin typeface="Optima" panose="02000503060000020004" pitchFamily="2" charset="0"/>
               </a:rPr>
-              <a:t>Model 3: tank difference</a:t>
-            </a:r>
-          </a:p>
-        </p:txBody>
-      </p:sp>
-      <p:sp>
-        <p:nvSpPr>
-          <p:cNvPr id="9" name="Rectangle 8">
-            <a:extLst>
-              <a:ext uri="{FF2B5EF4-FFF2-40B4-BE49-F238E27FC236}">
-                <a16:creationId xmlns:a16="http://schemas.microsoft.com/office/drawing/2014/main" id="{153A4B30-66DE-9245-9491-D642209007BE}"/>
+              <a:t>Model 4: one slope and separate generations</a:t>
+            </a:r>
+          </a:p>
+        </p:txBody>
+      </p:sp>
+      <p:sp>
+        <p:nvSpPr>
+          <p:cNvPr id="4" name="Rectangle 3">
+            <a:extLst>
+              <a:ext uri="{FF2B5EF4-FFF2-40B4-BE49-F238E27FC236}">
+                <a16:creationId xmlns:a16="http://schemas.microsoft.com/office/drawing/2014/main" id="{55BD62EE-C25A-A74A-BBBA-B3F5A6B72A2B}"/>
               </a:ext>
             </a:extLst>
           </p:cNvPr>
@@ -3608,8 +3617,8 @@
         </p:nvSpPr>
         <p:spPr>
           <a:xfrm>
-            <a:off x="133390" y="717306"/>
-            <a:ext cx="5388334" cy="2308324"/>
+            <a:off x="95290" y="635338"/>
+            <a:ext cx="4680384" cy="1200329"/>
           </a:xfrm>
           <a:prstGeom prst="rect">
             <a:avLst/>
@@ -3622,26 +3631,287 @@
           <a:lstStyle/>
           <a:p>
             <a:r>
+              <a:rPr lang="en-US" sz="1200" dirty="0" err="1">
+                <a:solidFill>
+                  <a:srgbClr val="000000"/>
+                </a:solidFill>
+                <a:latin typeface="Monaco" pitchFamily="2" charset="77"/>
+              </a:rPr>
+              <a:t>s_mat</a:t>
+            </a:r>
+            <a:r>
+              <a:rPr lang="en-US" sz="1200" dirty="0">
+                <a:solidFill>
+                  <a:srgbClr val="000000"/>
+                </a:solidFill>
+                <a:latin typeface="Monaco" pitchFamily="2" charset="77"/>
+              </a:rPr>
+              <a:t> &lt;- function(size, mat, mean, slope) {</a:t>
+            </a:r>
+          </a:p>
+          <a:p>
+            <a:r>
+              <a:rPr lang="en-US" sz="1200" dirty="0">
+                <a:solidFill>
+                  <a:srgbClr val="000000"/>
+                </a:solidFill>
+                <a:latin typeface="Monaco" pitchFamily="2" charset="77"/>
+              </a:rPr>
+              <a:t>  </a:t>
+            </a:r>
+            <a:r>
+              <a:rPr lang="en-US" sz="1200" dirty="0" err="1">
+                <a:solidFill>
+                  <a:srgbClr val="000000"/>
+                </a:solidFill>
+                <a:latin typeface="Monaco" pitchFamily="2" charset="77"/>
+              </a:rPr>
+              <a:t>logit_p</a:t>
+            </a:r>
+            <a:r>
+              <a:rPr lang="en-US" sz="1200" dirty="0">
+                <a:solidFill>
+                  <a:srgbClr val="000000"/>
+                </a:solidFill>
+                <a:latin typeface="Monaco" pitchFamily="2" charset="77"/>
+              </a:rPr>
+              <a:t> &lt;- (size - mean) / slope</a:t>
+            </a:r>
+          </a:p>
+          <a:p>
+            <a:r>
+              <a:rPr lang="en-US" sz="1200" dirty="0">
+                <a:solidFill>
+                  <a:srgbClr val="000000"/>
+                </a:solidFill>
+                <a:latin typeface="Monaco" pitchFamily="2" charset="77"/>
+              </a:rPr>
+              <a:t>  p &lt;- </a:t>
+            </a:r>
+            <a:r>
+              <a:rPr lang="en-US" sz="1200" dirty="0" err="1">
+                <a:solidFill>
+                  <a:srgbClr val="000000"/>
+                </a:solidFill>
+                <a:latin typeface="Monaco" pitchFamily="2" charset="77"/>
+              </a:rPr>
+              <a:t>exp</a:t>
+            </a:r>
+            <a:r>
+              <a:rPr lang="en-US" sz="1200" dirty="0">
+                <a:solidFill>
+                  <a:srgbClr val="000000"/>
+                </a:solidFill>
+                <a:latin typeface="Monaco" pitchFamily="2" charset="77"/>
+              </a:rPr>
+              <a:t>(</a:t>
+            </a:r>
+            <a:r>
+              <a:rPr lang="en-US" sz="1200" dirty="0" err="1">
+                <a:solidFill>
+                  <a:srgbClr val="000000"/>
+                </a:solidFill>
+                <a:latin typeface="Monaco" pitchFamily="2" charset="77"/>
+              </a:rPr>
+              <a:t>logit_p</a:t>
+            </a:r>
+            <a:r>
+              <a:rPr lang="en-US" sz="1200" dirty="0">
+                <a:solidFill>
+                  <a:srgbClr val="000000"/>
+                </a:solidFill>
+                <a:latin typeface="Monaco" pitchFamily="2" charset="77"/>
+              </a:rPr>
+              <a:t>) / (</a:t>
+            </a:r>
+            <a:r>
+              <a:rPr lang="en-US" sz="1200" dirty="0" err="1">
+                <a:solidFill>
+                  <a:srgbClr val="000000"/>
+                </a:solidFill>
+                <a:latin typeface="Monaco" pitchFamily="2" charset="77"/>
+              </a:rPr>
+              <a:t>exp</a:t>
+            </a:r>
+            <a:r>
+              <a:rPr lang="en-US" sz="1200" dirty="0">
+                <a:solidFill>
+                  <a:srgbClr val="000000"/>
+                </a:solidFill>
+                <a:latin typeface="Monaco" pitchFamily="2" charset="77"/>
+              </a:rPr>
+              <a:t>(</a:t>
+            </a:r>
+            <a:r>
+              <a:rPr lang="en-US" sz="1200" dirty="0" err="1">
+                <a:solidFill>
+                  <a:srgbClr val="000000"/>
+                </a:solidFill>
+                <a:latin typeface="Monaco" pitchFamily="2" charset="77"/>
+              </a:rPr>
+              <a:t>logit_p</a:t>
+            </a:r>
+            <a:r>
+              <a:rPr lang="en-US" sz="1200" dirty="0">
+                <a:solidFill>
+                  <a:srgbClr val="000000"/>
+                </a:solidFill>
+                <a:latin typeface="Monaco" pitchFamily="2" charset="77"/>
+              </a:rPr>
+              <a:t>)+1)</a:t>
+            </a:r>
+          </a:p>
+          <a:p>
+            <a:r>
+              <a:rPr lang="en-US" sz="1200" dirty="0">
+                <a:solidFill>
+                  <a:srgbClr val="000000"/>
+                </a:solidFill>
+                <a:latin typeface="Monaco" pitchFamily="2" charset="77"/>
+              </a:rPr>
+              <a:t>  </a:t>
+            </a:r>
+            <a:r>
+              <a:rPr lang="en-US" sz="1200" dirty="0" err="1">
+                <a:solidFill>
+                  <a:srgbClr val="000000"/>
+                </a:solidFill>
+                <a:latin typeface="Monaco" pitchFamily="2" charset="77"/>
+              </a:rPr>
+              <a:t>minusll</a:t>
+            </a:r>
+            <a:r>
+              <a:rPr lang="en-US" sz="1200" dirty="0">
+                <a:solidFill>
+                  <a:srgbClr val="000000"/>
+                </a:solidFill>
+                <a:latin typeface="Monaco" pitchFamily="2" charset="77"/>
+              </a:rPr>
+              <a:t> &lt;- -sum(</a:t>
+            </a:r>
+            <a:r>
+              <a:rPr lang="en-US" sz="1200" dirty="0" err="1">
+                <a:solidFill>
+                  <a:srgbClr val="000000"/>
+                </a:solidFill>
+                <a:latin typeface="Monaco" pitchFamily="2" charset="77"/>
+              </a:rPr>
+              <a:t>dbinom</a:t>
+            </a:r>
+            <a:r>
+              <a:rPr lang="en-US" sz="1200" dirty="0">
+                <a:solidFill>
+                  <a:srgbClr val="000000"/>
+                </a:solidFill>
+                <a:latin typeface="Monaco" pitchFamily="2" charset="77"/>
+              </a:rPr>
+              <a:t>(mat, 1, p, log = TRUE))</a:t>
+            </a:r>
+          </a:p>
+          <a:p>
+            <a:r>
+              <a:rPr lang="en-US" sz="1200" dirty="0">
+                <a:solidFill>
+                  <a:srgbClr val="000000"/>
+                </a:solidFill>
+                <a:latin typeface="Monaco" pitchFamily="2" charset="77"/>
+              </a:rPr>
+              <a:t>  return(</a:t>
+            </a:r>
+            <a:r>
+              <a:rPr lang="en-US" sz="1200" dirty="0" err="1">
+                <a:solidFill>
+                  <a:srgbClr val="000000"/>
+                </a:solidFill>
+                <a:latin typeface="Monaco" pitchFamily="2" charset="77"/>
+              </a:rPr>
+              <a:t>minusll</a:t>
+            </a:r>
+            <a:r>
+              <a:rPr lang="en-US" sz="1200" dirty="0">
+                <a:solidFill>
+                  <a:srgbClr val="000000"/>
+                </a:solidFill>
+                <a:latin typeface="Monaco" pitchFamily="2" charset="77"/>
+              </a:rPr>
+              <a:t>)</a:t>
+            </a:r>
+          </a:p>
+          <a:p>
+            <a:r>
+              <a:rPr lang="en-US" sz="1200" dirty="0">
+                <a:solidFill>
+                  <a:srgbClr val="000000"/>
+                </a:solidFill>
+                <a:latin typeface="Monaco" pitchFamily="2" charset="77"/>
+              </a:rPr>
+              <a:t>}</a:t>
+            </a:r>
+          </a:p>
+        </p:txBody>
+      </p:sp>
+      <p:sp>
+        <p:nvSpPr>
+          <p:cNvPr id="5" name="Rectangle 4">
+            <a:extLst>
+              <a:ext uri="{FF2B5EF4-FFF2-40B4-BE49-F238E27FC236}">
+                <a16:creationId xmlns:a16="http://schemas.microsoft.com/office/drawing/2014/main" id="{AB74C8E0-67D9-2145-ABB5-D488622B3EF6}"/>
+              </a:ext>
+            </a:extLst>
+          </p:cNvPr>
+          <p:cNvSpPr/>
+          <p:nvPr/>
+        </p:nvSpPr>
+        <p:spPr>
+          <a:xfrm>
+            <a:off x="95290" y="1868100"/>
+            <a:ext cx="6096000" cy="646331"/>
+          </a:xfrm>
+          <a:prstGeom prst="rect">
+            <a:avLst/>
+          </a:prstGeom>
+        </p:spPr>
+        <p:txBody>
+          <a:bodyPr>
+            <a:spAutoFit/>
+          </a:bodyPr>
+          <a:lstStyle/>
+          <a:p>
+            <a:r>
+              <a:rPr lang="en-US" dirty="0">
+                <a:solidFill>
+                  <a:srgbClr val="000000"/>
+                </a:solidFill>
+                <a:latin typeface="Optima" panose="02000503060000020004" pitchFamily="2" charset="0"/>
+              </a:rPr>
+              <a:t>where </a:t>
+            </a:r>
+            <a:r>
               <a:rPr lang="en-US" sz="1600" dirty="0">
                 <a:solidFill>
-                  <a:srgbClr val="0070C0"/>
-                </a:solidFill>
-                <a:latin typeface="Optima-Regular" panose="02000503060000020004" pitchFamily="2" charset="0"/>
-              </a:rPr>
-              <a:t>Given the logistic fit, a value for 'size at maturity' is the intercept (1.91 +/- 0.02 in slide 2) because this is the size at 50% probability of maturity (zero on the logit scale). If we had such an estimate for each tank and each generation, this could be treated as a trait in the plasticity analysis, just like weight, boldness etc. Adding tank to the analysis would give these separate estimates, I guess, or there might be enough data to do the analysis separately for each tank (and generation) (Model 3).</a:t>
-            </a:r>
-            <a:endParaRPr lang="en-GB" sz="1600" dirty="0">
-              <a:solidFill>
-                <a:srgbClr val="0070C0"/>
-              </a:solidFill>
-            </a:endParaRPr>
+                  <a:srgbClr val="000000"/>
+                </a:solidFill>
+                <a:latin typeface="Monaco" pitchFamily="2" charset="77"/>
+              </a:rPr>
+              <a:t>size</a:t>
+            </a:r>
+            <a:r>
+              <a:rPr lang="en-US" dirty="0">
+                <a:solidFill>
+                  <a:srgbClr val="000000"/>
+                </a:solidFill>
+                <a:latin typeface="Optima" panose="02000503060000020004" pitchFamily="2" charset="0"/>
+              </a:rPr>
+              <a:t> is either for individuals of generation 0 or individuals of generation 1.</a:t>
+            </a:r>
+            <a:endParaRPr lang="en-GB" dirty="0"/>
           </a:p>
         </p:txBody>
       </p:sp>
     </p:spTree>
     <p:extLst>
       <p:ext uri="{BB962C8B-B14F-4D97-AF65-F5344CB8AC3E}">
-        <p14:creationId xmlns:p14="http://schemas.microsoft.com/office/powerpoint/2010/main" val="2761302379"/>
+        <p14:creationId xmlns:p14="http://schemas.microsoft.com/office/powerpoint/2010/main" val="4237201816"/>
       </p:ext>
     </p:extLst>
   </p:cSld>
@@ -3651,7 +3921,7 @@
 </p:sld>
 </file>
 
-<file path=ppt/slides/slide2.xml><?xml version="1.0" encoding="utf-8"?>
+<file path=ppt/slides/slide11.xml><?xml version="1.0" encoding="utf-8"?>
 <p:sld xmlns:a="http://schemas.openxmlformats.org/drawingml/2006/main" xmlns:r="http://schemas.openxmlformats.org/officeDocument/2006/relationships" xmlns:p="http://schemas.openxmlformats.org/presentationml/2006/main">
   <p:cSld>
     <p:spTree>
@@ -3668,344 +3938,6 @@
           <a:chExt cx="0" cy="0"/>
         </a:xfrm>
       </p:grpSpPr>
-      <p:sp>
-        <p:nvSpPr>
-          <p:cNvPr id="2" name="Rectangle 1">
-            <a:extLst>
-              <a:ext uri="{FF2B5EF4-FFF2-40B4-BE49-F238E27FC236}">
-                <a16:creationId xmlns:a16="http://schemas.microsoft.com/office/drawing/2014/main" id="{8762CA48-BE08-004A-9443-BC488A3FFC55}"/>
-              </a:ext>
-            </a:extLst>
-          </p:cNvPr>
-          <p:cNvSpPr/>
-          <p:nvPr/>
-        </p:nvSpPr>
-        <p:spPr>
-          <a:xfrm>
-            <a:off x="133390" y="900219"/>
-            <a:ext cx="6096000" cy="3416320"/>
-          </a:xfrm>
-          <a:prstGeom prst="rect">
-            <a:avLst/>
-          </a:prstGeom>
-        </p:spPr>
-        <p:txBody>
-          <a:bodyPr>
-            <a:spAutoFit/>
-          </a:bodyPr>
-          <a:lstStyle/>
-          <a:p>
-            <a:r>
-              <a:rPr lang="en-US" sz="1600" b="0" i="0" u="none" strike="noStrike" dirty="0">
-                <a:solidFill>
-                  <a:srgbClr val="000000"/>
-                </a:solidFill>
-                <a:effectLst/>
-                <a:latin typeface="Optima-Regular" panose="02000503060000020004" pitchFamily="2" charset="0"/>
-              </a:rPr>
-              <a:t>Fitting a model where the probability of maturity changes with size. Individuals classified as “immature” were treated as juvenile and no distinction was made between males and females.</a:t>
-            </a:r>
-          </a:p>
-          <a:p>
-            <a:endParaRPr lang="en-US" sz="1600" dirty="0">
-              <a:solidFill>
-                <a:srgbClr val="000000"/>
-              </a:solidFill>
-              <a:latin typeface="Optima-Regular" panose="02000503060000020004" pitchFamily="2" charset="0"/>
-            </a:endParaRPr>
-          </a:p>
-          <a:p>
-            <a:r>
-              <a:rPr lang="en-US" sz="1200" dirty="0" err="1">
-                <a:solidFill>
-                  <a:srgbClr val="000000"/>
-                </a:solidFill>
-                <a:latin typeface="Monaco" pitchFamily="2" charset="77"/>
-              </a:rPr>
-              <a:t>s_mat</a:t>
-            </a:r>
-            <a:r>
-              <a:rPr lang="en-US" sz="1200" dirty="0">
-                <a:solidFill>
-                  <a:srgbClr val="000000"/>
-                </a:solidFill>
-                <a:latin typeface="Monaco" pitchFamily="2" charset="77"/>
-              </a:rPr>
-              <a:t> &lt;- function(size, mat, mean, slope) {</a:t>
-            </a:r>
-          </a:p>
-          <a:p>
-            <a:r>
-              <a:rPr lang="en-US" sz="1200" dirty="0">
-                <a:solidFill>
-                  <a:srgbClr val="000000"/>
-                </a:solidFill>
-                <a:latin typeface="Monaco" pitchFamily="2" charset="77"/>
-              </a:rPr>
-              <a:t>  </a:t>
-            </a:r>
-            <a:r>
-              <a:rPr lang="en-US" sz="1200" dirty="0" err="1">
-                <a:solidFill>
-                  <a:srgbClr val="000000"/>
-                </a:solidFill>
-                <a:latin typeface="Monaco" pitchFamily="2" charset="77"/>
-              </a:rPr>
-              <a:t>logit_p</a:t>
-            </a:r>
-            <a:r>
-              <a:rPr lang="en-US" sz="1200" dirty="0">
-                <a:solidFill>
-                  <a:srgbClr val="000000"/>
-                </a:solidFill>
-                <a:latin typeface="Monaco" pitchFamily="2" charset="77"/>
-              </a:rPr>
-              <a:t> &lt;- (size - mean) / slope</a:t>
-            </a:r>
-          </a:p>
-          <a:p>
-            <a:r>
-              <a:rPr lang="en-US" sz="1200" dirty="0">
-                <a:solidFill>
-                  <a:srgbClr val="000000"/>
-                </a:solidFill>
-                <a:latin typeface="Monaco" pitchFamily="2" charset="77"/>
-              </a:rPr>
-              <a:t>  p &lt;- </a:t>
-            </a:r>
-            <a:r>
-              <a:rPr lang="en-US" sz="1200" dirty="0" err="1">
-                <a:solidFill>
-                  <a:srgbClr val="000000"/>
-                </a:solidFill>
-                <a:latin typeface="Monaco" pitchFamily="2" charset="77"/>
-              </a:rPr>
-              <a:t>exp</a:t>
-            </a:r>
-            <a:r>
-              <a:rPr lang="en-US" sz="1200" dirty="0">
-                <a:solidFill>
-                  <a:srgbClr val="000000"/>
-                </a:solidFill>
-                <a:latin typeface="Monaco" pitchFamily="2" charset="77"/>
-              </a:rPr>
-              <a:t>(</a:t>
-            </a:r>
-            <a:r>
-              <a:rPr lang="en-US" sz="1200" dirty="0" err="1">
-                <a:solidFill>
-                  <a:srgbClr val="000000"/>
-                </a:solidFill>
-                <a:latin typeface="Monaco" pitchFamily="2" charset="77"/>
-              </a:rPr>
-              <a:t>logit_p</a:t>
-            </a:r>
-            <a:r>
-              <a:rPr lang="en-US" sz="1200" dirty="0">
-                <a:solidFill>
-                  <a:srgbClr val="000000"/>
-                </a:solidFill>
-                <a:latin typeface="Monaco" pitchFamily="2" charset="77"/>
-              </a:rPr>
-              <a:t>) / (</a:t>
-            </a:r>
-            <a:r>
-              <a:rPr lang="en-US" sz="1200" dirty="0" err="1">
-                <a:solidFill>
-                  <a:srgbClr val="000000"/>
-                </a:solidFill>
-                <a:latin typeface="Monaco" pitchFamily="2" charset="77"/>
-              </a:rPr>
-              <a:t>exp</a:t>
-            </a:r>
-            <a:r>
-              <a:rPr lang="en-US" sz="1200" dirty="0">
-                <a:solidFill>
-                  <a:srgbClr val="000000"/>
-                </a:solidFill>
-                <a:latin typeface="Monaco" pitchFamily="2" charset="77"/>
-              </a:rPr>
-              <a:t>(</a:t>
-            </a:r>
-            <a:r>
-              <a:rPr lang="en-US" sz="1200" dirty="0" err="1">
-                <a:solidFill>
-                  <a:srgbClr val="000000"/>
-                </a:solidFill>
-                <a:latin typeface="Monaco" pitchFamily="2" charset="77"/>
-              </a:rPr>
-              <a:t>logit_p</a:t>
-            </a:r>
-            <a:r>
-              <a:rPr lang="en-US" sz="1200" dirty="0">
-                <a:solidFill>
-                  <a:srgbClr val="000000"/>
-                </a:solidFill>
-                <a:latin typeface="Monaco" pitchFamily="2" charset="77"/>
-              </a:rPr>
-              <a:t>)+1)</a:t>
-            </a:r>
-          </a:p>
-          <a:p>
-            <a:r>
-              <a:rPr lang="en-US" sz="1200" dirty="0">
-                <a:solidFill>
-                  <a:srgbClr val="000000"/>
-                </a:solidFill>
-                <a:latin typeface="Monaco" pitchFamily="2" charset="77"/>
-              </a:rPr>
-              <a:t>  </a:t>
-            </a:r>
-            <a:r>
-              <a:rPr lang="en-US" sz="1200" dirty="0" err="1">
-                <a:solidFill>
-                  <a:srgbClr val="000000"/>
-                </a:solidFill>
-                <a:latin typeface="Monaco" pitchFamily="2" charset="77"/>
-              </a:rPr>
-              <a:t>minusll</a:t>
-            </a:r>
-            <a:r>
-              <a:rPr lang="en-US" sz="1200" dirty="0">
-                <a:solidFill>
-                  <a:srgbClr val="000000"/>
-                </a:solidFill>
-                <a:latin typeface="Monaco" pitchFamily="2" charset="77"/>
-              </a:rPr>
-              <a:t> &lt;- -sum(</a:t>
-            </a:r>
-            <a:r>
-              <a:rPr lang="en-US" sz="1200" dirty="0" err="1">
-                <a:solidFill>
-                  <a:srgbClr val="000000"/>
-                </a:solidFill>
-                <a:latin typeface="Monaco" pitchFamily="2" charset="77"/>
-              </a:rPr>
-              <a:t>dbinom</a:t>
-            </a:r>
-            <a:r>
-              <a:rPr lang="en-US" sz="1200" dirty="0">
-                <a:solidFill>
-                  <a:srgbClr val="000000"/>
-                </a:solidFill>
-                <a:latin typeface="Monaco" pitchFamily="2" charset="77"/>
-              </a:rPr>
-              <a:t>(mat, 1, p, log = TRUE))</a:t>
-            </a:r>
-          </a:p>
-          <a:p>
-            <a:r>
-              <a:rPr lang="en-US" sz="1200" dirty="0">
-                <a:solidFill>
-                  <a:srgbClr val="000000"/>
-                </a:solidFill>
-                <a:latin typeface="Monaco" pitchFamily="2" charset="77"/>
-              </a:rPr>
-              <a:t>  return(</a:t>
-            </a:r>
-            <a:r>
-              <a:rPr lang="en-US" sz="1200" dirty="0" err="1">
-                <a:solidFill>
-                  <a:srgbClr val="000000"/>
-                </a:solidFill>
-                <a:latin typeface="Monaco" pitchFamily="2" charset="77"/>
-              </a:rPr>
-              <a:t>minusll</a:t>
-            </a:r>
-            <a:r>
-              <a:rPr lang="en-US" sz="1200" dirty="0">
-                <a:solidFill>
-                  <a:srgbClr val="000000"/>
-                </a:solidFill>
-                <a:latin typeface="Monaco" pitchFamily="2" charset="77"/>
-              </a:rPr>
-              <a:t>)</a:t>
-            </a:r>
-          </a:p>
-          <a:p>
-            <a:r>
-              <a:rPr lang="en-US" sz="1200" dirty="0">
-                <a:solidFill>
-                  <a:srgbClr val="000000"/>
-                </a:solidFill>
-                <a:latin typeface="Monaco" pitchFamily="2" charset="77"/>
-              </a:rPr>
-              <a:t>}</a:t>
-            </a:r>
-          </a:p>
-          <a:p>
-            <a:endParaRPr lang="en-US" sz="1600" b="0" i="0" u="none" strike="noStrike" dirty="0">
-              <a:solidFill>
-                <a:srgbClr val="000000"/>
-              </a:solidFill>
-              <a:effectLst/>
-              <a:latin typeface="Optima-Regular" panose="02000503060000020004" pitchFamily="2" charset="0"/>
-            </a:endParaRPr>
-          </a:p>
-          <a:p>
-            <a:r>
-              <a:rPr lang="en-US" sz="1600" b="0" i="1" u="none" strike="noStrike" dirty="0">
-                <a:solidFill>
-                  <a:srgbClr val="000000"/>
-                </a:solidFill>
-                <a:effectLst/>
-                <a:latin typeface="Optima-Regular" panose="02000503060000020004" pitchFamily="2" charset="0"/>
-              </a:rPr>
-              <a:t>p</a:t>
-            </a:r>
-            <a:r>
-              <a:rPr lang="en-US" sz="1600" b="0" i="0" u="none" strike="noStrike" dirty="0">
-                <a:solidFill>
-                  <a:srgbClr val="000000"/>
-                </a:solidFill>
-                <a:effectLst/>
-                <a:latin typeface="Optima-Regular" panose="02000503060000020004" pitchFamily="2" charset="0"/>
-              </a:rPr>
-              <a:t> is the probability that a snail will be adult, given its size (on natural logarithm scale), the average size at which snails become adult (</a:t>
-            </a:r>
-            <a:r>
-              <a:rPr lang="en-US" sz="1600" b="0" i="1" u="none" strike="noStrike" dirty="0">
-                <a:solidFill>
-                  <a:srgbClr val="000000"/>
-                </a:solidFill>
-                <a:effectLst/>
-                <a:latin typeface="Optima-Regular" panose="02000503060000020004" pitchFamily="2" charset="0"/>
-              </a:rPr>
-              <a:t>mean</a:t>
-            </a:r>
-            <a:r>
-              <a:rPr lang="en-US" sz="1600" b="0" i="0" u="none" strike="noStrike" dirty="0">
-                <a:solidFill>
-                  <a:srgbClr val="000000"/>
-                </a:solidFill>
-                <a:effectLst/>
-                <a:latin typeface="Optima-Regular" panose="02000503060000020004" pitchFamily="2" charset="0"/>
-              </a:rPr>
-              <a:t>) and a slope (</a:t>
-            </a:r>
-            <a:r>
-              <a:rPr lang="en-US" sz="1600" b="0" i="1" u="none" strike="noStrike" dirty="0">
-                <a:solidFill>
-                  <a:srgbClr val="000000"/>
-                </a:solidFill>
-                <a:effectLst/>
-                <a:latin typeface="Optima-Regular" panose="02000503060000020004" pitchFamily="2" charset="0"/>
-              </a:rPr>
-              <a:t>slope</a:t>
-            </a:r>
-            <a:r>
-              <a:rPr lang="en-US" sz="1600" b="0" i="0" u="none" strike="noStrike" dirty="0">
-                <a:solidFill>
-                  <a:srgbClr val="000000"/>
-                </a:solidFill>
-                <a:effectLst/>
-                <a:latin typeface="Optima-Regular" panose="02000503060000020004" pitchFamily="2" charset="0"/>
-              </a:rPr>
-              <a:t>) that determines how variable the size at maturity is.</a:t>
-            </a:r>
-          </a:p>
-        </p:txBody>
-      </p:sp>
       <p:graphicFrame>
         <p:nvGraphicFramePr>
           <p:cNvPr id="4" name="Table 3">
@@ -4021,13 +3953,13 @@
           <p:nvPr>
             <p:extLst>
               <p:ext uri="{D42A27DB-BD31-4B8C-83A1-F6EECF244321}">
-                <p14:modId xmlns:p14="http://schemas.microsoft.com/office/powerpoint/2010/main" val="3019906732"/>
+                <p14:modId xmlns:p14="http://schemas.microsoft.com/office/powerpoint/2010/main" val="25100393"/>
               </p:ext>
             </p:extLst>
           </p:nvPr>
         </p:nvGraphicFramePr>
         <p:xfrm>
-          <a:off x="133390" y="4752945"/>
+          <a:off x="133390" y="5133945"/>
           <a:ext cx="4680000" cy="660870"/>
         </p:xfrm>
         <a:graphic>
@@ -4258,7 +4190,7 @@
         </p:nvSpPr>
         <p:spPr>
           <a:xfrm>
-            <a:off x="69594" y="5427991"/>
+            <a:off x="69594" y="5808991"/>
             <a:ext cx="3397084" cy="253916"/>
           </a:xfrm>
           <a:prstGeom prst="rect">
@@ -4318,7 +4250,7 @@
               <a:rPr lang="en-GB" sz="1000" i="1" dirty="0">
                 <a:latin typeface="Optima" panose="02000503060000020004" pitchFamily="2" charset="0"/>
               </a:rPr>
-              <a:t>Figure 102. Relationship between probability of maturity and size. Fitted curve in orange is superimposed on the observed proportions of mature snails(blue dots - proportions of adult snails for size bins. Blue error bars – 2.5th and 97.5th percentiles).</a:t>
+              <a:t>Figure 102a. Relationship between probability of maturity and size. Fitted curve in orange is superimposed on the observed proportions of mature snails(blue dots - proportions of adult snails for size bins. Blue error bars – 2.5th and 97.5th percentiles).</a:t>
             </a:r>
           </a:p>
         </p:txBody>
@@ -4391,7 +4323,7 @@
               <a:rPr lang="en-GB" sz="1200" dirty="0">
                 <a:latin typeface="Optima" panose="02000503060000020004" pitchFamily="2" charset="0"/>
               </a:rPr>
-              <a:t>SE of the fitted is missing because I was not sure how to compute it. I know that for a simple logit model</a:t>
+              <a:t>SE of the fitted curve is missing because I was not sure how to compute it. I know that for a simple logit model</a:t>
             </a:r>
           </a:p>
           <a:p>
@@ -4659,10 +4591,91 @@
           </a:p>
         </p:txBody>
       </p:sp>
+      <p:sp>
+        <p:nvSpPr>
+          <p:cNvPr id="9" name="Rectangle 8">
+            <a:extLst>
+              <a:ext uri="{FF2B5EF4-FFF2-40B4-BE49-F238E27FC236}">
+                <a16:creationId xmlns:a16="http://schemas.microsoft.com/office/drawing/2014/main" id="{153A4B30-66DE-9245-9491-D642209007BE}"/>
+              </a:ext>
+            </a:extLst>
+          </p:cNvPr>
+          <p:cNvSpPr/>
+          <p:nvPr/>
+        </p:nvSpPr>
+        <p:spPr>
+          <a:xfrm>
+            <a:off x="133390" y="717306"/>
+            <a:ext cx="5388334" cy="2308324"/>
+          </a:xfrm>
+          <a:prstGeom prst="rect">
+            <a:avLst/>
+          </a:prstGeom>
+        </p:spPr>
+        <p:txBody>
+          <a:bodyPr wrap="square">
+            <a:spAutoFit/>
+          </a:bodyPr>
+          <a:lstStyle/>
+          <a:p>
+            <a:r>
+              <a:rPr lang="en-US" sz="1600" dirty="0">
+                <a:solidFill>
+                  <a:srgbClr val="0070C0"/>
+                </a:solidFill>
+                <a:latin typeface="Optima-Regular" panose="02000503060000020004" pitchFamily="2" charset="0"/>
+              </a:rPr>
+              <a:t>Given the logistic fit, a value for 'size at maturity' is the intercept (1.91 +/- 0.02 in slide 2) because this is the size at 50% probability of maturity (zero on the logit scale). If we had such an estimate for each tank and each generation, this could be treated as a trait in the plasticity analysis, just like weight, boldness etc. Adding tank to the analysis would give these separate estimates, I guess, or there might be enough data to do the analysis separately for each tank (and generation) (Model 3).</a:t>
+            </a:r>
+            <a:endParaRPr lang="en-GB" sz="1600" dirty="0">
+              <a:solidFill>
+                <a:srgbClr val="0070C0"/>
+              </a:solidFill>
+            </a:endParaRPr>
+          </a:p>
+        </p:txBody>
+      </p:sp>
+      <p:sp>
+        <p:nvSpPr>
+          <p:cNvPr id="10" name="TextBox 9">
+            <a:extLst>
+              <a:ext uri="{FF2B5EF4-FFF2-40B4-BE49-F238E27FC236}">
+                <a16:creationId xmlns:a16="http://schemas.microsoft.com/office/drawing/2014/main" id="{77FF0501-BC81-1442-8F6F-4457553CA30E}"/>
+              </a:ext>
+            </a:extLst>
+          </p:cNvPr>
+          <p:cNvSpPr txBox="1"/>
+          <p:nvPr/>
+        </p:nvSpPr>
+        <p:spPr>
+          <a:xfrm>
+            <a:off x="69594" y="4746535"/>
+            <a:ext cx="4906926" cy="400110"/>
+          </a:xfrm>
+          <a:prstGeom prst="rect">
+            <a:avLst/>
+          </a:prstGeom>
+          <a:noFill/>
+        </p:spPr>
+        <p:txBody>
+          <a:bodyPr wrap="square" rtlCol="0">
+            <a:spAutoFit/>
+          </a:bodyPr>
+          <a:lstStyle/>
+          <a:p>
+            <a:r>
+              <a:rPr lang="en-GB" sz="1000" i="1" dirty="0">
+                <a:latin typeface="Optima" panose="02000503060000020004" pitchFamily="2" charset="0"/>
+              </a:rPr>
+              <a:t>Table 101. Maximum likelihood estimates of the parameters. The model was fitted to all the samples combined (Model 1).</a:t>
+            </a:r>
+          </a:p>
+        </p:txBody>
+      </p:sp>
     </p:spTree>
     <p:extLst>
       <p:ext uri="{BB962C8B-B14F-4D97-AF65-F5344CB8AC3E}">
-        <p14:creationId xmlns:p14="http://schemas.microsoft.com/office/powerpoint/2010/main" val="1243145709"/>
+        <p14:creationId xmlns:p14="http://schemas.microsoft.com/office/powerpoint/2010/main" val="3851005987"/>
       </p:ext>
     </p:extLst>
   </p:cSld>
@@ -4672,7 +4685,7 @@
 </p:sld>
 </file>
 
-<file path=ppt/slides/slide3.xml><?xml version="1.0" encoding="utf-8"?>
+<file path=ppt/slides/slide12.xml><?xml version="1.0" encoding="utf-8"?>
 <p:sld xmlns:a="http://schemas.openxmlformats.org/drawingml/2006/main" xmlns:r="http://schemas.openxmlformats.org/officeDocument/2006/relationships" xmlns:p="http://schemas.openxmlformats.org/presentationml/2006/main">
   <p:cSld>
     <p:spTree>
@@ -4691,10 +4704,84 @@
       </p:grpSpPr>
       <p:sp>
         <p:nvSpPr>
-          <p:cNvPr id="2" name="Rectangle 1">
-            <a:extLst>
-              <a:ext uri="{FF2B5EF4-FFF2-40B4-BE49-F238E27FC236}">
-                <a16:creationId xmlns:a16="http://schemas.microsoft.com/office/drawing/2014/main" id="{8762CA48-BE08-004A-9443-BC488A3FFC55}"/>
+          <p:cNvPr id="8" name="TextBox 7">
+            <a:extLst>
+              <a:ext uri="{FF2B5EF4-FFF2-40B4-BE49-F238E27FC236}">
+                <a16:creationId xmlns:a16="http://schemas.microsoft.com/office/drawing/2014/main" id="{0A8A04AC-8CA9-854E-8274-3F4FB2281C3B}"/>
+              </a:ext>
+            </a:extLst>
+          </p:cNvPr>
+          <p:cNvSpPr txBox="1"/>
+          <p:nvPr/>
+        </p:nvSpPr>
+        <p:spPr>
+          <a:xfrm>
+            <a:off x="7022804" y="3579628"/>
+            <a:ext cx="4906926" cy="553998"/>
+          </a:xfrm>
+          <a:prstGeom prst="rect">
+            <a:avLst/>
+          </a:prstGeom>
+          <a:noFill/>
+        </p:spPr>
+        <p:txBody>
+          <a:bodyPr wrap="square" rtlCol="0">
+            <a:spAutoFit/>
+          </a:bodyPr>
+          <a:lstStyle/>
+          <a:p>
+            <a:r>
+              <a:rPr lang="en-GB" sz="1000" i="1" dirty="0">
+                <a:latin typeface="Optima" panose="02000503060000020004" pitchFamily="2" charset="0"/>
+              </a:rPr>
+              <a:t>Figure 102. Relationship between probability of maturity and size. Fitted curve in orange is superimposed on the observed proportions of mature snails(blue dots - proportions of adult snails for size bins. Blue error bars – 2.5th and 97.5th percentiles).</a:t>
+            </a:r>
+          </a:p>
+        </p:txBody>
+      </p:sp>
+      <p:sp>
+        <p:nvSpPr>
+          <p:cNvPr id="15" name="TextBox 14">
+            <a:extLst>
+              <a:ext uri="{FF2B5EF4-FFF2-40B4-BE49-F238E27FC236}">
+                <a16:creationId xmlns:a16="http://schemas.microsoft.com/office/drawing/2014/main" id="{3B141816-BF8B-7840-B8D0-8D8D47593700}"/>
+              </a:ext>
+            </a:extLst>
+          </p:cNvPr>
+          <p:cNvSpPr txBox="1"/>
+          <p:nvPr/>
+        </p:nvSpPr>
+        <p:spPr>
+          <a:xfrm>
+            <a:off x="133390" y="279147"/>
+            <a:ext cx="2662908" cy="369332"/>
+          </a:xfrm>
+          <a:prstGeom prst="rect">
+            <a:avLst/>
+          </a:prstGeom>
+          <a:noFill/>
+        </p:spPr>
+        <p:txBody>
+          <a:bodyPr wrap="none" rtlCol="0">
+            <a:spAutoFit/>
+          </a:bodyPr>
+          <a:lstStyle/>
+          <a:p>
+            <a:r>
+              <a:rPr lang="en-GB" b="1" dirty="0">
+                <a:latin typeface="Optima" panose="02000503060000020004" pitchFamily="2" charset="0"/>
+              </a:rPr>
+              <a:t>Model 3: tank difference</a:t>
+            </a:r>
+          </a:p>
+        </p:txBody>
+      </p:sp>
+      <p:sp>
+        <p:nvSpPr>
+          <p:cNvPr id="9" name="Rectangle 8">
+            <a:extLst>
+              <a:ext uri="{FF2B5EF4-FFF2-40B4-BE49-F238E27FC236}">
+                <a16:creationId xmlns:a16="http://schemas.microsoft.com/office/drawing/2014/main" id="{153A4B30-66DE-9245-9491-D642209007BE}"/>
               </a:ext>
             </a:extLst>
           </p:cNvPr>
@@ -4703,27 +4790,176 @@
         </p:nvSpPr>
         <p:spPr>
           <a:xfrm>
-            <a:off x="133390" y="900219"/>
-            <a:ext cx="6096000" cy="3539430"/>
+            <a:off x="133390" y="717306"/>
+            <a:ext cx="5388334" cy="2308324"/>
           </a:xfrm>
           <a:prstGeom prst="rect">
             <a:avLst/>
           </a:prstGeom>
         </p:spPr>
         <p:txBody>
+          <a:bodyPr wrap="square">
+            <a:spAutoFit/>
+          </a:bodyPr>
+          <a:lstStyle/>
+          <a:p>
+            <a:r>
+              <a:rPr lang="en-US" sz="1600" dirty="0">
+                <a:solidFill>
+                  <a:srgbClr val="0070C0"/>
+                </a:solidFill>
+                <a:latin typeface="Optima-Regular" panose="02000503060000020004" pitchFamily="2" charset="0"/>
+              </a:rPr>
+              <a:t>Given the logistic fit, a value for 'size at maturity' is the intercept (1.91 +/- 0.02 in slide 2) because this is the size at 50% probability of maturity (zero on the logit scale). If we had such an estimate for each tank and each generation, this could be treated as a trait in the plasticity analysis, just like weight, boldness etc. Adding tank to the analysis would give these separate estimates, I guess, or there might be enough data to do the analysis separately for each tank (and generation) (Model 3).</a:t>
+            </a:r>
+            <a:endParaRPr lang="en-GB" sz="1600" dirty="0">
+              <a:solidFill>
+                <a:srgbClr val="0070C0"/>
+              </a:solidFill>
+            </a:endParaRPr>
+          </a:p>
+        </p:txBody>
+      </p:sp>
+    </p:spTree>
+    <p:extLst>
+      <p:ext uri="{BB962C8B-B14F-4D97-AF65-F5344CB8AC3E}">
+        <p14:creationId xmlns:p14="http://schemas.microsoft.com/office/powerpoint/2010/main" val="2761302379"/>
+      </p:ext>
+    </p:extLst>
+  </p:cSld>
+  <p:clrMapOvr>
+    <a:masterClrMapping/>
+  </p:clrMapOvr>
+</p:sld>
+</file>
+
+<file path=ppt/slides/slide2.xml><?xml version="1.0" encoding="utf-8"?>
+<p:sld xmlns:a="http://schemas.openxmlformats.org/drawingml/2006/main" xmlns:r="http://schemas.openxmlformats.org/officeDocument/2006/relationships" xmlns:p="http://schemas.openxmlformats.org/presentationml/2006/main">
+  <p:cSld>
+    <p:spTree>
+      <p:nvGrpSpPr>
+        <p:cNvPr id="1" name=""/>
+        <p:cNvGrpSpPr/>
+        <p:nvPr/>
+      </p:nvGrpSpPr>
+      <p:grpSpPr>
+        <a:xfrm>
+          <a:off x="0" y="0"/>
+          <a:ext cx="0" cy="0"/>
+          <a:chOff x="0" y="0"/>
+          <a:chExt cx="0" cy="0"/>
+        </a:xfrm>
+      </p:grpSpPr>
+      <p:sp>
+        <p:nvSpPr>
+          <p:cNvPr id="2" name="Rectangle 1">
+            <a:extLst>
+              <a:ext uri="{FF2B5EF4-FFF2-40B4-BE49-F238E27FC236}">
+                <a16:creationId xmlns:a16="http://schemas.microsoft.com/office/drawing/2014/main" id="{8762CA48-BE08-004A-9443-BC488A3FFC55}"/>
+              </a:ext>
+            </a:extLst>
+          </p:cNvPr>
+          <p:cNvSpPr/>
+          <p:nvPr/>
+        </p:nvSpPr>
+        <p:spPr>
+          <a:xfrm>
+            <a:off x="133390" y="900219"/>
+            <a:ext cx="6096000" cy="3662541"/>
+          </a:xfrm>
+          <a:prstGeom prst="rect">
+            <a:avLst/>
+          </a:prstGeom>
+        </p:spPr>
+        <p:txBody>
           <a:bodyPr>
             <a:spAutoFit/>
           </a:bodyPr>
           <a:lstStyle/>
           <a:p>
             <a:r>
-              <a:rPr lang="en-US" sz="1600" dirty="0">
-                <a:solidFill>
-                  <a:srgbClr val="0070C0"/>
-                </a:solidFill>
+              <a:rPr lang="en-US" sz="1600" b="0" i="0" u="none" strike="noStrike" dirty="0">
+                <a:solidFill>
+                  <a:srgbClr val="000000"/>
+                </a:solidFill>
+                <a:effectLst/>
                 <a:latin typeface="Optima-Regular" panose="02000503060000020004" pitchFamily="2" charset="0"/>
               </a:rPr>
-              <a:t>It is odd that the probability of maturity falls off for the largest size classes. This could be 'experimenter error' or, for field samples at least, it could be due to parasitism (sterilized individuals grow bigger). There is probably a case for cleaning out some of the outliers.</a:t>
+              <a:t>Fitting a model where the probability of maturity changes with size. Individuals classified as “immature” were treated as juvenile and no distinction was made between males and females.</a:t>
+            </a:r>
+          </a:p>
+          <a:p>
+            <a:endParaRPr lang="en-US" sz="1600" dirty="0">
+              <a:solidFill>
+                <a:srgbClr val="000000"/>
+              </a:solidFill>
+              <a:latin typeface="Optima-Regular" panose="02000503060000020004" pitchFamily="2" charset="0"/>
+            </a:endParaRPr>
+          </a:p>
+          <a:p>
+            <a:r>
+              <a:rPr lang="en-US" sz="1200" noProof="1">
+                <a:solidFill>
+                  <a:srgbClr val="000000"/>
+                </a:solidFill>
+                <a:latin typeface="Monaco" pitchFamily="2" charset="77"/>
+              </a:rPr>
+              <a:t>s_mat &lt;- function(size, mat, mean, slope) {</a:t>
+            </a:r>
+          </a:p>
+          <a:p>
+            <a:r>
+              <a:rPr lang="en-US" sz="1200" noProof="1">
+                <a:solidFill>
+                  <a:srgbClr val="000000"/>
+                </a:solidFill>
+                <a:latin typeface="Monaco" pitchFamily="2" charset="77"/>
+              </a:rPr>
+              <a:t>  logit_p &lt;- (size - mean) / slope</a:t>
+            </a:r>
+          </a:p>
+          <a:p>
+            <a:r>
+              <a:rPr lang="en-US" sz="1200" noProof="1">
+                <a:solidFill>
+                  <a:srgbClr val="000000"/>
+                </a:solidFill>
+                <a:latin typeface="Monaco" pitchFamily="2" charset="77"/>
+              </a:rPr>
+              <a:t>  p &lt;- exp(logit_p) / (exp(logit_p)+1)</a:t>
+            </a:r>
+          </a:p>
+          <a:p>
+            <a:r>
+              <a:rPr lang="en-US" sz="1200" noProof="1">
+                <a:solidFill>
+                  <a:srgbClr val="000000"/>
+                </a:solidFill>
+                <a:latin typeface="Monaco" pitchFamily="2" charset="77"/>
+              </a:rPr>
+              <a:t>  minusll &lt;- -sum(dbinom(mat, 1, p, log = TRUE))</a:t>
+            </a:r>
+          </a:p>
+          <a:p>
+            <a:r>
+              <a:rPr lang="en-US" sz="1200" noProof="1">
+                <a:solidFill>
+                  <a:srgbClr val="000000"/>
+                </a:solidFill>
+                <a:latin typeface="Monaco" pitchFamily="2" charset="77"/>
+              </a:rPr>
+              <a:t>  return(minusll)</a:t>
+            </a:r>
+          </a:p>
+          <a:p>
+            <a:r>
+              <a:rPr lang="en-US" sz="1200" noProof="1">
+                <a:solidFill>
+                  <a:srgbClr val="000000"/>
+                </a:solidFill>
+                <a:latin typeface="Monaco" pitchFamily="2" charset="77"/>
+              </a:rPr>
+              <a:t>}</a:t>
             </a:r>
           </a:p>
           <a:p>
@@ -4737,35 +4973,74 @@
           </a:p>
           <a:p>
             <a:r>
-              <a:rPr lang="en-US" sz="1600" b="0" u="none" strike="noStrike" dirty="0">
+              <a:rPr lang="en-US" sz="1600" b="0" i="1" u="none" strike="noStrike" dirty="0">
                 <a:solidFill>
                   <a:srgbClr val="000000"/>
                 </a:solidFill>
                 <a:effectLst/>
                 <a:latin typeface="Optima-Regular" panose="02000503060000020004" pitchFamily="2" charset="0"/>
               </a:rPr>
-              <a:t>Perhaps parasitism can also be </a:t>
-            </a:r>
-            <a:r>
-              <a:rPr lang="en-US" sz="1600" dirty="0">
-                <a:solidFill>
-                  <a:srgbClr val="000000"/>
-                </a:solidFill>
-                <a:latin typeface="Optima-Regular" panose="02000503060000020004" pitchFamily="2" charset="0"/>
-              </a:rPr>
-              <a:t>considered as “experimenter error” because the data do not include field samples that were recorded as parasitized. However, filtering parasitized field samples does not exclude those that might have been parasitized but parasites were not detected.</a:t>
-            </a:r>
-          </a:p>
-          <a:p>
-            <a:r>
-              <a:rPr lang="en-US" sz="1600" b="0" u="none" strike="noStrike" dirty="0">
+              <a:t>p</a:t>
+            </a:r>
+            <a:r>
+              <a:rPr lang="en-US" sz="1600" b="0" i="0" u="none" strike="noStrike" dirty="0">
                 <a:solidFill>
                   <a:srgbClr val="000000"/>
                 </a:solidFill>
                 <a:effectLst/>
                 <a:latin typeface="Optima-Regular" panose="02000503060000020004" pitchFamily="2" charset="0"/>
               </a:rPr>
-              <a:t>The juvenile class contains several snails that are as large as adults (Fig. 101) and I expect that if I remove those samples, the probability of maturity does not fall off.</a:t>
+              <a:t> is the probability that a snail will be adult, given its size (on natural logarithm scale), </a:t>
+            </a:r>
+            <a:r>
+              <a:rPr lang="en-US" sz="1600" b="0" i="1" u="none" strike="noStrike" dirty="0">
+                <a:solidFill>
+                  <a:srgbClr val="000000"/>
+                </a:solidFill>
+                <a:effectLst/>
+                <a:latin typeface="Optima-Regular" panose="02000503060000020004" pitchFamily="2" charset="0"/>
+              </a:rPr>
+              <a:t>mean </a:t>
+            </a:r>
+            <a:r>
+              <a:rPr lang="en-US" sz="1600" b="0" u="none" strike="noStrike" dirty="0">
+                <a:solidFill>
+                  <a:srgbClr val="000000"/>
+                </a:solidFill>
+                <a:effectLst/>
+                <a:latin typeface="Optima-Regular" panose="02000503060000020004" pitchFamily="2" charset="0"/>
+              </a:rPr>
+              <a:t>is </a:t>
+            </a:r>
+            <a:r>
+              <a:rPr lang="en-US" sz="1600" b="0" i="0" u="none" strike="noStrike" dirty="0">
+                <a:solidFill>
+                  <a:srgbClr val="000000"/>
+                </a:solidFill>
+                <a:effectLst/>
+                <a:latin typeface="Optima-Regular" panose="02000503060000020004" pitchFamily="2" charset="0"/>
+              </a:rPr>
+              <a:t>the average size at which snails become adult and </a:t>
+            </a:r>
+            <a:r>
+              <a:rPr lang="en-US" sz="1600" b="0" i="1" u="none" strike="noStrike" dirty="0">
+                <a:solidFill>
+                  <a:srgbClr val="000000"/>
+                </a:solidFill>
+                <a:effectLst/>
+                <a:latin typeface="Optima-Regular" panose="02000503060000020004" pitchFamily="2" charset="0"/>
+              </a:rPr>
+              <a:t>slope</a:t>
+            </a:r>
+            <a:r>
+              <a:rPr lang="en-US" sz="1600" b="0" i="0" u="none" strike="noStrike" dirty="0">
+                <a:solidFill>
+                  <a:srgbClr val="000000"/>
+                </a:solidFill>
+                <a:effectLst/>
+                <a:latin typeface="Optima-Regular" panose="02000503060000020004" pitchFamily="2" charset="0"/>
+              </a:rPr>
+              <a:t> determines how variable the size at maturity is. There are two parameters in total and they are assumed to be constant across generations and populations.</a:t>
             </a:r>
           </a:p>
         </p:txBody>
@@ -4783,11 +5058,15 @@
             <a:graphicFrameLocks noGrp="1"/>
           </p:cNvGraphicFramePr>
           <p:nvPr>
-            <p:extLst/>
+            <p:extLst>
+              <p:ext uri="{D42A27DB-BD31-4B8C-83A1-F6EECF244321}">
+                <p14:modId xmlns:p14="http://schemas.microsoft.com/office/powerpoint/2010/main" val="2221161307"/>
+              </p:ext>
+            </p:extLst>
           </p:nvPr>
         </p:nvGraphicFramePr>
         <p:xfrm>
-          <a:off x="133390" y="4752945"/>
+          <a:off x="133390" y="5146645"/>
           <a:ext cx="4680000" cy="660870"/>
         </p:xfrm>
         <a:graphic>
@@ -5018,7 +5297,7 @@
         </p:nvSpPr>
         <p:spPr>
           <a:xfrm>
-            <a:off x="69594" y="5427991"/>
+            <a:off x="69594" y="5821691"/>
             <a:ext cx="3397084" cy="253916"/>
           </a:xfrm>
           <a:prstGeom prst="rect">
@@ -5078,7 +5357,7 @@
               <a:rPr lang="en-GB" sz="1000" i="1" dirty="0">
                 <a:latin typeface="Optima" panose="02000503060000020004" pitchFamily="2" charset="0"/>
               </a:rPr>
-              <a:t>Figure 102. Relationship between probability of maturity and size. Fitted curve in orange is superimposed on the observed proportions of mature snails(blue dots - proportions of adult snails for size bins. Blue error bars – 2.5th and 97.5th percentiles).</a:t>
+              <a:t>Figure 102a. Relationship between probability of maturity and size. Fitted curve in orange is superimposed on the observed proportions of mature snails(blue dots - proportions of adult snails for size bins. Blue error bars – 2.5th and 97.5th percentiles).</a:t>
             </a:r>
           </a:p>
         </p:txBody>
@@ -5151,111 +5430,33 @@
               <a:rPr lang="en-GB" sz="1200" dirty="0">
                 <a:latin typeface="Optima" panose="02000503060000020004" pitchFamily="2" charset="0"/>
               </a:rPr>
-              <a:t>SE of the fitted is missing because I was not sure how to compute it. I know that for a simple logit model</a:t>
-            </a:r>
-          </a:p>
-          <a:p>
-            <a:r>
-              <a:rPr lang="en-GB" sz="700" dirty="0" err="1">
-                <a:latin typeface="Monaco" pitchFamily="2" charset="77"/>
-              </a:rPr>
-              <a:t>dat</a:t>
-            </a:r>
-            <a:r>
-              <a:rPr lang="en-GB" sz="700" dirty="0">
-                <a:latin typeface="Monaco" pitchFamily="2" charset="77"/>
-              </a:rPr>
-              <a:t> &lt;- </a:t>
-            </a:r>
-            <a:r>
-              <a:rPr lang="en-GB" sz="700" dirty="0" err="1">
-                <a:latin typeface="Monaco" pitchFamily="2" charset="77"/>
-              </a:rPr>
-              <a:t>data.frame</a:t>
-            </a:r>
-            <a:r>
-              <a:rPr lang="en-GB" sz="700" dirty="0">
-                <a:latin typeface="Monaco" pitchFamily="2" charset="77"/>
-              </a:rPr>
-              <a:t>(x = </a:t>
-            </a:r>
-            <a:r>
-              <a:rPr lang="en-GB" sz="700" dirty="0" err="1">
-                <a:latin typeface="Monaco" pitchFamily="2" charset="77"/>
-              </a:rPr>
-              <a:t>runif</a:t>
-            </a:r>
-            <a:r>
-              <a:rPr lang="en-GB" sz="700" dirty="0">
-                <a:latin typeface="Monaco" pitchFamily="2" charset="77"/>
-              </a:rPr>
-              <a:t>(20), y = </a:t>
-            </a:r>
-            <a:r>
-              <a:rPr lang="en-GB" sz="700" dirty="0" err="1">
-                <a:latin typeface="Monaco" pitchFamily="2" charset="77"/>
-              </a:rPr>
-              <a:t>rbinom</a:t>
-            </a:r>
-            <a:r>
-              <a:rPr lang="en-GB" sz="700" dirty="0">
-                <a:latin typeface="Monaco" pitchFamily="2" charset="77"/>
-              </a:rPr>
-              <a:t>(20, 1, .5), z = </a:t>
-            </a:r>
-            <a:r>
-              <a:rPr lang="en-GB" sz="700" dirty="0" err="1">
-                <a:latin typeface="Monaco" pitchFamily="2" charset="77"/>
-              </a:rPr>
-              <a:t>runif</a:t>
-            </a:r>
-            <a:r>
-              <a:rPr lang="en-GB" sz="700" dirty="0">
-                <a:latin typeface="Monaco" pitchFamily="2" charset="77"/>
-              </a:rPr>
-              <a:t>(20))</a:t>
-            </a:r>
-          </a:p>
-          <a:p>
-            <a:r>
-              <a:rPr lang="en-GB" sz="700" dirty="0">
-                <a:latin typeface="Monaco" pitchFamily="2" charset="77"/>
-              </a:rPr>
-              <a:t>o &lt;- </a:t>
-            </a:r>
-            <a:r>
-              <a:rPr lang="en-GB" sz="700" dirty="0" err="1">
-                <a:latin typeface="Monaco" pitchFamily="2" charset="77"/>
-              </a:rPr>
-              <a:t>glm</a:t>
-            </a:r>
-            <a:r>
-              <a:rPr lang="en-GB" sz="700" dirty="0">
-                <a:latin typeface="Monaco" pitchFamily="2" charset="77"/>
-              </a:rPr>
-              <a:t>(y ~ x, data = </a:t>
-            </a:r>
-            <a:r>
-              <a:rPr lang="en-GB" sz="700" dirty="0" err="1">
-                <a:latin typeface="Monaco" pitchFamily="2" charset="77"/>
-              </a:rPr>
-              <a:t>dat</a:t>
-            </a:r>
-            <a:r>
-              <a:rPr lang="en-GB" sz="700" dirty="0">
-                <a:latin typeface="Monaco" pitchFamily="2" charset="77"/>
-              </a:rPr>
-              <a:t>)</a:t>
-            </a:r>
-          </a:p>
-          <a:p>
-            <a:endParaRPr lang="en-GB" sz="1200" dirty="0">
+              <a:t>SE of the fitted curve is missing because I was not sure how to compute it. I know that for a simple logit model</a:t>
+            </a:r>
+          </a:p>
+          <a:p>
+            <a:r>
+              <a:rPr lang="en-GB" sz="700" noProof="1">
+                <a:latin typeface="Monaco" pitchFamily="2" charset="77"/>
+              </a:rPr>
+              <a:t>dat &lt;- data.frame(x = runif(20), y = rbinom(20, 1, .5), z = runif(20))</a:t>
+            </a:r>
+          </a:p>
+          <a:p>
+            <a:r>
+              <a:rPr lang="en-GB" sz="700" noProof="1">
+                <a:latin typeface="Monaco" pitchFamily="2" charset="77"/>
+              </a:rPr>
+              <a:t>o &lt;- glm(y ~ x, data = dat)</a:t>
+            </a:r>
+          </a:p>
+          <a:p>
+            <a:endParaRPr lang="en-GB" sz="1200" noProof="1">
               <a:latin typeface="Optima" panose="02000503060000020004" pitchFamily="2" charset="0"/>
             </a:endParaRPr>
           </a:p>
           <a:p>
             <a:r>
-              <a:rPr lang="en-GB" sz="1200" dirty="0">
+              <a:rPr lang="en-GB" sz="1200" noProof="1">
                 <a:latin typeface="Optima" panose="02000503060000020004" pitchFamily="2" charset="0"/>
               </a:rPr>
               <a:t>I can calculate SE at a given x as:</a:t>
@@ -5263,7 +5464,7 @@
           </a:p>
           <a:p>
             <a:r>
-              <a:rPr lang="en-US" sz="700" dirty="0">
+              <a:rPr lang="en-US" sz="700" noProof="1">
                 <a:latin typeface="Monaco" pitchFamily="2" charset="77"/>
               </a:rPr>
               <a:t>C &lt;- c(1, x)</a:t>
@@ -5271,38 +5472,20 @@
           </a:p>
           <a:p>
             <a:r>
-              <a:rPr lang="en-US" sz="700" dirty="0" err="1">
-                <a:latin typeface="Monaco" pitchFamily="2" charset="77"/>
-              </a:rPr>
-              <a:t>std.er</a:t>
-            </a:r>
-            <a:r>
-              <a:rPr lang="en-US" sz="700" dirty="0">
-                <a:latin typeface="Monaco" pitchFamily="2" charset="77"/>
-              </a:rPr>
-              <a:t> &lt;- sqrt(t(C) %*% </a:t>
-            </a:r>
-            <a:r>
-              <a:rPr lang="en-US" sz="700" dirty="0" err="1">
-                <a:latin typeface="Monaco" pitchFamily="2" charset="77"/>
-              </a:rPr>
-              <a:t>vcov</a:t>
-            </a:r>
-            <a:r>
-              <a:rPr lang="en-US" sz="700" dirty="0">
-                <a:latin typeface="Monaco" pitchFamily="2" charset="77"/>
-              </a:rPr>
-              <a:t>(o) %*% C)</a:t>
-            </a:r>
-          </a:p>
-          <a:p>
-            <a:endParaRPr lang="en-GB" sz="1200" dirty="0">
+              <a:rPr lang="en-US" sz="700" noProof="1">
+                <a:latin typeface="Monaco" pitchFamily="2" charset="77"/>
+              </a:rPr>
+              <a:t>std.er &lt;- sqrt(t(C) %*% vcov(o) %*% C)</a:t>
+            </a:r>
+          </a:p>
+          <a:p>
+            <a:endParaRPr lang="en-GB" sz="1200" noProof="1">
               <a:latin typeface="Optima" panose="02000503060000020004" pitchFamily="2" charset="0"/>
             </a:endParaRPr>
           </a:p>
           <a:p>
             <a:r>
-              <a:rPr lang="en-GB" sz="1200" dirty="0">
+              <a:rPr lang="en-GB" sz="1200" noProof="1">
                 <a:latin typeface="Optima" panose="02000503060000020004" pitchFamily="2" charset="0"/>
               </a:rPr>
               <a:t>based on the relationship</a:t>
@@ -5310,26 +5493,20 @@
           </a:p>
           <a:p>
             <a:r>
-              <a:rPr lang="en-US" sz="700" dirty="0" err="1">
-                <a:latin typeface="Monaco" pitchFamily="2" charset="77"/>
-              </a:rPr>
-              <a:t>yhat</a:t>
-            </a:r>
-            <a:r>
-              <a:rPr lang="en-US" sz="700" dirty="0">
-                <a:latin typeface="Monaco" pitchFamily="2" charset="77"/>
-              </a:rPr>
-              <a:t> = b0 + x*b1</a:t>
-            </a:r>
-          </a:p>
-          <a:p>
-            <a:endParaRPr lang="en-US" sz="1200" dirty="0">
+              <a:rPr lang="en-US" sz="700" noProof="1">
+                <a:latin typeface="Monaco" pitchFamily="2" charset="77"/>
+              </a:rPr>
+              <a:t>yhat = b0 + x*b1</a:t>
+            </a:r>
+          </a:p>
+          <a:p>
+            <a:endParaRPr lang="en-US" sz="1200" noProof="1">
               <a:latin typeface="Optima" panose="02000503060000020004" pitchFamily="2" charset="0"/>
             </a:endParaRPr>
           </a:p>
           <a:p>
             <a:r>
-              <a:rPr lang="en-US" sz="1200" dirty="0">
+              <a:rPr lang="en-US" sz="1200" noProof="1">
                 <a:latin typeface="Optima" panose="02000503060000020004" pitchFamily="2" charset="0"/>
               </a:rPr>
               <a:t>But in our case</a:t>
@@ -5337,31 +5514,25 @@
           </a:p>
           <a:p>
             <a:r>
-              <a:rPr lang="en-US" sz="700" dirty="0" err="1">
-                <a:latin typeface="Monaco" pitchFamily="2" charset="77"/>
-              </a:rPr>
-              <a:t>yhat</a:t>
-            </a:r>
-            <a:r>
-              <a:rPr lang="en-US" sz="700" dirty="0">
-                <a:latin typeface="Monaco" pitchFamily="2" charset="77"/>
-              </a:rPr>
-              <a:t> = logit(p) = (x – </a:t>
-            </a:r>
-            <a:r>
-              <a:rPr lang="en-US" sz="700" i="1" dirty="0">
+              <a:rPr lang="en-US" sz="700" noProof="1">
+                <a:latin typeface="Monaco" pitchFamily="2" charset="77"/>
+              </a:rPr>
+              <a:t>yhat = logit(p) = (x – </a:t>
+            </a:r>
+            <a:r>
+              <a:rPr lang="en-US" sz="700" i="1" noProof="1">
                 <a:latin typeface="Monaco" pitchFamily="2" charset="77"/>
               </a:rPr>
               <a:t>mean</a:t>
             </a:r>
             <a:r>
-              <a:rPr lang="en-US" sz="700" dirty="0">
+              <a:rPr lang="en-US" sz="700" noProof="1">
                 <a:latin typeface="Monaco" pitchFamily="2" charset="77"/>
               </a:rPr>
               <a:t>) / </a:t>
             </a:r>
             <a:r>
-              <a:rPr lang="en-US" sz="700" i="1" dirty="0">
+              <a:rPr lang="en-US" sz="700" i="1" noProof="1">
                 <a:latin typeface="Monaco" pitchFamily="2" charset="77"/>
               </a:rPr>
               <a:t>slope</a:t>
@@ -5397,7 +5568,7 @@
         <p:spPr>
           <a:xfrm>
             <a:off x="133390" y="279147"/>
-            <a:ext cx="3343672" cy="369332"/>
+            <a:ext cx="3459088" cy="369332"/>
           </a:xfrm>
           <a:prstGeom prst="rect">
             <a:avLst/>
@@ -5414,7 +5585,44 @@
               <a:rPr lang="en-GB" b="1" dirty="0">
                 <a:latin typeface="Optima" panose="02000503060000020004" pitchFamily="2" charset="0"/>
               </a:rPr>
-              <a:t>Model 1: All samples combined</a:t>
+              <a:t>Model 1a: All samples combined</a:t>
+            </a:r>
+          </a:p>
+        </p:txBody>
+      </p:sp>
+      <p:sp>
+        <p:nvSpPr>
+          <p:cNvPr id="9" name="TextBox 8">
+            <a:extLst>
+              <a:ext uri="{FF2B5EF4-FFF2-40B4-BE49-F238E27FC236}">
+                <a16:creationId xmlns:a16="http://schemas.microsoft.com/office/drawing/2014/main" id="{DCD3810E-6696-684A-A108-13AD4875529A}"/>
+              </a:ext>
+            </a:extLst>
+          </p:cNvPr>
+          <p:cNvSpPr txBox="1"/>
+          <p:nvPr/>
+        </p:nvSpPr>
+        <p:spPr>
+          <a:xfrm>
+            <a:off x="69594" y="4746535"/>
+            <a:ext cx="4906926" cy="400110"/>
+          </a:xfrm>
+          <a:prstGeom prst="rect">
+            <a:avLst/>
+          </a:prstGeom>
+          <a:noFill/>
+        </p:spPr>
+        <p:txBody>
+          <a:bodyPr wrap="square" rtlCol="0">
+            <a:spAutoFit/>
+          </a:bodyPr>
+          <a:lstStyle/>
+          <a:p>
+            <a:r>
+              <a:rPr lang="en-GB" sz="1000" i="1" dirty="0">
+                <a:latin typeface="Optima" panose="02000503060000020004" pitchFamily="2" charset="0"/>
+              </a:rPr>
+              <a:t>Table 101. Maximum likelihood estimates of the parameters. The model was fitted to all the samples combined (Model 1a).</a:t>
             </a:r>
           </a:p>
         </p:txBody>
@@ -5422,7 +5630,7 @@
     </p:spTree>
     <p:extLst>
       <p:ext uri="{BB962C8B-B14F-4D97-AF65-F5344CB8AC3E}">
-        <p14:creationId xmlns:p14="http://schemas.microsoft.com/office/powerpoint/2010/main" val="2433827854"/>
+        <p14:creationId xmlns:p14="http://schemas.microsoft.com/office/powerpoint/2010/main" val="1243145709"/>
       </p:ext>
     </p:extLst>
   </p:cSld>
@@ -5432,7 +5640,7 @@
 </p:sld>
 </file>
 
-<file path=ppt/slides/slide4.xml><?xml version="1.0" encoding="utf-8"?>
+<file path=ppt/slides/slide3.xml><?xml version="1.0" encoding="utf-8"?>
 <p:sld xmlns:a="http://schemas.openxmlformats.org/drawingml/2006/main" xmlns:r="http://schemas.openxmlformats.org/officeDocument/2006/relationships" xmlns:p="http://schemas.openxmlformats.org/presentationml/2006/main">
   <p:cSld>
     <p:spTree>
@@ -5449,6 +5657,110 @@
           <a:chExt cx="0" cy="0"/>
         </a:xfrm>
       </p:grpSpPr>
+      <p:sp>
+        <p:nvSpPr>
+          <p:cNvPr id="2" name="Rectangle 1">
+            <a:extLst>
+              <a:ext uri="{FF2B5EF4-FFF2-40B4-BE49-F238E27FC236}">
+                <a16:creationId xmlns:a16="http://schemas.microsoft.com/office/drawing/2014/main" id="{8762CA48-BE08-004A-9443-BC488A3FFC55}"/>
+              </a:ext>
+            </a:extLst>
+          </p:cNvPr>
+          <p:cNvSpPr/>
+          <p:nvPr/>
+        </p:nvSpPr>
+        <p:spPr>
+          <a:xfrm>
+            <a:off x="133389" y="900219"/>
+            <a:ext cx="6234753" cy="3539430"/>
+          </a:xfrm>
+          <a:prstGeom prst="rect">
+            <a:avLst/>
+          </a:prstGeom>
+        </p:spPr>
+        <p:txBody>
+          <a:bodyPr wrap="square">
+            <a:spAutoFit/>
+          </a:bodyPr>
+          <a:lstStyle/>
+          <a:p>
+            <a:pPr algn="just"/>
+            <a:r>
+              <a:rPr lang="en-US" sz="1600" dirty="0">
+                <a:solidFill>
+                  <a:srgbClr val="0070C0"/>
+                </a:solidFill>
+                <a:latin typeface="Optima-Regular" panose="02000503060000020004" pitchFamily="2" charset="0"/>
+              </a:rPr>
+              <a:t>It is odd that the probability of maturity falls off for the largest size classes. This could be 'experimenter error' or, for field samples at least, it could be due to parasitism (sterilized individuals grow bigger). There is probably a case for cleaning out some of the outliers.</a:t>
+            </a:r>
+          </a:p>
+          <a:p>
+            <a:pPr algn="just"/>
+            <a:endParaRPr lang="en-US" sz="1600" b="0" i="0" u="none" strike="noStrike" dirty="0">
+              <a:solidFill>
+                <a:srgbClr val="000000"/>
+              </a:solidFill>
+              <a:effectLst/>
+              <a:latin typeface="Optima-Regular" panose="02000503060000020004" pitchFamily="2" charset="0"/>
+            </a:endParaRPr>
+          </a:p>
+          <a:p>
+            <a:pPr algn="just"/>
+            <a:r>
+              <a:rPr lang="en-US" sz="1600" b="0" u="none" strike="noStrike" dirty="0">
+                <a:solidFill>
+                  <a:srgbClr val="000000"/>
+                </a:solidFill>
+                <a:effectLst/>
+                <a:latin typeface="Optima-Regular" panose="02000503060000020004" pitchFamily="2" charset="0"/>
+              </a:rPr>
+              <a:t>Perhaps parasitism can also be </a:t>
+            </a:r>
+            <a:r>
+              <a:rPr lang="en-US" sz="1600" dirty="0">
+                <a:solidFill>
+                  <a:srgbClr val="000000"/>
+                </a:solidFill>
+                <a:latin typeface="Optima-Regular" panose="02000503060000020004" pitchFamily="2" charset="0"/>
+              </a:rPr>
+              <a:t>considered as “experimenter error” because the data do not include field samples that were recorded as parasitized. However, filtering parasitized field samples does not exclude those that might have been parasitized but parasites were not reported in the dissection sheets.</a:t>
+            </a:r>
+          </a:p>
+          <a:p>
+            <a:pPr algn="just"/>
+            <a:r>
+              <a:rPr lang="en-US" sz="1600" b="0" u="none" strike="noStrike" dirty="0">
+                <a:solidFill>
+                  <a:srgbClr val="000000"/>
+                </a:solidFill>
+                <a:effectLst/>
+                <a:latin typeface="Optima-Regular" panose="02000503060000020004" pitchFamily="2" charset="0"/>
+              </a:rPr>
+              <a:t>The juvenile class contains several snails that are as large as adults (Fig. 101a) and I expect that if I remove those samples, the probability of maturity does not fall off (Fig. 101b, </a:t>
+            </a:r>
+            <a:r>
+              <a:rPr lang="en-US" sz="1600" dirty="0">
+                <a:solidFill>
+                  <a:srgbClr val="000000"/>
+                </a:solidFill>
+                <a:latin typeface="Optima-Regular" panose="02000503060000020004" pitchFamily="2" charset="0"/>
+              </a:rPr>
+              <a:t>102b; Table 102)</a:t>
+            </a:r>
+            <a:r>
+              <a:rPr lang="en-US" sz="1600" b="0" u="none" strike="noStrike" dirty="0">
+                <a:solidFill>
+                  <a:srgbClr val="000000"/>
+                </a:solidFill>
+                <a:effectLst/>
+                <a:latin typeface="Optima-Regular" panose="02000503060000020004" pitchFamily="2" charset="0"/>
+              </a:rPr>
+              <a:t>.</a:t>
+            </a:r>
+          </a:p>
+        </p:txBody>
+      </p:sp>
       <p:graphicFrame>
         <p:nvGraphicFramePr>
           <p:cNvPr id="4" name="Table 3">
@@ -5462,11 +5774,15 @@
             <a:graphicFrameLocks noGrp="1"/>
           </p:cNvGraphicFramePr>
           <p:nvPr>
-            <p:extLst/>
+            <p:extLst>
+              <p:ext uri="{D42A27DB-BD31-4B8C-83A1-F6EECF244321}">
+                <p14:modId xmlns:p14="http://schemas.microsoft.com/office/powerpoint/2010/main" val="2133385736"/>
+              </p:ext>
+            </p:extLst>
           </p:nvPr>
         </p:nvGraphicFramePr>
         <p:xfrm>
-          <a:off x="133390" y="4752945"/>
+          <a:off x="133390" y="5133945"/>
           <a:ext cx="4680000" cy="660870"/>
         </p:xfrm>
         <a:graphic>
@@ -5697,7 +6013,7 @@
         </p:nvSpPr>
         <p:spPr>
           <a:xfrm>
-            <a:off x="69594" y="5427991"/>
+            <a:off x="69594" y="5808991"/>
             <a:ext cx="3397084" cy="253916"/>
           </a:xfrm>
           <a:prstGeom prst="rect">
@@ -5757,7 +6073,7 @@
               <a:rPr lang="en-GB" sz="1000" i="1" dirty="0">
                 <a:latin typeface="Optima" panose="02000503060000020004" pitchFamily="2" charset="0"/>
               </a:rPr>
-              <a:t>Figure 102. Relationship between probability of maturity and size. Fitted curve in orange is superimposed on the observed proportions of mature snails(blue dots - proportions of adult snails for size bins. Blue error bars – 2.5th and 97.5th percentiles).</a:t>
+              <a:t>Figure 102a. Relationship between probability of maturity and size. Fitted curve in orange is superimposed on the observed proportions of mature snails(blue dots - proportions of adult snails for size bins. Blue error bars – 2.5th and 97.5th percentiles).</a:t>
             </a:r>
           </a:p>
         </p:txBody>
@@ -5830,111 +6146,33 @@
               <a:rPr lang="en-GB" sz="1200" dirty="0">
                 <a:latin typeface="Optima" panose="02000503060000020004" pitchFamily="2" charset="0"/>
               </a:rPr>
-              <a:t>SE of the fitted is missing because I was not sure how to compute it. I know that for a simple logit model</a:t>
-            </a:r>
-          </a:p>
-          <a:p>
-            <a:r>
-              <a:rPr lang="en-GB" sz="700" dirty="0" err="1">
-                <a:latin typeface="Monaco" pitchFamily="2" charset="77"/>
-              </a:rPr>
-              <a:t>dat</a:t>
-            </a:r>
-            <a:r>
-              <a:rPr lang="en-GB" sz="700" dirty="0">
-                <a:latin typeface="Monaco" pitchFamily="2" charset="77"/>
-              </a:rPr>
-              <a:t> &lt;- </a:t>
-            </a:r>
-            <a:r>
-              <a:rPr lang="en-GB" sz="700" dirty="0" err="1">
-                <a:latin typeface="Monaco" pitchFamily="2" charset="77"/>
-              </a:rPr>
-              <a:t>data.frame</a:t>
-            </a:r>
-            <a:r>
-              <a:rPr lang="en-GB" sz="700" dirty="0">
-                <a:latin typeface="Monaco" pitchFamily="2" charset="77"/>
-              </a:rPr>
-              <a:t>(x = </a:t>
-            </a:r>
-            <a:r>
-              <a:rPr lang="en-GB" sz="700" dirty="0" err="1">
-                <a:latin typeface="Monaco" pitchFamily="2" charset="77"/>
-              </a:rPr>
-              <a:t>runif</a:t>
-            </a:r>
-            <a:r>
-              <a:rPr lang="en-GB" sz="700" dirty="0">
-                <a:latin typeface="Monaco" pitchFamily="2" charset="77"/>
-              </a:rPr>
-              <a:t>(20), y = </a:t>
-            </a:r>
-            <a:r>
-              <a:rPr lang="en-GB" sz="700" dirty="0" err="1">
-                <a:latin typeface="Monaco" pitchFamily="2" charset="77"/>
-              </a:rPr>
-              <a:t>rbinom</a:t>
-            </a:r>
-            <a:r>
-              <a:rPr lang="en-GB" sz="700" dirty="0">
-                <a:latin typeface="Monaco" pitchFamily="2" charset="77"/>
-              </a:rPr>
-              <a:t>(20, 1, .5), z = </a:t>
-            </a:r>
-            <a:r>
-              <a:rPr lang="en-GB" sz="700" dirty="0" err="1">
-                <a:latin typeface="Monaco" pitchFamily="2" charset="77"/>
-              </a:rPr>
-              <a:t>runif</a:t>
-            </a:r>
-            <a:r>
-              <a:rPr lang="en-GB" sz="700" dirty="0">
-                <a:latin typeface="Monaco" pitchFamily="2" charset="77"/>
-              </a:rPr>
-              <a:t>(20))</a:t>
-            </a:r>
-          </a:p>
-          <a:p>
-            <a:r>
-              <a:rPr lang="en-GB" sz="700" dirty="0">
-                <a:latin typeface="Monaco" pitchFamily="2" charset="77"/>
-              </a:rPr>
-              <a:t>o &lt;- </a:t>
-            </a:r>
-            <a:r>
-              <a:rPr lang="en-GB" sz="700" dirty="0" err="1">
-                <a:latin typeface="Monaco" pitchFamily="2" charset="77"/>
-              </a:rPr>
-              <a:t>glm</a:t>
-            </a:r>
-            <a:r>
-              <a:rPr lang="en-GB" sz="700" dirty="0">
-                <a:latin typeface="Monaco" pitchFamily="2" charset="77"/>
-              </a:rPr>
-              <a:t>(y ~ x, data = </a:t>
-            </a:r>
-            <a:r>
-              <a:rPr lang="en-GB" sz="700" dirty="0" err="1">
-                <a:latin typeface="Monaco" pitchFamily="2" charset="77"/>
-              </a:rPr>
-              <a:t>dat</a:t>
-            </a:r>
-            <a:r>
-              <a:rPr lang="en-GB" sz="700" dirty="0">
-                <a:latin typeface="Monaco" pitchFamily="2" charset="77"/>
-              </a:rPr>
-              <a:t>)</a:t>
-            </a:r>
-          </a:p>
-          <a:p>
-            <a:endParaRPr lang="en-GB" sz="1200" dirty="0">
+              <a:t>SE of the fitted curve is missing because I was not sure how to compute it. I know that for a simple logit model</a:t>
+            </a:r>
+          </a:p>
+          <a:p>
+            <a:r>
+              <a:rPr lang="en-GB" sz="700" noProof="1">
+                <a:latin typeface="Monaco" pitchFamily="2" charset="77"/>
+              </a:rPr>
+              <a:t>dat &lt;- data.frame(x = runif(20), y = rbinom(20, 1, .5), z = runif(20))</a:t>
+            </a:r>
+          </a:p>
+          <a:p>
+            <a:r>
+              <a:rPr lang="en-GB" sz="700" noProof="1">
+                <a:latin typeface="Monaco" pitchFamily="2" charset="77"/>
+              </a:rPr>
+              <a:t>o &lt;- glm(y ~ x, data = dat)</a:t>
+            </a:r>
+          </a:p>
+          <a:p>
+            <a:endParaRPr lang="en-GB" sz="1200" noProof="1">
               <a:latin typeface="Optima" panose="02000503060000020004" pitchFamily="2" charset="0"/>
             </a:endParaRPr>
           </a:p>
           <a:p>
             <a:r>
-              <a:rPr lang="en-GB" sz="1200" dirty="0">
+              <a:rPr lang="en-GB" sz="1200" noProof="1">
                 <a:latin typeface="Optima" panose="02000503060000020004" pitchFamily="2" charset="0"/>
               </a:rPr>
               <a:t>I can calculate SE at a given x as:</a:t>
@@ -5942,7 +6180,7 @@
           </a:p>
           <a:p>
             <a:r>
-              <a:rPr lang="en-US" sz="700" dirty="0">
+              <a:rPr lang="en-US" sz="700" noProof="1">
                 <a:latin typeface="Monaco" pitchFamily="2" charset="77"/>
               </a:rPr>
               <a:t>C &lt;- c(1, x)</a:t>
@@ -5950,38 +6188,20 @@
           </a:p>
           <a:p>
             <a:r>
-              <a:rPr lang="en-US" sz="700" dirty="0" err="1">
-                <a:latin typeface="Monaco" pitchFamily="2" charset="77"/>
-              </a:rPr>
-              <a:t>std.er</a:t>
-            </a:r>
-            <a:r>
-              <a:rPr lang="en-US" sz="700" dirty="0">
-                <a:latin typeface="Monaco" pitchFamily="2" charset="77"/>
-              </a:rPr>
-              <a:t> &lt;- sqrt(t(C) %*% </a:t>
-            </a:r>
-            <a:r>
-              <a:rPr lang="en-US" sz="700" dirty="0" err="1">
-                <a:latin typeface="Monaco" pitchFamily="2" charset="77"/>
-              </a:rPr>
-              <a:t>vcov</a:t>
-            </a:r>
-            <a:r>
-              <a:rPr lang="en-US" sz="700" dirty="0">
-                <a:latin typeface="Monaco" pitchFamily="2" charset="77"/>
-              </a:rPr>
-              <a:t>(o) %*% C)</a:t>
-            </a:r>
-          </a:p>
-          <a:p>
-            <a:endParaRPr lang="en-GB" sz="1200" dirty="0">
+              <a:rPr lang="en-US" sz="700" noProof="1">
+                <a:latin typeface="Monaco" pitchFamily="2" charset="77"/>
+              </a:rPr>
+              <a:t>std.er &lt;- sqrt(t(C) %*% vcov(o) %*% C)</a:t>
+            </a:r>
+          </a:p>
+          <a:p>
+            <a:endParaRPr lang="en-GB" sz="1200" noProof="1">
               <a:latin typeface="Optima" panose="02000503060000020004" pitchFamily="2" charset="0"/>
             </a:endParaRPr>
           </a:p>
           <a:p>
             <a:r>
-              <a:rPr lang="en-GB" sz="1200" dirty="0">
+              <a:rPr lang="en-GB" sz="1200" noProof="1">
                 <a:latin typeface="Optima" panose="02000503060000020004" pitchFamily="2" charset="0"/>
               </a:rPr>
               <a:t>based on the relationship</a:t>
@@ -5989,26 +6209,20 @@
           </a:p>
           <a:p>
             <a:r>
-              <a:rPr lang="en-US" sz="700" dirty="0" err="1">
-                <a:latin typeface="Monaco" pitchFamily="2" charset="77"/>
-              </a:rPr>
-              <a:t>yhat</a:t>
-            </a:r>
-            <a:r>
-              <a:rPr lang="en-US" sz="700" dirty="0">
-                <a:latin typeface="Monaco" pitchFamily="2" charset="77"/>
-              </a:rPr>
-              <a:t> = b0 + x*b1</a:t>
-            </a:r>
-          </a:p>
-          <a:p>
-            <a:endParaRPr lang="en-US" sz="1200" dirty="0">
+              <a:rPr lang="en-US" sz="700" noProof="1">
+                <a:latin typeface="Monaco" pitchFamily="2" charset="77"/>
+              </a:rPr>
+              <a:t>yhat = b0 + x*b1</a:t>
+            </a:r>
+          </a:p>
+          <a:p>
+            <a:endParaRPr lang="en-US" sz="1200" noProof="1">
               <a:latin typeface="Optima" panose="02000503060000020004" pitchFamily="2" charset="0"/>
             </a:endParaRPr>
           </a:p>
           <a:p>
             <a:r>
-              <a:rPr lang="en-US" sz="1200" dirty="0">
+              <a:rPr lang="en-US" sz="1200" noProof="1">
                 <a:latin typeface="Optima" panose="02000503060000020004" pitchFamily="2" charset="0"/>
               </a:rPr>
               <a:t>But in our case</a:t>
@@ -6016,31 +6230,25 @@
           </a:p>
           <a:p>
             <a:r>
-              <a:rPr lang="en-US" sz="700" dirty="0" err="1">
-                <a:latin typeface="Monaco" pitchFamily="2" charset="77"/>
-              </a:rPr>
-              <a:t>yhat</a:t>
-            </a:r>
-            <a:r>
-              <a:rPr lang="en-US" sz="700" dirty="0">
-                <a:latin typeface="Monaco" pitchFamily="2" charset="77"/>
-              </a:rPr>
-              <a:t> = logit(p) = (x – </a:t>
-            </a:r>
-            <a:r>
-              <a:rPr lang="en-US" sz="700" i="1" dirty="0">
+              <a:rPr lang="en-US" sz="700" noProof="1">
+                <a:latin typeface="Monaco" pitchFamily="2" charset="77"/>
+              </a:rPr>
+              <a:t>yhat = logit(p) = (x – </a:t>
+            </a:r>
+            <a:r>
+              <a:rPr lang="en-US" sz="700" i="1" noProof="1">
                 <a:latin typeface="Monaco" pitchFamily="2" charset="77"/>
               </a:rPr>
               <a:t>mean</a:t>
             </a:r>
             <a:r>
-              <a:rPr lang="en-US" sz="700" dirty="0">
+              <a:rPr lang="en-US" sz="700" noProof="1">
                 <a:latin typeface="Monaco" pitchFamily="2" charset="77"/>
               </a:rPr>
               <a:t>) / </a:t>
             </a:r>
             <a:r>
-              <a:rPr lang="en-US" sz="700" i="1" dirty="0">
+              <a:rPr lang="en-US" sz="700" i="1" noProof="1">
                 <a:latin typeface="Monaco" pitchFamily="2" charset="77"/>
               </a:rPr>
               <a:t>slope</a:t>
@@ -6076,7 +6284,7 @@
         <p:spPr>
           <a:xfrm>
             <a:off x="133390" y="279147"/>
-            <a:ext cx="3343672" cy="369332"/>
+            <a:ext cx="3459088" cy="369332"/>
           </a:xfrm>
           <a:prstGeom prst="rect">
             <a:avLst/>
@@ -6093,17 +6301,346 @@
               <a:rPr lang="en-GB" b="1" dirty="0">
                 <a:latin typeface="Optima" panose="02000503060000020004" pitchFamily="2" charset="0"/>
               </a:rPr>
-              <a:t>Model 1: All samples combined</a:t>
-            </a:r>
-          </a:p>
-        </p:txBody>
-      </p:sp>
-      <p:sp>
-        <p:nvSpPr>
-          <p:cNvPr id="9" name="Rectangle 8">
-            <a:extLst>
-              <a:ext uri="{FF2B5EF4-FFF2-40B4-BE49-F238E27FC236}">
-                <a16:creationId xmlns:a16="http://schemas.microsoft.com/office/drawing/2014/main" id="{153A4B30-66DE-9245-9491-D642209007BE}"/>
+              <a:t>Model 1a: All samples combined</a:t>
+            </a:r>
+          </a:p>
+        </p:txBody>
+      </p:sp>
+      <p:sp>
+        <p:nvSpPr>
+          <p:cNvPr id="9" name="TextBox 8">
+            <a:extLst>
+              <a:ext uri="{FF2B5EF4-FFF2-40B4-BE49-F238E27FC236}">
+                <a16:creationId xmlns:a16="http://schemas.microsoft.com/office/drawing/2014/main" id="{2692746B-715C-2344-A416-99E04BB319C2}"/>
+              </a:ext>
+            </a:extLst>
+          </p:cNvPr>
+          <p:cNvSpPr txBox="1"/>
+          <p:nvPr/>
+        </p:nvSpPr>
+        <p:spPr>
+          <a:xfrm>
+            <a:off x="69594" y="4746535"/>
+            <a:ext cx="4906926" cy="400110"/>
+          </a:xfrm>
+          <a:prstGeom prst="rect">
+            <a:avLst/>
+          </a:prstGeom>
+          <a:noFill/>
+        </p:spPr>
+        <p:txBody>
+          <a:bodyPr wrap="square" rtlCol="0">
+            <a:spAutoFit/>
+          </a:bodyPr>
+          <a:lstStyle/>
+          <a:p>
+            <a:r>
+              <a:rPr lang="en-GB" sz="1000" i="1" dirty="0">
+                <a:latin typeface="Optima" panose="02000503060000020004" pitchFamily="2" charset="0"/>
+              </a:rPr>
+              <a:t>Table 101. Maximum likelihood estimates of the parameters. The model was fitted to all the samples combined (Model 1a).</a:t>
+            </a:r>
+          </a:p>
+        </p:txBody>
+      </p:sp>
+    </p:spTree>
+    <p:extLst>
+      <p:ext uri="{BB962C8B-B14F-4D97-AF65-F5344CB8AC3E}">
+        <p14:creationId xmlns:p14="http://schemas.microsoft.com/office/powerpoint/2010/main" val="2433827854"/>
+      </p:ext>
+    </p:extLst>
+  </p:cSld>
+  <p:clrMapOvr>
+    <a:masterClrMapping/>
+  </p:clrMapOvr>
+</p:sld>
+</file>
+
+<file path=ppt/slides/slide4.xml><?xml version="1.0" encoding="utf-8"?>
+<p:sld xmlns:a="http://schemas.openxmlformats.org/drawingml/2006/main" xmlns:r="http://schemas.openxmlformats.org/officeDocument/2006/relationships" xmlns:p="http://schemas.openxmlformats.org/presentationml/2006/main">
+  <p:cSld>
+    <p:spTree>
+      <p:nvGrpSpPr>
+        <p:cNvPr id="1" name=""/>
+        <p:cNvGrpSpPr/>
+        <p:nvPr/>
+      </p:nvGrpSpPr>
+      <p:grpSpPr>
+        <a:xfrm>
+          <a:off x="0" y="0"/>
+          <a:ext cx="0" cy="0"/>
+          <a:chOff x="0" y="0"/>
+          <a:chExt cx="0" cy="0"/>
+        </a:xfrm>
+      </p:grpSpPr>
+      <p:graphicFrame>
+        <p:nvGraphicFramePr>
+          <p:cNvPr id="4" name="Table 3">
+            <a:extLst>
+              <a:ext uri="{FF2B5EF4-FFF2-40B4-BE49-F238E27FC236}">
+                <a16:creationId xmlns:a16="http://schemas.microsoft.com/office/drawing/2014/main" id="{ACEAE945-AF3F-544D-8684-FCD5F7F0BE0F}"/>
+              </a:ext>
+            </a:extLst>
+          </p:cNvPr>
+          <p:cNvGraphicFramePr>
+            <a:graphicFrameLocks noGrp="1"/>
+          </p:cNvGraphicFramePr>
+          <p:nvPr>
+            <p:extLst>
+              <p:ext uri="{D42A27DB-BD31-4B8C-83A1-F6EECF244321}">
+                <p14:modId xmlns:p14="http://schemas.microsoft.com/office/powerpoint/2010/main" val="2276998701"/>
+              </p:ext>
+            </p:extLst>
+          </p:nvPr>
+        </p:nvGraphicFramePr>
+        <p:xfrm>
+          <a:off x="7241762" y="5193155"/>
+          <a:ext cx="4680000" cy="647424"/>
+        </p:xfrm>
+        <a:graphic>
+          <a:graphicData uri="http://schemas.openxmlformats.org/drawingml/2006/table">
+            <a:tbl>
+              <a:tblPr firstRow="1" bandRow="1">
+                <a:tableStyleId>{8799B23B-EC83-4686-B30A-512413B5E67A}</a:tableStyleId>
+              </a:tblPr>
+              <a:tblGrid>
+                <a:gridCol w="1170000">
+                  <a:extLst>
+                    <a:ext uri="{9D8B030D-6E8A-4147-A177-3AD203B41FA5}">
+                      <a16:colId xmlns:a16="http://schemas.microsoft.com/office/drawing/2014/main" val="3532894976"/>
+                    </a:ext>
+                  </a:extLst>
+                </a:gridCol>
+                <a:gridCol w="1170000">
+                  <a:extLst>
+                    <a:ext uri="{9D8B030D-6E8A-4147-A177-3AD203B41FA5}">
+                      <a16:colId xmlns:a16="http://schemas.microsoft.com/office/drawing/2014/main" val="2913302385"/>
+                    </a:ext>
+                  </a:extLst>
+                </a:gridCol>
+                <a:gridCol w="1170000">
+                  <a:extLst>
+                    <a:ext uri="{9D8B030D-6E8A-4147-A177-3AD203B41FA5}">
+                      <a16:colId xmlns:a16="http://schemas.microsoft.com/office/drawing/2014/main" val="1490034768"/>
+                    </a:ext>
+                  </a:extLst>
+                </a:gridCol>
+                <a:gridCol w="1170000">
+                  <a:extLst>
+                    <a:ext uri="{9D8B030D-6E8A-4147-A177-3AD203B41FA5}">
+                      <a16:colId xmlns:a16="http://schemas.microsoft.com/office/drawing/2014/main" val="3530850397"/>
+                    </a:ext>
+                  </a:extLst>
+                </a:gridCol>
+              </a:tblGrid>
+              <a:tr h="215808">
+                <a:tc>
+                  <a:txBody>
+                    <a:bodyPr/>
+                    <a:lstStyle/>
+                    <a:p>
+                      <a:r>
+                        <a:rPr lang="en-GB" sz="1000" b="0" dirty="0">
+                          <a:latin typeface="Monaco" pitchFamily="2" charset="77"/>
+                        </a:rPr>
+                        <a:t>Parameter</a:t>
+                      </a:r>
+                    </a:p>
+                  </a:txBody>
+                  <a:tcPr marL="52650" marR="52650" marT="26325" marB="26325"/>
+                </a:tc>
+                <a:tc>
+                  <a:txBody>
+                    <a:bodyPr/>
+                    <a:lstStyle/>
+                    <a:p>
+                      <a:r>
+                        <a:rPr lang="en-GB" sz="1000" b="0" dirty="0">
+                          <a:latin typeface="Monaco" pitchFamily="2" charset="77"/>
+                        </a:rPr>
+                        <a:t>Estimate</a:t>
+                      </a:r>
+                    </a:p>
+                  </a:txBody>
+                  <a:tcPr marL="52650" marR="52650" marT="26325" marB="26325"/>
+                </a:tc>
+                <a:tc>
+                  <a:txBody>
+                    <a:bodyPr/>
+                    <a:lstStyle/>
+                    <a:p>
+                      <a:r>
+                        <a:rPr lang="en-GB" sz="1000" b="0" dirty="0">
+                          <a:latin typeface="Monaco" pitchFamily="2" charset="77"/>
+                        </a:rPr>
+                        <a:t>SE</a:t>
+                      </a:r>
+                    </a:p>
+                  </a:txBody>
+                  <a:tcPr marL="52650" marR="52650" marT="26325" marB="26325"/>
+                </a:tc>
+                <a:tc>
+                  <a:txBody>
+                    <a:bodyPr/>
+                    <a:lstStyle/>
+                    <a:p>
+                      <a:endParaRPr lang="en-GB" sz="1000" b="0" dirty="0">
+                        <a:latin typeface="Monaco" pitchFamily="2" charset="77"/>
+                      </a:endParaRPr>
+                    </a:p>
+                  </a:txBody>
+                  <a:tcPr marL="52650" marR="52650" marT="26325" marB="26325"/>
+                </a:tc>
+                <a:extLst>
+                  <a:ext uri="{0D108BD9-81ED-4DB2-BD59-A6C34878D82A}">
+                    <a16:rowId xmlns:a16="http://schemas.microsoft.com/office/drawing/2014/main" val="1187548107"/>
+                  </a:ext>
+                </a:extLst>
+              </a:tr>
+              <a:tr h="215808">
+                <a:tc>
+                  <a:txBody>
+                    <a:bodyPr/>
+                    <a:lstStyle/>
+                    <a:p>
+                      <a:r>
+                        <a:rPr lang="en-GB" sz="1000" dirty="0">
+                          <a:latin typeface="Monaco" pitchFamily="2" charset="77"/>
+                        </a:rPr>
+                        <a:t>mean</a:t>
+                      </a:r>
+                    </a:p>
+                  </a:txBody>
+                  <a:tcPr marL="52650" marR="52650" marT="26325" marB="26325"/>
+                </a:tc>
+                <a:tc>
+                  <a:txBody>
+                    <a:bodyPr/>
+                    <a:lstStyle/>
+                    <a:p>
+                      <a:r>
+                        <a:rPr lang="en-GB" sz="1000" dirty="0">
+                          <a:latin typeface="Monaco" pitchFamily="2" charset="77"/>
+                        </a:rPr>
+                        <a:t>1.83</a:t>
+                      </a:r>
+                    </a:p>
+                  </a:txBody>
+                  <a:tcPr marL="52650" marR="52650" marT="26325" marB="26325"/>
+                </a:tc>
+                <a:tc>
+                  <a:txBody>
+                    <a:bodyPr/>
+                    <a:lstStyle/>
+                    <a:p>
+                      <a:r>
+                        <a:rPr lang="en-GB" sz="1000" dirty="0">
+                          <a:latin typeface="Monaco" pitchFamily="2" charset="77"/>
+                        </a:rPr>
+                        <a:t>0.01</a:t>
+                      </a:r>
+                    </a:p>
+                  </a:txBody>
+                  <a:tcPr marL="52650" marR="52650" marT="26325" marB="26325"/>
+                </a:tc>
+                <a:tc>
+                  <a:txBody>
+                    <a:bodyPr/>
+                    <a:lstStyle/>
+                    <a:p>
+                      <a:r>
+                        <a:rPr lang="en-GB" sz="1000" dirty="0">
+                          <a:latin typeface="Monaco" pitchFamily="2" charset="77"/>
+                        </a:rPr>
+                        <a:t>***</a:t>
+                      </a:r>
+                    </a:p>
+                  </a:txBody>
+                  <a:tcPr marL="52650" marR="52650" marT="26325" marB="26325"/>
+                </a:tc>
+                <a:extLst>
+                  <a:ext uri="{0D108BD9-81ED-4DB2-BD59-A6C34878D82A}">
+                    <a16:rowId xmlns:a16="http://schemas.microsoft.com/office/drawing/2014/main" val="2589338519"/>
+                  </a:ext>
+                </a:extLst>
+              </a:tr>
+              <a:tr h="215808">
+                <a:tc>
+                  <a:txBody>
+                    <a:bodyPr/>
+                    <a:lstStyle/>
+                    <a:p>
+                      <a:r>
+                        <a:rPr lang="en-GB" sz="1000" dirty="0">
+                          <a:latin typeface="Monaco" pitchFamily="2" charset="77"/>
+                        </a:rPr>
+                        <a:t>slope</a:t>
+                      </a:r>
+                    </a:p>
+                  </a:txBody>
+                  <a:tcPr marL="52650" marR="52650" marT="26325" marB="26325"/>
+                </a:tc>
+                <a:tc>
+                  <a:txBody>
+                    <a:bodyPr/>
+                    <a:lstStyle/>
+                    <a:p>
+                      <a:r>
+                        <a:rPr lang="en-GB" sz="1000" dirty="0">
+                          <a:latin typeface="Monaco" pitchFamily="2" charset="77"/>
+                        </a:rPr>
+                        <a:t>0.18</a:t>
+                      </a:r>
+                    </a:p>
+                  </a:txBody>
+                  <a:tcPr marL="52650" marR="52650" marT="26325" marB="26325"/>
+                </a:tc>
+                <a:tc>
+                  <a:txBody>
+                    <a:bodyPr/>
+                    <a:lstStyle/>
+                    <a:p>
+                      <a:r>
+                        <a:rPr lang="en-GB" sz="1000" dirty="0">
+                          <a:latin typeface="Monaco" pitchFamily="2" charset="77"/>
+                        </a:rPr>
+                        <a:t>0.01</a:t>
+                      </a:r>
+                    </a:p>
+                  </a:txBody>
+                  <a:tcPr marL="52650" marR="52650" marT="26325" marB="26325"/>
+                </a:tc>
+                <a:tc>
+                  <a:txBody>
+                    <a:bodyPr/>
+                    <a:lstStyle/>
+                    <a:p>
+                      <a:r>
+                        <a:rPr lang="en-GB" sz="1000" dirty="0">
+                          <a:latin typeface="Monaco" pitchFamily="2" charset="77"/>
+                        </a:rPr>
+                        <a:t>***</a:t>
+                      </a:r>
+                    </a:p>
+                  </a:txBody>
+                  <a:tcPr marL="52650" marR="52650" marT="26325" marB="26325"/>
+                </a:tc>
+                <a:extLst>
+                  <a:ext uri="{0D108BD9-81ED-4DB2-BD59-A6C34878D82A}">
+                    <a16:rowId xmlns:a16="http://schemas.microsoft.com/office/drawing/2014/main" val="76683632"/>
+                  </a:ext>
+                </a:extLst>
+              </a:tr>
+            </a:tbl>
+          </a:graphicData>
+        </a:graphic>
+      </p:graphicFrame>
+      <p:sp>
+        <p:nvSpPr>
+          <p:cNvPr id="5" name="Rectangle 4">
+            <a:extLst>
+              <a:ext uri="{FF2B5EF4-FFF2-40B4-BE49-F238E27FC236}">
+                <a16:creationId xmlns:a16="http://schemas.microsoft.com/office/drawing/2014/main" id="{E6AC4C92-5ED5-384D-8BAE-3DECF2DB95EA}"/>
               </a:ext>
             </a:extLst>
           </p:cNvPr>
@@ -6112,40 +6649,421 @@
         </p:nvSpPr>
         <p:spPr>
           <a:xfrm>
-            <a:off x="133390" y="717306"/>
-            <a:ext cx="5388334" cy="2308324"/>
+            <a:off x="7177966" y="5868201"/>
+            <a:ext cx="3397084" cy="253916"/>
           </a:xfrm>
           <a:prstGeom prst="rect">
             <a:avLst/>
           </a:prstGeom>
         </p:spPr>
         <p:txBody>
-          <a:bodyPr wrap="square">
+          <a:bodyPr wrap="none">
             <a:spAutoFit/>
           </a:bodyPr>
           <a:lstStyle/>
           <a:p>
             <a:r>
-              <a:rPr lang="en-US" sz="1600" dirty="0">
-                <a:solidFill>
-                  <a:srgbClr val="0070C0"/>
-                </a:solidFill>
-                <a:latin typeface="Optima-Regular" panose="02000503060000020004" pitchFamily="2" charset="0"/>
-              </a:rPr>
-              <a:t>Given the logistic fit, a value for 'size at maturity' is the intercept (1.91 +/- 0.02 in slide 2) because this is the size at 50% probability of maturity (zero on the logit scale). If we had such an estimate for each tank and each generation, this could be treated as a trait in the plasticity analysis, just like weight, boldness etc. Adding tank to the analysis would give these separate estimates, I guess, or there might be enough data to do the analysis separately for each tank (and generation) (Model 3).</a:t>
-            </a:r>
-            <a:endParaRPr lang="en-GB" sz="1600" dirty="0">
-              <a:solidFill>
-                <a:srgbClr val="0070C0"/>
-              </a:solidFill>
-            </a:endParaRPr>
-          </a:p>
-        </p:txBody>
-      </p:sp>
+              <a:rPr lang="en-GB" sz="1050" dirty="0" err="1">
+                <a:latin typeface="Optima" panose="02000503060000020004" pitchFamily="2" charset="0"/>
+              </a:rPr>
+              <a:t>Signif</a:t>
+            </a:r>
+            <a:r>
+              <a:rPr lang="en-GB" sz="1050" dirty="0">
+                <a:latin typeface="Optima" panose="02000503060000020004" pitchFamily="2" charset="0"/>
+              </a:rPr>
+              <a:t>. codes:  0 ‘***’ 0.001 ‘**’ 0.01 ‘*’ 0.05 ‘.’ 0.1 ‘ ’ 1</a:t>
+            </a:r>
+          </a:p>
+        </p:txBody>
+      </p:sp>
+      <mc:AlternateContent xmlns:mc="http://schemas.openxmlformats.org/markup-compatibility/2006" xmlns:a14="http://schemas.microsoft.com/office/drawing/2010/main">
+        <mc:Choice Requires="a14">
+          <p:sp>
+            <p:nvSpPr>
+              <p:cNvPr id="8" name="TextBox 7">
+                <a:extLst>
+                  <a:ext uri="{FF2B5EF4-FFF2-40B4-BE49-F238E27FC236}">
+                    <a16:creationId xmlns:a16="http://schemas.microsoft.com/office/drawing/2014/main" id="{0A8A04AC-8CA9-854E-8274-3F4FB2281C3B}"/>
+                  </a:ext>
+                </a:extLst>
+              </p:cNvPr>
+              <p:cNvSpPr txBox="1"/>
+              <p:nvPr/>
+            </p:nvSpPr>
+            <p:spPr>
+              <a:xfrm>
+                <a:off x="7022804" y="3579628"/>
+                <a:ext cx="4906926" cy="861774"/>
+              </a:xfrm>
+              <a:prstGeom prst="rect">
+                <a:avLst/>
+              </a:prstGeom>
+              <a:noFill/>
+            </p:spPr>
+            <p:txBody>
+              <a:bodyPr wrap="square" rtlCol="0">
+                <a:spAutoFit/>
+              </a:bodyPr>
+              <a:lstStyle/>
+              <a:p>
+                <a:pPr algn="just"/>
+                <a:r>
+                  <a:rPr lang="en-GB" sz="1000" i="1" dirty="0">
+                    <a:latin typeface="Optima" panose="02000503060000020004" pitchFamily="2" charset="0"/>
+                  </a:rPr>
+                  <a:t>Figure 102b. Relationship between probability of maturity and size. Fitted curve in orange is superimposed on the observed proportions of mature snails(blue dots - proportions of adult snails for size bins. Blue error bars – 2.5th and 97.5th percentiles). Observed data did not contain “outlying” samples that were defined as falling beyond 1.5 </a:t>
+                </a:r>
+                <a14:m>
+                  <m:oMath xmlns:m="http://schemas.openxmlformats.org/officeDocument/2006/math">
+                    <m:r>
+                      <a:rPr lang="en-GB" sz="1000" i="1" smtClean="0">
+                        <a:latin typeface="Cambria Math" panose="02040503050406030204" pitchFamily="18" charset="0"/>
+                        <a:ea typeface="Cambria Math" panose="02040503050406030204" pitchFamily="18" charset="0"/>
+                      </a:rPr>
+                      <m:t>×</m:t>
+                    </m:r>
+                  </m:oMath>
+                </a14:m>
+                <a:r>
+                  <a:rPr lang="en-GB" sz="1000" i="1" dirty="0">
+                    <a:latin typeface="Optima" panose="02000503060000020004" pitchFamily="2" charset="0"/>
+                  </a:rPr>
+                  <a:t> IQR (inter-quartile range or distance between the first and third quartiles).</a:t>
+                </a:r>
+              </a:p>
+            </p:txBody>
+          </p:sp>
+        </mc:Choice>
+        <mc:Fallback xmlns="">
+          <p:sp>
+            <p:nvSpPr>
+              <p:cNvPr id="8" name="TextBox 7">
+                <a:extLst>
+                  <a:ext uri="{FF2B5EF4-FFF2-40B4-BE49-F238E27FC236}">
+                    <a16:creationId xmlns:a16="http://schemas.microsoft.com/office/drawing/2014/main" id="{0A8A04AC-8CA9-854E-8274-3F4FB2281C3B}"/>
+                  </a:ext>
+                </a:extLst>
+              </p:cNvPr>
+              <p:cNvSpPr txBox="1">
+                <a:spLocks noRot="1" noChangeAspect="1" noMove="1" noResize="1" noEditPoints="1" noAdjustHandles="1" noChangeArrowheads="1" noChangeShapeType="1" noTextEdit="1"/>
+              </p:cNvSpPr>
+              <p:nvPr/>
+            </p:nvSpPr>
+            <p:spPr>
+              <a:xfrm>
+                <a:off x="7022804" y="3579628"/>
+                <a:ext cx="4906926" cy="861774"/>
+              </a:xfrm>
+              <a:prstGeom prst="rect">
+                <a:avLst/>
+              </a:prstGeom>
+              <a:blipFill>
+                <a:blip r:embed="rId2"/>
+                <a:stretch>
+                  <a:fillRect b="-1449"/>
+                </a:stretch>
+              </a:blipFill>
+            </p:spPr>
+            <p:txBody>
+              <a:bodyPr/>
+              <a:lstStyle/>
+              <a:p>
+                <a:r>
+                  <a:rPr lang="en-GB">
+                    <a:noFill/>
+                  </a:rPr>
+                  <a:t> </a:t>
+                </a:r>
+              </a:p>
+            </p:txBody>
+          </p:sp>
+        </mc:Fallback>
+      </mc:AlternateContent>
+      <p:sp>
+        <p:nvSpPr>
+          <p:cNvPr id="15" name="TextBox 14">
+            <a:extLst>
+              <a:ext uri="{FF2B5EF4-FFF2-40B4-BE49-F238E27FC236}">
+                <a16:creationId xmlns:a16="http://schemas.microsoft.com/office/drawing/2014/main" id="{3B141816-BF8B-7840-B8D0-8D8D47593700}"/>
+              </a:ext>
+            </a:extLst>
+          </p:cNvPr>
+          <p:cNvSpPr txBox="1"/>
+          <p:nvPr/>
+        </p:nvSpPr>
+        <p:spPr>
+          <a:xfrm>
+            <a:off x="133390" y="279147"/>
+            <a:ext cx="5364097" cy="369332"/>
+          </a:xfrm>
+          <a:prstGeom prst="rect">
+            <a:avLst/>
+          </a:prstGeom>
+          <a:noFill/>
+        </p:spPr>
+        <p:txBody>
+          <a:bodyPr wrap="none" rtlCol="0">
+            <a:spAutoFit/>
+          </a:bodyPr>
+          <a:lstStyle/>
+          <a:p>
+            <a:r>
+              <a:rPr lang="en-GB" b="1" dirty="0">
+                <a:latin typeface="Cambria" panose="02040503050406030204" pitchFamily="18" charset="0"/>
+              </a:rPr>
+              <a:t>Model 1b: All samples combined without outliers</a:t>
+            </a:r>
+          </a:p>
+        </p:txBody>
+      </p:sp>
+      <p:sp>
+        <p:nvSpPr>
+          <p:cNvPr id="9" name="TextBox 8">
+            <a:extLst>
+              <a:ext uri="{FF2B5EF4-FFF2-40B4-BE49-F238E27FC236}">
+                <a16:creationId xmlns:a16="http://schemas.microsoft.com/office/drawing/2014/main" id="{2692746B-715C-2344-A416-99E04BB319C2}"/>
+              </a:ext>
+            </a:extLst>
+          </p:cNvPr>
+          <p:cNvSpPr txBox="1"/>
+          <p:nvPr/>
+        </p:nvSpPr>
+        <p:spPr>
+          <a:xfrm>
+            <a:off x="7177966" y="4805745"/>
+            <a:ext cx="4906926" cy="400110"/>
+          </a:xfrm>
+          <a:prstGeom prst="rect">
+            <a:avLst/>
+          </a:prstGeom>
+          <a:noFill/>
+        </p:spPr>
+        <p:txBody>
+          <a:bodyPr wrap="square" rtlCol="0">
+            <a:spAutoFit/>
+          </a:bodyPr>
+          <a:lstStyle/>
+          <a:p>
+            <a:r>
+              <a:rPr lang="en-GB" sz="1000" i="1" dirty="0">
+                <a:latin typeface="Optima" panose="02000503060000020004" pitchFamily="2" charset="0"/>
+              </a:rPr>
+              <a:t>Table 102. Maximum likelihood estimates of the parameters. The model was fitted to all the samples combined but without ”outlying” samples (Model 1b).</a:t>
+            </a:r>
+          </a:p>
+        </p:txBody>
+      </p:sp>
+      <p:sp>
+        <p:nvSpPr>
+          <p:cNvPr id="3" name="Rectangle 2">
+            <a:extLst>
+              <a:ext uri="{FF2B5EF4-FFF2-40B4-BE49-F238E27FC236}">
+                <a16:creationId xmlns:a16="http://schemas.microsoft.com/office/drawing/2014/main" id="{BBB7E850-EFF3-2544-982D-2F6337AE3D24}"/>
+              </a:ext>
+            </a:extLst>
+          </p:cNvPr>
+          <p:cNvSpPr/>
+          <p:nvPr/>
+        </p:nvSpPr>
+        <p:spPr>
+          <a:xfrm>
+            <a:off x="133390" y="794986"/>
+            <a:ext cx="3750899" cy="307777"/>
+          </a:xfrm>
+          <a:prstGeom prst="rect">
+            <a:avLst/>
+          </a:prstGeom>
+        </p:spPr>
+        <p:txBody>
+          <a:bodyPr wrap="none">
+            <a:spAutoFit/>
+          </a:bodyPr>
+          <a:lstStyle/>
+          <a:p>
+            <a:r>
+              <a:rPr lang="en-GB" sz="1400" dirty="0">
+                <a:latin typeface="Cambria" panose="02040503050406030204" pitchFamily="18" charset="0"/>
+              </a:rPr>
+              <a:t>Mean size without removing outliers: 6.77 mm</a:t>
+            </a:r>
+          </a:p>
+        </p:txBody>
+      </p:sp>
+      <p:sp>
+        <p:nvSpPr>
+          <p:cNvPr id="6" name="Rectangle 5">
+            <a:extLst>
+              <a:ext uri="{FF2B5EF4-FFF2-40B4-BE49-F238E27FC236}">
+                <a16:creationId xmlns:a16="http://schemas.microsoft.com/office/drawing/2014/main" id="{5B1D79F8-BDE1-9F4C-849B-91CE32D1A703}"/>
+              </a:ext>
+            </a:extLst>
+          </p:cNvPr>
+          <p:cNvSpPr/>
+          <p:nvPr/>
+        </p:nvSpPr>
+        <p:spPr>
+          <a:xfrm>
+            <a:off x="130184" y="1144662"/>
+            <a:ext cx="3600794" cy="307777"/>
+          </a:xfrm>
+          <a:prstGeom prst="rect">
+            <a:avLst/>
+          </a:prstGeom>
+        </p:spPr>
+        <p:txBody>
+          <a:bodyPr wrap="none">
+            <a:spAutoFit/>
+          </a:bodyPr>
+          <a:lstStyle/>
+          <a:p>
+            <a:r>
+              <a:rPr lang="en-GB" sz="1400" dirty="0">
+                <a:latin typeface="Cambria" panose="02040503050406030204" pitchFamily="18" charset="0"/>
+              </a:rPr>
+              <a:t>Mean size if we remove 59 outliers: 6.52 mm</a:t>
+            </a:r>
+          </a:p>
+        </p:txBody>
+      </p:sp>
+      <p:sp>
+        <p:nvSpPr>
+          <p:cNvPr id="14" name="TextBox 13">
+            <a:extLst>
+              <a:ext uri="{FF2B5EF4-FFF2-40B4-BE49-F238E27FC236}">
+                <a16:creationId xmlns:a16="http://schemas.microsoft.com/office/drawing/2014/main" id="{35EB0733-01FB-434A-AD56-75D57F892FD6}"/>
+              </a:ext>
+            </a:extLst>
+          </p:cNvPr>
+          <p:cNvSpPr txBox="1"/>
+          <p:nvPr/>
+        </p:nvSpPr>
+        <p:spPr>
+          <a:xfrm>
+            <a:off x="240544" y="5694285"/>
+            <a:ext cx="5289640" cy="1169551"/>
+          </a:xfrm>
+          <a:prstGeom prst="rect">
+            <a:avLst/>
+          </a:prstGeom>
+          <a:noFill/>
+        </p:spPr>
+        <p:txBody>
+          <a:bodyPr wrap="square" rtlCol="0">
+            <a:spAutoFit/>
+          </a:bodyPr>
+          <a:lstStyle/>
+          <a:p>
+            <a:pPr algn="just"/>
+            <a:r>
+              <a:rPr lang="en-GB" sz="1400" i="1" dirty="0">
+                <a:latin typeface="Cambria" panose="02040503050406030204" pitchFamily="18" charset="0"/>
+              </a:rPr>
+              <a:t>Figure 101b. Size variation over populations by maturity classes after outlier removal. The boxplot is based on median (horizontal black like), 25</a:t>
+            </a:r>
+            <a:r>
+              <a:rPr lang="en-GB" sz="1400" i="1" baseline="30000" dirty="0">
+                <a:latin typeface="Cambria" panose="02040503050406030204" pitchFamily="18" charset="0"/>
+              </a:rPr>
+              <a:t>th</a:t>
+            </a:r>
+            <a:r>
+              <a:rPr lang="en-GB" sz="1400" i="1" dirty="0">
+                <a:latin typeface="Cambria" panose="02040503050406030204" pitchFamily="18" charset="0"/>
+              </a:rPr>
+              <a:t> and 75</a:t>
+            </a:r>
+            <a:r>
+              <a:rPr lang="en-GB" sz="1400" i="1" baseline="30000" dirty="0">
+                <a:latin typeface="Cambria" panose="02040503050406030204" pitchFamily="18" charset="0"/>
+              </a:rPr>
+              <a:t>th</a:t>
+            </a:r>
+            <a:r>
+              <a:rPr lang="en-GB" sz="1400" i="1" dirty="0">
+                <a:latin typeface="Cambria" panose="02040503050406030204" pitchFamily="18" charset="0"/>
+              </a:rPr>
+              <a:t> percentiles (lower and upper hinges), minimum and maximum (lower and upper whisker), outlying points (black dots).</a:t>
+            </a:r>
+          </a:p>
+        </p:txBody>
+      </p:sp>
+      <p:pic>
+        <p:nvPicPr>
+          <p:cNvPr id="18" name="Graphic 17">
+            <a:extLst>
+              <a:ext uri="{FF2B5EF4-FFF2-40B4-BE49-F238E27FC236}">
+                <a16:creationId xmlns:a16="http://schemas.microsoft.com/office/drawing/2014/main" id="{FCA8268C-2D2A-0C46-B55E-985EF58406B1}"/>
+              </a:ext>
+            </a:extLst>
+          </p:cNvPr>
+          <p:cNvPicPr>
+            <a:picLocks noChangeAspect="1"/>
+          </p:cNvPicPr>
+          <p:nvPr/>
+        </p:nvPicPr>
+        <p:blipFill>
+          <a:blip r:embed="rId3">
+            <a:extLst>
+              <a:ext uri="{96DAC541-7B7A-43D3-8B79-37D633B846F1}">
+                <asvg:svgBlip xmlns:asvg="http://schemas.microsoft.com/office/drawing/2016/SVG/main" r:embed="rId4"/>
+              </a:ext>
+            </a:extLst>
+          </a:blip>
+          <a:stretch>
+            <a:fillRect/>
+          </a:stretch>
+        </p:blipFill>
+        <p:spPr>
+          <a:xfrm>
+            <a:off x="240544" y="1662285"/>
+            <a:ext cx="5040000" cy="4032000"/>
+          </a:xfrm>
+          <a:prstGeom prst="rect">
+            <a:avLst/>
+          </a:prstGeom>
+        </p:spPr>
+      </p:pic>
+      <p:pic>
+        <p:nvPicPr>
+          <p:cNvPr id="20" name="Graphic 19">
+            <a:extLst>
+              <a:ext uri="{FF2B5EF4-FFF2-40B4-BE49-F238E27FC236}">
+                <a16:creationId xmlns:a16="http://schemas.microsoft.com/office/drawing/2014/main" id="{3EB6572B-7B5B-E942-AA17-F8B1893C2B5E}"/>
+              </a:ext>
+            </a:extLst>
+          </p:cNvPr>
+          <p:cNvPicPr>
+            <a:picLocks noChangeAspect="1"/>
+          </p:cNvPicPr>
+          <p:nvPr/>
+        </p:nvPicPr>
+        <p:blipFill>
+          <a:blip r:embed="rId5">
+            <a:extLst>
+              <a:ext uri="{96DAC541-7B7A-43D3-8B79-37D633B846F1}">
+                <asvg:svgBlip xmlns:asvg="http://schemas.microsoft.com/office/drawing/2016/SVG/main" r:embed="rId6"/>
+              </a:ext>
+            </a:extLst>
+          </a:blip>
+          <a:stretch>
+            <a:fillRect/>
+          </a:stretch>
+        </p:blipFill>
+        <p:spPr>
+          <a:xfrm>
+            <a:off x="7022804" y="123628"/>
+            <a:ext cx="4320000" cy="3456000"/>
+          </a:xfrm>
+          <a:prstGeom prst="rect">
+            <a:avLst/>
+          </a:prstGeom>
+        </p:spPr>
+      </p:pic>
     </p:spTree>
     <p:extLst>
       <p:ext uri="{BB962C8B-B14F-4D97-AF65-F5344CB8AC3E}">
-        <p14:creationId xmlns:p14="http://schemas.microsoft.com/office/powerpoint/2010/main" val="3851005987"/>
+        <p14:creationId xmlns:p14="http://schemas.microsoft.com/office/powerpoint/2010/main" val="57504489"/>
       </p:ext>
     </p:extLst>
   </p:cSld>
@@ -7514,6 +8432,90 @@
           </a:p>
         </p:txBody>
       </p:sp>
+      <p:cxnSp>
+        <p:nvCxnSpPr>
+          <p:cNvPr id="11" name="Straight Connector 10">
+            <a:extLst>
+              <a:ext uri="{FF2B5EF4-FFF2-40B4-BE49-F238E27FC236}">
+                <a16:creationId xmlns:a16="http://schemas.microsoft.com/office/drawing/2014/main" id="{F6367E92-E5C9-E94F-A491-82D7D7EFC9AD}"/>
+              </a:ext>
+            </a:extLst>
+          </p:cNvPr>
+          <p:cNvCxnSpPr/>
+          <p:nvPr/>
+        </p:nvCxnSpPr>
+        <p:spPr>
+          <a:xfrm>
+            <a:off x="148856" y="97971"/>
+            <a:ext cx="11887199" cy="6607629"/>
+          </a:xfrm>
+          <a:prstGeom prst="line">
+            <a:avLst/>
+          </a:prstGeom>
+          <a:ln w="508000">
+            <a:solidFill>
+              <a:schemeClr val="tx1"/>
+            </a:solidFill>
+          </a:ln>
+        </p:spPr>
+        <p:style>
+          <a:lnRef idx="1">
+            <a:schemeClr val="accent1"/>
+          </a:lnRef>
+          <a:fillRef idx="0">
+            <a:schemeClr val="accent1"/>
+          </a:fillRef>
+          <a:effectRef idx="0">
+            <a:schemeClr val="accent1"/>
+          </a:effectRef>
+          <a:fontRef idx="minor">
+            <a:schemeClr val="tx1"/>
+          </a:fontRef>
+        </p:style>
+      </p:cxnSp>
+      <p:cxnSp>
+        <p:nvCxnSpPr>
+          <p:cNvPr id="17" name="Straight Connector 16">
+            <a:extLst>
+              <a:ext uri="{FF2B5EF4-FFF2-40B4-BE49-F238E27FC236}">
+                <a16:creationId xmlns:a16="http://schemas.microsoft.com/office/drawing/2014/main" id="{239BCA5E-C82F-2343-A079-4AAC61E598CD}"/>
+              </a:ext>
+            </a:extLst>
+          </p:cNvPr>
+          <p:cNvCxnSpPr>
+            <a:cxnSpLocks/>
+          </p:cNvCxnSpPr>
+          <p:nvPr/>
+        </p:nvCxnSpPr>
+        <p:spPr>
+          <a:xfrm flipV="1">
+            <a:off x="385009" y="279143"/>
+            <a:ext cx="11502190" cy="6175470"/>
+          </a:xfrm>
+          <a:prstGeom prst="line">
+            <a:avLst/>
+          </a:prstGeom>
+          <a:ln w="508000">
+            <a:solidFill>
+              <a:schemeClr val="tx1"/>
+            </a:solidFill>
+          </a:ln>
+        </p:spPr>
+        <p:style>
+          <a:lnRef idx="1">
+            <a:schemeClr val="accent1"/>
+          </a:lnRef>
+          <a:fillRef idx="0">
+            <a:schemeClr val="accent1"/>
+          </a:fillRef>
+          <a:effectRef idx="0">
+            <a:schemeClr val="accent1"/>
+          </a:effectRef>
+          <a:fontRef idx="minor">
+            <a:schemeClr val="tx1"/>
+          </a:fontRef>
+        </p:style>
+      </p:cxnSp>
     </p:spTree>
     <p:extLst>
       <p:ext uri="{BB962C8B-B14F-4D97-AF65-F5344CB8AC3E}">
@@ -7544,789 +8546,250 @@
           <a:chExt cx="0" cy="0"/>
         </a:xfrm>
       </p:grpSpPr>
-      <p:sp>
-        <p:nvSpPr>
-          <p:cNvPr id="2" name="Rectangle 1">
-            <a:extLst>
-              <a:ext uri="{FF2B5EF4-FFF2-40B4-BE49-F238E27FC236}">
-                <a16:creationId xmlns:a16="http://schemas.microsoft.com/office/drawing/2014/main" id="{8762CA48-BE08-004A-9443-BC488A3FFC55}"/>
-              </a:ext>
-            </a:extLst>
-          </p:cNvPr>
-          <p:cNvSpPr/>
+      <mc:AlternateContent xmlns:mc="http://schemas.openxmlformats.org/markup-compatibility/2006" xmlns:a14="http://schemas.microsoft.com/office/drawing/2010/main">
+        <mc:Choice Requires="a14">
+          <p:sp>
+            <p:nvSpPr>
+              <p:cNvPr id="2" name="Rectangle 1">
+                <a:extLst>
+                  <a:ext uri="{FF2B5EF4-FFF2-40B4-BE49-F238E27FC236}">
+                    <a16:creationId xmlns:a16="http://schemas.microsoft.com/office/drawing/2014/main" id="{8762CA48-BE08-004A-9443-BC488A3FFC55}"/>
+                  </a:ext>
+                </a:extLst>
+              </p:cNvPr>
+              <p:cNvSpPr/>
+              <p:nvPr/>
+            </p:nvSpPr>
+            <p:spPr>
+              <a:xfrm>
+                <a:off x="133390" y="736689"/>
+                <a:ext cx="6223867" cy="2462213"/>
+              </a:xfrm>
+              <a:prstGeom prst="rect">
+                <a:avLst/>
+              </a:prstGeom>
+            </p:spPr>
+            <p:txBody>
+              <a:bodyPr wrap="square">
+                <a:spAutoFit/>
+              </a:bodyPr>
+              <a:lstStyle/>
+              <a:p>
+                <a:pPr algn="just"/>
+                <a:r>
+                  <a:rPr lang="en-US" sz="1400" b="0" i="0" u="none" strike="noStrike" dirty="0">
+                    <a:solidFill>
+                      <a:srgbClr val="000000"/>
+                    </a:solidFill>
+                    <a:effectLst/>
+                    <a:latin typeface="Cambria" panose="02040503050406030204" pitchFamily="18" charset="0"/>
+                  </a:rPr>
+                  <a:t>Fitting a model where the probability of maturity changes with size. Individuals classified as “immature” were treated as juvenile and adults were classified as either females or males. The model is multinomial with three classes (female, male and juvenile) which means that, for example, the probability of being a mature male is the probability of being male and being mature. Hence, the addition of the sex ratio (0.5) in the calculation which can be replaced with the parameter </a:t>
+                </a:r>
+                <a14:m>
+                  <m:oMath xmlns:m="http://schemas.openxmlformats.org/officeDocument/2006/math">
+                    <m:r>
+                      <a:rPr lang="sv-SE" sz="1400" i="1">
+                        <a:solidFill>
+                          <a:srgbClr val="000000"/>
+                        </a:solidFill>
+                        <a:latin typeface="Cambria Math" panose="02040503050406030204" pitchFamily="18" charset="0"/>
+                      </a:rPr>
+                      <m:t>𝑠𝑟</m:t>
+                    </m:r>
+                  </m:oMath>
+                </a14:m>
+                <a:r>
+                  <a:rPr lang="en-US" sz="1400" b="0" u="none" strike="noStrike" dirty="0">
+                    <a:solidFill>
+                      <a:srgbClr val="000000"/>
+                    </a:solidFill>
+                    <a:effectLst/>
+                    <a:latin typeface="Cambria" panose="02040503050406030204" pitchFamily="18" charset="0"/>
+                  </a:rPr>
+                  <a:t> (or </a:t>
+                </a:r>
+                <a14:m>
+                  <m:oMath xmlns:m="http://schemas.openxmlformats.org/officeDocument/2006/math">
+                    <m:r>
+                      <a:rPr lang="sv-SE" sz="1400" b="0" i="1" u="none" strike="noStrike" smtClean="0">
+                        <a:solidFill>
+                          <a:srgbClr val="000000"/>
+                        </a:solidFill>
+                        <a:effectLst/>
+                        <a:latin typeface="Cambria Math" panose="02040503050406030204" pitchFamily="18" charset="0"/>
+                      </a:rPr>
+                      <m:t>1−</m:t>
+                    </m:r>
+                    <m:r>
+                      <a:rPr lang="sv-SE" sz="1400" b="0" i="1" u="none" strike="noStrike" smtClean="0">
+                        <a:solidFill>
+                          <a:srgbClr val="000000"/>
+                        </a:solidFill>
+                        <a:effectLst/>
+                        <a:latin typeface="Cambria Math" panose="02040503050406030204" pitchFamily="18" charset="0"/>
+                      </a:rPr>
+                      <m:t>𝑠𝑟</m:t>
+                    </m:r>
+                  </m:oMath>
+                </a14:m>
+                <a:r>
+                  <a:rPr lang="en-US" sz="1400" b="0" i="0" u="none" strike="noStrike" dirty="0">
+                    <a:solidFill>
+                      <a:srgbClr val="000000"/>
+                    </a:solidFill>
+                    <a:effectLst/>
+                    <a:latin typeface="Cambria" panose="02040503050406030204" pitchFamily="18" charset="0"/>
+                  </a:rPr>
+                  <a:t> for females). In order to keep </a:t>
+                </a:r>
+                <a14:m>
+                  <m:oMath xmlns:m="http://schemas.openxmlformats.org/officeDocument/2006/math">
+                    <m:r>
+                      <a:rPr lang="sv-SE" sz="1400" i="1">
+                        <a:solidFill>
+                          <a:srgbClr val="000000"/>
+                        </a:solidFill>
+                        <a:latin typeface="Cambria Math" panose="02040503050406030204" pitchFamily="18" charset="0"/>
+                      </a:rPr>
+                      <m:t>𝑠𝑟</m:t>
+                    </m:r>
+                  </m:oMath>
+                </a14:m>
+                <a:r>
+                  <a:rPr lang="en-US" sz="1400" b="0" i="0" u="none" strike="noStrike" dirty="0">
+                    <a:solidFill>
+                      <a:srgbClr val="000000"/>
+                    </a:solidFill>
+                    <a:effectLst/>
+                    <a:latin typeface="Cambria" panose="02040503050406030204" pitchFamily="18" charset="0"/>
+                  </a:rPr>
+                  <a:t> between 0 and 1, the fitted parameter is </a:t>
+                </a:r>
+                <a14:m>
+                  <m:oMath xmlns:m="http://schemas.openxmlformats.org/officeDocument/2006/math">
+                    <m:r>
+                      <m:rPr>
+                        <m:nor/>
+                      </m:rPr>
+                      <a:rPr lang="sv-SE" sz="1400" b="0" i="0" u="none" strike="noStrike" smtClean="0">
+                        <a:solidFill>
+                          <a:srgbClr val="000000"/>
+                        </a:solidFill>
+                        <a:effectLst/>
+                        <a:latin typeface="Cambria" panose="02040503050406030204" pitchFamily="18" charset="0"/>
+                      </a:rPr>
+                      <m:t>logit</m:t>
+                    </m:r>
+                    <m:r>
+                      <m:rPr>
+                        <m:nor/>
+                      </m:rPr>
+                      <a:rPr lang="sv-SE" sz="1400" b="0" i="0" u="none" strike="noStrike" smtClean="0">
+                        <a:solidFill>
+                          <a:srgbClr val="000000"/>
+                        </a:solidFill>
+                        <a:effectLst/>
+                        <a:latin typeface="Cambria" panose="02040503050406030204" pitchFamily="18" charset="0"/>
+                      </a:rPr>
+                      <m:t> </m:t>
+                    </m:r>
+                    <m:r>
+                      <a:rPr lang="sv-SE" sz="1400" b="0" i="1" u="none" strike="noStrike" smtClean="0">
+                        <a:solidFill>
+                          <a:srgbClr val="000000"/>
+                        </a:solidFill>
+                        <a:effectLst/>
+                        <a:latin typeface="Cambria Math" panose="02040503050406030204" pitchFamily="18" charset="0"/>
+                      </a:rPr>
+                      <m:t>𝑠𝑟</m:t>
+                    </m:r>
+                  </m:oMath>
+                </a14:m>
+                <a:r>
+                  <a:rPr lang="en-US" sz="1400" b="0" i="0" u="none" strike="noStrike" dirty="0">
+                    <a:solidFill>
+                      <a:srgbClr val="000000"/>
+                    </a:solidFill>
+                    <a:effectLst/>
+                    <a:latin typeface="Cambria" panose="02040503050406030204" pitchFamily="18" charset="0"/>
+                  </a:rPr>
+                  <a:t>.</a:t>
+                </a:r>
+                <a:r>
+                  <a:rPr lang="en-US" sz="1400" dirty="0">
+                    <a:solidFill>
+                      <a:srgbClr val="000000"/>
+                    </a:solidFill>
+                    <a:latin typeface="Cambria" panose="02040503050406030204" pitchFamily="18" charset="0"/>
+                  </a:rPr>
+                  <a:t> Other parameters are the average size at which males or females become adult (smat_m, smat_f) and a slope (b_m, b_f) that determines how variable the size at maturity is. We are assuming that the four parameters are constant across the contact zone.</a:t>
+                </a:r>
+              </a:p>
+            </p:txBody>
+          </p:sp>
+        </mc:Choice>
+        <mc:Fallback xmlns="">
+          <p:sp>
+            <p:nvSpPr>
+              <p:cNvPr id="2" name="Rectangle 1">
+                <a:extLst>
+                  <a:ext uri="{FF2B5EF4-FFF2-40B4-BE49-F238E27FC236}">
+                    <a16:creationId xmlns:a16="http://schemas.microsoft.com/office/drawing/2014/main" id="{8762CA48-BE08-004A-9443-BC488A3FFC55}"/>
+                  </a:ext>
+                </a:extLst>
+              </p:cNvPr>
+              <p:cNvSpPr>
+                <a:spLocks noRot="1" noChangeAspect="1" noMove="1" noResize="1" noEditPoints="1" noAdjustHandles="1" noChangeArrowheads="1" noChangeShapeType="1" noTextEdit="1"/>
+              </p:cNvSpPr>
+              <p:nvPr/>
+            </p:nvSpPr>
+            <p:spPr>
+              <a:xfrm>
+                <a:off x="133390" y="736689"/>
+                <a:ext cx="6223867" cy="2462213"/>
+              </a:xfrm>
+              <a:prstGeom prst="rect">
+                <a:avLst/>
+              </a:prstGeom>
+              <a:blipFill>
+                <a:blip r:embed="rId2"/>
+                <a:stretch>
+                  <a:fillRect l="-204" r="-204" b="-1538"/>
+                </a:stretch>
+              </a:blipFill>
+            </p:spPr>
+            <p:txBody>
+              <a:bodyPr/>
+              <a:lstStyle/>
+              <a:p>
+                <a:r>
+                  <a:rPr lang="en-GB">
+                    <a:noFill/>
+                  </a:rPr>
+                  <a:t> </a:t>
+                </a:r>
+              </a:p>
+            </p:txBody>
+          </p:sp>
+        </mc:Fallback>
+      </mc:AlternateContent>
+      <p:sp>
+        <p:nvSpPr>
+          <p:cNvPr id="16" name="TextBox 15">
+            <a:extLst>
+              <a:ext uri="{FF2B5EF4-FFF2-40B4-BE49-F238E27FC236}">
+                <a16:creationId xmlns:a16="http://schemas.microsoft.com/office/drawing/2014/main" id="{AF5E0C1F-0971-7F42-AA42-93DD9F677315}"/>
+              </a:ext>
+            </a:extLst>
+          </p:cNvPr>
+          <p:cNvSpPr txBox="1"/>
           <p:nvPr/>
         </p:nvSpPr>
         <p:spPr>
           <a:xfrm>
-            <a:off x="133390" y="900219"/>
-            <a:ext cx="7613610" cy="5139869"/>
-          </a:xfrm>
-          <a:prstGeom prst="rect">
-            <a:avLst/>
-          </a:prstGeom>
-        </p:spPr>
-        <p:txBody>
-          <a:bodyPr wrap="square">
-            <a:spAutoFit/>
-          </a:bodyPr>
-          <a:lstStyle/>
-          <a:p>
-            <a:r>
-              <a:rPr lang="en-US" sz="1600" b="0" i="0" u="none" strike="noStrike" dirty="0">
-                <a:solidFill>
-                  <a:srgbClr val="000000"/>
-                </a:solidFill>
-                <a:effectLst/>
-                <a:latin typeface="Optima-Regular" panose="02000503060000020004" pitchFamily="2" charset="0"/>
-              </a:rPr>
-              <a:t>Fitting a model where the probability of maturity changes with size. Individuals classified as “immature” were treated as juvenile and adults were classified as either females or males.</a:t>
-            </a:r>
-          </a:p>
-          <a:p>
-            <a:endParaRPr lang="en-US" sz="1600" dirty="0">
-              <a:solidFill>
-                <a:srgbClr val="000000"/>
-              </a:solidFill>
-              <a:latin typeface="Optima-Regular" panose="02000503060000020004" pitchFamily="2" charset="0"/>
-            </a:endParaRPr>
-          </a:p>
-          <a:p>
-            <a:r>
-              <a:rPr lang="en-US" sz="1200" dirty="0">
-                <a:solidFill>
-                  <a:srgbClr val="0070C0"/>
-                </a:solidFill>
-                <a:latin typeface="Optima-Regular" panose="02000503060000020004" pitchFamily="2" charset="0"/>
-              </a:rPr>
-              <a:t>With the sex added there is a problem that I did not think about! The observations become multinomial with 3 classes (male, female, juvenile) rather than binomial. I think the multinomial log-likelihood is just sum(</a:t>
-            </a:r>
-            <a:r>
-              <a:rPr lang="en-US" sz="1200" dirty="0" err="1">
-                <a:solidFill>
-                  <a:srgbClr val="0070C0"/>
-                </a:solidFill>
-                <a:latin typeface="Optima-Regular" panose="02000503060000020004" pitchFamily="2" charset="0"/>
-              </a:rPr>
-              <a:t>x_i</a:t>
-            </a:r>
-            <a:r>
-              <a:rPr lang="en-US" sz="1200" dirty="0">
-                <a:solidFill>
-                  <a:srgbClr val="0070C0"/>
-                </a:solidFill>
-                <a:latin typeface="Optima-Regular" panose="02000503060000020004" pitchFamily="2" charset="0"/>
-              </a:rPr>
-              <a:t> * log(</a:t>
-            </a:r>
-            <a:r>
-              <a:rPr lang="en-US" sz="1200" dirty="0" err="1">
-                <a:solidFill>
-                  <a:srgbClr val="0070C0"/>
-                </a:solidFill>
-                <a:latin typeface="Optima-Regular" panose="02000503060000020004" pitchFamily="2" charset="0"/>
-              </a:rPr>
-              <a:t>p_i</a:t>
-            </a:r>
-            <a:r>
-              <a:rPr lang="en-US" sz="1200" dirty="0">
-                <a:solidFill>
-                  <a:srgbClr val="0070C0"/>
-                </a:solidFill>
-                <a:latin typeface="Optima-Regular" panose="02000503060000020004" pitchFamily="2" charset="0"/>
-              </a:rPr>
-              <a:t>)) (as in the G test, an alternative to chi-square) where the </a:t>
-            </a:r>
-            <a:r>
-              <a:rPr lang="en-US" sz="1200" dirty="0" err="1">
-                <a:solidFill>
-                  <a:srgbClr val="0070C0"/>
-                </a:solidFill>
-                <a:latin typeface="Optima-Regular" panose="02000503060000020004" pitchFamily="2" charset="0"/>
-              </a:rPr>
-              <a:t>x_i</a:t>
-            </a:r>
-            <a:r>
-              <a:rPr lang="en-US" sz="1200" dirty="0">
-                <a:solidFill>
-                  <a:srgbClr val="0070C0"/>
-                </a:solidFill>
-                <a:latin typeface="Optima-Regular" panose="02000503060000020004" pitchFamily="2" charset="0"/>
-              </a:rPr>
-              <a:t> are the observed counts and the </a:t>
-            </a:r>
-            <a:r>
-              <a:rPr lang="en-US" sz="1200" dirty="0" err="1">
-                <a:solidFill>
-                  <a:srgbClr val="0070C0"/>
-                </a:solidFill>
-                <a:latin typeface="Optima-Regular" panose="02000503060000020004" pitchFamily="2" charset="0"/>
-              </a:rPr>
-              <a:t>p_i</a:t>
-            </a:r>
-            <a:r>
-              <a:rPr lang="en-US" sz="1200" dirty="0">
-                <a:solidFill>
-                  <a:srgbClr val="0070C0"/>
-                </a:solidFill>
-                <a:latin typeface="Optima-Regular" panose="02000503060000020004" pitchFamily="2" charset="0"/>
-              </a:rPr>
-              <a:t> are the expected probabilities (that sum to 1). In your case, where you derive the probabilities for each individual, I think this means that you just sum log(</a:t>
-            </a:r>
-            <a:r>
-              <a:rPr lang="en-US" sz="1200" dirty="0" err="1">
-                <a:solidFill>
-                  <a:srgbClr val="0070C0"/>
-                </a:solidFill>
-                <a:latin typeface="Optima-Regular" panose="02000503060000020004" pitchFamily="2" charset="0"/>
-              </a:rPr>
-              <a:t>p_i</a:t>
-            </a:r>
-            <a:r>
-              <a:rPr lang="en-US" sz="1200" dirty="0">
-                <a:solidFill>
-                  <a:srgbClr val="0070C0"/>
-                </a:solidFill>
-                <a:latin typeface="Optima-Regular" panose="02000503060000020004" pitchFamily="2" charset="0"/>
-              </a:rPr>
-              <a:t>(j)) across individuals, where </a:t>
-            </a:r>
-            <a:r>
-              <a:rPr lang="en-US" sz="1200" dirty="0" err="1">
-                <a:solidFill>
-                  <a:srgbClr val="0070C0"/>
-                </a:solidFill>
-                <a:latin typeface="Optima-Regular" panose="02000503060000020004" pitchFamily="2" charset="0"/>
-              </a:rPr>
-              <a:t>p_i</a:t>
-            </a:r>
-            <a:r>
-              <a:rPr lang="en-US" sz="1200" dirty="0">
-                <a:solidFill>
-                  <a:srgbClr val="0070C0"/>
-                </a:solidFill>
-                <a:latin typeface="Optima-Regular" panose="02000503060000020004" pitchFamily="2" charset="0"/>
-              </a:rPr>
-              <a:t>(j) is the probability of the class to which individual j belongs.</a:t>
-            </a:r>
-            <a:endParaRPr lang="en-US" sz="1200" dirty="0">
-              <a:solidFill>
-                <a:srgbClr val="000000"/>
-              </a:solidFill>
-              <a:latin typeface="Monaco" pitchFamily="2" charset="77"/>
-            </a:endParaRPr>
-          </a:p>
-          <a:p>
-            <a:endParaRPr lang="en-US" sz="1200" dirty="0">
-              <a:solidFill>
-                <a:srgbClr val="000000"/>
-              </a:solidFill>
-              <a:latin typeface="Monaco" pitchFamily="2" charset="77"/>
-            </a:endParaRPr>
-          </a:p>
-          <a:p>
-            <a:r>
-              <a:rPr lang="en-US" sz="1200" dirty="0" err="1">
-                <a:solidFill>
-                  <a:srgbClr val="000000"/>
-                </a:solidFill>
-                <a:latin typeface="Monaco" pitchFamily="2" charset="77"/>
-              </a:rPr>
-              <a:t>s_mat_sex</a:t>
-            </a:r>
-            <a:r>
-              <a:rPr lang="en-US" sz="1200" dirty="0">
-                <a:solidFill>
-                  <a:srgbClr val="000000"/>
-                </a:solidFill>
-                <a:latin typeface="Monaco" pitchFamily="2" charset="77"/>
-              </a:rPr>
-              <a:t> &lt;- function(data, k, </a:t>
-            </a:r>
-            <a:r>
-              <a:rPr lang="en-US" sz="1200" dirty="0" err="1">
-                <a:solidFill>
-                  <a:srgbClr val="000000"/>
-                </a:solidFill>
-                <a:latin typeface="Monaco" pitchFamily="2" charset="77"/>
-              </a:rPr>
-              <a:t>y_col</a:t>
-            </a:r>
-            <a:r>
-              <a:rPr lang="en-US" sz="1200" dirty="0">
-                <a:solidFill>
-                  <a:srgbClr val="000000"/>
-                </a:solidFill>
-                <a:latin typeface="Monaco" pitchFamily="2" charset="77"/>
-              </a:rPr>
-              <a:t>, </a:t>
-            </a:r>
-            <a:r>
-              <a:rPr lang="en-US" sz="1200" dirty="0" err="1">
-                <a:solidFill>
-                  <a:srgbClr val="000000"/>
-                </a:solidFill>
-                <a:latin typeface="Monaco" pitchFamily="2" charset="77"/>
-              </a:rPr>
-              <a:t>x_col</a:t>
-            </a:r>
-            <a:r>
-              <a:rPr lang="en-US" sz="1200" dirty="0">
-                <a:solidFill>
-                  <a:srgbClr val="000000"/>
-                </a:solidFill>
-                <a:latin typeface="Monaco" pitchFamily="2" charset="77"/>
-              </a:rPr>
-              <a:t>, mean, slope) {</a:t>
-            </a:r>
-          </a:p>
-          <a:p>
-            <a:r>
-              <a:rPr lang="en-US" sz="1200" dirty="0">
-                <a:solidFill>
-                  <a:srgbClr val="000000"/>
-                </a:solidFill>
-                <a:latin typeface="Monaco" pitchFamily="2" charset="77"/>
-              </a:rPr>
-              <a:t>  </a:t>
-            </a:r>
-            <a:r>
-              <a:rPr lang="en-US" sz="1200" dirty="0" err="1">
-                <a:solidFill>
-                  <a:srgbClr val="000000"/>
-                </a:solidFill>
-                <a:latin typeface="Monaco" pitchFamily="2" charset="77"/>
-              </a:rPr>
-              <a:t>k_count</a:t>
-            </a:r>
-            <a:r>
-              <a:rPr lang="en-US" sz="1200" dirty="0">
-                <a:solidFill>
-                  <a:srgbClr val="000000"/>
-                </a:solidFill>
-                <a:latin typeface="Monaco" pitchFamily="2" charset="77"/>
-              </a:rPr>
-              <a:t> &lt;- table(data[, </a:t>
-            </a:r>
-            <a:r>
-              <a:rPr lang="en-US" sz="1200" dirty="0" err="1">
-                <a:solidFill>
-                  <a:srgbClr val="000000"/>
-                </a:solidFill>
-                <a:latin typeface="Monaco" pitchFamily="2" charset="77"/>
-              </a:rPr>
-              <a:t>y_col</a:t>
-            </a:r>
-            <a:r>
-              <a:rPr lang="en-US" sz="1200" dirty="0">
-                <a:solidFill>
-                  <a:srgbClr val="000000"/>
-                </a:solidFill>
-                <a:latin typeface="Monaco" pitchFamily="2" charset="77"/>
-              </a:rPr>
-              <a:t>])</a:t>
-            </a:r>
-          </a:p>
-          <a:p>
-            <a:r>
-              <a:rPr lang="en-US" sz="1200" dirty="0">
-                <a:solidFill>
-                  <a:srgbClr val="000000"/>
-                </a:solidFill>
-                <a:latin typeface="Monaco" pitchFamily="2" charset="77"/>
-              </a:rPr>
-              <a:t>  </a:t>
-            </a:r>
-            <a:r>
-              <a:rPr lang="en-US" sz="1200" dirty="0" err="1">
-                <a:solidFill>
-                  <a:srgbClr val="000000"/>
-                </a:solidFill>
-                <a:latin typeface="Monaco" pitchFamily="2" charset="77"/>
-              </a:rPr>
-              <a:t>logit_p</a:t>
-            </a:r>
-            <a:r>
-              <a:rPr lang="en-US" sz="1200" dirty="0">
-                <a:solidFill>
-                  <a:srgbClr val="000000"/>
-                </a:solidFill>
-                <a:latin typeface="Monaco" pitchFamily="2" charset="77"/>
-              </a:rPr>
-              <a:t> &lt;- vector(mode = "list", length = length(</a:t>
-            </a:r>
-            <a:r>
-              <a:rPr lang="en-US" sz="1200" dirty="0" err="1">
-                <a:solidFill>
-                  <a:srgbClr val="000000"/>
-                </a:solidFill>
-                <a:latin typeface="Monaco" pitchFamily="2" charset="77"/>
-              </a:rPr>
-              <a:t>k_count</a:t>
-            </a:r>
-            <a:r>
-              <a:rPr lang="en-US" sz="1200" dirty="0">
-                <a:solidFill>
-                  <a:srgbClr val="000000"/>
-                </a:solidFill>
-                <a:latin typeface="Monaco" pitchFamily="2" charset="77"/>
-              </a:rPr>
-              <a:t>))</a:t>
-            </a:r>
-          </a:p>
-          <a:p>
-            <a:r>
-              <a:rPr lang="en-US" sz="1200" dirty="0">
-                <a:solidFill>
-                  <a:srgbClr val="000000"/>
-                </a:solidFill>
-                <a:latin typeface="Monaco" pitchFamily="2" charset="77"/>
-              </a:rPr>
-              <a:t>  p &lt;- vector(mode = "list", length = length(</a:t>
-            </a:r>
-            <a:r>
-              <a:rPr lang="en-US" sz="1200" dirty="0" err="1">
-                <a:solidFill>
-                  <a:srgbClr val="000000"/>
-                </a:solidFill>
-                <a:latin typeface="Monaco" pitchFamily="2" charset="77"/>
-              </a:rPr>
-              <a:t>k_count</a:t>
-            </a:r>
-            <a:r>
-              <a:rPr lang="en-US" sz="1200" dirty="0">
-                <a:solidFill>
-                  <a:srgbClr val="000000"/>
-                </a:solidFill>
-                <a:latin typeface="Monaco" pitchFamily="2" charset="77"/>
-              </a:rPr>
-              <a:t>))</a:t>
-            </a:r>
-          </a:p>
-          <a:p>
-            <a:r>
-              <a:rPr lang="en-US" sz="1200" dirty="0">
-                <a:solidFill>
-                  <a:srgbClr val="000000"/>
-                </a:solidFill>
-                <a:latin typeface="Monaco" pitchFamily="2" charset="77"/>
-              </a:rPr>
-              <a:t>  for (k in </a:t>
-            </a:r>
-            <a:r>
-              <a:rPr lang="en-US" sz="1200" dirty="0" err="1">
-                <a:solidFill>
-                  <a:srgbClr val="000000"/>
-                </a:solidFill>
-                <a:latin typeface="Monaco" pitchFamily="2" charset="77"/>
-              </a:rPr>
-              <a:t>seq_along</a:t>
-            </a:r>
-            <a:r>
-              <a:rPr lang="en-US" sz="1200" dirty="0">
-                <a:solidFill>
-                  <a:srgbClr val="000000"/>
-                </a:solidFill>
-                <a:latin typeface="Monaco" pitchFamily="2" charset="77"/>
-              </a:rPr>
-              <a:t>(names(</a:t>
-            </a:r>
-            <a:r>
-              <a:rPr lang="en-US" sz="1200" dirty="0" err="1">
-                <a:solidFill>
-                  <a:srgbClr val="000000"/>
-                </a:solidFill>
-                <a:latin typeface="Monaco" pitchFamily="2" charset="77"/>
-              </a:rPr>
-              <a:t>k_count</a:t>
-            </a:r>
-            <a:r>
-              <a:rPr lang="en-US" sz="1200" dirty="0">
-                <a:solidFill>
-                  <a:srgbClr val="000000"/>
-                </a:solidFill>
-                <a:latin typeface="Monaco" pitchFamily="2" charset="77"/>
-              </a:rPr>
-              <a:t>))) {</a:t>
-            </a:r>
-          </a:p>
-          <a:p>
-            <a:r>
-              <a:rPr lang="en-US" sz="1200" dirty="0">
-                <a:solidFill>
-                  <a:srgbClr val="000000"/>
-                </a:solidFill>
-                <a:latin typeface="Monaco" pitchFamily="2" charset="77"/>
-              </a:rPr>
-              <a:t>    # variable x should be already transformed</a:t>
-            </a:r>
-          </a:p>
-          <a:p>
-            <a:r>
-              <a:rPr lang="en-US" sz="1200" dirty="0">
-                <a:solidFill>
-                  <a:srgbClr val="000000"/>
-                </a:solidFill>
-                <a:latin typeface="Monaco" pitchFamily="2" charset="77"/>
-              </a:rPr>
-              <a:t>    x &lt;- data[data[, </a:t>
-            </a:r>
-            <a:r>
-              <a:rPr lang="en-US" sz="1200" dirty="0" err="1">
-                <a:solidFill>
-                  <a:srgbClr val="000000"/>
-                </a:solidFill>
-                <a:latin typeface="Monaco" pitchFamily="2" charset="77"/>
-              </a:rPr>
-              <a:t>y_col</a:t>
-            </a:r>
-            <a:r>
-              <a:rPr lang="en-US" sz="1200" dirty="0">
-                <a:solidFill>
-                  <a:srgbClr val="000000"/>
-                </a:solidFill>
-                <a:latin typeface="Monaco" pitchFamily="2" charset="77"/>
-              </a:rPr>
-              <a:t>] == names(</a:t>
-            </a:r>
-            <a:r>
-              <a:rPr lang="en-US" sz="1200" dirty="0" err="1">
-                <a:solidFill>
-                  <a:srgbClr val="000000"/>
-                </a:solidFill>
-                <a:latin typeface="Monaco" pitchFamily="2" charset="77"/>
-              </a:rPr>
-              <a:t>k_count</a:t>
-            </a:r>
-            <a:r>
-              <a:rPr lang="en-US" sz="1200" dirty="0">
-                <a:solidFill>
-                  <a:srgbClr val="000000"/>
-                </a:solidFill>
-                <a:latin typeface="Monaco" pitchFamily="2" charset="77"/>
-              </a:rPr>
-              <a:t>)[k], </a:t>
-            </a:r>
-            <a:r>
-              <a:rPr lang="en-US" sz="1200" dirty="0" err="1">
-                <a:solidFill>
-                  <a:srgbClr val="000000"/>
-                </a:solidFill>
-                <a:latin typeface="Monaco" pitchFamily="2" charset="77"/>
-              </a:rPr>
-              <a:t>x_col</a:t>
-            </a:r>
-            <a:r>
-              <a:rPr lang="en-US" sz="1200" dirty="0">
-                <a:solidFill>
-                  <a:srgbClr val="000000"/>
-                </a:solidFill>
-                <a:latin typeface="Monaco" pitchFamily="2" charset="77"/>
-              </a:rPr>
-              <a:t>]</a:t>
-            </a:r>
-          </a:p>
-          <a:p>
-            <a:r>
-              <a:rPr lang="en-US" sz="1200" dirty="0">
-                <a:solidFill>
-                  <a:srgbClr val="000000"/>
-                </a:solidFill>
-                <a:latin typeface="Monaco" pitchFamily="2" charset="77"/>
-              </a:rPr>
-              <a:t>    </a:t>
-            </a:r>
-            <a:r>
-              <a:rPr lang="en-US" sz="1200" dirty="0" err="1">
-                <a:solidFill>
-                  <a:srgbClr val="000000"/>
-                </a:solidFill>
-                <a:latin typeface="Monaco" pitchFamily="2" charset="77"/>
-              </a:rPr>
-              <a:t>logit_p</a:t>
-            </a:r>
-            <a:r>
-              <a:rPr lang="en-US" sz="1200" dirty="0">
-                <a:solidFill>
-                  <a:srgbClr val="000000"/>
-                </a:solidFill>
-                <a:latin typeface="Monaco" pitchFamily="2" charset="77"/>
-              </a:rPr>
-              <a:t>[[k]] &lt;- (x - mean[k]) / slope[k]</a:t>
-            </a:r>
-          </a:p>
-          <a:p>
-            <a:r>
-              <a:rPr lang="en-US" sz="1200" dirty="0">
-                <a:solidFill>
-                  <a:srgbClr val="000000"/>
-                </a:solidFill>
-                <a:latin typeface="Monaco" pitchFamily="2" charset="77"/>
-              </a:rPr>
-              <a:t>    p[[k]] &lt;- log(</a:t>
-            </a:r>
-            <a:r>
-              <a:rPr lang="en-US" sz="1200" dirty="0" err="1">
-                <a:solidFill>
-                  <a:srgbClr val="000000"/>
-                </a:solidFill>
-                <a:latin typeface="Monaco" pitchFamily="2" charset="77"/>
-              </a:rPr>
-              <a:t>exp</a:t>
-            </a:r>
-            <a:r>
-              <a:rPr lang="en-US" sz="1200" dirty="0">
-                <a:solidFill>
-                  <a:srgbClr val="000000"/>
-                </a:solidFill>
-                <a:latin typeface="Monaco" pitchFamily="2" charset="77"/>
-              </a:rPr>
-              <a:t>(</a:t>
-            </a:r>
-            <a:r>
-              <a:rPr lang="en-US" sz="1200" dirty="0" err="1">
-                <a:solidFill>
-                  <a:srgbClr val="000000"/>
-                </a:solidFill>
-                <a:latin typeface="Monaco" pitchFamily="2" charset="77"/>
-              </a:rPr>
-              <a:t>logit_p</a:t>
-            </a:r>
-            <a:r>
-              <a:rPr lang="en-US" sz="1200" dirty="0">
-                <a:solidFill>
-                  <a:srgbClr val="000000"/>
-                </a:solidFill>
-                <a:latin typeface="Monaco" pitchFamily="2" charset="77"/>
-              </a:rPr>
-              <a:t>[[k]])/(</a:t>
-            </a:r>
-            <a:r>
-              <a:rPr lang="en-US" sz="1200" dirty="0" err="1">
-                <a:solidFill>
-                  <a:srgbClr val="000000"/>
-                </a:solidFill>
-                <a:latin typeface="Monaco" pitchFamily="2" charset="77"/>
-              </a:rPr>
-              <a:t>exp</a:t>
-            </a:r>
-            <a:r>
-              <a:rPr lang="en-US" sz="1200" dirty="0">
-                <a:solidFill>
-                  <a:srgbClr val="000000"/>
-                </a:solidFill>
-                <a:latin typeface="Monaco" pitchFamily="2" charset="77"/>
-              </a:rPr>
-              <a:t>(</a:t>
-            </a:r>
-            <a:r>
-              <a:rPr lang="en-US" sz="1200" dirty="0" err="1">
-                <a:solidFill>
-                  <a:srgbClr val="000000"/>
-                </a:solidFill>
-                <a:latin typeface="Monaco" pitchFamily="2" charset="77"/>
-              </a:rPr>
-              <a:t>logit_p</a:t>
-            </a:r>
-            <a:r>
-              <a:rPr lang="en-US" sz="1200" dirty="0">
-                <a:solidFill>
-                  <a:srgbClr val="000000"/>
-                </a:solidFill>
-                <a:latin typeface="Monaco" pitchFamily="2" charset="77"/>
-              </a:rPr>
-              <a:t>[[k]])+1))</a:t>
-            </a:r>
-          </a:p>
-          <a:p>
-            <a:r>
-              <a:rPr lang="en-US" sz="1200" dirty="0">
-                <a:solidFill>
-                  <a:srgbClr val="000000"/>
-                </a:solidFill>
-                <a:latin typeface="Monaco" pitchFamily="2" charset="77"/>
-              </a:rPr>
-              <a:t>    p[[k]] &lt;- sum(p[[k]])</a:t>
-            </a:r>
-          </a:p>
-          <a:p>
-            <a:r>
-              <a:rPr lang="en-US" sz="1200" dirty="0">
-                <a:solidFill>
-                  <a:srgbClr val="000000"/>
-                </a:solidFill>
-                <a:latin typeface="Monaco" pitchFamily="2" charset="77"/>
-              </a:rPr>
-              <a:t>  }</a:t>
-            </a:r>
-          </a:p>
-          <a:p>
-            <a:r>
-              <a:rPr lang="en-US" sz="1200" dirty="0" err="1">
-                <a:solidFill>
-                  <a:srgbClr val="000000"/>
-                </a:solidFill>
-                <a:latin typeface="Monaco" pitchFamily="2" charset="77"/>
-              </a:rPr>
-              <a:t>minusll</a:t>
-            </a:r>
-            <a:r>
-              <a:rPr lang="en-US" sz="1200" dirty="0">
-                <a:solidFill>
-                  <a:srgbClr val="000000"/>
-                </a:solidFill>
-                <a:latin typeface="Monaco" pitchFamily="2" charset="77"/>
-              </a:rPr>
-              <a:t> &lt;- -sum(</a:t>
-            </a:r>
-            <a:r>
-              <a:rPr lang="en-US" sz="1200" dirty="0" err="1">
-                <a:solidFill>
-                  <a:srgbClr val="000000"/>
-                </a:solidFill>
-                <a:latin typeface="Monaco" pitchFamily="2" charset="77"/>
-              </a:rPr>
-              <a:t>dmultinom</a:t>
-            </a:r>
-            <a:r>
-              <a:rPr lang="en-US" sz="1200" dirty="0">
-                <a:solidFill>
-                  <a:srgbClr val="000000"/>
-                </a:solidFill>
-                <a:latin typeface="Monaco" pitchFamily="2" charset="77"/>
-              </a:rPr>
-              <a:t>(x = </a:t>
-            </a:r>
-            <a:r>
-              <a:rPr lang="en-US" sz="1200" dirty="0" err="1">
-                <a:solidFill>
-                  <a:srgbClr val="000000"/>
-                </a:solidFill>
-                <a:latin typeface="Monaco" pitchFamily="2" charset="77"/>
-              </a:rPr>
-              <a:t>as.vector</a:t>
-            </a:r>
-            <a:r>
-              <a:rPr lang="en-US" sz="1200" dirty="0">
-                <a:solidFill>
-                  <a:srgbClr val="000000"/>
-                </a:solidFill>
-                <a:latin typeface="Monaco" pitchFamily="2" charset="77"/>
-              </a:rPr>
-              <a:t>(</a:t>
-            </a:r>
-            <a:r>
-              <a:rPr lang="en-US" sz="1200" dirty="0" err="1">
-                <a:solidFill>
-                  <a:srgbClr val="000000"/>
-                </a:solidFill>
-                <a:latin typeface="Monaco" pitchFamily="2" charset="77"/>
-              </a:rPr>
-              <a:t>k_count</a:t>
-            </a:r>
-            <a:r>
-              <a:rPr lang="en-US" sz="1200" dirty="0">
-                <a:solidFill>
-                  <a:srgbClr val="000000"/>
-                </a:solidFill>
-                <a:latin typeface="Monaco" pitchFamily="2" charset="77"/>
-              </a:rPr>
-              <a:t>), </a:t>
-            </a:r>
-            <a:r>
-              <a:rPr lang="en-US" sz="1200" dirty="0" err="1">
-                <a:solidFill>
-                  <a:srgbClr val="000000"/>
-                </a:solidFill>
-                <a:latin typeface="Monaco" pitchFamily="2" charset="77"/>
-              </a:rPr>
-              <a:t>prob</a:t>
-            </a:r>
-            <a:r>
-              <a:rPr lang="en-US" sz="1200" dirty="0">
-                <a:solidFill>
-                  <a:srgbClr val="000000"/>
-                </a:solidFill>
-                <a:latin typeface="Monaco" pitchFamily="2" charset="77"/>
-              </a:rPr>
-              <a:t> = </a:t>
-            </a:r>
-            <a:r>
-              <a:rPr lang="en-US" sz="1200" dirty="0" err="1">
-                <a:solidFill>
-                  <a:srgbClr val="000000"/>
-                </a:solidFill>
-                <a:latin typeface="Monaco" pitchFamily="2" charset="77"/>
-              </a:rPr>
-              <a:t>unlist</a:t>
-            </a:r>
-            <a:r>
-              <a:rPr lang="en-US" sz="1200" dirty="0">
-                <a:solidFill>
-                  <a:srgbClr val="000000"/>
-                </a:solidFill>
-                <a:latin typeface="Monaco" pitchFamily="2" charset="77"/>
-              </a:rPr>
-              <a:t>(p), log = TRUE))</a:t>
-            </a:r>
-          </a:p>
-          <a:p>
-            <a:r>
-              <a:rPr lang="en-US" sz="1200" dirty="0">
-                <a:solidFill>
-                  <a:srgbClr val="000000"/>
-                </a:solidFill>
-                <a:latin typeface="Monaco" pitchFamily="2" charset="77"/>
-              </a:rPr>
-              <a:t>return(</a:t>
-            </a:r>
-            <a:r>
-              <a:rPr lang="en-US" sz="1200" dirty="0" err="1">
-                <a:solidFill>
-                  <a:srgbClr val="000000"/>
-                </a:solidFill>
-                <a:latin typeface="Monaco" pitchFamily="2" charset="77"/>
-              </a:rPr>
-              <a:t>minusll</a:t>
-            </a:r>
-            <a:r>
-              <a:rPr lang="en-US" sz="1200" dirty="0">
-                <a:solidFill>
-                  <a:srgbClr val="000000"/>
-                </a:solidFill>
-                <a:latin typeface="Monaco" pitchFamily="2" charset="77"/>
-              </a:rPr>
-              <a:t>)</a:t>
-            </a:r>
-          </a:p>
-          <a:p>
-            <a:r>
-              <a:rPr lang="en-US" sz="1200" dirty="0">
-                <a:solidFill>
-                  <a:srgbClr val="000000"/>
-                </a:solidFill>
-                <a:latin typeface="Monaco" pitchFamily="2" charset="77"/>
-              </a:rPr>
-              <a:t>}</a:t>
-            </a:r>
-          </a:p>
-        </p:txBody>
-      </p:sp>
-      <p:sp>
-        <p:nvSpPr>
-          <p:cNvPr id="16" name="TextBox 15">
-            <a:extLst>
-              <a:ext uri="{FF2B5EF4-FFF2-40B4-BE49-F238E27FC236}">
-                <a16:creationId xmlns:a16="http://schemas.microsoft.com/office/drawing/2014/main" id="{AF5E0C1F-0971-7F42-AA42-93DD9F677315}"/>
-              </a:ext>
-            </a:extLst>
-          </p:cNvPr>
-          <p:cNvSpPr txBox="1"/>
-          <p:nvPr/>
-        </p:nvSpPr>
-        <p:spPr>
-          <a:xfrm>
-            <a:off x="6592184" y="6127220"/>
-            <a:ext cx="5443871" cy="707886"/>
+            <a:off x="6664183" y="6072792"/>
+            <a:ext cx="5443871" cy="400110"/>
           </a:xfrm>
           <a:prstGeom prst="rect">
             <a:avLst/>
@@ -8339,11 +8802,12 @@
           </a:bodyPr>
           <a:lstStyle/>
           <a:p>
+            <a:pPr algn="just"/>
             <a:r>
               <a:rPr lang="en-GB" sz="1000" i="1" dirty="0">
-                <a:latin typeface="Optima" panose="02000503060000020004" pitchFamily="2" charset="0"/>
-              </a:rPr>
-              <a:t>Figure 103. Relationship between probability of maturity and size in females and males. Fitted curve in black (females) and in red (males) are superimposed on the observed proportions of mature females and mature males (black and red dots - proportions of females and males for size bins, respectively. Error bars – 2.5th and 97.5th percentiles).</a:t>
+                <a:latin typeface="Cambria" panose="02040503050406030204" pitchFamily="18" charset="0"/>
+              </a:rPr>
+              <a:t>Figure 103. Fitted curves of the probability of being either female or male depending on size. Female in black and male in red.</a:t>
             </a:r>
           </a:p>
         </p:txBody>
@@ -8363,7 +8827,7 @@
         <p:spPr>
           <a:xfrm>
             <a:off x="133390" y="279147"/>
-            <a:ext cx="3680110" cy="369332"/>
+            <a:ext cx="6105839" cy="369332"/>
           </a:xfrm>
           <a:prstGeom prst="rect">
             <a:avLst/>
@@ -8378,9 +8842,9 @@
           <a:p>
             <a:r>
               <a:rPr lang="en-GB" b="1" dirty="0">
-                <a:latin typeface="Optima" panose="02000503060000020004" pitchFamily="2" charset="0"/>
-              </a:rPr>
-              <a:t>Model 2: two slopes and two sexes</a:t>
+                <a:latin typeface="Cambria" panose="02040503050406030204" pitchFamily="18" charset="0"/>
+              </a:rPr>
+              <a:t>Model 2: four parameters and two sexes without outliers</a:t>
             </a:r>
           </a:p>
         </p:txBody>
@@ -8400,13 +8864,13 @@
           <p:nvPr>
             <p:extLst>
               <p:ext uri="{D42A27DB-BD31-4B8C-83A1-F6EECF244321}">
-                <p14:modId xmlns:p14="http://schemas.microsoft.com/office/powerpoint/2010/main" val="3246305146"/>
+                <p14:modId xmlns:p14="http://schemas.microsoft.com/office/powerpoint/2010/main" val="2862683116"/>
               </p:ext>
             </p:extLst>
           </p:nvPr>
         </p:nvGraphicFramePr>
         <p:xfrm>
-          <a:off x="8156595" y="900219"/>
+          <a:off x="8572870" y="736674"/>
           <a:ext cx="3456000" cy="492750"/>
         </p:xfrm>
         <a:graphic>
@@ -8445,7 +8909,9 @@
                     <a:lstStyle/>
                     <a:p>
                       <a:r>
-                        <a:rPr lang="en-GB" sz="1200" dirty="0"/>
+                        <a:rPr lang="en-GB" sz="1000" dirty="0">
+                          <a:latin typeface="Monaco" pitchFamily="2" charset="77"/>
+                        </a:rPr>
                         <a:t>Juvenile (0)</a:t>
                       </a:r>
                     </a:p>
@@ -8458,7 +8924,9 @@
                     <a:lstStyle/>
                     <a:p>
                       <a:r>
-                        <a:rPr lang="en-GB" sz="1200" dirty="0"/>
+                        <a:rPr lang="en-GB" sz="1000" dirty="0">
+                          <a:latin typeface="Monaco" pitchFamily="2" charset="77"/>
+                        </a:rPr>
                         <a:t>Female (1)</a:t>
                       </a:r>
                     </a:p>
@@ -8471,7 +8939,9 @@
                     <a:lstStyle/>
                     <a:p>
                       <a:r>
-                        <a:rPr lang="en-GB" sz="1200" dirty="0"/>
+                        <a:rPr lang="en-GB" sz="1000" dirty="0">
+                          <a:latin typeface="Monaco" pitchFamily="2" charset="77"/>
+                        </a:rPr>
                         <a:t>Male (2)</a:t>
                       </a:r>
                     </a:p>
@@ -8491,8 +8961,10 @@
                     <a:lstStyle/>
                     <a:p>
                       <a:r>
-                        <a:rPr lang="en-GB" sz="1200" dirty="0"/>
-                        <a:t>827</a:t>
+                        <a:rPr lang="en-GB" sz="1000" dirty="0">
+                          <a:latin typeface="Monaco" pitchFamily="2" charset="77"/>
+                        </a:rPr>
+                        <a:t>771</a:t>
                       </a:r>
                     </a:p>
                   </a:txBody>
@@ -8504,7 +8976,9 @@
                     <a:lstStyle/>
                     <a:p>
                       <a:r>
-                        <a:rPr lang="en-GB" sz="1200" dirty="0"/>
+                        <a:rPr lang="en-GB" sz="1000" dirty="0">
+                          <a:latin typeface="Monaco" pitchFamily="2" charset="77"/>
+                        </a:rPr>
                         <a:t>315</a:t>
                       </a:r>
                     </a:p>
@@ -8517,8 +8991,10 @@
                     <a:lstStyle/>
                     <a:p>
                       <a:r>
-                        <a:rPr lang="en-GB" sz="1200" dirty="0"/>
-                        <a:t>331</a:t>
+                        <a:rPr lang="en-GB" sz="1000" dirty="0">
+                          <a:latin typeface="Monaco" pitchFamily="2" charset="77"/>
+                        </a:rPr>
+                        <a:t>328</a:t>
                       </a:r>
                     </a:p>
                   </a:txBody>
@@ -8534,6 +9010,713 @@
           </a:graphicData>
         </a:graphic>
       </p:graphicFrame>
+      <p:graphicFrame>
+        <p:nvGraphicFramePr>
+          <p:cNvPr id="7" name="Table 6">
+            <a:extLst>
+              <a:ext uri="{FF2B5EF4-FFF2-40B4-BE49-F238E27FC236}">
+                <a16:creationId xmlns:a16="http://schemas.microsoft.com/office/drawing/2014/main" id="{4D30EC4A-DE41-DB4A-ADEC-D996BDE2B882}"/>
+              </a:ext>
+            </a:extLst>
+          </p:cNvPr>
+          <p:cNvGraphicFramePr>
+            <a:graphicFrameLocks noGrp="1"/>
+          </p:cNvGraphicFramePr>
+          <p:nvPr>
+            <p:extLst>
+              <p:ext uri="{D42A27DB-BD31-4B8C-83A1-F6EECF244321}">
+                <p14:modId xmlns:p14="http://schemas.microsoft.com/office/powerpoint/2010/main" val="31740799"/>
+              </p:ext>
+            </p:extLst>
+          </p:nvPr>
+        </p:nvGraphicFramePr>
+        <p:xfrm>
+          <a:off x="7285074" y="1919382"/>
+          <a:ext cx="3603172" cy="1079040"/>
+        </p:xfrm>
+        <a:graphic>
+          <a:graphicData uri="http://schemas.openxmlformats.org/drawingml/2006/table">
+            <a:tbl>
+              <a:tblPr firstRow="1" bandRow="1">
+                <a:tableStyleId>{8799B23B-EC83-4686-B30A-512413B5E67A}</a:tableStyleId>
+              </a:tblPr>
+              <a:tblGrid>
+                <a:gridCol w="1338943">
+                  <a:extLst>
+                    <a:ext uri="{9D8B030D-6E8A-4147-A177-3AD203B41FA5}">
+                      <a16:colId xmlns:a16="http://schemas.microsoft.com/office/drawing/2014/main" val="3532894976"/>
+                    </a:ext>
+                  </a:extLst>
+                </a:gridCol>
+                <a:gridCol w="957943">
+                  <a:extLst>
+                    <a:ext uri="{9D8B030D-6E8A-4147-A177-3AD203B41FA5}">
+                      <a16:colId xmlns:a16="http://schemas.microsoft.com/office/drawing/2014/main" val="2913302385"/>
+                    </a:ext>
+                  </a:extLst>
+                </a:gridCol>
+                <a:gridCol w="729343">
+                  <a:extLst>
+                    <a:ext uri="{9D8B030D-6E8A-4147-A177-3AD203B41FA5}">
+                      <a16:colId xmlns:a16="http://schemas.microsoft.com/office/drawing/2014/main" val="1490034768"/>
+                    </a:ext>
+                  </a:extLst>
+                </a:gridCol>
+                <a:gridCol w="576943">
+                  <a:extLst>
+                    <a:ext uri="{9D8B030D-6E8A-4147-A177-3AD203B41FA5}">
+                      <a16:colId xmlns:a16="http://schemas.microsoft.com/office/drawing/2014/main" val="3530850397"/>
+                    </a:ext>
+                  </a:extLst>
+                </a:gridCol>
+              </a:tblGrid>
+              <a:tr h="215808">
+                <a:tc>
+                  <a:txBody>
+                    <a:bodyPr/>
+                    <a:lstStyle/>
+                    <a:p>
+                      <a:r>
+                        <a:rPr lang="en-GB" sz="1050" b="1" dirty="0">
+                          <a:latin typeface="Monaco" pitchFamily="2" charset="77"/>
+                        </a:rPr>
+                        <a:t>Parameter</a:t>
+                      </a:r>
+                    </a:p>
+                  </a:txBody>
+                  <a:tcPr marL="52650" marR="52650" marT="26325" marB="26325"/>
+                </a:tc>
+                <a:tc>
+                  <a:txBody>
+                    <a:bodyPr/>
+                    <a:lstStyle/>
+                    <a:p>
+                      <a:r>
+                        <a:rPr lang="en-GB" sz="1050" b="1" dirty="0">
+                          <a:latin typeface="Monaco" pitchFamily="2" charset="77"/>
+                        </a:rPr>
+                        <a:t>Estimate</a:t>
+                      </a:r>
+                    </a:p>
+                  </a:txBody>
+                  <a:tcPr marL="52650" marR="52650" marT="26325" marB="26325"/>
+                </a:tc>
+                <a:tc>
+                  <a:txBody>
+                    <a:bodyPr/>
+                    <a:lstStyle/>
+                    <a:p>
+                      <a:r>
+                        <a:rPr lang="en-GB" sz="1050" b="1" dirty="0">
+                          <a:latin typeface="Monaco" pitchFamily="2" charset="77"/>
+                        </a:rPr>
+                        <a:t>SE</a:t>
+                      </a:r>
+                    </a:p>
+                  </a:txBody>
+                  <a:tcPr marL="52650" marR="52650" marT="26325" marB="26325"/>
+                </a:tc>
+                <a:tc>
+                  <a:txBody>
+                    <a:bodyPr/>
+                    <a:lstStyle/>
+                    <a:p>
+                      <a:endParaRPr lang="en-GB" sz="1050" b="0" dirty="0">
+                        <a:latin typeface="Monaco" pitchFamily="2" charset="77"/>
+                      </a:endParaRPr>
+                    </a:p>
+                  </a:txBody>
+                  <a:tcPr marL="52650" marR="52650" marT="26325" marB="26325"/>
+                </a:tc>
+                <a:extLst>
+                  <a:ext uri="{0D108BD9-81ED-4DB2-BD59-A6C34878D82A}">
+                    <a16:rowId xmlns:a16="http://schemas.microsoft.com/office/drawing/2014/main" val="1187548107"/>
+                  </a:ext>
+                </a:extLst>
+              </a:tr>
+              <a:tr h="215808">
+                <a:tc>
+                  <a:txBody>
+                    <a:bodyPr/>
+                    <a:lstStyle/>
+                    <a:p>
+                      <a:r>
+                        <a:rPr lang="en-GB" sz="1050" dirty="0">
+                          <a:latin typeface="Monaco" pitchFamily="2" charset="77"/>
+                        </a:rPr>
+                        <a:t>mean female</a:t>
+                      </a:r>
+                    </a:p>
+                  </a:txBody>
+                  <a:tcPr marL="52650" marR="52650" marT="26325" marB="26325"/>
+                </a:tc>
+                <a:tc>
+                  <a:txBody>
+                    <a:bodyPr/>
+                    <a:lstStyle/>
+                    <a:p>
+                      <a:r>
+                        <a:rPr lang="en-GB" sz="1050" dirty="0">
+                          <a:latin typeface="Monaco" pitchFamily="2" charset="77"/>
+                        </a:rPr>
+                        <a:t>1.87</a:t>
+                      </a:r>
+                    </a:p>
+                  </a:txBody>
+                  <a:tcPr marL="52650" marR="52650" marT="26325" marB="26325"/>
+                </a:tc>
+                <a:tc>
+                  <a:txBody>
+                    <a:bodyPr/>
+                    <a:lstStyle/>
+                    <a:p>
+                      <a:r>
+                        <a:rPr lang="en-GB" sz="1050" dirty="0">
+                          <a:latin typeface="Monaco" pitchFamily="2" charset="77"/>
+                        </a:rPr>
+                        <a:t>0.02</a:t>
+                      </a:r>
+                    </a:p>
+                  </a:txBody>
+                  <a:tcPr marL="52650" marR="52650" marT="26325" marB="26325"/>
+                </a:tc>
+                <a:tc>
+                  <a:txBody>
+                    <a:bodyPr/>
+                    <a:lstStyle/>
+                    <a:p>
+                      <a:r>
+                        <a:rPr lang="en-GB" sz="1050" dirty="0">
+                          <a:latin typeface="Monaco" pitchFamily="2" charset="77"/>
+                        </a:rPr>
+                        <a:t>***</a:t>
+                      </a:r>
+                    </a:p>
+                  </a:txBody>
+                  <a:tcPr marL="52650" marR="52650" marT="26325" marB="26325"/>
+                </a:tc>
+                <a:extLst>
+                  <a:ext uri="{0D108BD9-81ED-4DB2-BD59-A6C34878D82A}">
+                    <a16:rowId xmlns:a16="http://schemas.microsoft.com/office/drawing/2014/main" val="2589338519"/>
+                  </a:ext>
+                </a:extLst>
+              </a:tr>
+              <a:tr h="215808">
+                <a:tc>
+                  <a:txBody>
+                    <a:bodyPr/>
+                    <a:lstStyle/>
+                    <a:p>
+                      <a:r>
+                        <a:rPr lang="en-GB" sz="1050" dirty="0">
+                          <a:latin typeface="Monaco" pitchFamily="2" charset="77"/>
+                        </a:rPr>
+                        <a:t>slope female</a:t>
+                      </a:r>
+                    </a:p>
+                  </a:txBody>
+                  <a:tcPr marL="52650" marR="52650" marT="26325" marB="26325"/>
+                </a:tc>
+                <a:tc>
+                  <a:txBody>
+                    <a:bodyPr/>
+                    <a:lstStyle/>
+                    <a:p>
+                      <a:r>
+                        <a:rPr lang="en-GB" sz="1050" dirty="0">
+                          <a:latin typeface="Monaco" pitchFamily="2" charset="77"/>
+                        </a:rPr>
+                        <a:t>0.17</a:t>
+                      </a:r>
+                    </a:p>
+                  </a:txBody>
+                  <a:tcPr marL="52650" marR="52650" marT="26325" marB="26325"/>
+                </a:tc>
+                <a:tc>
+                  <a:txBody>
+                    <a:bodyPr/>
+                    <a:lstStyle/>
+                    <a:p>
+                      <a:r>
+                        <a:rPr lang="en-GB" sz="1050" dirty="0">
+                          <a:latin typeface="Monaco" pitchFamily="2" charset="77"/>
+                        </a:rPr>
+                        <a:t>0.01</a:t>
+                      </a:r>
+                    </a:p>
+                  </a:txBody>
+                  <a:tcPr marL="52650" marR="52650" marT="26325" marB="26325"/>
+                </a:tc>
+                <a:tc>
+                  <a:txBody>
+                    <a:bodyPr/>
+                    <a:lstStyle/>
+                    <a:p>
+                      <a:r>
+                        <a:rPr lang="en-GB" sz="1050" dirty="0">
+                          <a:latin typeface="Monaco" pitchFamily="2" charset="77"/>
+                        </a:rPr>
+                        <a:t>***</a:t>
+                      </a:r>
+                    </a:p>
+                  </a:txBody>
+                  <a:tcPr marL="52650" marR="52650" marT="26325" marB="26325"/>
+                </a:tc>
+                <a:extLst>
+                  <a:ext uri="{0D108BD9-81ED-4DB2-BD59-A6C34878D82A}">
+                    <a16:rowId xmlns:a16="http://schemas.microsoft.com/office/drawing/2014/main" val="76683632"/>
+                  </a:ext>
+                </a:extLst>
+              </a:tr>
+              <a:tr h="215808">
+                <a:tc>
+                  <a:txBody>
+                    <a:bodyPr/>
+                    <a:lstStyle/>
+                    <a:p>
+                      <a:r>
+                        <a:rPr lang="en-GB" sz="1050" dirty="0">
+                          <a:latin typeface="Monaco" pitchFamily="2" charset="77"/>
+                        </a:rPr>
+                        <a:t>mean male</a:t>
+                      </a:r>
+                    </a:p>
+                  </a:txBody>
+                  <a:tcPr marL="52650" marR="52650" marT="26325" marB="26325"/>
+                </a:tc>
+                <a:tc>
+                  <a:txBody>
+                    <a:bodyPr/>
+                    <a:lstStyle/>
+                    <a:p>
+                      <a:r>
+                        <a:rPr lang="en-GB" sz="1050" dirty="0">
+                          <a:latin typeface="Monaco" pitchFamily="2" charset="77"/>
+                        </a:rPr>
+                        <a:t>1.80</a:t>
+                      </a:r>
+                    </a:p>
+                  </a:txBody>
+                  <a:tcPr marL="52650" marR="52650" marT="26325" marB="26325"/>
+                </a:tc>
+                <a:tc>
+                  <a:txBody>
+                    <a:bodyPr/>
+                    <a:lstStyle/>
+                    <a:p>
+                      <a:r>
+                        <a:rPr lang="en-GB" sz="1050" dirty="0">
+                          <a:latin typeface="Monaco" pitchFamily="2" charset="77"/>
+                        </a:rPr>
+                        <a:t>0.02</a:t>
+                      </a:r>
+                    </a:p>
+                  </a:txBody>
+                  <a:tcPr marL="52650" marR="52650" marT="26325" marB="26325"/>
+                </a:tc>
+                <a:tc>
+                  <a:txBody>
+                    <a:bodyPr/>
+                    <a:lstStyle/>
+                    <a:p>
+                      <a:r>
+                        <a:rPr lang="en-GB" sz="1050" dirty="0">
+                          <a:latin typeface="Monaco" pitchFamily="2" charset="77"/>
+                        </a:rPr>
+                        <a:t>***</a:t>
+                      </a:r>
+                    </a:p>
+                  </a:txBody>
+                  <a:tcPr marL="52650" marR="52650" marT="26325" marB="26325"/>
+                </a:tc>
+                <a:extLst>
+                  <a:ext uri="{0D108BD9-81ED-4DB2-BD59-A6C34878D82A}">
+                    <a16:rowId xmlns:a16="http://schemas.microsoft.com/office/drawing/2014/main" val="1215593530"/>
+                  </a:ext>
+                </a:extLst>
+              </a:tr>
+              <a:tr h="215808">
+                <a:tc>
+                  <a:txBody>
+                    <a:bodyPr/>
+                    <a:lstStyle/>
+                    <a:p>
+                      <a:r>
+                        <a:rPr lang="en-GB" sz="1050" dirty="0">
+                          <a:latin typeface="Monaco" pitchFamily="2" charset="77"/>
+                        </a:rPr>
+                        <a:t>slope male</a:t>
+                      </a:r>
+                    </a:p>
+                  </a:txBody>
+                  <a:tcPr marL="52650" marR="52650" marT="26325" marB="26325"/>
+                </a:tc>
+                <a:tc>
+                  <a:txBody>
+                    <a:bodyPr/>
+                    <a:lstStyle/>
+                    <a:p>
+                      <a:r>
+                        <a:rPr lang="en-GB" sz="1050" dirty="0">
+                          <a:latin typeface="Monaco" pitchFamily="2" charset="77"/>
+                        </a:rPr>
+                        <a:t>0.19</a:t>
+                      </a:r>
+                    </a:p>
+                  </a:txBody>
+                  <a:tcPr marL="52650" marR="52650" marT="26325" marB="26325"/>
+                </a:tc>
+                <a:tc>
+                  <a:txBody>
+                    <a:bodyPr/>
+                    <a:lstStyle/>
+                    <a:p>
+                      <a:r>
+                        <a:rPr lang="en-GB" sz="1050" dirty="0">
+                          <a:latin typeface="Monaco" pitchFamily="2" charset="77"/>
+                        </a:rPr>
+                        <a:t>0.02</a:t>
+                      </a:r>
+                    </a:p>
+                  </a:txBody>
+                  <a:tcPr marL="52650" marR="52650" marT="26325" marB="26325"/>
+                </a:tc>
+                <a:tc>
+                  <a:txBody>
+                    <a:bodyPr/>
+                    <a:lstStyle/>
+                    <a:p>
+                      <a:r>
+                        <a:rPr lang="en-GB" sz="1050" dirty="0">
+                          <a:latin typeface="Monaco" pitchFamily="2" charset="77"/>
+                        </a:rPr>
+                        <a:t>***</a:t>
+                      </a:r>
+                    </a:p>
+                  </a:txBody>
+                  <a:tcPr marL="52650" marR="52650" marT="26325" marB="26325"/>
+                </a:tc>
+                <a:extLst>
+                  <a:ext uri="{0D108BD9-81ED-4DB2-BD59-A6C34878D82A}">
+                    <a16:rowId xmlns:a16="http://schemas.microsoft.com/office/drawing/2014/main" val="1536687266"/>
+                  </a:ext>
+                </a:extLst>
+              </a:tr>
+            </a:tbl>
+          </a:graphicData>
+        </a:graphic>
+      </p:graphicFrame>
+      <p:sp>
+        <p:nvSpPr>
+          <p:cNvPr id="8" name="TextBox 7">
+            <a:extLst>
+              <a:ext uri="{FF2B5EF4-FFF2-40B4-BE49-F238E27FC236}">
+                <a16:creationId xmlns:a16="http://schemas.microsoft.com/office/drawing/2014/main" id="{BB2AFFB6-007D-E144-A64D-B275C433C57D}"/>
+              </a:ext>
+            </a:extLst>
+          </p:cNvPr>
+          <p:cNvSpPr txBox="1"/>
+          <p:nvPr/>
+        </p:nvSpPr>
+        <p:spPr>
+          <a:xfrm>
+            <a:off x="7285074" y="1365384"/>
+            <a:ext cx="4906926" cy="553998"/>
+          </a:xfrm>
+          <a:prstGeom prst="rect">
+            <a:avLst/>
+          </a:prstGeom>
+          <a:noFill/>
+        </p:spPr>
+        <p:txBody>
+          <a:bodyPr wrap="square" rtlCol="0">
+            <a:spAutoFit/>
+          </a:bodyPr>
+          <a:lstStyle/>
+          <a:p>
+            <a:r>
+              <a:rPr lang="en-GB" sz="1000" i="1" dirty="0">
+                <a:latin typeface="Cambria" panose="02040503050406030204" pitchFamily="18" charset="0"/>
+              </a:rPr>
+              <a:t>Table 104. Maximum likelihood estimates of the parameters. The multinomial model was fitted to the data given three maturity classes (juvenile, female and male). Outliers were excluded.</a:t>
+            </a:r>
+          </a:p>
+        </p:txBody>
+      </p:sp>
+      <p:sp>
+        <p:nvSpPr>
+          <p:cNvPr id="9" name="TextBox 8">
+            <a:extLst>
+              <a:ext uri="{FF2B5EF4-FFF2-40B4-BE49-F238E27FC236}">
+                <a16:creationId xmlns:a16="http://schemas.microsoft.com/office/drawing/2014/main" id="{F9D45943-FB07-1446-BC4B-78ACBD5A3563}"/>
+              </a:ext>
+            </a:extLst>
+          </p:cNvPr>
+          <p:cNvSpPr txBox="1"/>
+          <p:nvPr/>
+        </p:nvSpPr>
+        <p:spPr>
+          <a:xfrm>
+            <a:off x="8485784" y="336579"/>
+            <a:ext cx="3456000" cy="400110"/>
+          </a:xfrm>
+          <a:prstGeom prst="rect">
+            <a:avLst/>
+          </a:prstGeom>
+          <a:noFill/>
+        </p:spPr>
+        <p:txBody>
+          <a:bodyPr wrap="square" rtlCol="0">
+            <a:spAutoFit/>
+          </a:bodyPr>
+          <a:lstStyle/>
+          <a:p>
+            <a:pPr algn="just"/>
+            <a:r>
+              <a:rPr lang="en-GB" sz="1000" i="1" dirty="0">
+                <a:latin typeface="Cambria" panose="02040503050406030204" pitchFamily="18" charset="0"/>
+              </a:rPr>
+              <a:t>Table 103. Count of samples for each maturity class. Outliers are excluded.</a:t>
+            </a:r>
+          </a:p>
+        </p:txBody>
+      </p:sp>
+      <p:pic>
+        <p:nvPicPr>
+          <p:cNvPr id="11" name="Graphic 10">
+            <a:extLst>
+              <a:ext uri="{FF2B5EF4-FFF2-40B4-BE49-F238E27FC236}">
+                <a16:creationId xmlns:a16="http://schemas.microsoft.com/office/drawing/2014/main" id="{A4172CD2-8CB1-4A48-AF9C-20799C5EDDDB}"/>
+              </a:ext>
+            </a:extLst>
+          </p:cNvPr>
+          <p:cNvPicPr>
+            <a:picLocks noChangeAspect="1"/>
+          </p:cNvPicPr>
+          <p:nvPr/>
+        </p:nvPicPr>
+        <p:blipFill>
+          <a:blip r:embed="rId3">
+            <a:extLst>
+              <a:ext uri="{96DAC541-7B7A-43D3-8B79-37D633B846F1}">
+                <asvg:svgBlip xmlns:asvg="http://schemas.microsoft.com/office/drawing/2016/SVG/main" r:embed="rId4"/>
+              </a:ext>
+            </a:extLst>
+          </a:blip>
+          <a:stretch>
+            <a:fillRect/>
+          </a:stretch>
+        </p:blipFill>
+        <p:spPr>
+          <a:xfrm>
+            <a:off x="6770913" y="3480792"/>
+            <a:ext cx="3240000" cy="2592000"/>
+          </a:xfrm>
+          <a:prstGeom prst="rect">
+            <a:avLst/>
+          </a:prstGeom>
+        </p:spPr>
+      </p:pic>
+      <p:sp>
+        <p:nvSpPr>
+          <p:cNvPr id="12" name="Rectangle 11">
+            <a:extLst>
+              <a:ext uri="{FF2B5EF4-FFF2-40B4-BE49-F238E27FC236}">
+                <a16:creationId xmlns:a16="http://schemas.microsoft.com/office/drawing/2014/main" id="{A907629D-D5C1-9942-B09C-4C04D84C2732}"/>
+              </a:ext>
+            </a:extLst>
+          </p:cNvPr>
+          <p:cNvSpPr/>
+          <p:nvPr/>
+        </p:nvSpPr>
+        <p:spPr>
+          <a:xfrm>
+            <a:off x="133390" y="3287112"/>
+            <a:ext cx="4710753" cy="2446824"/>
+          </a:xfrm>
+          <a:prstGeom prst="rect">
+            <a:avLst/>
+          </a:prstGeom>
+        </p:spPr>
+        <p:txBody>
+          <a:bodyPr wrap="square">
+            <a:spAutoFit/>
+          </a:bodyPr>
+          <a:lstStyle/>
+          <a:p>
+            <a:r>
+              <a:rPr lang="en-GB" sz="900" noProof="1">
+                <a:latin typeface="Monaco" pitchFamily="2" charset="77"/>
+              </a:rPr>
+              <a:t>s_mat_sex &lt;- function(data, mean.f, slope.f, mean.m, slope.m) {</a:t>
+            </a:r>
+          </a:p>
+          <a:p>
+            <a:r>
+              <a:rPr lang="en-GB" sz="900" noProof="1">
+                <a:latin typeface="Monaco" pitchFamily="2" charset="77"/>
+              </a:rPr>
+              <a:t>  </a:t>
+            </a:r>
+          </a:p>
+          <a:p>
+            <a:r>
+              <a:rPr lang="en-GB" sz="900" noProof="1">
+                <a:latin typeface="Monaco" pitchFamily="2" charset="77"/>
+              </a:rPr>
+              <a:t>  logit_p_f &lt;- (data[, "size_log"] - mean.f)  / slope.f</a:t>
+            </a:r>
+          </a:p>
+          <a:p>
+            <a:r>
+              <a:rPr lang="en-GB" sz="900" noProof="1">
+                <a:latin typeface="Monaco" pitchFamily="2" charset="77"/>
+              </a:rPr>
+              <a:t>  logit_p_m &lt;- (data[, "size_log"] - mean.m)  / slope.m</a:t>
+            </a:r>
+          </a:p>
+          <a:p>
+            <a:r>
+              <a:rPr lang="en-GB" sz="900" noProof="1">
+                <a:latin typeface="Monaco" pitchFamily="2" charset="77"/>
+              </a:rPr>
+              <a:t>  </a:t>
+            </a:r>
+          </a:p>
+          <a:p>
+            <a:r>
+              <a:rPr lang="en-GB" sz="900" noProof="1">
+                <a:latin typeface="Monaco" pitchFamily="2" charset="77"/>
+              </a:rPr>
+              <a:t>  p_f &lt;- 0.5 * exp(logit_p_f) / (exp(logit_p_f)+1)</a:t>
+            </a:r>
+          </a:p>
+          <a:p>
+            <a:r>
+              <a:rPr lang="en-GB" sz="900" noProof="1">
+                <a:latin typeface="Monaco" pitchFamily="2" charset="77"/>
+              </a:rPr>
+              <a:t>  p_m &lt;- 0.5 * exp(logit_p_m) / (exp(logit_p_m)+1)</a:t>
+            </a:r>
+          </a:p>
+          <a:p>
+            <a:r>
+              <a:rPr lang="en-GB" sz="900" noProof="1">
+                <a:latin typeface="Monaco" pitchFamily="2" charset="77"/>
+              </a:rPr>
+              <a:t>  p_j &lt;- 1 - p_f - p_m</a:t>
+            </a:r>
+          </a:p>
+          <a:p>
+            <a:r>
+              <a:rPr lang="en-GB" sz="900" noProof="1">
+                <a:latin typeface="Monaco" pitchFamily="2" charset="77"/>
+              </a:rPr>
+              <a:t>  # p_j &lt;- (1 - p_f) * sr + (1-p_m) * (1 - sr)</a:t>
+            </a:r>
+          </a:p>
+          <a:p>
+            <a:r>
+              <a:rPr lang="en-GB" sz="900" noProof="1">
+                <a:latin typeface="Monaco" pitchFamily="2" charset="77"/>
+              </a:rPr>
+              <a:t>  </a:t>
+            </a:r>
+          </a:p>
+          <a:p>
+            <a:r>
+              <a:rPr lang="en-GB" sz="900" noProof="1">
+                <a:latin typeface="Monaco" pitchFamily="2" charset="77"/>
+              </a:rPr>
+              <a:t>  ll &lt;- log(p_j)</a:t>
+            </a:r>
+          </a:p>
+          <a:p>
+            <a:r>
+              <a:rPr lang="en-GB" sz="900" noProof="1">
+                <a:latin typeface="Monaco" pitchFamily="2" charset="77"/>
+              </a:rPr>
+              <a:t>  ll[data[, "maturity"] == 1] &lt;- log(p_f[data[, "maturity"] == 1])</a:t>
+            </a:r>
+          </a:p>
+          <a:p>
+            <a:r>
+              <a:rPr lang="en-GB" sz="900" noProof="1">
+                <a:latin typeface="Monaco" pitchFamily="2" charset="77"/>
+              </a:rPr>
+              <a:t>  ll[data[, "maturity"] == 2] &lt;- log(p_m[data[, "maturity"] == 2])</a:t>
+            </a:r>
+          </a:p>
+          <a:p>
+            <a:r>
+              <a:rPr lang="en-GB" sz="900" noProof="1">
+                <a:latin typeface="Monaco" pitchFamily="2" charset="77"/>
+              </a:rPr>
+              <a:t>  </a:t>
+            </a:r>
+          </a:p>
+          <a:p>
+            <a:r>
+              <a:rPr lang="en-GB" sz="900" noProof="1">
+                <a:latin typeface="Monaco" pitchFamily="2" charset="77"/>
+              </a:rPr>
+              <a:t>  minusll &lt;- -sum(ll)</a:t>
+            </a:r>
+          </a:p>
+          <a:p>
+            <a:r>
+              <a:rPr lang="en-GB" sz="900" noProof="1">
+                <a:latin typeface="Monaco" pitchFamily="2" charset="77"/>
+              </a:rPr>
+              <a:t>  return(minusll)</a:t>
+            </a:r>
+          </a:p>
+          <a:p>
+            <a:r>
+              <a:rPr lang="en-GB" sz="900" noProof="1">
+                <a:latin typeface="Monaco" pitchFamily="2" charset="77"/>
+              </a:rPr>
+              <a:t>}</a:t>
+            </a:r>
+          </a:p>
+        </p:txBody>
+      </p:sp>
+      <p:sp>
+        <p:nvSpPr>
+          <p:cNvPr id="14" name="Rectangle 13">
+            <a:extLst>
+              <a:ext uri="{FF2B5EF4-FFF2-40B4-BE49-F238E27FC236}">
+                <a16:creationId xmlns:a16="http://schemas.microsoft.com/office/drawing/2014/main" id="{82E2E52B-EC80-0249-8D43-B5F7761043DE}"/>
+              </a:ext>
+            </a:extLst>
+          </p:cNvPr>
+          <p:cNvSpPr/>
+          <p:nvPr/>
+        </p:nvSpPr>
+        <p:spPr>
+          <a:xfrm>
+            <a:off x="7241530" y="2998422"/>
+            <a:ext cx="3482043" cy="253916"/>
+          </a:xfrm>
+          <a:prstGeom prst="rect">
+            <a:avLst/>
+          </a:prstGeom>
+        </p:spPr>
+        <p:txBody>
+          <a:bodyPr wrap="none">
+            <a:spAutoFit/>
+          </a:bodyPr>
+          <a:lstStyle/>
+          <a:p>
+            <a:r>
+              <a:rPr lang="en-GB" sz="1050" dirty="0">
+                <a:latin typeface="Cambria" panose="02040503050406030204" pitchFamily="18" charset="0"/>
+              </a:rPr>
+              <a:t>Significance codes:  0 ‘***’ 0.001 ‘**’ 0.01 ‘*’ 0.05 ‘.’ 0.1 ‘ ’ 1</a:t>
+            </a:r>
+          </a:p>
+        </p:txBody>
+      </p:sp>
     </p:spTree>
     <p:extLst>
       <p:ext uri="{BB962C8B-B14F-4D97-AF65-F5344CB8AC3E}">
@@ -8569,7 +9752,7 @@
           <p:cNvPr id="2" name="Rectangle 1">
             <a:extLst>
               <a:ext uri="{FF2B5EF4-FFF2-40B4-BE49-F238E27FC236}">
-                <a16:creationId xmlns:a16="http://schemas.microsoft.com/office/drawing/2014/main" id="{8762CA48-BE08-004A-9443-BC488A3FFC55}"/>
+                <a16:creationId xmlns:a16="http://schemas.microsoft.com/office/drawing/2014/main" id="{7EEEDAF3-ACEC-9C40-9A12-95203373D3F1}"/>
               </a:ext>
             </a:extLst>
           </p:cNvPr>
@@ -8578,15 +9761,15 @@
         </p:nvSpPr>
         <p:spPr>
           <a:xfrm>
-            <a:off x="175920" y="182066"/>
-            <a:ext cx="6096000" cy="3539430"/>
+            <a:off x="81727" y="5328624"/>
+            <a:ext cx="5686164" cy="1169551"/>
           </a:xfrm>
           <a:prstGeom prst="rect">
             <a:avLst/>
           </a:prstGeom>
         </p:spPr>
         <p:txBody>
-          <a:bodyPr>
+          <a:bodyPr wrap="square">
             <a:spAutoFit/>
           </a:bodyPr>
           <a:lstStyle/>
@@ -8594,430 +9777,285 @@
             <a:r>
               <a:rPr lang="en-US" sz="1400" b="0" i="0" u="none" strike="noStrike" dirty="0">
                 <a:solidFill>
-                  <a:srgbClr val="000000"/>
+                  <a:srgbClr val="0070C0"/>
                 </a:solidFill>
                 <a:effectLst/>
                 <a:latin typeface="Optima-Regular" panose="02000503060000020004" pitchFamily="2" charset="0"/>
               </a:rPr>
-              <a:t>Then we could think about fitting a model where the probability of maturity changes with size. If we ignore 'immature' individuals for the moment (probably treat them as juvenile), we can do something like this:</a:t>
-            </a:r>
-          </a:p>
-          <a:p>
-            <a:r>
-              <a:rPr lang="en-US" sz="1400" b="0" i="0" u="none" strike="noStrike" dirty="0">
-                <a:solidFill>
-                  <a:srgbClr val="000000"/>
-                </a:solidFill>
-                <a:effectLst/>
-                <a:latin typeface="Optima-Regular" panose="02000503060000020004" pitchFamily="2" charset="0"/>
-              </a:rPr>
-              <a:t>logit(</a:t>
-            </a:r>
-            <a:r>
-              <a:rPr lang="en-US" sz="1400" b="0" i="0" u="none" strike="noStrike" dirty="0" err="1">
-                <a:solidFill>
-                  <a:srgbClr val="000000"/>
-                </a:solidFill>
-                <a:effectLst/>
-                <a:latin typeface="Optima-Regular" panose="02000503060000020004" pitchFamily="2" charset="0"/>
-              </a:rPr>
-              <a:t>p_m</a:t>
-            </a:r>
-            <a:r>
-              <a:rPr lang="en-US" sz="1400" b="0" i="0" u="none" strike="noStrike" dirty="0">
-                <a:solidFill>
-                  <a:srgbClr val="000000"/>
-                </a:solidFill>
-                <a:effectLst/>
-                <a:latin typeface="Optima-Regular" panose="02000503060000020004" pitchFamily="2" charset="0"/>
-              </a:rPr>
-              <a:t>) &lt;- (size - </a:t>
-            </a:r>
-            <a:r>
-              <a:rPr lang="en-US" sz="1400" b="0" i="0" u="none" strike="noStrike" dirty="0" err="1">
-                <a:solidFill>
-                  <a:srgbClr val="000000"/>
-                </a:solidFill>
-                <a:effectLst/>
-                <a:latin typeface="Optima-Regular" panose="02000503060000020004" pitchFamily="2" charset="0"/>
-              </a:rPr>
-              <a:t>smat_m</a:t>
-            </a:r>
-            <a:r>
-              <a:rPr lang="en-US" sz="1400" b="0" i="0" u="none" strike="noStrike" dirty="0">
-                <a:solidFill>
-                  <a:srgbClr val="000000"/>
-                </a:solidFill>
-                <a:effectLst/>
-                <a:latin typeface="Optima-Regular" panose="02000503060000020004" pitchFamily="2" charset="0"/>
-              </a:rPr>
-              <a:t>)/</a:t>
-            </a:r>
-            <a:r>
-              <a:rPr lang="en-US" sz="1400" b="0" i="0" u="none" strike="noStrike" dirty="0" err="1">
-                <a:solidFill>
-                  <a:srgbClr val="000000"/>
-                </a:solidFill>
-                <a:effectLst/>
-                <a:latin typeface="Optima-Regular" panose="02000503060000020004" pitchFamily="2" charset="0"/>
-              </a:rPr>
-              <a:t>b_m</a:t>
-            </a:r>
-            <a:endParaRPr lang="en-US" sz="1400" b="0" i="0" u="none" strike="noStrike" dirty="0">
-              <a:solidFill>
-                <a:srgbClr val="000000"/>
-              </a:solidFill>
-              <a:effectLst/>
-              <a:latin typeface="Optima-Regular" panose="02000503060000020004" pitchFamily="2" charset="0"/>
-            </a:endParaRPr>
-          </a:p>
-          <a:p>
-            <a:r>
-              <a:rPr lang="en-US" sz="1400" b="0" i="0" u="none" strike="noStrike" dirty="0">
-                <a:solidFill>
-                  <a:srgbClr val="000000"/>
-                </a:solidFill>
-                <a:effectLst/>
-                <a:latin typeface="Optima-Regular" panose="02000503060000020004" pitchFamily="2" charset="0"/>
-              </a:rPr>
-              <a:t>logit(</a:t>
-            </a:r>
-            <a:r>
-              <a:rPr lang="en-US" sz="1400" b="0" i="0" u="none" strike="noStrike" dirty="0" err="1">
-                <a:solidFill>
-                  <a:srgbClr val="000000"/>
-                </a:solidFill>
-                <a:effectLst/>
-                <a:latin typeface="Optima-Regular" panose="02000503060000020004" pitchFamily="2" charset="0"/>
-              </a:rPr>
-              <a:t>p_f</a:t>
-            </a:r>
-            <a:r>
-              <a:rPr lang="en-US" sz="1400" b="0" i="0" u="none" strike="noStrike" dirty="0">
-                <a:solidFill>
-                  <a:srgbClr val="000000"/>
-                </a:solidFill>
-                <a:effectLst/>
-                <a:latin typeface="Optima-Regular" panose="02000503060000020004" pitchFamily="2" charset="0"/>
-              </a:rPr>
-              <a:t>) &lt;- (size - </a:t>
-            </a:r>
-            <a:r>
-              <a:rPr lang="en-US" sz="1400" b="0" i="0" u="none" strike="noStrike" dirty="0" err="1">
-                <a:solidFill>
-                  <a:srgbClr val="000000"/>
-                </a:solidFill>
-                <a:effectLst/>
-                <a:latin typeface="Optima-Regular" panose="02000503060000020004" pitchFamily="2" charset="0"/>
-              </a:rPr>
-              <a:t>smat_f</a:t>
-            </a:r>
-            <a:r>
-              <a:rPr lang="en-US" sz="1400" b="0" i="0" u="none" strike="noStrike" dirty="0">
-                <a:solidFill>
-                  <a:srgbClr val="000000"/>
-                </a:solidFill>
-                <a:effectLst/>
-                <a:latin typeface="Optima-Regular" panose="02000503060000020004" pitchFamily="2" charset="0"/>
-              </a:rPr>
-              <a:t>)/</a:t>
-            </a:r>
-            <a:r>
-              <a:rPr lang="en-US" sz="1400" b="0" i="0" u="none" strike="noStrike" dirty="0" err="1">
-                <a:solidFill>
-                  <a:srgbClr val="000000"/>
-                </a:solidFill>
-                <a:effectLst/>
-                <a:latin typeface="Optima-Regular" panose="02000503060000020004" pitchFamily="2" charset="0"/>
-              </a:rPr>
-              <a:t>b_f</a:t>
-            </a:r>
-            <a:endParaRPr lang="en-US" sz="1400" b="0" i="0" u="none" strike="noStrike" dirty="0">
-              <a:solidFill>
-                <a:srgbClr val="000000"/>
-              </a:solidFill>
-              <a:effectLst/>
-              <a:latin typeface="Optima-Regular" panose="02000503060000020004" pitchFamily="2" charset="0"/>
-            </a:endParaRPr>
-          </a:p>
-          <a:p>
-            <a:r>
-              <a:rPr lang="en-US" sz="1400" b="0" i="0" u="none" strike="noStrike" dirty="0" err="1">
-                <a:solidFill>
-                  <a:srgbClr val="000000"/>
-                </a:solidFill>
-                <a:effectLst/>
-                <a:latin typeface="Optima-Regular" panose="02000503060000020004" pitchFamily="2" charset="0"/>
-              </a:rPr>
-              <a:t>p_m</a:t>
-            </a:r>
-            <a:r>
-              <a:rPr lang="en-US" sz="1400" b="0" i="0" u="none" strike="noStrike" dirty="0">
-                <a:solidFill>
-                  <a:srgbClr val="000000"/>
-                </a:solidFill>
-                <a:effectLst/>
-                <a:latin typeface="Optima-Regular" panose="02000503060000020004" pitchFamily="2" charset="0"/>
-              </a:rPr>
-              <a:t> and </a:t>
-            </a:r>
-            <a:r>
-              <a:rPr lang="en-US" sz="1400" b="0" i="0" u="none" strike="noStrike" dirty="0" err="1">
-                <a:solidFill>
-                  <a:srgbClr val="000000"/>
-                </a:solidFill>
-                <a:effectLst/>
-                <a:latin typeface="Optima-Regular" panose="02000503060000020004" pitchFamily="2" charset="0"/>
-              </a:rPr>
-              <a:t>p_f</a:t>
-            </a:r>
-            <a:r>
-              <a:rPr lang="en-US" sz="1400" b="0" i="0" u="none" strike="noStrike" dirty="0">
-                <a:solidFill>
-                  <a:srgbClr val="000000"/>
-                </a:solidFill>
-                <a:effectLst/>
-                <a:latin typeface="Optima-Regular" panose="02000503060000020004" pitchFamily="2" charset="0"/>
-              </a:rPr>
-              <a:t> are the probabilities that a male or a female will be adult, given their size, the average size at which males or females become adult (</a:t>
-            </a:r>
-            <a:r>
-              <a:rPr lang="en-US" sz="1400" b="0" i="0" u="none" strike="noStrike" dirty="0" err="1">
-                <a:solidFill>
-                  <a:srgbClr val="000000"/>
-                </a:solidFill>
-                <a:effectLst/>
-                <a:latin typeface="Optima-Regular" panose="02000503060000020004" pitchFamily="2" charset="0"/>
-              </a:rPr>
-              <a:t>smat_m</a:t>
-            </a:r>
-            <a:r>
-              <a:rPr lang="en-US" sz="1400" b="0" i="0" u="none" strike="noStrike" dirty="0">
-                <a:solidFill>
-                  <a:srgbClr val="000000"/>
-                </a:solidFill>
-                <a:effectLst/>
-                <a:latin typeface="Optima-Regular" panose="02000503060000020004" pitchFamily="2" charset="0"/>
-              </a:rPr>
-              <a:t>, </a:t>
-            </a:r>
-            <a:r>
-              <a:rPr lang="en-US" sz="1400" b="0" i="0" u="none" strike="noStrike" dirty="0" err="1">
-                <a:solidFill>
-                  <a:srgbClr val="000000"/>
-                </a:solidFill>
-                <a:effectLst/>
-                <a:latin typeface="Optima-Regular" panose="02000503060000020004" pitchFamily="2" charset="0"/>
-              </a:rPr>
-              <a:t>smat_f</a:t>
-            </a:r>
-            <a:r>
-              <a:rPr lang="en-US" sz="1400" b="0" i="0" u="none" strike="noStrike" dirty="0">
-                <a:solidFill>
-                  <a:srgbClr val="000000"/>
-                </a:solidFill>
-                <a:effectLst/>
-                <a:latin typeface="Optima-Regular" panose="02000503060000020004" pitchFamily="2" charset="0"/>
-              </a:rPr>
-              <a:t>) and a slope (</a:t>
-            </a:r>
-            <a:r>
-              <a:rPr lang="en-US" sz="1400" b="0" i="0" u="none" strike="noStrike" dirty="0" err="1">
-                <a:solidFill>
-                  <a:srgbClr val="000000"/>
-                </a:solidFill>
-                <a:effectLst/>
-                <a:latin typeface="Optima-Regular" panose="02000503060000020004" pitchFamily="2" charset="0"/>
-              </a:rPr>
-              <a:t>b_m</a:t>
-            </a:r>
-            <a:r>
-              <a:rPr lang="en-US" sz="1400" b="0" i="0" u="none" strike="noStrike" dirty="0">
-                <a:solidFill>
-                  <a:srgbClr val="000000"/>
-                </a:solidFill>
-                <a:effectLst/>
-                <a:latin typeface="Optima-Regular" panose="02000503060000020004" pitchFamily="2" charset="0"/>
-              </a:rPr>
-              <a:t>, </a:t>
-            </a:r>
-            <a:r>
-              <a:rPr lang="en-US" sz="1400" b="0" i="0" u="none" strike="noStrike" dirty="0" err="1">
-                <a:solidFill>
-                  <a:srgbClr val="000000"/>
-                </a:solidFill>
-                <a:effectLst/>
-                <a:latin typeface="Optima-Regular" panose="02000503060000020004" pitchFamily="2" charset="0"/>
-              </a:rPr>
-              <a:t>b_f</a:t>
-            </a:r>
-            <a:r>
-              <a:rPr lang="en-US" sz="1400" b="0" i="0" u="none" strike="noStrike" dirty="0">
-                <a:solidFill>
-                  <a:srgbClr val="000000"/>
-                </a:solidFill>
-                <a:effectLst/>
-                <a:latin typeface="Optima-Regular" panose="02000503060000020004" pitchFamily="2" charset="0"/>
-              </a:rPr>
-              <a:t>) that determines how variable the size at maturity is.</a:t>
-            </a:r>
-          </a:p>
-          <a:p>
-            <a:r>
-              <a:rPr lang="en-US" sz="1400" b="0" i="0" u="none" strike="noStrike" dirty="0">
-                <a:solidFill>
-                  <a:srgbClr val="000000"/>
-                </a:solidFill>
-                <a:effectLst/>
-                <a:latin typeface="Optima-Regular" panose="02000503060000020004" pitchFamily="2" charset="0"/>
-              </a:rPr>
-              <a:t>Then we also have the unknown sex ratio (</a:t>
-            </a:r>
-            <a:r>
-              <a:rPr lang="en-US" sz="1400" b="0" i="0" u="none" strike="noStrike" dirty="0" err="1">
-                <a:solidFill>
-                  <a:srgbClr val="000000"/>
-                </a:solidFill>
-                <a:effectLst/>
-                <a:latin typeface="Optima-Regular" panose="02000503060000020004" pitchFamily="2" charset="0"/>
-              </a:rPr>
-              <a:t>sr</a:t>
-            </a:r>
-            <a:r>
-              <a:rPr lang="en-US" sz="1400" b="0" i="0" u="none" strike="noStrike" dirty="0">
-                <a:solidFill>
-                  <a:srgbClr val="000000"/>
-                </a:solidFill>
-                <a:effectLst/>
-                <a:latin typeface="Optima-Regular" panose="02000503060000020004" pitchFamily="2" charset="0"/>
-              </a:rPr>
-              <a:t>) in juveniles so a snail is juvenile with probability </a:t>
-            </a:r>
-            <a:br>
-              <a:rPr lang="en-US" sz="1400" b="0" i="0" u="none" strike="noStrike" dirty="0">
-                <a:solidFill>
-                  <a:srgbClr val="000000"/>
-                </a:solidFill>
-                <a:effectLst/>
-                <a:latin typeface="Optima-Regular" panose="02000503060000020004" pitchFamily="2" charset="0"/>
-              </a:rPr>
-            </a:br>
-            <a:endParaRPr lang="en-US" sz="1400" b="0" i="0" u="none" strike="noStrike" dirty="0">
-              <a:solidFill>
-                <a:srgbClr val="000000"/>
-              </a:solidFill>
-              <a:effectLst/>
-              <a:latin typeface="Optima-Regular" panose="02000503060000020004" pitchFamily="2" charset="0"/>
-            </a:endParaRPr>
-          </a:p>
-          <a:p>
-            <a:r>
-              <a:rPr lang="en-US" sz="1400" b="0" i="0" u="none" strike="noStrike" dirty="0" err="1">
-                <a:solidFill>
-                  <a:srgbClr val="000000"/>
-                </a:solidFill>
-                <a:effectLst/>
-                <a:latin typeface="Optima-Regular" panose="02000503060000020004" pitchFamily="2" charset="0"/>
-              </a:rPr>
-              <a:t>p_j</a:t>
-            </a:r>
-            <a:r>
-              <a:rPr lang="en-US" sz="1400" b="0" i="0" u="none" strike="noStrike" dirty="0">
-                <a:solidFill>
-                  <a:srgbClr val="000000"/>
-                </a:solidFill>
-                <a:effectLst/>
-                <a:latin typeface="Optima-Regular" panose="02000503060000020004" pitchFamily="2" charset="0"/>
-              </a:rPr>
-              <a:t> &lt;- (1-p_m)*</a:t>
-            </a:r>
-            <a:r>
-              <a:rPr lang="en-US" sz="1400" b="0" i="0" u="none" strike="noStrike" dirty="0" err="1">
-                <a:solidFill>
-                  <a:srgbClr val="000000"/>
-                </a:solidFill>
-                <a:effectLst/>
-                <a:latin typeface="Optima-Regular" panose="02000503060000020004" pitchFamily="2" charset="0"/>
-              </a:rPr>
-              <a:t>sr</a:t>
-            </a:r>
-            <a:r>
-              <a:rPr lang="en-US" sz="1400" b="0" i="0" u="none" strike="noStrike" dirty="0">
-                <a:solidFill>
-                  <a:srgbClr val="000000"/>
-                </a:solidFill>
-                <a:effectLst/>
-                <a:latin typeface="Optima-Regular" panose="02000503060000020004" pitchFamily="2" charset="0"/>
-              </a:rPr>
-              <a:t> + (1-p_f)*(1-sr)</a:t>
-            </a:r>
-          </a:p>
-          <a:p>
-            <a:r>
-              <a:rPr lang="en-US" sz="1400" b="0" i="0" u="none" strike="noStrike" dirty="0">
-                <a:solidFill>
-                  <a:srgbClr val="000000"/>
-                </a:solidFill>
-                <a:effectLst/>
-                <a:latin typeface="Optima-Regular" panose="02000503060000020004" pitchFamily="2" charset="0"/>
-              </a:rPr>
-              <a:t>maybe we don't need this because it should just be 1-p_m-p_f (any snail that is not male or female is juvenile)</a:t>
-            </a:r>
-            <a:br>
-              <a:rPr lang="en-US" sz="1400" b="0" i="0" u="none" strike="noStrike" dirty="0">
-                <a:solidFill>
-                  <a:srgbClr val="000000"/>
-                </a:solidFill>
-                <a:effectLst/>
-                <a:latin typeface="Optima-Regular" panose="02000503060000020004" pitchFamily="2" charset="0"/>
-              </a:rPr>
-            </a:br>
-            <a:endParaRPr lang="en-US" sz="1400" b="0" i="0" u="none" strike="noStrike" dirty="0">
-              <a:solidFill>
-                <a:srgbClr val="000000"/>
-              </a:solidFill>
-              <a:effectLst/>
-              <a:latin typeface="Optima-Regular" panose="02000503060000020004" pitchFamily="2" charset="0"/>
-            </a:endParaRPr>
-          </a:p>
-        </p:txBody>
-      </p:sp>
-      <p:sp>
-        <p:nvSpPr>
-          <p:cNvPr id="3" name="Rectangle 2">
-            <a:extLst>
-              <a:ext uri="{FF2B5EF4-FFF2-40B4-BE49-F238E27FC236}">
-                <a16:creationId xmlns:a16="http://schemas.microsoft.com/office/drawing/2014/main" id="{6A2407A6-A749-574E-9A8C-7B09207CFE39}"/>
-              </a:ext>
-            </a:extLst>
-          </p:cNvPr>
-          <p:cNvSpPr/>
+              <a:t>After fitting this model, it could be extended to allow the parameters to vary over tanks (or with space in the clinal data). I did something a bit like this ages ago for ANG, but without separating males and females. It was possible to fit a cline for size at maturity even though we had rather few juveniles in that data set.</a:t>
+            </a:r>
+          </a:p>
+        </p:txBody>
+      </p:sp>
+      <p:sp>
+        <p:nvSpPr>
+          <p:cNvPr id="3" name="TextBox 2">
+            <a:extLst>
+              <a:ext uri="{FF2B5EF4-FFF2-40B4-BE49-F238E27FC236}">
+                <a16:creationId xmlns:a16="http://schemas.microsoft.com/office/drawing/2014/main" id="{5DF39014-88AA-4844-A697-04531FF88B60}"/>
+              </a:ext>
+            </a:extLst>
+          </p:cNvPr>
+          <p:cNvSpPr txBox="1"/>
           <p:nvPr/>
         </p:nvSpPr>
         <p:spPr>
           <a:xfrm>
-            <a:off x="6271920" y="182066"/>
-            <a:ext cx="5686164" cy="1838120"/>
+            <a:off x="133391" y="794658"/>
+            <a:ext cx="10991810" cy="923330"/>
           </a:xfrm>
           <a:prstGeom prst="rect">
             <a:avLst/>
           </a:prstGeom>
+          <a:noFill/>
         </p:spPr>
         <p:txBody>
-          <a:bodyPr wrap="square">
+          <a:bodyPr wrap="square" rtlCol="0">
             <a:spAutoFit/>
           </a:bodyPr>
           <a:lstStyle/>
           <a:p>
-            <a:r>
-              <a:rPr lang="en-US" sz="1400" b="0" i="0" u="none" strike="noStrike" dirty="0">
-                <a:solidFill>
-                  <a:srgbClr val="000000"/>
-                </a:solidFill>
-                <a:effectLst/>
-                <a:latin typeface="Optima-Regular" panose="02000503060000020004" pitchFamily="2" charset="0"/>
-              </a:rPr>
-              <a:t>That means we have 4 unknowns that we can fit given the size and maturity status of the individuals and assuming the parameters are constant across the contact zone. After fitting this model, it could be extended to allow the parameters to vary over tanks (or with space in the clinal data). I did something a bit like this ages ago for ANG, but without separating males and females. It was possible to fit a cline for size at maturity even though we had rather few juveniles in that data set.</a:t>
+            <a:pPr algn="just"/>
+            <a:r>
+              <a:rPr lang="en-GB" dirty="0">
+                <a:latin typeface="Cambria" panose="02040503050406030204" pitchFamily="18" charset="0"/>
+              </a:rPr>
+              <a:t>Between model 1b and model 2, the best fit to the data was obtained with model 1b (Table 105) suggesting that males and females in the experiment did not reach maturity at different sizes. Model 1a was not included here because it was fitted on a different dataset which contained outliers.</a:t>
+            </a:r>
+          </a:p>
+        </p:txBody>
+      </p:sp>
+      <p:sp>
+        <p:nvSpPr>
+          <p:cNvPr id="4" name="TextBox 3">
+            <a:extLst>
+              <a:ext uri="{FF2B5EF4-FFF2-40B4-BE49-F238E27FC236}">
+                <a16:creationId xmlns:a16="http://schemas.microsoft.com/office/drawing/2014/main" id="{D1D31DC2-A29B-964A-A1CF-9E62695A0CFB}"/>
+              </a:ext>
+            </a:extLst>
+          </p:cNvPr>
+          <p:cNvSpPr txBox="1"/>
+          <p:nvPr/>
+        </p:nvSpPr>
+        <p:spPr>
+          <a:xfrm>
+            <a:off x="133390" y="279147"/>
+            <a:ext cx="3041345" cy="369332"/>
+          </a:xfrm>
+          <a:prstGeom prst="rect">
+            <a:avLst/>
+          </a:prstGeom>
+          <a:noFill/>
+        </p:spPr>
+        <p:txBody>
+          <a:bodyPr wrap="none" rtlCol="0">
+            <a:spAutoFit/>
+          </a:bodyPr>
+          <a:lstStyle/>
+          <a:p>
+            <a:r>
+              <a:rPr lang="en-GB" b="1" dirty="0">
+                <a:latin typeface="Cambria" panose="02040503050406030204" pitchFamily="18" charset="0"/>
+              </a:rPr>
+              <a:t>Model fit comparison (AIC)</a:t>
+            </a:r>
+          </a:p>
+        </p:txBody>
+      </p:sp>
+      <p:graphicFrame>
+        <p:nvGraphicFramePr>
+          <p:cNvPr id="5" name="Table 4">
+            <a:extLst>
+              <a:ext uri="{FF2B5EF4-FFF2-40B4-BE49-F238E27FC236}">
+                <a16:creationId xmlns:a16="http://schemas.microsoft.com/office/drawing/2014/main" id="{AB836009-40A8-6543-88DD-0EF840E2E37E}"/>
+              </a:ext>
+            </a:extLst>
+          </p:cNvPr>
+          <p:cNvGraphicFramePr>
+            <a:graphicFrameLocks noGrp="1"/>
+          </p:cNvGraphicFramePr>
+          <p:nvPr>
+            <p:extLst>
+              <p:ext uri="{D42A27DB-BD31-4B8C-83A1-F6EECF244321}">
+                <p14:modId xmlns:p14="http://schemas.microsoft.com/office/powerpoint/2010/main" val="1574494365"/>
+              </p:ext>
+            </p:extLst>
+          </p:nvPr>
+        </p:nvGraphicFramePr>
+        <p:xfrm>
+          <a:off x="329334" y="2266744"/>
+          <a:ext cx="1836000" cy="945000"/>
+        </p:xfrm>
+        <a:graphic>
+          <a:graphicData uri="http://schemas.openxmlformats.org/drawingml/2006/table">
+            <a:tbl>
+              <a:tblPr firstRow="1" bandRow="1">
+                <a:tableStyleId>{8799B23B-EC83-4686-B30A-512413B5E67A}</a:tableStyleId>
+              </a:tblPr>
+              <a:tblGrid>
+                <a:gridCol w="857210">
+                  <a:extLst>
+                    <a:ext uri="{9D8B030D-6E8A-4147-A177-3AD203B41FA5}">
+                      <a16:colId xmlns:a16="http://schemas.microsoft.com/office/drawing/2014/main" val="3030182796"/>
+                    </a:ext>
+                  </a:extLst>
+                </a:gridCol>
+                <a:gridCol w="978790">
+                  <a:extLst>
+                    <a:ext uri="{9D8B030D-6E8A-4147-A177-3AD203B41FA5}">
+                      <a16:colId xmlns:a16="http://schemas.microsoft.com/office/drawing/2014/main" val="581482379"/>
+                    </a:ext>
+                  </a:extLst>
+                </a:gridCol>
+              </a:tblGrid>
+              <a:tr h="315000">
+                <a:tc>
+                  <a:txBody>
+                    <a:bodyPr/>
+                    <a:lstStyle/>
+                    <a:p>
+                      <a:r>
+                        <a:rPr lang="en-GB" sz="1300" dirty="0">
+                          <a:latin typeface="Monaco" pitchFamily="2" charset="77"/>
+                        </a:rPr>
+                        <a:t>Model</a:t>
+                      </a:r>
+                    </a:p>
+                  </a:txBody>
+                  <a:tcPr/>
+                </a:tc>
+                <a:tc>
+                  <a:txBody>
+                    <a:bodyPr/>
+                    <a:lstStyle/>
+                    <a:p>
+                      <a:r>
+                        <a:rPr lang="en-GB" sz="1300" dirty="0">
+                          <a:latin typeface="Monaco" pitchFamily="2" charset="77"/>
+                        </a:rPr>
+                        <a:t>AIC</a:t>
+                      </a:r>
+                    </a:p>
+                  </a:txBody>
+                  <a:tcPr/>
+                </a:tc>
+                <a:extLst>
+                  <a:ext uri="{0D108BD9-81ED-4DB2-BD59-A6C34878D82A}">
+                    <a16:rowId xmlns:a16="http://schemas.microsoft.com/office/drawing/2014/main" val="3611884886"/>
+                  </a:ext>
+                </a:extLst>
+              </a:tr>
+              <a:tr h="315000">
+                <a:tc>
+                  <a:txBody>
+                    <a:bodyPr/>
+                    <a:lstStyle/>
+                    <a:p>
+                      <a:r>
+                        <a:rPr lang="en-GB" sz="1300" dirty="0">
+                          <a:latin typeface="Monaco" pitchFamily="2" charset="77"/>
+                        </a:rPr>
+                        <a:t>1b</a:t>
+                      </a:r>
+                    </a:p>
+                  </a:txBody>
+                  <a:tcPr/>
+                </a:tc>
+                <a:tc>
+                  <a:txBody>
+                    <a:bodyPr/>
+                    <a:lstStyle/>
+                    <a:p>
+                      <a:r>
+                        <a:rPr lang="en-GB" sz="1300" dirty="0">
+                          <a:latin typeface="Monaco" pitchFamily="2" charset="77"/>
+                        </a:rPr>
+                        <a:t>1176.978</a:t>
+                      </a:r>
+                    </a:p>
+                  </a:txBody>
+                  <a:tcPr/>
+                </a:tc>
+                <a:extLst>
+                  <a:ext uri="{0D108BD9-81ED-4DB2-BD59-A6C34878D82A}">
+                    <a16:rowId xmlns:a16="http://schemas.microsoft.com/office/drawing/2014/main" val="4266551464"/>
+                  </a:ext>
+                </a:extLst>
+              </a:tr>
+              <a:tr h="315000">
+                <a:tc>
+                  <a:txBody>
+                    <a:bodyPr/>
+                    <a:lstStyle/>
+                    <a:p>
+                      <a:r>
+                        <a:rPr lang="en-GB" sz="1300" dirty="0">
+                          <a:latin typeface="Monaco" pitchFamily="2" charset="77"/>
+                        </a:rPr>
+                        <a:t>2</a:t>
+                      </a:r>
+                    </a:p>
+                  </a:txBody>
+                  <a:tcPr/>
+                </a:tc>
+                <a:tc>
+                  <a:txBody>
+                    <a:bodyPr/>
+                    <a:lstStyle/>
+                    <a:p>
+                      <a:r>
+                        <a:rPr lang="en-GB" sz="1300" dirty="0">
+                          <a:latin typeface="Monaco" pitchFamily="2" charset="77"/>
+                        </a:rPr>
+                        <a:t>2065.903</a:t>
+                      </a:r>
+                    </a:p>
+                  </a:txBody>
+                  <a:tcPr/>
+                </a:tc>
+                <a:extLst>
+                  <a:ext uri="{0D108BD9-81ED-4DB2-BD59-A6C34878D82A}">
+                    <a16:rowId xmlns:a16="http://schemas.microsoft.com/office/drawing/2014/main" val="1622300072"/>
+                  </a:ext>
+                </a:extLst>
+              </a:tr>
+            </a:tbl>
+          </a:graphicData>
+        </a:graphic>
+      </p:graphicFrame>
+      <p:sp>
+        <p:nvSpPr>
+          <p:cNvPr id="6" name="TextBox 5">
+            <a:extLst>
+              <a:ext uri="{FF2B5EF4-FFF2-40B4-BE49-F238E27FC236}">
+                <a16:creationId xmlns:a16="http://schemas.microsoft.com/office/drawing/2014/main" id="{D1D33FBC-840C-874C-A8EB-96D0CE8EB996}"/>
+              </a:ext>
+            </a:extLst>
+          </p:cNvPr>
+          <p:cNvSpPr txBox="1"/>
+          <p:nvPr/>
+        </p:nvSpPr>
+        <p:spPr>
+          <a:xfrm>
+            <a:off x="277671" y="1866130"/>
+            <a:ext cx="4906926" cy="400110"/>
+          </a:xfrm>
+          <a:prstGeom prst="rect">
+            <a:avLst/>
+          </a:prstGeom>
+          <a:noFill/>
+        </p:spPr>
+        <p:txBody>
+          <a:bodyPr wrap="square" rtlCol="0">
+            <a:spAutoFit/>
+          </a:bodyPr>
+          <a:lstStyle/>
+          <a:p>
+            <a:r>
+              <a:rPr lang="en-GB" sz="1000" i="1" dirty="0">
+                <a:latin typeface="Cambria" panose="02040503050406030204" pitchFamily="18" charset="0"/>
+              </a:rPr>
+              <a:t>Table 105. Model fit comparison using AIC. Model 1b was the best fit and it included two parameters and two maturity classes (juvenile and adult).</a:t>
             </a:r>
           </a:p>
         </p:txBody>
@@ -9025,7 +10063,7 @@
     </p:spTree>
     <p:extLst>
       <p:ext uri="{BB962C8B-B14F-4D97-AF65-F5344CB8AC3E}">
-        <p14:creationId xmlns:p14="http://schemas.microsoft.com/office/powerpoint/2010/main" val="3978348487"/>
+        <p14:creationId xmlns:p14="http://schemas.microsoft.com/office/powerpoint/2010/main" val="750258651"/>
       </p:ext>
     </p:extLst>
   </p:cSld>
@@ -9066,7 +10104,7 @@
         </p:nvSpPr>
         <p:spPr>
           <a:xfrm>
-            <a:off x="95290" y="-1804998"/>
+            <a:off x="0" y="-1417747"/>
             <a:ext cx="11861800" cy="1754326"/>
           </a:xfrm>
           <a:prstGeom prst="rect">
@@ -9088,7 +10126,7 @@
               </a:rPr>
               <a:t>single slope for the logistic regressions of maturity on size, in order to focus on comparing the size at 50% maturity among tanks. Probably this should be done separately for gen0 and gen1, where there might be biological reasons for slopes to differ, but perhaps that difference, and the difference between sexes, could first be tested on the full data set. Then the slope could be fixed and individual tank/gen combinations analyses separately to find the size at 50% maturity and its standard error to use in the plasticity analyses (or you could fit a model with one slope and means for different tanks).</a:t>
             </a:r>
-            <a:endParaRPr lang="en-GB" dirty="0">
+            <a:endParaRPr lang="en-US" dirty="0">
               <a:solidFill>
                 <a:srgbClr val="0070C0"/>
               </a:solidFill>
@@ -9098,10 +10136,10 @@
       </p:sp>
       <p:sp>
         <p:nvSpPr>
-          <p:cNvPr id="3" name="TextBox 2">
-            <a:extLst>
-              <a:ext uri="{FF2B5EF4-FFF2-40B4-BE49-F238E27FC236}">
-                <a16:creationId xmlns:a16="http://schemas.microsoft.com/office/drawing/2014/main" id="{CB2E8586-4624-B042-96A4-2213BBA8C18E}"/>
+          <p:cNvPr id="7" name="TextBox 6">
+            <a:extLst>
+              <a:ext uri="{FF2B5EF4-FFF2-40B4-BE49-F238E27FC236}">
+                <a16:creationId xmlns:a16="http://schemas.microsoft.com/office/drawing/2014/main" id="{1DA5DA5F-F95E-2444-B3F8-A3CF493F9BFB}"/>
               </a:ext>
             </a:extLst>
           </p:cNvPr>
@@ -9110,8 +10148,8 @@
         </p:nvSpPr>
         <p:spPr>
           <a:xfrm>
-            <a:off x="95290" y="126747"/>
-            <a:ext cx="4318555" cy="369332"/>
+            <a:off x="133390" y="279147"/>
+            <a:ext cx="6854056" cy="369332"/>
           </a:xfrm>
           <a:prstGeom prst="rect">
             <a:avLst/>
@@ -9126,19 +10164,19 @@
           <a:p>
             <a:r>
               <a:rPr lang="en-GB" b="1" dirty="0">
-                <a:latin typeface="Optima" panose="02000503060000020004" pitchFamily="2" charset="0"/>
-              </a:rPr>
-              <a:t>Model 3: two slopes and two generations</a:t>
-            </a:r>
-          </a:p>
-        </p:txBody>
-      </p:sp>
-      <p:sp>
-        <p:nvSpPr>
-          <p:cNvPr id="4" name="Rectangle 3">
-            <a:extLst>
-              <a:ext uri="{FF2B5EF4-FFF2-40B4-BE49-F238E27FC236}">
-                <a16:creationId xmlns:a16="http://schemas.microsoft.com/office/drawing/2014/main" id="{55BD62EE-C25A-A74A-BBBA-B3F5A6B72A2B}"/>
+                <a:latin typeface="Cambria" panose="02040503050406030204" pitchFamily="18" charset="0"/>
+              </a:rPr>
+              <a:t>Model 3: four parameters and two generations without outliers</a:t>
+            </a:r>
+          </a:p>
+        </p:txBody>
+      </p:sp>
+      <p:sp>
+        <p:nvSpPr>
+          <p:cNvPr id="8" name="Rectangle 7">
+            <a:extLst>
+              <a:ext uri="{FF2B5EF4-FFF2-40B4-BE49-F238E27FC236}">
+                <a16:creationId xmlns:a16="http://schemas.microsoft.com/office/drawing/2014/main" id="{D76C6C92-3FDA-3240-8428-4C9B695756BA}"/>
               </a:ext>
             </a:extLst>
           </p:cNvPr>
@@ -9147,8 +10185,8 @@
         </p:nvSpPr>
         <p:spPr>
           <a:xfrm>
-            <a:off x="95290" y="635338"/>
-            <a:ext cx="4680384" cy="1200329"/>
+            <a:off x="133390" y="816055"/>
+            <a:ext cx="4710753" cy="2446824"/>
           </a:xfrm>
           <a:prstGeom prst="rect">
             <a:avLst/>
@@ -9161,218 +10199,135 @@
           <a:lstStyle/>
           <a:p>
             <a:r>
-              <a:rPr lang="en-US" sz="1200" dirty="0" err="1">
-                <a:solidFill>
-                  <a:srgbClr val="000000"/>
-                </a:solidFill>
-                <a:latin typeface="Monaco" pitchFamily="2" charset="77"/>
-              </a:rPr>
-              <a:t>s_mat</a:t>
-            </a:r>
-            <a:r>
-              <a:rPr lang="en-US" sz="1200" dirty="0">
-                <a:solidFill>
-                  <a:srgbClr val="000000"/>
-                </a:solidFill>
-                <a:latin typeface="Monaco" pitchFamily="2" charset="77"/>
-              </a:rPr>
-              <a:t> &lt;- function(size, mat, mean, slope) {</a:t>
-            </a:r>
-          </a:p>
-          <a:p>
-            <a:r>
-              <a:rPr lang="en-US" sz="1200" dirty="0">
-                <a:solidFill>
-                  <a:srgbClr val="000000"/>
-                </a:solidFill>
+              <a:rPr lang="en-GB" sz="900" noProof="1">
+                <a:latin typeface="Monaco" pitchFamily="2" charset="77"/>
+              </a:rPr>
+              <a:t>s_mat_gen &lt;- function(data, mean.p, slope.p, mean.o, slope.o) {</a:t>
+            </a:r>
+          </a:p>
+          <a:p>
+            <a:r>
+              <a:rPr lang="en-GB" sz="900" noProof="1">
                 <a:latin typeface="Monaco" pitchFamily="2" charset="77"/>
               </a:rPr>
               <a:t>  </a:t>
             </a:r>
-            <a:r>
-              <a:rPr lang="en-US" sz="1200" dirty="0" err="1">
-                <a:solidFill>
-                  <a:srgbClr val="000000"/>
-                </a:solidFill>
-                <a:latin typeface="Monaco" pitchFamily="2" charset="77"/>
-              </a:rPr>
-              <a:t>logit_p</a:t>
-            </a:r>
-            <a:r>
-              <a:rPr lang="en-US" sz="1200" dirty="0">
-                <a:solidFill>
-                  <a:srgbClr val="000000"/>
-                </a:solidFill>
-                <a:latin typeface="Monaco" pitchFamily="2" charset="77"/>
-              </a:rPr>
-              <a:t> &lt;- (size - mean) / slope</a:t>
-            </a:r>
-          </a:p>
-          <a:p>
-            <a:r>
-              <a:rPr lang="en-US" sz="1200" dirty="0">
-                <a:solidFill>
-                  <a:srgbClr val="000000"/>
-                </a:solidFill>
-                <a:latin typeface="Monaco" pitchFamily="2" charset="77"/>
-              </a:rPr>
-              <a:t>  p &lt;- </a:t>
-            </a:r>
-            <a:r>
-              <a:rPr lang="en-US" sz="1200" dirty="0" err="1">
-                <a:solidFill>
-                  <a:srgbClr val="000000"/>
-                </a:solidFill>
-                <a:latin typeface="Monaco" pitchFamily="2" charset="77"/>
-              </a:rPr>
-              <a:t>exp</a:t>
-            </a:r>
-            <a:r>
-              <a:rPr lang="en-US" sz="1200" dirty="0">
-                <a:solidFill>
-                  <a:srgbClr val="000000"/>
-                </a:solidFill>
-                <a:latin typeface="Monaco" pitchFamily="2" charset="77"/>
-              </a:rPr>
-              <a:t>(</a:t>
-            </a:r>
-            <a:r>
-              <a:rPr lang="en-US" sz="1200" dirty="0" err="1">
-                <a:solidFill>
-                  <a:srgbClr val="000000"/>
-                </a:solidFill>
-                <a:latin typeface="Monaco" pitchFamily="2" charset="77"/>
-              </a:rPr>
-              <a:t>logit_p</a:t>
-            </a:r>
-            <a:r>
-              <a:rPr lang="en-US" sz="1200" dirty="0">
-                <a:solidFill>
-                  <a:srgbClr val="000000"/>
-                </a:solidFill>
-                <a:latin typeface="Monaco" pitchFamily="2" charset="77"/>
-              </a:rPr>
-              <a:t>) / (</a:t>
-            </a:r>
-            <a:r>
-              <a:rPr lang="en-US" sz="1200" dirty="0" err="1">
-                <a:solidFill>
-                  <a:srgbClr val="000000"/>
-                </a:solidFill>
-                <a:latin typeface="Monaco" pitchFamily="2" charset="77"/>
-              </a:rPr>
-              <a:t>exp</a:t>
-            </a:r>
-            <a:r>
-              <a:rPr lang="en-US" sz="1200" dirty="0">
-                <a:solidFill>
-                  <a:srgbClr val="000000"/>
-                </a:solidFill>
-                <a:latin typeface="Monaco" pitchFamily="2" charset="77"/>
-              </a:rPr>
-              <a:t>(</a:t>
-            </a:r>
-            <a:r>
-              <a:rPr lang="en-US" sz="1200" dirty="0" err="1">
-                <a:solidFill>
-                  <a:srgbClr val="000000"/>
-                </a:solidFill>
-                <a:latin typeface="Monaco" pitchFamily="2" charset="77"/>
-              </a:rPr>
-              <a:t>logit_p</a:t>
-            </a:r>
-            <a:r>
-              <a:rPr lang="en-US" sz="1200" dirty="0">
-                <a:solidFill>
-                  <a:srgbClr val="000000"/>
-                </a:solidFill>
-                <a:latin typeface="Monaco" pitchFamily="2" charset="77"/>
-              </a:rPr>
-              <a:t>)+1)</a:t>
-            </a:r>
-          </a:p>
-          <a:p>
-            <a:r>
-              <a:rPr lang="en-US" sz="1200" dirty="0">
-                <a:solidFill>
-                  <a:srgbClr val="000000"/>
-                </a:solidFill>
+          </a:p>
+          <a:p>
+            <a:r>
+              <a:rPr lang="en-GB" sz="900" noProof="1">
+                <a:latin typeface="Monaco" pitchFamily="2" charset="77"/>
+              </a:rPr>
+              <a:t>  logit_p_p &lt;- (data[, "size_log"] - mean.p)  / slope.p</a:t>
+            </a:r>
+          </a:p>
+          <a:p>
+            <a:r>
+              <a:rPr lang="en-GB" sz="900" noProof="1">
+                <a:latin typeface="Monaco" pitchFamily="2" charset="77"/>
+              </a:rPr>
+              <a:t>  logit_p_o &lt;- (data[, "size_log"] - mean.o)  / slope.o</a:t>
+            </a:r>
+          </a:p>
+          <a:p>
+            <a:r>
+              <a:rPr lang="en-GB" sz="900" noProof="1">
                 <a:latin typeface="Monaco" pitchFamily="2" charset="77"/>
               </a:rPr>
               <a:t>  </a:t>
             </a:r>
-            <a:r>
-              <a:rPr lang="en-US" sz="1200" dirty="0" err="1">
-                <a:solidFill>
-                  <a:srgbClr val="000000"/>
-                </a:solidFill>
-                <a:latin typeface="Monaco" pitchFamily="2" charset="77"/>
-              </a:rPr>
-              <a:t>minusll</a:t>
-            </a:r>
-            <a:r>
-              <a:rPr lang="en-US" sz="1200" dirty="0">
-                <a:solidFill>
-                  <a:srgbClr val="000000"/>
-                </a:solidFill>
-                <a:latin typeface="Monaco" pitchFamily="2" charset="77"/>
-              </a:rPr>
-              <a:t> &lt;- -sum(</a:t>
-            </a:r>
-            <a:r>
-              <a:rPr lang="en-US" sz="1200" dirty="0" err="1">
-                <a:solidFill>
-                  <a:srgbClr val="000000"/>
-                </a:solidFill>
-                <a:latin typeface="Monaco" pitchFamily="2" charset="77"/>
-              </a:rPr>
-              <a:t>dbinom</a:t>
-            </a:r>
-            <a:r>
-              <a:rPr lang="en-US" sz="1200" dirty="0">
-                <a:solidFill>
-                  <a:srgbClr val="000000"/>
-                </a:solidFill>
-                <a:latin typeface="Monaco" pitchFamily="2" charset="77"/>
-              </a:rPr>
-              <a:t>(mat, 1, p, log = TRUE))</a:t>
-            </a:r>
-          </a:p>
-          <a:p>
-            <a:r>
-              <a:rPr lang="en-US" sz="1200" dirty="0">
-                <a:solidFill>
-                  <a:srgbClr val="000000"/>
-                </a:solidFill>
-                <a:latin typeface="Monaco" pitchFamily="2" charset="77"/>
-              </a:rPr>
-              <a:t>  return(</a:t>
-            </a:r>
-            <a:r>
-              <a:rPr lang="en-US" sz="1200" dirty="0" err="1">
-                <a:solidFill>
-                  <a:srgbClr val="000000"/>
-                </a:solidFill>
-                <a:latin typeface="Monaco" pitchFamily="2" charset="77"/>
-              </a:rPr>
-              <a:t>minusll</a:t>
-            </a:r>
-            <a:r>
-              <a:rPr lang="en-US" sz="1200" dirty="0">
-                <a:solidFill>
-                  <a:srgbClr val="000000"/>
-                </a:solidFill>
-                <a:latin typeface="Monaco" pitchFamily="2" charset="77"/>
-              </a:rPr>
-              <a:t>)</a:t>
-            </a:r>
-          </a:p>
-          <a:p>
-            <a:r>
-              <a:rPr lang="en-US" sz="1200" dirty="0">
-                <a:solidFill>
-                  <a:srgbClr val="000000"/>
-                </a:solidFill>
+          </a:p>
+          <a:p>
+            <a:r>
+              <a:rPr lang="en-GB" sz="900" noProof="1">
+                <a:latin typeface="Monaco" pitchFamily="2" charset="77"/>
+              </a:rPr>
+              <a:t>  p_p &lt;- 0.5 * exp(logit_p_p) / (exp(logit_p_p)+1)</a:t>
+            </a:r>
+          </a:p>
+          <a:p>
+            <a:r>
+              <a:rPr lang="en-GB" sz="900" noProof="1">
+                <a:latin typeface="Monaco" pitchFamily="2" charset="77"/>
+              </a:rPr>
+              <a:t>  p_o &lt;- 0.5 * exp(logit_p_o) / (exp(logit_p_o)+1)</a:t>
+            </a:r>
+          </a:p>
+          <a:p>
+            <a:r>
+              <a:rPr lang="en-GB" sz="900" noProof="1">
+                <a:latin typeface="Monaco" pitchFamily="2" charset="77"/>
+              </a:rPr>
+              <a:t>  p_j &lt;- 1 - p_p - p_o</a:t>
+            </a:r>
+          </a:p>
+          <a:p>
+            <a:r>
+              <a:rPr lang="en-GB" sz="900" noProof="1">
+                <a:latin typeface="Monaco" pitchFamily="2" charset="77"/>
+              </a:rPr>
+              <a:t>  # p_j &lt;- (1 - p_f) * sr + (1-p_m) * (1 - sr)</a:t>
+            </a:r>
+          </a:p>
+          <a:p>
+            <a:r>
+              <a:rPr lang="en-GB" sz="900" noProof="1">
+                <a:latin typeface="Monaco" pitchFamily="2" charset="77"/>
+              </a:rPr>
+              <a:t>  </a:t>
+            </a:r>
+          </a:p>
+          <a:p>
+            <a:r>
+              <a:rPr lang="en-GB" sz="900" noProof="1">
+                <a:latin typeface="Monaco" pitchFamily="2" charset="77"/>
+              </a:rPr>
+              <a:t>  ll &lt;- log(p_j)</a:t>
+            </a:r>
+          </a:p>
+          <a:p>
+            <a:r>
+              <a:rPr lang="en-GB" sz="900" noProof="1">
+                <a:latin typeface="Monaco" pitchFamily="2" charset="77"/>
+              </a:rPr>
+              <a:t>  ll[data[, "maturity"] == 1] &lt;- log(p_p[data[, "maturity"] == 1])</a:t>
+            </a:r>
+          </a:p>
+          <a:p>
+            <a:r>
+              <a:rPr lang="en-GB" sz="900" noProof="1">
+                <a:latin typeface="Monaco" pitchFamily="2" charset="77"/>
+              </a:rPr>
+              <a:t>  ll[data[, "maturity"] == 2] &lt;- log(p_o[data[, "maturity"] == 2])</a:t>
+            </a:r>
+          </a:p>
+          <a:p>
+            <a:r>
+              <a:rPr lang="en-GB" sz="900" noProof="1">
+                <a:latin typeface="Monaco" pitchFamily="2" charset="77"/>
+              </a:rPr>
+              <a:t>  </a:t>
+            </a:r>
+          </a:p>
+          <a:p>
+            <a:r>
+              <a:rPr lang="en-GB" sz="900" noProof="1">
+                <a:latin typeface="Monaco" pitchFamily="2" charset="77"/>
+              </a:rPr>
+              <a:t>  minusll &lt;- -sum(ll)</a:t>
+            </a:r>
+          </a:p>
+          <a:p>
+            <a:r>
+              <a:rPr lang="en-GB" sz="900" noProof="1">
+                <a:latin typeface="Monaco" pitchFamily="2" charset="77"/>
+              </a:rPr>
+              <a:t>  return(minusll)</a:t>
+            </a:r>
+          </a:p>
+          <a:p>
+            <a:r>
+              <a:rPr lang="en-GB" sz="900" noProof="1">
                 <a:latin typeface="Monaco" pitchFamily="2" charset="77"/>
               </a:rPr>
               <a:t>}</a:t>
@@ -9382,62 +10337,711 @@
       </p:sp>
       <p:sp>
         <p:nvSpPr>
-          <p:cNvPr id="5" name="Rectangle 4">
-            <a:extLst>
-              <a:ext uri="{FF2B5EF4-FFF2-40B4-BE49-F238E27FC236}">
-                <a16:creationId xmlns:a16="http://schemas.microsoft.com/office/drawing/2014/main" id="{AB74C8E0-67D9-2145-ABB5-D488622B3EF6}"/>
-              </a:ext>
-            </a:extLst>
-          </p:cNvPr>
-          <p:cNvSpPr/>
+          <p:cNvPr id="5" name="TextBox 4">
+            <a:extLst>
+              <a:ext uri="{FF2B5EF4-FFF2-40B4-BE49-F238E27FC236}">
+                <a16:creationId xmlns:a16="http://schemas.microsoft.com/office/drawing/2014/main" id="{E0620005-F94D-7D47-92DC-7454DAE26D02}"/>
+              </a:ext>
+            </a:extLst>
+          </p:cNvPr>
+          <p:cNvSpPr txBox="1"/>
           <p:nvPr/>
         </p:nvSpPr>
         <p:spPr>
           <a:xfrm>
-            <a:off x="95290" y="1868100"/>
-            <a:ext cx="6096000" cy="646331"/>
+            <a:off x="6664183" y="6072792"/>
+            <a:ext cx="5443871" cy="400110"/>
+          </a:xfrm>
+          <a:prstGeom prst="rect">
+            <a:avLst/>
+          </a:prstGeom>
+          <a:noFill/>
+        </p:spPr>
+        <p:txBody>
+          <a:bodyPr wrap="square" rtlCol="0">
+            <a:spAutoFit/>
+          </a:bodyPr>
+          <a:lstStyle/>
+          <a:p>
+            <a:pPr algn="just"/>
+            <a:r>
+              <a:rPr lang="en-GB" sz="1000" i="1" dirty="0">
+                <a:latin typeface="Cambria" panose="02040503050406030204" pitchFamily="18" charset="0"/>
+              </a:rPr>
+              <a:t>Figure 104. Fitted curves of the probability of being either a mature parent or a mature offspring depending on size. Parent in black and offspring in red.</a:t>
+            </a:r>
+          </a:p>
+        </p:txBody>
+      </p:sp>
+      <p:graphicFrame>
+        <p:nvGraphicFramePr>
+          <p:cNvPr id="6" name="Table 5">
+            <a:extLst>
+              <a:ext uri="{FF2B5EF4-FFF2-40B4-BE49-F238E27FC236}">
+                <a16:creationId xmlns:a16="http://schemas.microsoft.com/office/drawing/2014/main" id="{9C2E8880-21E5-3343-A963-734FA6F70680}"/>
+              </a:ext>
+            </a:extLst>
+          </p:cNvPr>
+          <p:cNvGraphicFramePr>
+            <a:graphicFrameLocks noGrp="1"/>
+          </p:cNvGraphicFramePr>
+          <p:nvPr>
+            <p:extLst>
+              <p:ext uri="{D42A27DB-BD31-4B8C-83A1-F6EECF244321}">
+                <p14:modId xmlns:p14="http://schemas.microsoft.com/office/powerpoint/2010/main" val="2398374467"/>
+              </p:ext>
+            </p:extLst>
+          </p:nvPr>
+        </p:nvGraphicFramePr>
+        <p:xfrm>
+          <a:off x="8572870" y="736674"/>
+          <a:ext cx="3456000" cy="492750"/>
+        </p:xfrm>
+        <a:graphic>
+          <a:graphicData uri="http://schemas.openxmlformats.org/drawingml/2006/table">
+            <a:tbl>
+              <a:tblPr firstRow="1" bandRow="1">
+                <a:tableStyleId>{8799B23B-EC83-4686-B30A-512413B5E67A}</a:tableStyleId>
+              </a:tblPr>
+              <a:tblGrid>
+                <a:gridCol w="1152000">
+                  <a:extLst>
+                    <a:ext uri="{9D8B030D-6E8A-4147-A177-3AD203B41FA5}">
+                      <a16:colId xmlns:a16="http://schemas.microsoft.com/office/drawing/2014/main" val="1142775753"/>
+                    </a:ext>
+                  </a:extLst>
+                </a:gridCol>
+                <a:gridCol w="1152000">
+                  <a:extLst>
+                    <a:ext uri="{9D8B030D-6E8A-4147-A177-3AD203B41FA5}">
+                      <a16:colId xmlns:a16="http://schemas.microsoft.com/office/drawing/2014/main" val="1404837774"/>
+                    </a:ext>
+                  </a:extLst>
+                </a:gridCol>
+                <a:gridCol w="1152000">
+                  <a:extLst>
+                    <a:ext uri="{9D8B030D-6E8A-4147-A177-3AD203B41FA5}">
+                      <a16:colId xmlns:a16="http://schemas.microsoft.com/office/drawing/2014/main" val="246323040"/>
+                    </a:ext>
+                  </a:extLst>
+                </a:gridCol>
+              </a:tblGrid>
+              <a:tr h="246375">
+                <a:tc>
+                  <a:txBody>
+                    <a:bodyPr/>
+                    <a:lstStyle/>
+                    <a:p>
+                      <a:r>
+                        <a:rPr lang="en-GB" sz="1000" dirty="0">
+                          <a:latin typeface="Monaco" pitchFamily="2" charset="77"/>
+                        </a:rPr>
+                        <a:t>Juvenile (0)</a:t>
+                      </a:r>
+                    </a:p>
+                  </a:txBody>
+                  <a:tcPr marL="60750" marR="60750" marT="30375" marB="30375"/>
+                </a:tc>
+                <a:tc>
+                  <a:txBody>
+                    <a:bodyPr/>
+                    <a:lstStyle/>
+                    <a:p>
+                      <a:r>
+                        <a:rPr lang="en-GB" sz="1000" dirty="0">
+                          <a:latin typeface="Monaco" pitchFamily="2" charset="77"/>
+                        </a:rPr>
+                        <a:t>Parent (1)</a:t>
+                      </a:r>
+                    </a:p>
+                  </a:txBody>
+                  <a:tcPr marL="60750" marR="60750" marT="30375" marB="30375"/>
+                </a:tc>
+                <a:tc>
+                  <a:txBody>
+                    <a:bodyPr/>
+                    <a:lstStyle/>
+                    <a:p>
+                      <a:r>
+                        <a:rPr lang="en-GB" sz="1000" dirty="0">
+                          <a:latin typeface="Monaco" pitchFamily="2" charset="77"/>
+                        </a:rPr>
+                        <a:t>Offspring (2)</a:t>
+                      </a:r>
+                    </a:p>
+                  </a:txBody>
+                  <a:tcPr marL="60750" marR="60750" marT="30375" marB="30375"/>
+                </a:tc>
+                <a:extLst>
+                  <a:ext uri="{0D108BD9-81ED-4DB2-BD59-A6C34878D82A}">
+                    <a16:rowId xmlns:a16="http://schemas.microsoft.com/office/drawing/2014/main" val="3332999659"/>
+                  </a:ext>
+                </a:extLst>
+              </a:tr>
+              <a:tr h="246375">
+                <a:tc>
+                  <a:txBody>
+                    <a:bodyPr/>
+                    <a:lstStyle/>
+                    <a:p>
+                      <a:r>
+                        <a:rPr lang="en-GB" sz="1000" dirty="0">
+                          <a:latin typeface="Monaco" pitchFamily="2" charset="77"/>
+                        </a:rPr>
+                        <a:t>771</a:t>
+                      </a:r>
+                    </a:p>
+                  </a:txBody>
+                  <a:tcPr marL="60750" marR="60750" marT="30375" marB="30375"/>
+                </a:tc>
+                <a:tc>
+                  <a:txBody>
+                    <a:bodyPr/>
+                    <a:lstStyle/>
+                    <a:p>
+                      <a:r>
+                        <a:rPr lang="en-GB" sz="1000" dirty="0">
+                          <a:latin typeface="Monaco" pitchFamily="2" charset="77"/>
+                        </a:rPr>
+                        <a:t>274</a:t>
+                      </a:r>
+                    </a:p>
+                  </a:txBody>
+                  <a:tcPr marL="60750" marR="60750" marT="30375" marB="30375"/>
+                </a:tc>
+                <a:tc>
+                  <a:txBody>
+                    <a:bodyPr/>
+                    <a:lstStyle/>
+                    <a:p>
+                      <a:r>
+                        <a:rPr lang="en-GB" sz="1000" dirty="0">
+                          <a:latin typeface="Monaco" pitchFamily="2" charset="77"/>
+                        </a:rPr>
+                        <a:t>369</a:t>
+                      </a:r>
+                    </a:p>
+                  </a:txBody>
+                  <a:tcPr marL="60750" marR="60750" marT="30375" marB="30375"/>
+                </a:tc>
+                <a:extLst>
+                  <a:ext uri="{0D108BD9-81ED-4DB2-BD59-A6C34878D82A}">
+                    <a16:rowId xmlns:a16="http://schemas.microsoft.com/office/drawing/2014/main" val="1890029390"/>
+                  </a:ext>
+                </a:extLst>
+              </a:tr>
+            </a:tbl>
+          </a:graphicData>
+        </a:graphic>
+      </p:graphicFrame>
+      <p:graphicFrame>
+        <p:nvGraphicFramePr>
+          <p:cNvPr id="9" name="Table 8">
+            <a:extLst>
+              <a:ext uri="{FF2B5EF4-FFF2-40B4-BE49-F238E27FC236}">
+                <a16:creationId xmlns:a16="http://schemas.microsoft.com/office/drawing/2014/main" id="{0BD0A169-2337-D14A-B19D-8C496F643DC8}"/>
+              </a:ext>
+            </a:extLst>
+          </p:cNvPr>
+          <p:cNvGraphicFramePr>
+            <a:graphicFrameLocks noGrp="1"/>
+          </p:cNvGraphicFramePr>
+          <p:nvPr>
+            <p:extLst>
+              <p:ext uri="{D42A27DB-BD31-4B8C-83A1-F6EECF244321}">
+                <p14:modId xmlns:p14="http://schemas.microsoft.com/office/powerpoint/2010/main" val="2649697923"/>
+              </p:ext>
+            </p:extLst>
+          </p:nvPr>
+        </p:nvGraphicFramePr>
+        <p:xfrm>
+          <a:off x="7285074" y="1919382"/>
+          <a:ext cx="3603172" cy="1079040"/>
+        </p:xfrm>
+        <a:graphic>
+          <a:graphicData uri="http://schemas.openxmlformats.org/drawingml/2006/table">
+            <a:tbl>
+              <a:tblPr firstRow="1" bandRow="1">
+                <a:tableStyleId>{8799B23B-EC83-4686-B30A-512413B5E67A}</a:tableStyleId>
+              </a:tblPr>
+              <a:tblGrid>
+                <a:gridCol w="1338943">
+                  <a:extLst>
+                    <a:ext uri="{9D8B030D-6E8A-4147-A177-3AD203B41FA5}">
+                      <a16:colId xmlns:a16="http://schemas.microsoft.com/office/drawing/2014/main" val="3532894976"/>
+                    </a:ext>
+                  </a:extLst>
+                </a:gridCol>
+                <a:gridCol w="957943">
+                  <a:extLst>
+                    <a:ext uri="{9D8B030D-6E8A-4147-A177-3AD203B41FA5}">
+                      <a16:colId xmlns:a16="http://schemas.microsoft.com/office/drawing/2014/main" val="2913302385"/>
+                    </a:ext>
+                  </a:extLst>
+                </a:gridCol>
+                <a:gridCol w="729343">
+                  <a:extLst>
+                    <a:ext uri="{9D8B030D-6E8A-4147-A177-3AD203B41FA5}">
+                      <a16:colId xmlns:a16="http://schemas.microsoft.com/office/drawing/2014/main" val="1490034768"/>
+                    </a:ext>
+                  </a:extLst>
+                </a:gridCol>
+                <a:gridCol w="576943">
+                  <a:extLst>
+                    <a:ext uri="{9D8B030D-6E8A-4147-A177-3AD203B41FA5}">
+                      <a16:colId xmlns:a16="http://schemas.microsoft.com/office/drawing/2014/main" val="3530850397"/>
+                    </a:ext>
+                  </a:extLst>
+                </a:gridCol>
+              </a:tblGrid>
+              <a:tr h="215808">
+                <a:tc>
+                  <a:txBody>
+                    <a:bodyPr/>
+                    <a:lstStyle/>
+                    <a:p>
+                      <a:r>
+                        <a:rPr lang="en-GB" sz="1050" b="1" dirty="0">
+                          <a:latin typeface="Monaco" pitchFamily="2" charset="77"/>
+                        </a:rPr>
+                        <a:t>Parameter</a:t>
+                      </a:r>
+                    </a:p>
+                  </a:txBody>
+                  <a:tcPr marL="52650" marR="52650" marT="26325" marB="26325"/>
+                </a:tc>
+                <a:tc>
+                  <a:txBody>
+                    <a:bodyPr/>
+                    <a:lstStyle/>
+                    <a:p>
+                      <a:r>
+                        <a:rPr lang="en-GB" sz="1050" b="1" dirty="0">
+                          <a:latin typeface="Monaco" pitchFamily="2" charset="77"/>
+                        </a:rPr>
+                        <a:t>Estimate</a:t>
+                      </a:r>
+                    </a:p>
+                  </a:txBody>
+                  <a:tcPr marL="52650" marR="52650" marT="26325" marB="26325"/>
+                </a:tc>
+                <a:tc>
+                  <a:txBody>
+                    <a:bodyPr/>
+                    <a:lstStyle/>
+                    <a:p>
+                      <a:r>
+                        <a:rPr lang="en-GB" sz="1050" b="1" dirty="0">
+                          <a:latin typeface="Monaco" pitchFamily="2" charset="77"/>
+                        </a:rPr>
+                        <a:t>SE</a:t>
+                      </a:r>
+                    </a:p>
+                  </a:txBody>
+                  <a:tcPr marL="52650" marR="52650" marT="26325" marB="26325"/>
+                </a:tc>
+                <a:tc>
+                  <a:txBody>
+                    <a:bodyPr/>
+                    <a:lstStyle/>
+                    <a:p>
+                      <a:endParaRPr lang="en-GB" sz="1050" b="0" dirty="0">
+                        <a:latin typeface="Monaco" pitchFamily="2" charset="77"/>
+                      </a:endParaRPr>
+                    </a:p>
+                  </a:txBody>
+                  <a:tcPr marL="52650" marR="52650" marT="26325" marB="26325"/>
+                </a:tc>
+                <a:extLst>
+                  <a:ext uri="{0D108BD9-81ED-4DB2-BD59-A6C34878D82A}">
+                    <a16:rowId xmlns:a16="http://schemas.microsoft.com/office/drawing/2014/main" val="1187548107"/>
+                  </a:ext>
+                </a:extLst>
+              </a:tr>
+              <a:tr h="215808">
+                <a:tc>
+                  <a:txBody>
+                    <a:bodyPr/>
+                    <a:lstStyle/>
+                    <a:p>
+                      <a:r>
+                        <a:rPr lang="en-GB" sz="1050" dirty="0">
+                          <a:latin typeface="Monaco" pitchFamily="2" charset="77"/>
+                        </a:rPr>
+                        <a:t>mean parent</a:t>
+                      </a:r>
+                    </a:p>
+                  </a:txBody>
+                  <a:tcPr marL="52650" marR="52650" marT="26325" marB="26325"/>
+                </a:tc>
+                <a:tc>
+                  <a:txBody>
+                    <a:bodyPr/>
+                    <a:lstStyle/>
+                    <a:p>
+                      <a:r>
+                        <a:rPr lang="en-GB" sz="1050" dirty="0">
+                          <a:latin typeface="Monaco" pitchFamily="2" charset="77"/>
+                        </a:rPr>
+                        <a:t>2.04</a:t>
+                      </a:r>
+                    </a:p>
+                  </a:txBody>
+                  <a:tcPr marL="52650" marR="52650" marT="26325" marB="26325"/>
+                </a:tc>
+                <a:tc>
+                  <a:txBody>
+                    <a:bodyPr/>
+                    <a:lstStyle/>
+                    <a:p>
+                      <a:r>
+                        <a:rPr lang="en-GB" sz="1050" dirty="0">
+                          <a:latin typeface="Monaco" pitchFamily="2" charset="77"/>
+                        </a:rPr>
+                        <a:t>0.02</a:t>
+                      </a:r>
+                    </a:p>
+                  </a:txBody>
+                  <a:tcPr marL="52650" marR="52650" marT="26325" marB="26325"/>
+                </a:tc>
+                <a:tc>
+                  <a:txBody>
+                    <a:bodyPr/>
+                    <a:lstStyle/>
+                    <a:p>
+                      <a:r>
+                        <a:rPr lang="en-GB" sz="1050" dirty="0">
+                          <a:latin typeface="Monaco" pitchFamily="2" charset="77"/>
+                        </a:rPr>
+                        <a:t>***</a:t>
+                      </a:r>
+                    </a:p>
+                  </a:txBody>
+                  <a:tcPr marL="52650" marR="52650" marT="26325" marB="26325"/>
+                </a:tc>
+                <a:extLst>
+                  <a:ext uri="{0D108BD9-81ED-4DB2-BD59-A6C34878D82A}">
+                    <a16:rowId xmlns:a16="http://schemas.microsoft.com/office/drawing/2014/main" val="2589338519"/>
+                  </a:ext>
+                </a:extLst>
+              </a:tr>
+              <a:tr h="215808">
+                <a:tc>
+                  <a:txBody>
+                    <a:bodyPr/>
+                    <a:lstStyle/>
+                    <a:p>
+                      <a:r>
+                        <a:rPr lang="en-GB" sz="1050" dirty="0">
+                          <a:latin typeface="Monaco" pitchFamily="2" charset="77"/>
+                        </a:rPr>
+                        <a:t>slope parent</a:t>
+                      </a:r>
+                    </a:p>
+                  </a:txBody>
+                  <a:tcPr marL="52650" marR="52650" marT="26325" marB="26325"/>
+                </a:tc>
+                <a:tc>
+                  <a:txBody>
+                    <a:bodyPr/>
+                    <a:lstStyle/>
+                    <a:p>
+                      <a:r>
+                        <a:rPr lang="en-GB" sz="1050" dirty="0">
+                          <a:latin typeface="Monaco" pitchFamily="2" charset="77"/>
+                        </a:rPr>
+                        <a:t>0.16</a:t>
+                      </a:r>
+                    </a:p>
+                  </a:txBody>
+                  <a:tcPr marL="52650" marR="52650" marT="26325" marB="26325"/>
+                </a:tc>
+                <a:tc>
+                  <a:txBody>
+                    <a:bodyPr/>
+                    <a:lstStyle/>
+                    <a:p>
+                      <a:r>
+                        <a:rPr lang="en-GB" sz="1050" dirty="0">
+                          <a:latin typeface="Monaco" pitchFamily="2" charset="77"/>
+                        </a:rPr>
+                        <a:t>0.01</a:t>
+                      </a:r>
+                    </a:p>
+                  </a:txBody>
+                  <a:tcPr marL="52650" marR="52650" marT="26325" marB="26325"/>
+                </a:tc>
+                <a:tc>
+                  <a:txBody>
+                    <a:bodyPr/>
+                    <a:lstStyle/>
+                    <a:p>
+                      <a:r>
+                        <a:rPr lang="en-GB" sz="1050" dirty="0">
+                          <a:latin typeface="Monaco" pitchFamily="2" charset="77"/>
+                        </a:rPr>
+                        <a:t>***</a:t>
+                      </a:r>
+                    </a:p>
+                  </a:txBody>
+                  <a:tcPr marL="52650" marR="52650" marT="26325" marB="26325"/>
+                </a:tc>
+                <a:extLst>
+                  <a:ext uri="{0D108BD9-81ED-4DB2-BD59-A6C34878D82A}">
+                    <a16:rowId xmlns:a16="http://schemas.microsoft.com/office/drawing/2014/main" val="76683632"/>
+                  </a:ext>
+                </a:extLst>
+              </a:tr>
+              <a:tr h="215808">
+                <a:tc>
+                  <a:txBody>
+                    <a:bodyPr/>
+                    <a:lstStyle/>
+                    <a:p>
+                      <a:r>
+                        <a:rPr lang="en-GB" sz="1050" dirty="0">
+                          <a:latin typeface="Monaco" pitchFamily="2" charset="77"/>
+                        </a:rPr>
+                        <a:t>mean offspring</a:t>
+                      </a:r>
+                    </a:p>
+                  </a:txBody>
+                  <a:tcPr marL="52650" marR="52650" marT="26325" marB="26325"/>
+                </a:tc>
+                <a:tc>
+                  <a:txBody>
+                    <a:bodyPr/>
+                    <a:lstStyle/>
+                    <a:p>
+                      <a:r>
+                        <a:rPr lang="en-GB" sz="1050" dirty="0">
+                          <a:latin typeface="Monaco" pitchFamily="2" charset="77"/>
+                        </a:rPr>
+                        <a:t>1.66</a:t>
+                      </a:r>
+                    </a:p>
+                  </a:txBody>
+                  <a:tcPr marL="52650" marR="52650" marT="26325" marB="26325"/>
+                </a:tc>
+                <a:tc>
+                  <a:txBody>
+                    <a:bodyPr/>
+                    <a:lstStyle/>
+                    <a:p>
+                      <a:r>
+                        <a:rPr lang="en-GB" sz="1050" dirty="0">
+                          <a:latin typeface="Monaco" pitchFamily="2" charset="77"/>
+                        </a:rPr>
+                        <a:t>0.02</a:t>
+                      </a:r>
+                    </a:p>
+                  </a:txBody>
+                  <a:tcPr marL="52650" marR="52650" marT="26325" marB="26325"/>
+                </a:tc>
+                <a:tc>
+                  <a:txBody>
+                    <a:bodyPr/>
+                    <a:lstStyle/>
+                    <a:p>
+                      <a:r>
+                        <a:rPr lang="en-GB" sz="1050" dirty="0">
+                          <a:latin typeface="Monaco" pitchFamily="2" charset="77"/>
+                        </a:rPr>
+                        <a:t>***</a:t>
+                      </a:r>
+                    </a:p>
+                  </a:txBody>
+                  <a:tcPr marL="52650" marR="52650" marT="26325" marB="26325"/>
+                </a:tc>
+                <a:extLst>
+                  <a:ext uri="{0D108BD9-81ED-4DB2-BD59-A6C34878D82A}">
+                    <a16:rowId xmlns:a16="http://schemas.microsoft.com/office/drawing/2014/main" val="1215593530"/>
+                  </a:ext>
+                </a:extLst>
+              </a:tr>
+              <a:tr h="215808">
+                <a:tc>
+                  <a:txBody>
+                    <a:bodyPr/>
+                    <a:lstStyle/>
+                    <a:p>
+                      <a:r>
+                        <a:rPr lang="en-GB" sz="1050" dirty="0">
+                          <a:latin typeface="Monaco" pitchFamily="2" charset="77"/>
+                        </a:rPr>
+                        <a:t>slope offspring</a:t>
+                      </a:r>
+                    </a:p>
+                  </a:txBody>
+                  <a:tcPr marL="52650" marR="52650" marT="26325" marB="26325"/>
+                </a:tc>
+                <a:tc>
+                  <a:txBody>
+                    <a:bodyPr/>
+                    <a:lstStyle/>
+                    <a:p>
+                      <a:r>
+                        <a:rPr lang="en-GB" sz="1050" dirty="0">
+                          <a:latin typeface="Monaco" pitchFamily="2" charset="77"/>
+                        </a:rPr>
+                        <a:t>0.14</a:t>
+                      </a:r>
+                    </a:p>
+                  </a:txBody>
+                  <a:tcPr marL="52650" marR="52650" marT="26325" marB="26325"/>
+                </a:tc>
+                <a:tc>
+                  <a:txBody>
+                    <a:bodyPr/>
+                    <a:lstStyle/>
+                    <a:p>
+                      <a:r>
+                        <a:rPr lang="en-GB" sz="1050" dirty="0">
+                          <a:latin typeface="Monaco" pitchFamily="2" charset="77"/>
+                        </a:rPr>
+                        <a:t>0.01</a:t>
+                      </a:r>
+                    </a:p>
+                  </a:txBody>
+                  <a:tcPr marL="52650" marR="52650" marT="26325" marB="26325"/>
+                </a:tc>
+                <a:tc>
+                  <a:txBody>
+                    <a:bodyPr/>
+                    <a:lstStyle/>
+                    <a:p>
+                      <a:r>
+                        <a:rPr lang="en-GB" sz="1050" dirty="0">
+                          <a:latin typeface="Monaco" pitchFamily="2" charset="77"/>
+                        </a:rPr>
+                        <a:t>***</a:t>
+                      </a:r>
+                    </a:p>
+                  </a:txBody>
+                  <a:tcPr marL="52650" marR="52650" marT="26325" marB="26325"/>
+                </a:tc>
+                <a:extLst>
+                  <a:ext uri="{0D108BD9-81ED-4DB2-BD59-A6C34878D82A}">
+                    <a16:rowId xmlns:a16="http://schemas.microsoft.com/office/drawing/2014/main" val="1536687266"/>
+                  </a:ext>
+                </a:extLst>
+              </a:tr>
+            </a:tbl>
+          </a:graphicData>
+        </a:graphic>
+      </p:graphicFrame>
+      <p:sp>
+        <p:nvSpPr>
+          <p:cNvPr id="10" name="TextBox 9">
+            <a:extLst>
+              <a:ext uri="{FF2B5EF4-FFF2-40B4-BE49-F238E27FC236}">
+                <a16:creationId xmlns:a16="http://schemas.microsoft.com/office/drawing/2014/main" id="{5209427E-0377-9347-A204-DF43AAA5F2B5}"/>
+              </a:ext>
+            </a:extLst>
+          </p:cNvPr>
+          <p:cNvSpPr txBox="1"/>
+          <p:nvPr/>
+        </p:nvSpPr>
+        <p:spPr>
+          <a:xfrm>
+            <a:off x="7285074" y="1365384"/>
+            <a:ext cx="4906926" cy="553998"/>
+          </a:xfrm>
+          <a:prstGeom prst="rect">
+            <a:avLst/>
+          </a:prstGeom>
+          <a:noFill/>
+        </p:spPr>
+        <p:txBody>
+          <a:bodyPr wrap="square" rtlCol="0">
+            <a:spAutoFit/>
+          </a:bodyPr>
+          <a:lstStyle/>
+          <a:p>
+            <a:pPr algn="just"/>
+            <a:r>
+              <a:rPr lang="en-GB" sz="1000" i="1" dirty="0">
+                <a:latin typeface="Cambria" panose="02040503050406030204" pitchFamily="18" charset="0"/>
+              </a:rPr>
+              <a:t>Table 107. Maximum likelihood estimates of the parameters. The multinomial model was fitted to the data given three maturity classes (juvenile, adult parent and adult offspring). Outliers were excluded.</a:t>
+            </a:r>
+          </a:p>
+        </p:txBody>
+      </p:sp>
+      <p:sp>
+        <p:nvSpPr>
+          <p:cNvPr id="11" name="TextBox 10">
+            <a:extLst>
+              <a:ext uri="{FF2B5EF4-FFF2-40B4-BE49-F238E27FC236}">
+                <a16:creationId xmlns:a16="http://schemas.microsoft.com/office/drawing/2014/main" id="{9D398668-2DC3-B246-9017-099F8F0528FA}"/>
+              </a:ext>
+            </a:extLst>
+          </p:cNvPr>
+          <p:cNvSpPr txBox="1"/>
+          <p:nvPr/>
+        </p:nvSpPr>
+        <p:spPr>
+          <a:xfrm>
+            <a:off x="8485784" y="336579"/>
+            <a:ext cx="3456000" cy="400110"/>
+          </a:xfrm>
+          <a:prstGeom prst="rect">
+            <a:avLst/>
+          </a:prstGeom>
+          <a:noFill/>
+        </p:spPr>
+        <p:txBody>
+          <a:bodyPr wrap="square" rtlCol="0">
+            <a:spAutoFit/>
+          </a:bodyPr>
+          <a:lstStyle/>
+          <a:p>
+            <a:pPr algn="just"/>
+            <a:r>
+              <a:rPr lang="en-GB" sz="1000" i="1" dirty="0">
+                <a:latin typeface="Cambria" panose="02040503050406030204" pitchFamily="18" charset="0"/>
+              </a:rPr>
+              <a:t>Table 106. Count of samples for each maturity class. Outliers are excluded.</a:t>
+            </a:r>
+          </a:p>
+        </p:txBody>
+      </p:sp>
+      <p:pic>
+        <p:nvPicPr>
+          <p:cNvPr id="4" name="Graphic 3">
+            <a:extLst>
+              <a:ext uri="{FF2B5EF4-FFF2-40B4-BE49-F238E27FC236}">
+                <a16:creationId xmlns:a16="http://schemas.microsoft.com/office/drawing/2014/main" id="{8BFD4D63-CDC6-F348-A153-1E0FFBCB0549}"/>
+              </a:ext>
+            </a:extLst>
+          </p:cNvPr>
+          <p:cNvPicPr>
+            <a:picLocks noChangeAspect="1"/>
+          </p:cNvPicPr>
+          <p:nvPr/>
+        </p:nvPicPr>
+        <p:blipFill>
+          <a:blip r:embed="rId2">
+            <a:extLst>
+              <a:ext uri="{96DAC541-7B7A-43D3-8B79-37D633B846F1}">
+                <asvg:svgBlip xmlns:asvg="http://schemas.microsoft.com/office/drawing/2016/SVG/main" r:embed="rId3"/>
+              </a:ext>
+            </a:extLst>
+          </a:blip>
+          <a:stretch>
+            <a:fillRect/>
+          </a:stretch>
+        </p:blipFill>
+        <p:spPr>
+          <a:xfrm>
+            <a:off x="2344183" y="3016902"/>
+            <a:ext cx="4320000" cy="3456000"/>
           </a:xfrm>
           <a:prstGeom prst="rect">
             <a:avLst/>
           </a:prstGeom>
         </p:spPr>
-        <p:txBody>
-          <a:bodyPr>
-            <a:spAutoFit/>
-          </a:bodyPr>
-          <a:lstStyle/>
-          <a:p>
-            <a:r>
-              <a:rPr lang="en-US" dirty="0">
-                <a:solidFill>
-                  <a:srgbClr val="000000"/>
-                </a:solidFill>
-                <a:latin typeface="Optima" panose="02000503060000020004" pitchFamily="2" charset="0"/>
-              </a:rPr>
-              <a:t>where </a:t>
-            </a:r>
-            <a:r>
-              <a:rPr lang="en-US" sz="1600" dirty="0">
-                <a:solidFill>
-                  <a:srgbClr val="000000"/>
-                </a:solidFill>
-                <a:latin typeface="Monaco" pitchFamily="2" charset="77"/>
-              </a:rPr>
-              <a:t>size</a:t>
-            </a:r>
-            <a:r>
-              <a:rPr lang="en-US" dirty="0">
-                <a:solidFill>
-                  <a:srgbClr val="000000"/>
-                </a:solidFill>
-                <a:latin typeface="Optima" panose="02000503060000020004" pitchFamily="2" charset="0"/>
-              </a:rPr>
-              <a:t> is either for individuals of generation 0 or individuals of generation 1.</a:t>
-            </a:r>
-            <a:endParaRPr lang="en-GB" dirty="0"/>
-          </a:p>
-        </p:txBody>
-      </p:sp>
+      </p:pic>
     </p:spTree>
     <p:extLst>
       <p:ext uri="{BB962C8B-B14F-4D97-AF65-F5344CB8AC3E}">
@@ -9473,7 +11077,7 @@
           <p:cNvPr id="2" name="Rectangle 1">
             <a:extLst>
               <a:ext uri="{FF2B5EF4-FFF2-40B4-BE49-F238E27FC236}">
-                <a16:creationId xmlns:a16="http://schemas.microsoft.com/office/drawing/2014/main" id="{3B715FB9-E5CF-D147-93F4-1763E5BE0254}"/>
+                <a16:creationId xmlns:a16="http://schemas.microsoft.com/office/drawing/2014/main" id="{7EEEDAF3-ACEC-9C40-9A12-95203373D3F1}"/>
               </a:ext>
             </a:extLst>
           </p:cNvPr>
@@ -9482,8 +11086,8 @@
         </p:nvSpPr>
         <p:spPr>
           <a:xfrm>
-            <a:off x="95290" y="-1804998"/>
-            <a:ext cx="11861800" cy="1754326"/>
+            <a:off x="81727" y="5328624"/>
+            <a:ext cx="5686164" cy="1169551"/>
           </a:xfrm>
           <a:prstGeom prst="rect">
             <a:avLst/>
@@ -9496,19 +11100,15 @@
           <a:lstStyle/>
           <a:p>
             <a:r>
-              <a:rPr lang="en-US" dirty="0">
+              <a:rPr lang="en-US" sz="1400" b="0" i="0" u="none" strike="noStrike" dirty="0">
                 <a:solidFill>
                   <a:srgbClr val="0070C0"/>
                 </a:solidFill>
+                <a:effectLst/>
                 <a:latin typeface="Optima-Regular" panose="02000503060000020004" pitchFamily="2" charset="0"/>
               </a:rPr>
-              <a:t>single slope for the logistic regressions of maturity on size, in order to focus on comparing the size at 50% maturity among tanks. Probably this should be done separately for gen0 and gen1, where there might be biological reasons for slopes to differ, but perhaps that difference, and the difference between sexes, could first be tested on the full data set. Then the slope could be fixed and individual tank/gen combinations analyses separately to find the size at 50% maturity and its standard error to use in the plasticity analyses (or you could fit a model with one slope and means for different tanks).</a:t>
-            </a:r>
-            <a:endParaRPr lang="en-GB" dirty="0">
-              <a:solidFill>
-                <a:srgbClr val="0070C0"/>
-              </a:solidFill>
-            </a:endParaRPr>
+              <a:t>After fitting this model, it could be extended to allow the parameters to vary over tanks (or with space in the clinal data). I did something a bit like this ages ago for ANG, but without separating males and females. It was possible to fit a cline for size at maturity even though we had rather few juveniles in that data set.</a:t>
+            </a:r>
           </a:p>
         </p:txBody>
       </p:sp>
@@ -9517,7 +11117,7 @@
           <p:cNvPr id="3" name="TextBox 2">
             <a:extLst>
               <a:ext uri="{FF2B5EF4-FFF2-40B4-BE49-F238E27FC236}">
-                <a16:creationId xmlns:a16="http://schemas.microsoft.com/office/drawing/2014/main" id="{CB2E8586-4624-B042-96A4-2213BBA8C18E}"/>
+                <a16:creationId xmlns:a16="http://schemas.microsoft.com/office/drawing/2014/main" id="{5DF39014-88AA-4844-A697-04531FF88B60}"/>
               </a:ext>
             </a:extLst>
           </p:cNvPr>
@@ -9526,8 +11126,8 @@
         </p:nvSpPr>
         <p:spPr>
           <a:xfrm>
-            <a:off x="95290" y="126747"/>
-            <a:ext cx="4680384" cy="369332"/>
+            <a:off x="133391" y="794658"/>
+            <a:ext cx="10991810" cy="1200329"/>
           </a:xfrm>
           <a:prstGeom prst="rect">
             <a:avLst/>
@@ -9535,6 +11135,56 @@
           <a:noFill/>
         </p:spPr>
         <p:txBody>
+          <a:bodyPr wrap="square" rtlCol="0">
+            <a:spAutoFit/>
+          </a:bodyPr>
+          <a:lstStyle/>
+          <a:p>
+            <a:pPr algn="just"/>
+            <a:r>
+              <a:rPr lang="en-GB" dirty="0">
+                <a:latin typeface="Cambria" panose="02040503050406030204" pitchFamily="18" charset="0"/>
+              </a:rPr>
+              <a:t>Between model 1b, model 2 and model 3, the best fit to the data was obtained with model 1b (Table 108) suggesting that adding information about sex or generation at maturity does not increase significantly the proportion of variance explained </a:t>
+            </a:r>
+            <a:r>
+              <a:rPr lang="en-GB">
+                <a:latin typeface="Cambria" panose="02040503050406030204" pitchFamily="18" charset="0"/>
+              </a:rPr>
+              <a:t>by the model. </a:t>
+            </a:r>
+            <a:r>
+              <a:rPr lang="en-GB" dirty="0">
+                <a:latin typeface="Cambria" panose="02040503050406030204" pitchFamily="18" charset="0"/>
+              </a:rPr>
+              <a:t>Model 1a was not included here because it was fitted on a different dataset which contained outliers.</a:t>
+            </a:r>
+          </a:p>
+        </p:txBody>
+      </p:sp>
+      <p:sp>
+        <p:nvSpPr>
+          <p:cNvPr id="4" name="TextBox 3">
+            <a:extLst>
+              <a:ext uri="{FF2B5EF4-FFF2-40B4-BE49-F238E27FC236}">
+                <a16:creationId xmlns:a16="http://schemas.microsoft.com/office/drawing/2014/main" id="{D1D31DC2-A29B-964A-A1CF-9E62695A0CFB}"/>
+              </a:ext>
+            </a:extLst>
+          </p:cNvPr>
+          <p:cNvSpPr txBox="1"/>
+          <p:nvPr/>
+        </p:nvSpPr>
+        <p:spPr>
+          <a:xfrm>
+            <a:off x="133390" y="279147"/>
+            <a:ext cx="3041345" cy="369332"/>
+          </a:xfrm>
+          <a:prstGeom prst="rect">
+            <a:avLst/>
+          </a:prstGeom>
+          <a:noFill/>
+        </p:spPr>
+        <p:txBody>
           <a:bodyPr wrap="none" rtlCol="0">
             <a:spAutoFit/>
           </a:bodyPr>
@@ -9542,322 +11192,252 @@
           <a:p>
             <a:r>
               <a:rPr lang="en-GB" b="1" dirty="0">
-                <a:latin typeface="Optima" panose="02000503060000020004" pitchFamily="2" charset="0"/>
-              </a:rPr>
-              <a:t>Model 4: one slope and separate generations</a:t>
-            </a:r>
-          </a:p>
-        </p:txBody>
-      </p:sp>
-      <p:sp>
-        <p:nvSpPr>
-          <p:cNvPr id="4" name="Rectangle 3">
-            <a:extLst>
-              <a:ext uri="{FF2B5EF4-FFF2-40B4-BE49-F238E27FC236}">
-                <a16:creationId xmlns:a16="http://schemas.microsoft.com/office/drawing/2014/main" id="{55BD62EE-C25A-A74A-BBBA-B3F5A6B72A2B}"/>
-              </a:ext>
-            </a:extLst>
-          </p:cNvPr>
-          <p:cNvSpPr/>
+                <a:latin typeface="Cambria" panose="02040503050406030204" pitchFamily="18" charset="0"/>
+              </a:rPr>
+              <a:t>Model fit comparison (AIC)</a:t>
+            </a:r>
+          </a:p>
+        </p:txBody>
+      </p:sp>
+      <p:graphicFrame>
+        <p:nvGraphicFramePr>
+          <p:cNvPr id="5" name="Table 4">
+            <a:extLst>
+              <a:ext uri="{FF2B5EF4-FFF2-40B4-BE49-F238E27FC236}">
+                <a16:creationId xmlns:a16="http://schemas.microsoft.com/office/drawing/2014/main" id="{AB836009-40A8-6543-88DD-0EF840E2E37E}"/>
+              </a:ext>
+            </a:extLst>
+          </p:cNvPr>
+          <p:cNvGraphicFramePr>
+            <a:graphicFrameLocks noGrp="1"/>
+          </p:cNvGraphicFramePr>
+          <p:nvPr>
+            <p:extLst>
+              <p:ext uri="{D42A27DB-BD31-4B8C-83A1-F6EECF244321}">
+                <p14:modId xmlns:p14="http://schemas.microsoft.com/office/powerpoint/2010/main" val="637418216"/>
+              </p:ext>
+            </p:extLst>
+          </p:nvPr>
+        </p:nvGraphicFramePr>
+        <p:xfrm>
+          <a:off x="329334" y="2520744"/>
+          <a:ext cx="1836000" cy="1260000"/>
+        </p:xfrm>
+        <a:graphic>
+          <a:graphicData uri="http://schemas.openxmlformats.org/drawingml/2006/table">
+            <a:tbl>
+              <a:tblPr firstRow="1" bandRow="1">
+                <a:tableStyleId>{8799B23B-EC83-4686-B30A-512413B5E67A}</a:tableStyleId>
+              </a:tblPr>
+              <a:tblGrid>
+                <a:gridCol w="857210">
+                  <a:extLst>
+                    <a:ext uri="{9D8B030D-6E8A-4147-A177-3AD203B41FA5}">
+                      <a16:colId xmlns:a16="http://schemas.microsoft.com/office/drawing/2014/main" val="3030182796"/>
+                    </a:ext>
+                  </a:extLst>
+                </a:gridCol>
+                <a:gridCol w="978790">
+                  <a:extLst>
+                    <a:ext uri="{9D8B030D-6E8A-4147-A177-3AD203B41FA5}">
+                      <a16:colId xmlns:a16="http://schemas.microsoft.com/office/drawing/2014/main" val="581482379"/>
+                    </a:ext>
+                  </a:extLst>
+                </a:gridCol>
+              </a:tblGrid>
+              <a:tr h="315000">
+                <a:tc>
+                  <a:txBody>
+                    <a:bodyPr/>
+                    <a:lstStyle/>
+                    <a:p>
+                      <a:r>
+                        <a:rPr lang="en-GB" sz="1300" dirty="0">
+                          <a:latin typeface="Monaco" pitchFamily="2" charset="77"/>
+                        </a:rPr>
+                        <a:t>Model</a:t>
+                      </a:r>
+                    </a:p>
+                  </a:txBody>
+                  <a:tcPr/>
+                </a:tc>
+                <a:tc>
+                  <a:txBody>
+                    <a:bodyPr/>
+                    <a:lstStyle/>
+                    <a:p>
+                      <a:r>
+                        <a:rPr lang="en-GB" sz="1300" dirty="0">
+                          <a:latin typeface="Monaco" pitchFamily="2" charset="77"/>
+                        </a:rPr>
+                        <a:t>AIC</a:t>
+                      </a:r>
+                    </a:p>
+                  </a:txBody>
+                  <a:tcPr/>
+                </a:tc>
+                <a:extLst>
+                  <a:ext uri="{0D108BD9-81ED-4DB2-BD59-A6C34878D82A}">
+                    <a16:rowId xmlns:a16="http://schemas.microsoft.com/office/drawing/2014/main" val="3611884886"/>
+                  </a:ext>
+                </a:extLst>
+              </a:tr>
+              <a:tr h="315000">
+                <a:tc>
+                  <a:txBody>
+                    <a:bodyPr/>
+                    <a:lstStyle/>
+                    <a:p>
+                      <a:r>
+                        <a:rPr lang="en-GB" sz="1300" dirty="0">
+                          <a:latin typeface="Monaco" pitchFamily="2" charset="77"/>
+                        </a:rPr>
+                        <a:t>1b</a:t>
+                      </a:r>
+                    </a:p>
+                  </a:txBody>
+                  <a:tcPr/>
+                </a:tc>
+                <a:tc>
+                  <a:txBody>
+                    <a:bodyPr/>
+                    <a:lstStyle/>
+                    <a:p>
+                      <a:r>
+                        <a:rPr lang="en-GB" sz="1300" dirty="0">
+                          <a:latin typeface="Monaco" pitchFamily="2" charset="77"/>
+                        </a:rPr>
+                        <a:t>1176.978</a:t>
+                      </a:r>
+                    </a:p>
+                  </a:txBody>
+                  <a:tcPr/>
+                </a:tc>
+                <a:extLst>
+                  <a:ext uri="{0D108BD9-81ED-4DB2-BD59-A6C34878D82A}">
+                    <a16:rowId xmlns:a16="http://schemas.microsoft.com/office/drawing/2014/main" val="4266551464"/>
+                  </a:ext>
+                </a:extLst>
+              </a:tr>
+              <a:tr h="315000">
+                <a:tc>
+                  <a:txBody>
+                    <a:bodyPr/>
+                    <a:lstStyle/>
+                    <a:p>
+                      <a:r>
+                        <a:rPr lang="en-GB" sz="1300" dirty="0">
+                          <a:latin typeface="Monaco" pitchFamily="2" charset="77"/>
+                        </a:rPr>
+                        <a:t>3</a:t>
+                      </a:r>
+                    </a:p>
+                  </a:txBody>
+                  <a:tcPr/>
+                </a:tc>
+                <a:tc>
+                  <a:txBody>
+                    <a:bodyPr/>
+                    <a:lstStyle/>
+                    <a:p>
+                      <a:r>
+                        <a:rPr lang="en-GB" sz="1300" dirty="0">
+                          <a:latin typeface="Monaco" pitchFamily="2" charset="77"/>
+                        </a:rPr>
+                        <a:t>1950.473 </a:t>
+                      </a:r>
+                    </a:p>
+                  </a:txBody>
+                  <a:tcPr/>
+                </a:tc>
+                <a:extLst>
+                  <a:ext uri="{0D108BD9-81ED-4DB2-BD59-A6C34878D82A}">
+                    <a16:rowId xmlns:a16="http://schemas.microsoft.com/office/drawing/2014/main" val="1896602217"/>
+                  </a:ext>
+                </a:extLst>
+              </a:tr>
+              <a:tr h="315000">
+                <a:tc>
+                  <a:txBody>
+                    <a:bodyPr/>
+                    <a:lstStyle/>
+                    <a:p>
+                      <a:r>
+                        <a:rPr lang="en-GB" sz="1300" dirty="0">
+                          <a:latin typeface="Monaco" pitchFamily="2" charset="77"/>
+                        </a:rPr>
+                        <a:t>2</a:t>
+                      </a:r>
+                    </a:p>
+                  </a:txBody>
+                  <a:tcPr/>
+                </a:tc>
+                <a:tc>
+                  <a:txBody>
+                    <a:bodyPr/>
+                    <a:lstStyle/>
+                    <a:p>
+                      <a:r>
+                        <a:rPr lang="en-GB" sz="1300" dirty="0">
+                          <a:latin typeface="Monaco" pitchFamily="2" charset="77"/>
+                        </a:rPr>
+                        <a:t>2065.903</a:t>
+                      </a:r>
+                    </a:p>
+                  </a:txBody>
+                  <a:tcPr/>
+                </a:tc>
+                <a:extLst>
+                  <a:ext uri="{0D108BD9-81ED-4DB2-BD59-A6C34878D82A}">
+                    <a16:rowId xmlns:a16="http://schemas.microsoft.com/office/drawing/2014/main" val="1622300072"/>
+                  </a:ext>
+                </a:extLst>
+              </a:tr>
+            </a:tbl>
+          </a:graphicData>
+        </a:graphic>
+      </p:graphicFrame>
+      <p:sp>
+        <p:nvSpPr>
+          <p:cNvPr id="6" name="TextBox 5">
+            <a:extLst>
+              <a:ext uri="{FF2B5EF4-FFF2-40B4-BE49-F238E27FC236}">
+                <a16:creationId xmlns:a16="http://schemas.microsoft.com/office/drawing/2014/main" id="{D1D33FBC-840C-874C-A8EB-96D0CE8EB996}"/>
+              </a:ext>
+            </a:extLst>
+          </p:cNvPr>
+          <p:cNvSpPr txBox="1"/>
           <p:nvPr/>
         </p:nvSpPr>
         <p:spPr>
           <a:xfrm>
-            <a:off x="95290" y="635338"/>
-            <a:ext cx="4680384" cy="1200329"/>
+            <a:off x="277671" y="2120130"/>
+            <a:ext cx="4906926" cy="400110"/>
           </a:xfrm>
           <a:prstGeom prst="rect">
             <a:avLst/>
           </a:prstGeom>
+          <a:noFill/>
         </p:spPr>
         <p:txBody>
-          <a:bodyPr wrap="square">
+          <a:bodyPr wrap="square" rtlCol="0">
             <a:spAutoFit/>
           </a:bodyPr>
           <a:lstStyle/>
           <a:p>
             <a:r>
-              <a:rPr lang="en-US" sz="1200" dirty="0" err="1">
-                <a:solidFill>
-                  <a:srgbClr val="000000"/>
-                </a:solidFill>
-                <a:latin typeface="Monaco" pitchFamily="2" charset="77"/>
-              </a:rPr>
-              <a:t>s_mat</a:t>
-            </a:r>
-            <a:r>
-              <a:rPr lang="en-US" sz="1200" dirty="0">
-                <a:solidFill>
-                  <a:srgbClr val="000000"/>
-                </a:solidFill>
-                <a:latin typeface="Monaco" pitchFamily="2" charset="77"/>
-              </a:rPr>
-              <a:t> &lt;- function(size, mat, mean, slope) {</a:t>
-            </a:r>
-          </a:p>
-          <a:p>
-            <a:r>
-              <a:rPr lang="en-US" sz="1200" dirty="0">
-                <a:solidFill>
-                  <a:srgbClr val="000000"/>
-                </a:solidFill>
-                <a:latin typeface="Monaco" pitchFamily="2" charset="77"/>
-              </a:rPr>
-              <a:t>  </a:t>
-            </a:r>
-            <a:r>
-              <a:rPr lang="en-US" sz="1200" dirty="0" err="1">
-                <a:solidFill>
-                  <a:srgbClr val="000000"/>
-                </a:solidFill>
-                <a:latin typeface="Monaco" pitchFamily="2" charset="77"/>
-              </a:rPr>
-              <a:t>logit_p</a:t>
-            </a:r>
-            <a:r>
-              <a:rPr lang="en-US" sz="1200" dirty="0">
-                <a:solidFill>
-                  <a:srgbClr val="000000"/>
-                </a:solidFill>
-                <a:latin typeface="Monaco" pitchFamily="2" charset="77"/>
-              </a:rPr>
-              <a:t> &lt;- (size - mean) / slope</a:t>
-            </a:r>
-          </a:p>
-          <a:p>
-            <a:r>
-              <a:rPr lang="en-US" sz="1200" dirty="0">
-                <a:solidFill>
-                  <a:srgbClr val="000000"/>
-                </a:solidFill>
-                <a:latin typeface="Monaco" pitchFamily="2" charset="77"/>
-              </a:rPr>
-              <a:t>  p &lt;- </a:t>
-            </a:r>
-            <a:r>
-              <a:rPr lang="en-US" sz="1200" dirty="0" err="1">
-                <a:solidFill>
-                  <a:srgbClr val="000000"/>
-                </a:solidFill>
-                <a:latin typeface="Monaco" pitchFamily="2" charset="77"/>
-              </a:rPr>
-              <a:t>exp</a:t>
-            </a:r>
-            <a:r>
-              <a:rPr lang="en-US" sz="1200" dirty="0">
-                <a:solidFill>
-                  <a:srgbClr val="000000"/>
-                </a:solidFill>
-                <a:latin typeface="Monaco" pitchFamily="2" charset="77"/>
-              </a:rPr>
-              <a:t>(</a:t>
-            </a:r>
-            <a:r>
-              <a:rPr lang="en-US" sz="1200" dirty="0" err="1">
-                <a:solidFill>
-                  <a:srgbClr val="000000"/>
-                </a:solidFill>
-                <a:latin typeface="Monaco" pitchFamily="2" charset="77"/>
-              </a:rPr>
-              <a:t>logit_p</a:t>
-            </a:r>
-            <a:r>
-              <a:rPr lang="en-US" sz="1200" dirty="0">
-                <a:solidFill>
-                  <a:srgbClr val="000000"/>
-                </a:solidFill>
-                <a:latin typeface="Monaco" pitchFamily="2" charset="77"/>
-              </a:rPr>
-              <a:t>) / (</a:t>
-            </a:r>
-            <a:r>
-              <a:rPr lang="en-US" sz="1200" dirty="0" err="1">
-                <a:solidFill>
-                  <a:srgbClr val="000000"/>
-                </a:solidFill>
-                <a:latin typeface="Monaco" pitchFamily="2" charset="77"/>
-              </a:rPr>
-              <a:t>exp</a:t>
-            </a:r>
-            <a:r>
-              <a:rPr lang="en-US" sz="1200" dirty="0">
-                <a:solidFill>
-                  <a:srgbClr val="000000"/>
-                </a:solidFill>
-                <a:latin typeface="Monaco" pitchFamily="2" charset="77"/>
-              </a:rPr>
-              <a:t>(</a:t>
-            </a:r>
-            <a:r>
-              <a:rPr lang="en-US" sz="1200" dirty="0" err="1">
-                <a:solidFill>
-                  <a:srgbClr val="000000"/>
-                </a:solidFill>
-                <a:latin typeface="Monaco" pitchFamily="2" charset="77"/>
-              </a:rPr>
-              <a:t>logit_p</a:t>
-            </a:r>
-            <a:r>
-              <a:rPr lang="en-US" sz="1200" dirty="0">
-                <a:solidFill>
-                  <a:srgbClr val="000000"/>
-                </a:solidFill>
-                <a:latin typeface="Monaco" pitchFamily="2" charset="77"/>
-              </a:rPr>
-              <a:t>)+1)</a:t>
-            </a:r>
-          </a:p>
-          <a:p>
-            <a:r>
-              <a:rPr lang="en-US" sz="1200" dirty="0">
-                <a:solidFill>
-                  <a:srgbClr val="000000"/>
-                </a:solidFill>
-                <a:latin typeface="Monaco" pitchFamily="2" charset="77"/>
-              </a:rPr>
-              <a:t>  </a:t>
-            </a:r>
-            <a:r>
-              <a:rPr lang="en-US" sz="1200" dirty="0" err="1">
-                <a:solidFill>
-                  <a:srgbClr val="000000"/>
-                </a:solidFill>
-                <a:latin typeface="Monaco" pitchFamily="2" charset="77"/>
-              </a:rPr>
-              <a:t>minusll</a:t>
-            </a:r>
-            <a:r>
-              <a:rPr lang="en-US" sz="1200" dirty="0">
-                <a:solidFill>
-                  <a:srgbClr val="000000"/>
-                </a:solidFill>
-                <a:latin typeface="Monaco" pitchFamily="2" charset="77"/>
-              </a:rPr>
-              <a:t> &lt;- -sum(</a:t>
-            </a:r>
-            <a:r>
-              <a:rPr lang="en-US" sz="1200" dirty="0" err="1">
-                <a:solidFill>
-                  <a:srgbClr val="000000"/>
-                </a:solidFill>
-                <a:latin typeface="Monaco" pitchFamily="2" charset="77"/>
-              </a:rPr>
-              <a:t>dbinom</a:t>
-            </a:r>
-            <a:r>
-              <a:rPr lang="en-US" sz="1200" dirty="0">
-                <a:solidFill>
-                  <a:srgbClr val="000000"/>
-                </a:solidFill>
-                <a:latin typeface="Monaco" pitchFamily="2" charset="77"/>
-              </a:rPr>
-              <a:t>(mat, 1, p, log = TRUE))</a:t>
-            </a:r>
-          </a:p>
-          <a:p>
-            <a:r>
-              <a:rPr lang="en-US" sz="1200" dirty="0">
-                <a:solidFill>
-                  <a:srgbClr val="000000"/>
-                </a:solidFill>
-                <a:latin typeface="Monaco" pitchFamily="2" charset="77"/>
-              </a:rPr>
-              <a:t>  return(</a:t>
-            </a:r>
-            <a:r>
-              <a:rPr lang="en-US" sz="1200" dirty="0" err="1">
-                <a:solidFill>
-                  <a:srgbClr val="000000"/>
-                </a:solidFill>
-                <a:latin typeface="Monaco" pitchFamily="2" charset="77"/>
-              </a:rPr>
-              <a:t>minusll</a:t>
-            </a:r>
-            <a:r>
-              <a:rPr lang="en-US" sz="1200" dirty="0">
-                <a:solidFill>
-                  <a:srgbClr val="000000"/>
-                </a:solidFill>
-                <a:latin typeface="Monaco" pitchFamily="2" charset="77"/>
-              </a:rPr>
-              <a:t>)</a:t>
-            </a:r>
-          </a:p>
-          <a:p>
-            <a:r>
-              <a:rPr lang="en-US" sz="1200" dirty="0">
-                <a:solidFill>
-                  <a:srgbClr val="000000"/>
-                </a:solidFill>
-                <a:latin typeface="Monaco" pitchFamily="2" charset="77"/>
-              </a:rPr>
-              <a:t>}</a:t>
-            </a:r>
-          </a:p>
-        </p:txBody>
-      </p:sp>
-      <p:sp>
-        <p:nvSpPr>
-          <p:cNvPr id="5" name="Rectangle 4">
-            <a:extLst>
-              <a:ext uri="{FF2B5EF4-FFF2-40B4-BE49-F238E27FC236}">
-                <a16:creationId xmlns:a16="http://schemas.microsoft.com/office/drawing/2014/main" id="{AB74C8E0-67D9-2145-ABB5-D488622B3EF6}"/>
-              </a:ext>
-            </a:extLst>
-          </p:cNvPr>
-          <p:cNvSpPr/>
-          <p:nvPr/>
-        </p:nvSpPr>
-        <p:spPr>
-          <a:xfrm>
-            <a:off x="95290" y="1868100"/>
-            <a:ext cx="6096000" cy="646331"/>
-          </a:xfrm>
-          <a:prstGeom prst="rect">
-            <a:avLst/>
-          </a:prstGeom>
-        </p:spPr>
-        <p:txBody>
-          <a:bodyPr>
-            <a:spAutoFit/>
-          </a:bodyPr>
-          <a:lstStyle/>
-          <a:p>
-            <a:r>
-              <a:rPr lang="en-US" dirty="0">
-                <a:solidFill>
-                  <a:srgbClr val="000000"/>
-                </a:solidFill>
-                <a:latin typeface="Optima" panose="02000503060000020004" pitchFamily="2" charset="0"/>
-              </a:rPr>
-              <a:t>where </a:t>
-            </a:r>
-            <a:r>
-              <a:rPr lang="en-US" sz="1600" dirty="0">
-                <a:solidFill>
-                  <a:srgbClr val="000000"/>
-                </a:solidFill>
-                <a:latin typeface="Monaco" pitchFamily="2" charset="77"/>
-              </a:rPr>
-              <a:t>size</a:t>
-            </a:r>
-            <a:r>
-              <a:rPr lang="en-US" dirty="0">
-                <a:solidFill>
-                  <a:srgbClr val="000000"/>
-                </a:solidFill>
-                <a:latin typeface="Optima" panose="02000503060000020004" pitchFamily="2" charset="0"/>
-              </a:rPr>
-              <a:t> is either for individuals of generation 0 or individuals of generation 1.</a:t>
-            </a:r>
-            <a:endParaRPr lang="en-GB" dirty="0"/>
+              <a:rPr lang="en-GB" sz="1000" i="1" dirty="0">
+                <a:latin typeface="Cambria" panose="02040503050406030204" pitchFamily="18" charset="0"/>
+              </a:rPr>
+              <a:t>Table 108. Model fit comparison using AIC. Model 1b was the best fit and it included two parameters and two maturity classes (juvenile and adult).</a:t>
+            </a:r>
           </a:p>
         </p:txBody>
       </p:sp>
     </p:spTree>
     <p:extLst>
       <p:ext uri="{BB962C8B-B14F-4D97-AF65-F5344CB8AC3E}">
-        <p14:creationId xmlns:p14="http://schemas.microsoft.com/office/powerpoint/2010/main" val="4237201816"/>
+        <p14:creationId xmlns:p14="http://schemas.microsoft.com/office/powerpoint/2010/main" val="3038110008"/>
       </p:ext>
     </p:extLst>
   </p:cSld>

--- a/docs/Littorina_offspring_size_maturity.pptx
+++ b/docs/Littorina_offspring_size_maturity.pptx
@@ -3908,6 +3908,46 @@
           </a:p>
         </p:txBody>
       </p:sp>
+      <p:sp>
+        <p:nvSpPr>
+          <p:cNvPr id="6" name="Rectangle 5">
+            <a:extLst>
+              <a:ext uri="{FF2B5EF4-FFF2-40B4-BE49-F238E27FC236}">
+                <a16:creationId xmlns:a16="http://schemas.microsoft.com/office/drawing/2014/main" id="{E2AFCB4E-0D0D-3945-A493-3441E70E0572}"/>
+              </a:ext>
+            </a:extLst>
+          </p:cNvPr>
+          <p:cNvSpPr/>
+          <p:nvPr/>
+        </p:nvSpPr>
+        <p:spPr>
+          <a:xfrm>
+            <a:off x="0" y="6858000"/>
+            <a:ext cx="5686164" cy="1169551"/>
+          </a:xfrm>
+          <a:prstGeom prst="rect">
+            <a:avLst/>
+          </a:prstGeom>
+        </p:spPr>
+        <p:txBody>
+          <a:bodyPr wrap="square">
+            <a:spAutoFit/>
+          </a:bodyPr>
+          <a:lstStyle/>
+          <a:p>
+            <a:r>
+              <a:rPr lang="en-US" sz="1400" b="0" i="0" u="none" strike="noStrike" dirty="0">
+                <a:solidFill>
+                  <a:srgbClr val="0070C0"/>
+                </a:solidFill>
+                <a:effectLst/>
+                <a:latin typeface="Optima-Regular" panose="02000503060000020004" pitchFamily="2" charset="0"/>
+              </a:rPr>
+              <a:t>After fitting this model, it could be extended to allow the parameters to vary over tanks (or with space in the clinal data). I did something a bit like this ages ago for ANG, but without separating males and females. It was possible to fit a cline for size at maturity even though we had rather few juveniles in that data set.</a:t>
+            </a:r>
+          </a:p>
+        </p:txBody>
+      </p:sp>
     </p:spTree>
     <p:extLst>
       <p:ext uri="{BB962C8B-B14F-4D97-AF65-F5344CB8AC3E}">
@@ -11074,46 +11114,6 @@
       </p:grpSpPr>
       <p:sp>
         <p:nvSpPr>
-          <p:cNvPr id="2" name="Rectangle 1">
-            <a:extLst>
-              <a:ext uri="{FF2B5EF4-FFF2-40B4-BE49-F238E27FC236}">
-                <a16:creationId xmlns:a16="http://schemas.microsoft.com/office/drawing/2014/main" id="{7EEEDAF3-ACEC-9C40-9A12-95203373D3F1}"/>
-              </a:ext>
-            </a:extLst>
-          </p:cNvPr>
-          <p:cNvSpPr/>
-          <p:nvPr/>
-        </p:nvSpPr>
-        <p:spPr>
-          <a:xfrm>
-            <a:off x="81727" y="5328624"/>
-            <a:ext cx="5686164" cy="1169551"/>
-          </a:xfrm>
-          <a:prstGeom prst="rect">
-            <a:avLst/>
-          </a:prstGeom>
-        </p:spPr>
-        <p:txBody>
-          <a:bodyPr wrap="square">
-            <a:spAutoFit/>
-          </a:bodyPr>
-          <a:lstStyle/>
-          <a:p>
-            <a:r>
-              <a:rPr lang="en-US" sz="1400" b="0" i="0" u="none" strike="noStrike" dirty="0">
-                <a:solidFill>
-                  <a:srgbClr val="0070C0"/>
-                </a:solidFill>
-                <a:effectLst/>
-                <a:latin typeface="Optima-Regular" panose="02000503060000020004" pitchFamily="2" charset="0"/>
-              </a:rPr>
-              <a:t>After fitting this model, it could be extended to allow the parameters to vary over tanks (or with space in the clinal data). I did something a bit like this ages ago for ANG, but without separating males and females. It was possible to fit a cline for size at maturity even though we had rather few juveniles in that data set.</a:t>
-            </a:r>
-          </a:p>
-        </p:txBody>
-      </p:sp>
-      <p:sp>
-        <p:nvSpPr>
           <p:cNvPr id="3" name="TextBox 2">
             <a:extLst>
               <a:ext uri="{FF2B5EF4-FFF2-40B4-BE49-F238E27FC236}">
@@ -11430,6 +11430,129 @@
                 <a:latin typeface="Cambria" panose="02040503050406030204" pitchFamily="18" charset="0"/>
               </a:rPr>
               <a:t>Table 108. Model fit comparison using AIC. Model 1b was the best fit and it included two parameters and two maturity classes (juvenile and adult).</a:t>
+            </a:r>
+          </a:p>
+        </p:txBody>
+      </p:sp>
+      <p:sp>
+        <p:nvSpPr>
+          <p:cNvPr id="7" name="TextBox 6">
+            <a:extLst>
+              <a:ext uri="{FF2B5EF4-FFF2-40B4-BE49-F238E27FC236}">
+                <a16:creationId xmlns:a16="http://schemas.microsoft.com/office/drawing/2014/main" id="{611808AA-43D0-C24C-A151-B125AF033E0E}"/>
+              </a:ext>
+            </a:extLst>
+          </p:cNvPr>
+          <p:cNvSpPr txBox="1"/>
+          <p:nvPr/>
+        </p:nvSpPr>
+        <p:spPr>
+          <a:xfrm>
+            <a:off x="133391" y="3982116"/>
+            <a:ext cx="10991810" cy="646331"/>
+          </a:xfrm>
+          <a:prstGeom prst="rect">
+            <a:avLst/>
+          </a:prstGeom>
+          <a:noFill/>
+        </p:spPr>
+        <p:txBody>
+          <a:bodyPr wrap="square" rtlCol="0">
+            <a:spAutoFit/>
+          </a:bodyPr>
+          <a:lstStyle/>
+          <a:p>
+            <a:pPr algn="just"/>
+            <a:r>
+              <a:rPr lang="en-GB" dirty="0">
+                <a:latin typeface="Cambria" panose="02040503050406030204" pitchFamily="18" charset="0"/>
+              </a:rPr>
+              <a:t>It was noticeable that in both model 1 and model 3, the most different parameter was </a:t>
+            </a:r>
+            <a:r>
+              <a:rPr lang="en-GB" i="1" dirty="0">
+                <a:latin typeface="Cambria" panose="02040503050406030204" pitchFamily="18" charset="0"/>
+              </a:rPr>
+              <a:t>mean</a:t>
+            </a:r>
+            <a:r>
+              <a:rPr lang="en-GB" dirty="0">
+                <a:latin typeface="Cambria" panose="02040503050406030204" pitchFamily="18" charset="0"/>
+              </a:rPr>
+              <a:t> and not </a:t>
+            </a:r>
+            <a:r>
+              <a:rPr lang="en-GB" i="1" dirty="0">
+                <a:latin typeface="Cambria" panose="02040503050406030204" pitchFamily="18" charset="0"/>
+              </a:rPr>
+              <a:t>slope</a:t>
+            </a:r>
+            <a:r>
+              <a:rPr lang="en-GB" dirty="0">
+                <a:latin typeface="Cambria" panose="02040503050406030204" pitchFamily="18" charset="0"/>
+              </a:rPr>
+              <a:t>. I assessed whether models with two </a:t>
+            </a:r>
+            <a:r>
+              <a:rPr lang="en-GB" i="1" dirty="0">
+                <a:latin typeface="Cambria" panose="02040503050406030204" pitchFamily="18" charset="0"/>
+              </a:rPr>
+              <a:t>mean </a:t>
+            </a:r>
+            <a:r>
+              <a:rPr lang="en-GB" dirty="0">
+                <a:latin typeface="Cambria" panose="02040503050406030204" pitchFamily="18" charset="0"/>
+              </a:rPr>
+              <a:t>parameter and one </a:t>
+            </a:r>
+            <a:r>
+              <a:rPr lang="en-GB" i="1" dirty="0">
+                <a:latin typeface="Cambria" panose="02040503050406030204" pitchFamily="18" charset="0"/>
+              </a:rPr>
+              <a:t>slope </a:t>
+            </a:r>
+            <a:r>
+              <a:rPr lang="en-GB" dirty="0">
+                <a:latin typeface="Cambria" panose="02040503050406030204" pitchFamily="18" charset="0"/>
+              </a:rPr>
+              <a:t>parameter improved the fit (Table 109).</a:t>
+            </a:r>
+          </a:p>
+        </p:txBody>
+      </p:sp>
+      <p:sp>
+        <p:nvSpPr>
+          <p:cNvPr id="8" name="TextBox 7">
+            <a:extLst>
+              <a:ext uri="{FF2B5EF4-FFF2-40B4-BE49-F238E27FC236}">
+                <a16:creationId xmlns:a16="http://schemas.microsoft.com/office/drawing/2014/main" id="{575E7502-467B-CA42-9B69-B27A7AA4E1FA}"/>
+              </a:ext>
+            </a:extLst>
+          </p:cNvPr>
+          <p:cNvSpPr txBox="1"/>
+          <p:nvPr/>
+        </p:nvSpPr>
+        <p:spPr>
+          <a:xfrm>
+            <a:off x="277671" y="4842510"/>
+            <a:ext cx="4906926" cy="400110"/>
+          </a:xfrm>
+          <a:prstGeom prst="rect">
+            <a:avLst/>
+          </a:prstGeom>
+          <a:noFill/>
+        </p:spPr>
+        <p:txBody>
+          <a:bodyPr wrap="square" rtlCol="0">
+            <a:spAutoFit/>
+          </a:bodyPr>
+          <a:lstStyle/>
+          <a:p>
+            <a:r>
+              <a:rPr lang="en-GB" sz="1000" i="1" dirty="0">
+                <a:latin typeface="Cambria" panose="02040503050406030204" pitchFamily="18" charset="0"/>
+              </a:rPr>
+              <a:t>Table 109s. Model fit comparison using AIC. Model 1b was the best fit and it included two parameters and two maturity classes (juvenile and adult).</a:t>
             </a:r>
           </a:p>
         </p:txBody>

--- a/docs/Littorina_offspring_size_maturity.pptx
+++ b/docs/Littorina_offspring_size_maturity.pptx
@@ -3581,7 +3581,7 @@
         <p:spPr>
           <a:xfrm>
             <a:off x="95290" y="126747"/>
-            <a:ext cx="4680384" cy="369332"/>
+            <a:ext cx="4695966" cy="369332"/>
           </a:xfrm>
           <a:prstGeom prst="rect">
             <a:avLst/>
@@ -3598,313 +3598,8 @@
               <a:rPr lang="en-GB" b="1" dirty="0">
                 <a:latin typeface="Optima" panose="02000503060000020004" pitchFamily="2" charset="0"/>
               </a:rPr>
-              <a:t>Model 4: one slope and separate generations</a:t>
-            </a:r>
-          </a:p>
-        </p:txBody>
-      </p:sp>
-      <p:sp>
-        <p:nvSpPr>
-          <p:cNvPr id="4" name="Rectangle 3">
-            <a:extLst>
-              <a:ext uri="{FF2B5EF4-FFF2-40B4-BE49-F238E27FC236}">
-                <a16:creationId xmlns:a16="http://schemas.microsoft.com/office/drawing/2014/main" id="{55BD62EE-C25A-A74A-BBBA-B3F5A6B72A2B}"/>
-              </a:ext>
-            </a:extLst>
-          </p:cNvPr>
-          <p:cNvSpPr/>
-          <p:nvPr/>
-        </p:nvSpPr>
-        <p:spPr>
-          <a:xfrm>
-            <a:off x="95290" y="635338"/>
-            <a:ext cx="4680384" cy="1200329"/>
-          </a:xfrm>
-          <a:prstGeom prst="rect">
-            <a:avLst/>
-          </a:prstGeom>
-        </p:spPr>
-        <p:txBody>
-          <a:bodyPr wrap="square">
-            <a:spAutoFit/>
-          </a:bodyPr>
-          <a:lstStyle/>
-          <a:p>
-            <a:r>
-              <a:rPr lang="en-US" sz="1200" dirty="0" err="1">
-                <a:solidFill>
-                  <a:srgbClr val="000000"/>
-                </a:solidFill>
-                <a:latin typeface="Monaco" pitchFamily="2" charset="77"/>
-              </a:rPr>
-              <a:t>s_mat</a:t>
-            </a:r>
-            <a:r>
-              <a:rPr lang="en-US" sz="1200" dirty="0">
-                <a:solidFill>
-                  <a:srgbClr val="000000"/>
-                </a:solidFill>
-                <a:latin typeface="Monaco" pitchFamily="2" charset="77"/>
-              </a:rPr>
-              <a:t> &lt;- function(size, mat, mean, slope) {</a:t>
-            </a:r>
-          </a:p>
-          <a:p>
-            <a:r>
-              <a:rPr lang="en-US" sz="1200" dirty="0">
-                <a:solidFill>
-                  <a:srgbClr val="000000"/>
-                </a:solidFill>
-                <a:latin typeface="Monaco" pitchFamily="2" charset="77"/>
-              </a:rPr>
-              <a:t>  </a:t>
-            </a:r>
-            <a:r>
-              <a:rPr lang="en-US" sz="1200" dirty="0" err="1">
-                <a:solidFill>
-                  <a:srgbClr val="000000"/>
-                </a:solidFill>
-                <a:latin typeface="Monaco" pitchFamily="2" charset="77"/>
-              </a:rPr>
-              <a:t>logit_p</a:t>
-            </a:r>
-            <a:r>
-              <a:rPr lang="en-US" sz="1200" dirty="0">
-                <a:solidFill>
-                  <a:srgbClr val="000000"/>
-                </a:solidFill>
-                <a:latin typeface="Monaco" pitchFamily="2" charset="77"/>
-              </a:rPr>
-              <a:t> &lt;- (size - mean) / slope</a:t>
-            </a:r>
-          </a:p>
-          <a:p>
-            <a:r>
-              <a:rPr lang="en-US" sz="1200" dirty="0">
-                <a:solidFill>
-                  <a:srgbClr val="000000"/>
-                </a:solidFill>
-                <a:latin typeface="Monaco" pitchFamily="2" charset="77"/>
-              </a:rPr>
-              <a:t>  p &lt;- </a:t>
-            </a:r>
-            <a:r>
-              <a:rPr lang="en-US" sz="1200" dirty="0" err="1">
-                <a:solidFill>
-                  <a:srgbClr val="000000"/>
-                </a:solidFill>
-                <a:latin typeface="Monaco" pitchFamily="2" charset="77"/>
-              </a:rPr>
-              <a:t>exp</a:t>
-            </a:r>
-            <a:r>
-              <a:rPr lang="en-US" sz="1200" dirty="0">
-                <a:solidFill>
-                  <a:srgbClr val="000000"/>
-                </a:solidFill>
-                <a:latin typeface="Monaco" pitchFamily="2" charset="77"/>
-              </a:rPr>
-              <a:t>(</a:t>
-            </a:r>
-            <a:r>
-              <a:rPr lang="en-US" sz="1200" dirty="0" err="1">
-                <a:solidFill>
-                  <a:srgbClr val="000000"/>
-                </a:solidFill>
-                <a:latin typeface="Monaco" pitchFamily="2" charset="77"/>
-              </a:rPr>
-              <a:t>logit_p</a:t>
-            </a:r>
-            <a:r>
-              <a:rPr lang="en-US" sz="1200" dirty="0">
-                <a:solidFill>
-                  <a:srgbClr val="000000"/>
-                </a:solidFill>
-                <a:latin typeface="Monaco" pitchFamily="2" charset="77"/>
-              </a:rPr>
-              <a:t>) / (</a:t>
-            </a:r>
-            <a:r>
-              <a:rPr lang="en-US" sz="1200" dirty="0" err="1">
-                <a:solidFill>
-                  <a:srgbClr val="000000"/>
-                </a:solidFill>
-                <a:latin typeface="Monaco" pitchFamily="2" charset="77"/>
-              </a:rPr>
-              <a:t>exp</a:t>
-            </a:r>
-            <a:r>
-              <a:rPr lang="en-US" sz="1200" dirty="0">
-                <a:solidFill>
-                  <a:srgbClr val="000000"/>
-                </a:solidFill>
-                <a:latin typeface="Monaco" pitchFamily="2" charset="77"/>
-              </a:rPr>
-              <a:t>(</a:t>
-            </a:r>
-            <a:r>
-              <a:rPr lang="en-US" sz="1200" dirty="0" err="1">
-                <a:solidFill>
-                  <a:srgbClr val="000000"/>
-                </a:solidFill>
-                <a:latin typeface="Monaco" pitchFamily="2" charset="77"/>
-              </a:rPr>
-              <a:t>logit_p</a:t>
-            </a:r>
-            <a:r>
-              <a:rPr lang="en-US" sz="1200" dirty="0">
-                <a:solidFill>
-                  <a:srgbClr val="000000"/>
-                </a:solidFill>
-                <a:latin typeface="Monaco" pitchFamily="2" charset="77"/>
-              </a:rPr>
-              <a:t>)+1)</a:t>
-            </a:r>
-          </a:p>
-          <a:p>
-            <a:r>
-              <a:rPr lang="en-US" sz="1200" dirty="0">
-                <a:solidFill>
-                  <a:srgbClr val="000000"/>
-                </a:solidFill>
-                <a:latin typeface="Monaco" pitchFamily="2" charset="77"/>
-              </a:rPr>
-              <a:t>  </a:t>
-            </a:r>
-            <a:r>
-              <a:rPr lang="en-US" sz="1200" dirty="0" err="1">
-                <a:solidFill>
-                  <a:srgbClr val="000000"/>
-                </a:solidFill>
-                <a:latin typeface="Monaco" pitchFamily="2" charset="77"/>
-              </a:rPr>
-              <a:t>minusll</a:t>
-            </a:r>
-            <a:r>
-              <a:rPr lang="en-US" sz="1200" dirty="0">
-                <a:solidFill>
-                  <a:srgbClr val="000000"/>
-                </a:solidFill>
-                <a:latin typeface="Monaco" pitchFamily="2" charset="77"/>
-              </a:rPr>
-              <a:t> &lt;- -sum(</a:t>
-            </a:r>
-            <a:r>
-              <a:rPr lang="en-US" sz="1200" dirty="0" err="1">
-                <a:solidFill>
-                  <a:srgbClr val="000000"/>
-                </a:solidFill>
-                <a:latin typeface="Monaco" pitchFamily="2" charset="77"/>
-              </a:rPr>
-              <a:t>dbinom</a:t>
-            </a:r>
-            <a:r>
-              <a:rPr lang="en-US" sz="1200" dirty="0">
-                <a:solidFill>
-                  <a:srgbClr val="000000"/>
-                </a:solidFill>
-                <a:latin typeface="Monaco" pitchFamily="2" charset="77"/>
-              </a:rPr>
-              <a:t>(mat, 1, p, log = TRUE))</a:t>
-            </a:r>
-          </a:p>
-          <a:p>
-            <a:r>
-              <a:rPr lang="en-US" sz="1200" dirty="0">
-                <a:solidFill>
-                  <a:srgbClr val="000000"/>
-                </a:solidFill>
-                <a:latin typeface="Monaco" pitchFamily="2" charset="77"/>
-              </a:rPr>
-              <a:t>  return(</a:t>
-            </a:r>
-            <a:r>
-              <a:rPr lang="en-US" sz="1200" dirty="0" err="1">
-                <a:solidFill>
-                  <a:srgbClr val="000000"/>
-                </a:solidFill>
-                <a:latin typeface="Monaco" pitchFamily="2" charset="77"/>
-              </a:rPr>
-              <a:t>minusll</a:t>
-            </a:r>
-            <a:r>
-              <a:rPr lang="en-US" sz="1200" dirty="0">
-                <a:solidFill>
-                  <a:srgbClr val="000000"/>
-                </a:solidFill>
-                <a:latin typeface="Monaco" pitchFamily="2" charset="77"/>
-              </a:rPr>
-              <a:t>)</a:t>
-            </a:r>
-          </a:p>
-          <a:p>
-            <a:r>
-              <a:rPr lang="en-US" sz="1200" dirty="0">
-                <a:solidFill>
-                  <a:srgbClr val="000000"/>
-                </a:solidFill>
-                <a:latin typeface="Monaco" pitchFamily="2" charset="77"/>
-              </a:rPr>
-              <a:t>}</a:t>
-            </a:r>
-          </a:p>
-        </p:txBody>
-      </p:sp>
-      <p:sp>
-        <p:nvSpPr>
-          <p:cNvPr id="5" name="Rectangle 4">
-            <a:extLst>
-              <a:ext uri="{FF2B5EF4-FFF2-40B4-BE49-F238E27FC236}">
-                <a16:creationId xmlns:a16="http://schemas.microsoft.com/office/drawing/2014/main" id="{AB74C8E0-67D9-2145-ABB5-D488622B3EF6}"/>
-              </a:ext>
-            </a:extLst>
-          </p:cNvPr>
-          <p:cNvSpPr/>
-          <p:nvPr/>
-        </p:nvSpPr>
-        <p:spPr>
-          <a:xfrm>
-            <a:off x="95290" y="1868100"/>
-            <a:ext cx="6096000" cy="646331"/>
-          </a:xfrm>
-          <a:prstGeom prst="rect">
-            <a:avLst/>
-          </a:prstGeom>
-        </p:spPr>
-        <p:txBody>
-          <a:bodyPr>
-            <a:spAutoFit/>
-          </a:bodyPr>
-          <a:lstStyle/>
-          <a:p>
-            <a:r>
-              <a:rPr lang="en-US" dirty="0">
-                <a:solidFill>
-                  <a:srgbClr val="000000"/>
-                </a:solidFill>
-                <a:latin typeface="Optima" panose="02000503060000020004" pitchFamily="2" charset="0"/>
-              </a:rPr>
-              <a:t>where </a:t>
-            </a:r>
-            <a:r>
-              <a:rPr lang="en-US" sz="1600" dirty="0">
-                <a:solidFill>
-                  <a:srgbClr val="000000"/>
-                </a:solidFill>
-                <a:latin typeface="Monaco" pitchFamily="2" charset="77"/>
-              </a:rPr>
-              <a:t>size</a:t>
-            </a:r>
-            <a:r>
-              <a:rPr lang="en-US" dirty="0">
-                <a:solidFill>
-                  <a:srgbClr val="000000"/>
-                </a:solidFill>
-                <a:latin typeface="Optima" panose="02000503060000020004" pitchFamily="2" charset="0"/>
-              </a:rPr>
-              <a:t> is either for individuals of generation 0 or individuals of generation 1.</a:t>
-            </a:r>
-            <a:endParaRPr lang="en-GB" dirty="0"/>
+              <a:t>Model 4: one slope and separate populations</a:t>
+            </a:r>
           </a:p>
         </p:txBody>
       </p:sp>
@@ -11214,7 +10909,7 @@
           <p:nvPr>
             <p:extLst>
               <p:ext uri="{D42A27DB-BD31-4B8C-83A1-F6EECF244321}">
-                <p14:modId xmlns:p14="http://schemas.microsoft.com/office/powerpoint/2010/main" val="637418216"/>
+                <p14:modId xmlns:p14="http://schemas.microsoft.com/office/powerpoint/2010/main" val="3874352426"/>
               </p:ext>
             </p:extLst>
           </p:nvPr>
@@ -11448,7 +11143,7 @@
         </p:nvSpPr>
         <p:spPr>
           <a:xfrm>
-            <a:off x="133391" y="3982116"/>
+            <a:off x="133391" y="4083716"/>
             <a:ext cx="10991810" cy="646331"/>
           </a:xfrm>
           <a:prstGeom prst="rect">
@@ -11503,7 +11198,7 @@
               <a:rPr lang="en-GB" dirty="0">
                 <a:latin typeface="Cambria" panose="02040503050406030204" pitchFamily="18" charset="0"/>
               </a:rPr>
-              <a:t>parameter and one </a:t>
+              <a:t>parameters and one </a:t>
             </a:r>
             <a:r>
               <a:rPr lang="en-GB" i="1" dirty="0">
@@ -11557,6 +11252,278 @@
           </a:p>
         </p:txBody>
       </p:sp>
+      <p:graphicFrame>
+        <p:nvGraphicFramePr>
+          <p:cNvPr id="9" name="Table 8">
+            <a:extLst>
+              <a:ext uri="{FF2B5EF4-FFF2-40B4-BE49-F238E27FC236}">
+                <a16:creationId xmlns:a16="http://schemas.microsoft.com/office/drawing/2014/main" id="{3687AC41-A0B3-B94D-BF94-24A752E79727}"/>
+              </a:ext>
+            </a:extLst>
+          </p:cNvPr>
+          <p:cNvGraphicFramePr>
+            <a:graphicFrameLocks noGrp="1"/>
+          </p:cNvGraphicFramePr>
+          <p:nvPr>
+            <p:extLst>
+              <p:ext uri="{D42A27DB-BD31-4B8C-83A1-F6EECF244321}">
+                <p14:modId xmlns:p14="http://schemas.microsoft.com/office/powerpoint/2010/main" val="3129798633"/>
+              </p:ext>
+            </p:extLst>
+          </p:nvPr>
+        </p:nvGraphicFramePr>
+        <p:xfrm>
+          <a:off x="329334" y="5239473"/>
+          <a:ext cx="2223366" cy="1566000"/>
+        </p:xfrm>
+        <a:graphic>
+          <a:graphicData uri="http://schemas.openxmlformats.org/drawingml/2006/table">
+            <a:tbl>
+              <a:tblPr firstRow="1" bandRow="1">
+                <a:tableStyleId>{8799B23B-EC83-4686-B30A-512413B5E67A}</a:tableStyleId>
+              </a:tblPr>
+              <a:tblGrid>
+                <a:gridCol w="1220066">
+                  <a:extLst>
+                    <a:ext uri="{9D8B030D-6E8A-4147-A177-3AD203B41FA5}">
+                      <a16:colId xmlns:a16="http://schemas.microsoft.com/office/drawing/2014/main" val="3030182796"/>
+                    </a:ext>
+                  </a:extLst>
+                </a:gridCol>
+                <a:gridCol w="1003300">
+                  <a:extLst>
+                    <a:ext uri="{9D8B030D-6E8A-4147-A177-3AD203B41FA5}">
+                      <a16:colId xmlns:a16="http://schemas.microsoft.com/office/drawing/2014/main" val="581482379"/>
+                    </a:ext>
+                  </a:extLst>
+                </a:gridCol>
+              </a:tblGrid>
+              <a:tr h="261000">
+                <a:tc>
+                  <a:txBody>
+                    <a:bodyPr/>
+                    <a:lstStyle/>
+                    <a:p>
+                      <a:r>
+                        <a:rPr lang="en-GB" sz="1100" dirty="0">
+                          <a:latin typeface="Monaco" pitchFamily="2" charset="77"/>
+                        </a:rPr>
+                        <a:t>Model</a:t>
+                      </a:r>
+                    </a:p>
+                  </a:txBody>
+                  <a:tcPr/>
+                </a:tc>
+                <a:tc>
+                  <a:txBody>
+                    <a:bodyPr/>
+                    <a:lstStyle/>
+                    <a:p>
+                      <a:r>
+                        <a:rPr lang="en-GB" sz="1100" dirty="0">
+                          <a:latin typeface="Monaco" pitchFamily="2" charset="77"/>
+                        </a:rPr>
+                        <a:t>AIC</a:t>
+                      </a:r>
+                    </a:p>
+                  </a:txBody>
+                  <a:tcPr/>
+                </a:tc>
+                <a:extLst>
+                  <a:ext uri="{0D108BD9-81ED-4DB2-BD59-A6C34878D82A}">
+                    <a16:rowId xmlns:a16="http://schemas.microsoft.com/office/drawing/2014/main" val="3611884886"/>
+                  </a:ext>
+                </a:extLst>
+              </a:tr>
+              <a:tr h="261000">
+                <a:tc>
+                  <a:txBody>
+                    <a:bodyPr/>
+                    <a:lstStyle/>
+                    <a:p>
+                      <a:r>
+                        <a:rPr lang="en-GB" sz="1100" dirty="0">
+                          <a:latin typeface="Monaco" pitchFamily="2" charset="77"/>
+                        </a:rPr>
+                        <a:t>1b</a:t>
+                      </a:r>
+                    </a:p>
+                  </a:txBody>
+                  <a:tcPr/>
+                </a:tc>
+                <a:tc>
+                  <a:txBody>
+                    <a:bodyPr/>
+                    <a:lstStyle/>
+                    <a:p>
+                      <a:r>
+                        <a:rPr lang="en-GB" sz="1100" dirty="0">
+                          <a:latin typeface="Monaco" pitchFamily="2" charset="77"/>
+                        </a:rPr>
+                        <a:t>1176.978</a:t>
+                      </a:r>
+                    </a:p>
+                  </a:txBody>
+                  <a:tcPr/>
+                </a:tc>
+                <a:extLst>
+                  <a:ext uri="{0D108BD9-81ED-4DB2-BD59-A6C34878D82A}">
+                    <a16:rowId xmlns:a16="http://schemas.microsoft.com/office/drawing/2014/main" val="4266551464"/>
+                  </a:ext>
+                </a:extLst>
+              </a:tr>
+              <a:tr h="261000">
+                <a:tc>
+                  <a:txBody>
+                    <a:bodyPr/>
+                    <a:lstStyle/>
+                    <a:p>
+                      <a:r>
+                        <a:rPr lang="en-GB" sz="1100" dirty="0">
+                          <a:latin typeface="Monaco" pitchFamily="2" charset="77"/>
+                        </a:rPr>
+                        <a:t>3 one slope</a:t>
+                      </a:r>
+                    </a:p>
+                  </a:txBody>
+                  <a:tcPr/>
+                </a:tc>
+                <a:tc>
+                  <a:txBody>
+                    <a:bodyPr/>
+                    <a:lstStyle/>
+                    <a:p>
+                      <a:r>
+                        <a:rPr lang="en-GB" sz="1100" dirty="0">
+                          <a:latin typeface="Monaco" pitchFamily="2" charset="77"/>
+                        </a:rPr>
+                        <a:t>1949.326 </a:t>
+                      </a:r>
+                    </a:p>
+                  </a:txBody>
+                  <a:tcPr/>
+                </a:tc>
+                <a:extLst>
+                  <a:ext uri="{0D108BD9-81ED-4DB2-BD59-A6C34878D82A}">
+                    <a16:rowId xmlns:a16="http://schemas.microsoft.com/office/drawing/2014/main" val="2074484784"/>
+                  </a:ext>
+                </a:extLst>
+              </a:tr>
+              <a:tr h="261000">
+                <a:tc>
+                  <a:txBody>
+                    <a:bodyPr/>
+                    <a:lstStyle/>
+                    <a:p>
+                      <a:r>
+                        <a:rPr lang="en-GB" sz="1100" dirty="0">
+                          <a:latin typeface="Monaco" pitchFamily="2" charset="77"/>
+                        </a:rPr>
+                        <a:t>3</a:t>
+                      </a:r>
+                    </a:p>
+                  </a:txBody>
+                  <a:tcPr/>
+                </a:tc>
+                <a:tc>
+                  <a:txBody>
+                    <a:bodyPr/>
+                    <a:lstStyle/>
+                    <a:p>
+                      <a:r>
+                        <a:rPr lang="en-GB" sz="1100" dirty="0">
+                          <a:latin typeface="Monaco" pitchFamily="2" charset="77"/>
+                        </a:rPr>
+                        <a:t>1950.473 </a:t>
+                      </a:r>
+                    </a:p>
+                  </a:txBody>
+                  <a:tcPr/>
+                </a:tc>
+                <a:extLst>
+                  <a:ext uri="{0D108BD9-81ED-4DB2-BD59-A6C34878D82A}">
+                    <a16:rowId xmlns:a16="http://schemas.microsoft.com/office/drawing/2014/main" val="1896602217"/>
+                  </a:ext>
+                </a:extLst>
+              </a:tr>
+              <a:tr h="261000">
+                <a:tc>
+                  <a:txBody>
+                    <a:bodyPr/>
+                    <a:lstStyle/>
+                    <a:p>
+                      <a:r>
+                        <a:rPr lang="en-GB" sz="1100" dirty="0">
+                          <a:latin typeface="Monaco" pitchFamily="2" charset="77"/>
+                        </a:rPr>
+                        <a:t>2 one slope</a:t>
+                      </a:r>
+                    </a:p>
+                  </a:txBody>
+                  <a:tcPr/>
+                </a:tc>
+                <a:tc>
+                  <a:txBody>
+                    <a:bodyPr/>
+                    <a:lstStyle/>
+                    <a:p>
+                      <a:r>
+                        <a:rPr lang="en-GB" sz="1100" dirty="0">
+                          <a:latin typeface="Monaco" pitchFamily="2" charset="77"/>
+                        </a:rPr>
+                        <a:t>2064.434</a:t>
+                      </a:r>
+                    </a:p>
+                  </a:txBody>
+                  <a:tcPr/>
+                </a:tc>
+                <a:extLst>
+                  <a:ext uri="{0D108BD9-81ED-4DB2-BD59-A6C34878D82A}">
+                    <a16:rowId xmlns:a16="http://schemas.microsoft.com/office/drawing/2014/main" val="3193854759"/>
+                  </a:ext>
+                </a:extLst>
+              </a:tr>
+              <a:tr h="261000">
+                <a:tc>
+                  <a:txBody>
+                    <a:bodyPr/>
+                    <a:lstStyle/>
+                    <a:p>
+                      <a:r>
+                        <a:rPr lang="en-GB" sz="1100" dirty="0">
+                          <a:latin typeface="Monaco" pitchFamily="2" charset="77"/>
+                        </a:rPr>
+                        <a:t>2</a:t>
+                      </a:r>
+                    </a:p>
+                  </a:txBody>
+                  <a:tcPr/>
+                </a:tc>
+                <a:tc>
+                  <a:txBody>
+                    <a:bodyPr/>
+                    <a:lstStyle/>
+                    <a:p>
+                      <a:r>
+                        <a:rPr lang="en-GB" sz="1100" dirty="0">
+                          <a:latin typeface="Monaco" pitchFamily="2" charset="77"/>
+                        </a:rPr>
+                        <a:t>2065.903</a:t>
+                      </a:r>
+                    </a:p>
+                  </a:txBody>
+                  <a:tcPr/>
+                </a:tc>
+                <a:extLst>
+                  <a:ext uri="{0D108BD9-81ED-4DB2-BD59-A6C34878D82A}">
+                    <a16:rowId xmlns:a16="http://schemas.microsoft.com/office/drawing/2014/main" val="1622300072"/>
+                  </a:ext>
+                </a:extLst>
+              </a:tr>
+            </a:tbl>
+          </a:graphicData>
+        </a:graphic>
+      </p:graphicFrame>
     </p:spTree>
     <p:extLst>
       <p:ext uri="{BB962C8B-B14F-4D97-AF65-F5344CB8AC3E}">

--- a/docs/Littorina_offspring_size_maturity.pptx
+++ b/docs/Littorina_offspring_size_maturity.pptx
@@ -14,9 +14,10 @@
     <p:sldId id="269" r:id="rId8"/>
     <p:sldId id="265" r:id="rId9"/>
     <p:sldId id="270" r:id="rId10"/>
-    <p:sldId id="267" r:id="rId11"/>
-    <p:sldId id="262" r:id="rId12"/>
-    <p:sldId id="263" r:id="rId13"/>
+    <p:sldId id="271" r:id="rId11"/>
+    <p:sldId id="272" r:id="rId12"/>
+    <p:sldId id="267" r:id="rId13"/>
+    <p:sldId id="262" r:id="rId14"/>
   </p:sldIdLst>
   <p:sldSz cx="12192000" cy="6858000"/>
   <p:notesSz cx="6858000" cy="9144000"/>
@@ -272,7 +273,7 @@
           <a:p>
             <a:fld id="{036DFB3D-27A1-E84B-9564-8CD6EABFCA81}" type="datetimeFigureOut">
               <a:rPr lang="en-GB" smtClean="0"/>
-              <a:t>01/05/2020</a:t>
+              <a:t>04/05/2020</a:t>
             </a:fld>
             <a:endParaRPr lang="en-GB"/>
           </a:p>
@@ -472,7 +473,7 @@
           <a:p>
             <a:fld id="{036DFB3D-27A1-E84B-9564-8CD6EABFCA81}" type="datetimeFigureOut">
               <a:rPr lang="en-GB" smtClean="0"/>
-              <a:t>01/05/2020</a:t>
+              <a:t>04/05/2020</a:t>
             </a:fld>
             <a:endParaRPr lang="en-GB"/>
           </a:p>
@@ -682,7 +683,7 @@
           <a:p>
             <a:fld id="{036DFB3D-27A1-E84B-9564-8CD6EABFCA81}" type="datetimeFigureOut">
               <a:rPr lang="en-GB" smtClean="0"/>
-              <a:t>01/05/2020</a:t>
+              <a:t>04/05/2020</a:t>
             </a:fld>
             <a:endParaRPr lang="en-GB"/>
           </a:p>
@@ -882,7 +883,7 @@
           <a:p>
             <a:fld id="{036DFB3D-27A1-E84B-9564-8CD6EABFCA81}" type="datetimeFigureOut">
               <a:rPr lang="en-GB" smtClean="0"/>
-              <a:t>01/05/2020</a:t>
+              <a:t>04/05/2020</a:t>
             </a:fld>
             <a:endParaRPr lang="en-GB"/>
           </a:p>
@@ -1158,7 +1159,7 @@
           <a:p>
             <a:fld id="{036DFB3D-27A1-E84B-9564-8CD6EABFCA81}" type="datetimeFigureOut">
               <a:rPr lang="en-GB" smtClean="0"/>
-              <a:t>01/05/2020</a:t>
+              <a:t>04/05/2020</a:t>
             </a:fld>
             <a:endParaRPr lang="en-GB"/>
           </a:p>
@@ -1426,7 +1427,7 @@
           <a:p>
             <a:fld id="{036DFB3D-27A1-E84B-9564-8CD6EABFCA81}" type="datetimeFigureOut">
               <a:rPr lang="en-GB" smtClean="0"/>
-              <a:t>01/05/2020</a:t>
+              <a:t>04/05/2020</a:t>
             </a:fld>
             <a:endParaRPr lang="en-GB"/>
           </a:p>
@@ -1841,7 +1842,7 @@
           <a:p>
             <a:fld id="{036DFB3D-27A1-E84B-9564-8CD6EABFCA81}" type="datetimeFigureOut">
               <a:rPr lang="en-GB" smtClean="0"/>
-              <a:t>01/05/2020</a:t>
+              <a:t>04/05/2020</a:t>
             </a:fld>
             <a:endParaRPr lang="en-GB"/>
           </a:p>
@@ -1983,7 +1984,7 @@
           <a:p>
             <a:fld id="{036DFB3D-27A1-E84B-9564-8CD6EABFCA81}" type="datetimeFigureOut">
               <a:rPr lang="en-GB" smtClean="0"/>
-              <a:t>01/05/2020</a:t>
+              <a:t>04/05/2020</a:t>
             </a:fld>
             <a:endParaRPr lang="en-GB"/>
           </a:p>
@@ -2096,7 +2097,7 @@
           <a:p>
             <a:fld id="{036DFB3D-27A1-E84B-9564-8CD6EABFCA81}" type="datetimeFigureOut">
               <a:rPr lang="en-GB" smtClean="0"/>
-              <a:t>01/05/2020</a:t>
+              <a:t>04/05/2020</a:t>
             </a:fld>
             <a:endParaRPr lang="en-GB"/>
           </a:p>
@@ -2409,7 +2410,7 @@
           <a:p>
             <a:fld id="{036DFB3D-27A1-E84B-9564-8CD6EABFCA81}" type="datetimeFigureOut">
               <a:rPr lang="en-GB" smtClean="0"/>
-              <a:t>01/05/2020</a:t>
+              <a:t>04/05/2020</a:t>
             </a:fld>
             <a:endParaRPr lang="en-GB"/>
           </a:p>
@@ -2698,7 +2699,7 @@
           <a:p>
             <a:fld id="{036DFB3D-27A1-E84B-9564-8CD6EABFCA81}" type="datetimeFigureOut">
               <a:rPr lang="en-GB" smtClean="0"/>
-              <a:t>01/05/2020</a:t>
+              <a:t>04/05/2020</a:t>
             </a:fld>
             <a:endParaRPr lang="en-GB"/>
           </a:p>
@@ -2941,7 +2942,7 @@
           <a:p>
             <a:fld id="{036DFB3D-27A1-E84B-9564-8CD6EABFCA81}" type="datetimeFigureOut">
               <a:rPr lang="en-GB" smtClean="0"/>
-              <a:t>01/05/2020</a:t>
+              <a:t>04/05/2020</a:t>
             </a:fld>
             <a:endParaRPr lang="en-GB"/>
           </a:p>
@@ -3524,6 +3525,2014 @@
       </p:grpSpPr>
       <p:sp>
         <p:nvSpPr>
+          <p:cNvPr id="3" name="TextBox 2">
+            <a:extLst>
+              <a:ext uri="{FF2B5EF4-FFF2-40B4-BE49-F238E27FC236}">
+                <a16:creationId xmlns:a16="http://schemas.microsoft.com/office/drawing/2014/main" id="{B6BBB287-59BE-A649-B411-A860AE5E601E}"/>
+              </a:ext>
+            </a:extLst>
+          </p:cNvPr>
+          <p:cNvSpPr txBox="1"/>
+          <p:nvPr/>
+        </p:nvSpPr>
+        <p:spPr>
+          <a:xfrm>
+            <a:off x="133390" y="279147"/>
+            <a:ext cx="1386855" cy="369332"/>
+          </a:xfrm>
+          <a:prstGeom prst="rect">
+            <a:avLst/>
+          </a:prstGeom>
+          <a:noFill/>
+        </p:spPr>
+        <p:txBody>
+          <a:bodyPr wrap="none" rtlCol="0">
+            <a:spAutoFit/>
+          </a:bodyPr>
+          <a:lstStyle/>
+          <a:p>
+            <a:r>
+              <a:rPr lang="en-GB" b="1" dirty="0">
+                <a:latin typeface="Cambria" panose="02040503050406030204" pitchFamily="18" charset="0"/>
+              </a:rPr>
+              <a:t>Checkpoint</a:t>
+            </a:r>
+          </a:p>
+        </p:txBody>
+      </p:sp>
+      <p:sp>
+        <p:nvSpPr>
+          <p:cNvPr id="4" name="TextBox 3">
+            <a:extLst>
+              <a:ext uri="{FF2B5EF4-FFF2-40B4-BE49-F238E27FC236}">
+                <a16:creationId xmlns:a16="http://schemas.microsoft.com/office/drawing/2014/main" id="{7B82D8F4-B8B8-0D4A-A357-F2455A5795DF}"/>
+              </a:ext>
+            </a:extLst>
+          </p:cNvPr>
+          <p:cNvSpPr txBox="1"/>
+          <p:nvPr/>
+        </p:nvSpPr>
+        <p:spPr>
+          <a:xfrm>
+            <a:off x="133390" y="888747"/>
+            <a:ext cx="11193385" cy="369332"/>
+          </a:xfrm>
+          <a:prstGeom prst="rect">
+            <a:avLst/>
+          </a:prstGeom>
+          <a:noFill/>
+        </p:spPr>
+        <p:txBody>
+          <a:bodyPr wrap="none" rtlCol="0">
+            <a:spAutoFit/>
+          </a:bodyPr>
+          <a:lstStyle/>
+          <a:p>
+            <a:r>
+              <a:rPr lang="en-GB" dirty="0">
+                <a:latin typeface="Cambria" panose="02040503050406030204" pitchFamily="18" charset="0"/>
+              </a:rPr>
+              <a:t>1) Does the slope differ between sexes? NO, model 2 two slopes and model 2 one slope showed similar AIC values</a:t>
+            </a:r>
+          </a:p>
+        </p:txBody>
+      </p:sp>
+      <p:sp>
+        <p:nvSpPr>
+          <p:cNvPr id="5" name="TextBox 4">
+            <a:extLst>
+              <a:ext uri="{FF2B5EF4-FFF2-40B4-BE49-F238E27FC236}">
+                <a16:creationId xmlns:a16="http://schemas.microsoft.com/office/drawing/2014/main" id="{803E08A0-0B85-0844-8E98-27DE41D1CC14}"/>
+              </a:ext>
+            </a:extLst>
+          </p:cNvPr>
+          <p:cNvSpPr txBox="1"/>
+          <p:nvPr/>
+        </p:nvSpPr>
+        <p:spPr>
+          <a:xfrm>
+            <a:off x="133390" y="1498347"/>
+            <a:ext cx="11928137" cy="369332"/>
+          </a:xfrm>
+          <a:prstGeom prst="rect">
+            <a:avLst/>
+          </a:prstGeom>
+          <a:noFill/>
+        </p:spPr>
+        <p:txBody>
+          <a:bodyPr wrap="none" rtlCol="0">
+            <a:spAutoFit/>
+          </a:bodyPr>
+          <a:lstStyle/>
+          <a:p>
+            <a:r>
+              <a:rPr lang="en-GB" dirty="0">
+                <a:latin typeface="Cambria" panose="02040503050406030204" pitchFamily="18" charset="0"/>
+              </a:rPr>
+              <a:t>2) Does the slope differ between generations? NO, model 3 two slopes and model 3 one slope showed similar AIC values</a:t>
+            </a:r>
+          </a:p>
+        </p:txBody>
+      </p:sp>
+      <p:sp>
+        <p:nvSpPr>
+          <p:cNvPr id="6" name="TextBox 5">
+            <a:extLst>
+              <a:ext uri="{FF2B5EF4-FFF2-40B4-BE49-F238E27FC236}">
+                <a16:creationId xmlns:a16="http://schemas.microsoft.com/office/drawing/2014/main" id="{5781AABB-3015-FD4F-8815-5553577FF422}"/>
+              </a:ext>
+            </a:extLst>
+          </p:cNvPr>
+          <p:cNvSpPr txBox="1"/>
+          <p:nvPr/>
+        </p:nvSpPr>
+        <p:spPr>
+          <a:xfrm>
+            <a:off x="133390" y="2465080"/>
+            <a:ext cx="11728410" cy="923330"/>
+          </a:xfrm>
+          <a:prstGeom prst="rect">
+            <a:avLst/>
+          </a:prstGeom>
+          <a:noFill/>
+        </p:spPr>
+        <p:txBody>
+          <a:bodyPr wrap="square" rtlCol="0">
+            <a:spAutoFit/>
+          </a:bodyPr>
+          <a:lstStyle/>
+          <a:p>
+            <a:r>
+              <a:rPr lang="en-GB" dirty="0">
+                <a:latin typeface="Cambria" panose="02040503050406030204" pitchFamily="18" charset="0"/>
+              </a:rPr>
+              <a:t>We can compare size at 50% maturity between generations and among tanks using a single slope for the logistic regression of maturity on size. We fitted a model for each population of generation 0 and generation 1 separately in order to predict size at 50% maturity and its standard error to use in the plasticity analysis.</a:t>
+            </a:r>
+          </a:p>
+        </p:txBody>
+      </p:sp>
+      <p:sp>
+        <p:nvSpPr>
+          <p:cNvPr id="8" name="Rectangle 7">
+            <a:extLst>
+              <a:ext uri="{FF2B5EF4-FFF2-40B4-BE49-F238E27FC236}">
+                <a16:creationId xmlns:a16="http://schemas.microsoft.com/office/drawing/2014/main" id="{81DEF021-0616-1541-BDF0-2FE8036C6AB2}"/>
+              </a:ext>
+            </a:extLst>
+          </p:cNvPr>
+          <p:cNvSpPr/>
+          <p:nvPr/>
+        </p:nvSpPr>
+        <p:spPr>
+          <a:xfrm>
+            <a:off x="133390" y="3716112"/>
+            <a:ext cx="11728410" cy="1477328"/>
+          </a:xfrm>
+          <a:prstGeom prst="rect">
+            <a:avLst/>
+          </a:prstGeom>
+        </p:spPr>
+        <p:txBody>
+          <a:bodyPr wrap="square">
+            <a:spAutoFit/>
+          </a:bodyPr>
+          <a:lstStyle/>
+          <a:p>
+            <a:pPr algn="just"/>
+            <a:r>
+              <a:rPr lang="en-GB" b="1" dirty="0">
+                <a:latin typeface="Cambria" panose="02040503050406030204" pitchFamily="18" charset="0"/>
+              </a:rPr>
+              <a:t>However, this is not really possible!</a:t>
+            </a:r>
+          </a:p>
+          <a:p>
+            <a:pPr algn="just"/>
+            <a:r>
+              <a:rPr lang="en-GB" i="1" dirty="0">
+                <a:latin typeface="Cambria" panose="02040503050406030204" pitchFamily="18" charset="0"/>
+              </a:rPr>
+              <a:t>When we removed the size outliers, most of the juveniles in generation 0 were excluded because too large compared to the median of the juvenile size distribution (Fig. 101a-b). The only populations of generation 0 with juveniles are J, L, M, N, O, P and Q and for these populations, size at 50% maturity was estimated with low standard error (highlighted rows in Table 110). </a:t>
+            </a:r>
+          </a:p>
+        </p:txBody>
+      </p:sp>
+      <mc:AlternateContent xmlns:mc="http://schemas.openxmlformats.org/markup-compatibility/2006">
+        <mc:Choice xmlns:a14="http://schemas.microsoft.com/office/drawing/2010/main" Requires="a14">
+          <p:sp>
+            <p:nvSpPr>
+              <p:cNvPr id="10" name="Rectangle 9">
+                <a:extLst>
+                  <a:ext uri="{FF2B5EF4-FFF2-40B4-BE49-F238E27FC236}">
+                    <a16:creationId xmlns:a16="http://schemas.microsoft.com/office/drawing/2014/main" id="{43C464FE-D2DA-7843-A891-ECCAD9F6421C}"/>
+                  </a:ext>
+                </a:extLst>
+              </p:cNvPr>
+              <p:cNvSpPr/>
+              <p:nvPr/>
+            </p:nvSpPr>
+            <p:spPr>
+              <a:xfrm>
+                <a:off x="133390" y="5193440"/>
+                <a:ext cx="11728410" cy="646331"/>
+              </a:xfrm>
+              <a:prstGeom prst="rect">
+                <a:avLst/>
+              </a:prstGeom>
+            </p:spPr>
+            <p:txBody>
+              <a:bodyPr wrap="square">
+                <a:spAutoFit/>
+              </a:bodyPr>
+              <a:lstStyle/>
+              <a:p>
+                <a:pPr algn="just"/>
+                <a:r>
+                  <a:rPr lang="en-GB" b="1" i="1" dirty="0">
+                    <a:latin typeface="Cambria" panose="02040503050406030204" pitchFamily="18" charset="0"/>
+                  </a:rPr>
+                  <a:t>Can we instead use the fitted values from the best model (Model 1b) and take the average predicted size </a:t>
+                </a:r>
+                <a14:m>
+                  <m:oMath xmlns:m="http://schemas.openxmlformats.org/officeDocument/2006/math">
+                    <m:r>
+                      <a:rPr lang="en-GB" b="1" i="1" smtClean="0">
+                        <a:latin typeface="Cambria Math" panose="02040503050406030204" pitchFamily="18" charset="0"/>
+                        <a:ea typeface="Cambria Math" panose="02040503050406030204" pitchFamily="18" charset="0"/>
+                      </a:rPr>
+                      <m:t>±</m:t>
+                    </m:r>
+                  </m:oMath>
+                </a14:m>
+                <a:r>
+                  <a:rPr lang="en-GB" b="1" i="1" dirty="0">
+                    <a:latin typeface="Cambria" panose="02040503050406030204" pitchFamily="18" charset="0"/>
+                  </a:rPr>
+                  <a:t> SE for each population in generation 0 and generation 1?</a:t>
+                </a:r>
+              </a:p>
+            </p:txBody>
+          </p:sp>
+        </mc:Choice>
+        <mc:Fallback>
+          <p:sp>
+            <p:nvSpPr>
+              <p:cNvPr id="10" name="Rectangle 9">
+                <a:extLst>
+                  <a:ext uri="{FF2B5EF4-FFF2-40B4-BE49-F238E27FC236}">
+                    <a16:creationId xmlns:a16="http://schemas.microsoft.com/office/drawing/2014/main" id="{43C464FE-D2DA-7843-A891-ECCAD9F6421C}"/>
+                  </a:ext>
+                </a:extLst>
+              </p:cNvPr>
+              <p:cNvSpPr>
+                <a:spLocks noRot="1" noChangeAspect="1" noMove="1" noResize="1" noEditPoints="1" noAdjustHandles="1" noChangeArrowheads="1" noChangeShapeType="1" noTextEdit="1"/>
+              </p:cNvSpPr>
+              <p:nvPr/>
+            </p:nvSpPr>
+            <p:spPr>
+              <a:xfrm>
+                <a:off x="133390" y="5193440"/>
+                <a:ext cx="11728410" cy="646331"/>
+              </a:xfrm>
+              <a:prstGeom prst="rect">
+                <a:avLst/>
+              </a:prstGeom>
+              <a:blipFill>
+                <a:blip r:embed="rId2"/>
+                <a:stretch>
+                  <a:fillRect l="-433" t="-3846" r="-325" b="-11538"/>
+                </a:stretch>
+              </a:blipFill>
+            </p:spPr>
+            <p:txBody>
+              <a:bodyPr/>
+              <a:lstStyle/>
+              <a:p>
+                <a:r>
+                  <a:rPr lang="en-GB">
+                    <a:noFill/>
+                  </a:rPr>
+                  <a:t> </a:t>
+                </a:r>
+              </a:p>
+            </p:txBody>
+          </p:sp>
+        </mc:Fallback>
+      </mc:AlternateContent>
+    </p:spTree>
+    <p:extLst>
+      <p:ext uri="{BB962C8B-B14F-4D97-AF65-F5344CB8AC3E}">
+        <p14:creationId xmlns:p14="http://schemas.microsoft.com/office/powerpoint/2010/main" val="2572719452"/>
+      </p:ext>
+    </p:extLst>
+  </p:cSld>
+  <p:clrMapOvr>
+    <a:masterClrMapping/>
+  </p:clrMapOvr>
+</p:sld>
+</file>
+
+<file path=ppt/slides/slide11.xml><?xml version="1.0" encoding="utf-8"?>
+<p:sld xmlns:a="http://schemas.openxmlformats.org/drawingml/2006/main" xmlns:r="http://schemas.openxmlformats.org/officeDocument/2006/relationships" xmlns:p="http://schemas.openxmlformats.org/presentationml/2006/main">
+  <p:cSld>
+    <p:spTree>
+      <p:nvGrpSpPr>
+        <p:cNvPr id="1" name=""/>
+        <p:cNvGrpSpPr/>
+        <p:nvPr/>
+      </p:nvGrpSpPr>
+      <p:grpSpPr>
+        <a:xfrm>
+          <a:off x="0" y="0"/>
+          <a:ext cx="0" cy="0"/>
+          <a:chOff x="0" y="0"/>
+          <a:chExt cx="0" cy="0"/>
+        </a:xfrm>
+      </p:grpSpPr>
+      <p:graphicFrame>
+        <p:nvGraphicFramePr>
+          <p:cNvPr id="2" name="Table 1">
+            <a:extLst>
+              <a:ext uri="{FF2B5EF4-FFF2-40B4-BE49-F238E27FC236}">
+                <a16:creationId xmlns:a16="http://schemas.microsoft.com/office/drawing/2014/main" id="{8F3501AC-DE9F-E649-A4AC-9EC379619538}"/>
+              </a:ext>
+            </a:extLst>
+          </p:cNvPr>
+          <p:cNvGraphicFramePr>
+            <a:graphicFrameLocks noGrp="1"/>
+          </p:cNvGraphicFramePr>
+          <p:nvPr>
+            <p:extLst>
+              <p:ext uri="{D42A27DB-BD31-4B8C-83A1-F6EECF244321}">
+                <p14:modId xmlns:p14="http://schemas.microsoft.com/office/powerpoint/2010/main" val="1121634804"/>
+              </p:ext>
+            </p:extLst>
+          </p:nvPr>
+        </p:nvGraphicFramePr>
+        <p:xfrm>
+          <a:off x="508430" y="1471733"/>
+          <a:ext cx="4320000" cy="4593079"/>
+        </p:xfrm>
+        <a:graphic>
+          <a:graphicData uri="http://schemas.openxmlformats.org/drawingml/2006/table">
+            <a:tbl>
+              <a:tblPr firstRow="1" bandRow="1">
+                <a:tableStyleId>{8799B23B-EC83-4686-B30A-512413B5E67A}</a:tableStyleId>
+              </a:tblPr>
+              <a:tblGrid>
+                <a:gridCol w="1080000">
+                  <a:extLst>
+                    <a:ext uri="{9D8B030D-6E8A-4147-A177-3AD203B41FA5}">
+                      <a16:colId xmlns:a16="http://schemas.microsoft.com/office/drawing/2014/main" val="3270631470"/>
+                    </a:ext>
+                  </a:extLst>
+                </a:gridCol>
+                <a:gridCol w="1080000">
+                  <a:extLst>
+                    <a:ext uri="{9D8B030D-6E8A-4147-A177-3AD203B41FA5}">
+                      <a16:colId xmlns:a16="http://schemas.microsoft.com/office/drawing/2014/main" val="2694063527"/>
+                    </a:ext>
+                  </a:extLst>
+                </a:gridCol>
+                <a:gridCol w="1080000">
+                  <a:extLst>
+                    <a:ext uri="{9D8B030D-6E8A-4147-A177-3AD203B41FA5}">
+                      <a16:colId xmlns:a16="http://schemas.microsoft.com/office/drawing/2014/main" val="2121992207"/>
+                    </a:ext>
+                  </a:extLst>
+                </a:gridCol>
+                <a:gridCol w="1080000">
+                  <a:extLst>
+                    <a:ext uri="{9D8B030D-6E8A-4147-A177-3AD203B41FA5}">
+                      <a16:colId xmlns:a16="http://schemas.microsoft.com/office/drawing/2014/main" val="3696046102"/>
+                    </a:ext>
+                  </a:extLst>
+                </a:gridCol>
+              </a:tblGrid>
+              <a:tr h="241741">
+                <a:tc>
+                  <a:txBody>
+                    <a:bodyPr/>
+                    <a:lstStyle/>
+                    <a:p>
+                      <a:r>
+                        <a:rPr lang="en-US" sz="1100" dirty="0">
+                          <a:effectLst/>
+                          <a:latin typeface="Monaco" pitchFamily="2" charset="77"/>
+                        </a:rPr>
+                        <a:t>Generation</a:t>
+                      </a:r>
+                    </a:p>
+                  </a:txBody>
+                  <a:tcPr marL="21584" marR="21584" marT="17267" marB="17267" anchor="ctr"/>
+                </a:tc>
+                <a:tc>
+                  <a:txBody>
+                    <a:bodyPr/>
+                    <a:lstStyle/>
+                    <a:p>
+                      <a:r>
+                        <a:rPr lang="en-US" sz="1100" dirty="0">
+                          <a:effectLst/>
+                          <a:latin typeface="Monaco" pitchFamily="2" charset="77"/>
+                        </a:rPr>
+                        <a:t>Population</a:t>
+                      </a:r>
+                    </a:p>
+                  </a:txBody>
+                  <a:tcPr marL="21584" marR="21584" marT="17267" marB="17267" anchor="ctr"/>
+                </a:tc>
+                <a:tc>
+                  <a:txBody>
+                    <a:bodyPr/>
+                    <a:lstStyle/>
+                    <a:p>
+                      <a:r>
+                        <a:rPr lang="en-US" sz="1100" dirty="0">
+                          <a:effectLst/>
+                          <a:latin typeface="Monaco" pitchFamily="2" charset="77"/>
+                        </a:rPr>
+                        <a:t>Mean</a:t>
+                      </a:r>
+                    </a:p>
+                  </a:txBody>
+                  <a:tcPr marL="21584" marR="21584" marT="17267" marB="17267" anchor="ctr"/>
+                </a:tc>
+                <a:tc>
+                  <a:txBody>
+                    <a:bodyPr/>
+                    <a:lstStyle/>
+                    <a:p>
+                      <a:r>
+                        <a:rPr lang="en-US" sz="1100" dirty="0">
+                          <a:effectLst/>
+                          <a:latin typeface="Monaco" pitchFamily="2" charset="77"/>
+                        </a:rPr>
+                        <a:t>SE</a:t>
+                      </a:r>
+                    </a:p>
+                  </a:txBody>
+                  <a:tcPr marL="21584" marR="21584" marT="17267" marB="17267" anchor="ctr"/>
+                </a:tc>
+                <a:extLst>
+                  <a:ext uri="{0D108BD9-81ED-4DB2-BD59-A6C34878D82A}">
+                    <a16:rowId xmlns:a16="http://schemas.microsoft.com/office/drawing/2014/main" val="1898753963"/>
+                  </a:ext>
+                </a:extLst>
+              </a:tr>
+              <a:tr h="241741">
+                <a:tc>
+                  <a:txBody>
+                    <a:bodyPr/>
+                    <a:lstStyle/>
+                    <a:p>
+                      <a:r>
+                        <a:rPr lang="en-US" sz="1100" dirty="0">
+                          <a:effectLst/>
+                          <a:latin typeface="Monaco" pitchFamily="2" charset="77"/>
+                        </a:rPr>
+                        <a:t>0</a:t>
+                      </a:r>
+                    </a:p>
+                  </a:txBody>
+                  <a:tcPr marL="21584" marR="21584" marT="17267" marB="17267" anchor="ctr"/>
+                </a:tc>
+                <a:tc>
+                  <a:txBody>
+                    <a:bodyPr/>
+                    <a:lstStyle/>
+                    <a:p>
+                      <a:r>
+                        <a:rPr lang="en-US" sz="1100">
+                          <a:effectLst/>
+                          <a:latin typeface="Monaco" pitchFamily="2" charset="77"/>
+                        </a:rPr>
+                        <a:t>A</a:t>
+                      </a:r>
+                    </a:p>
+                  </a:txBody>
+                  <a:tcPr marL="21584" marR="21584" marT="17267" marB="17267" anchor="ctr"/>
+                </a:tc>
+                <a:tc>
+                  <a:txBody>
+                    <a:bodyPr/>
+                    <a:lstStyle/>
+                    <a:p>
+                      <a:r>
+                        <a:rPr lang="en-US" sz="1100">
+                          <a:effectLst/>
+                          <a:latin typeface="Monaco" pitchFamily="2" charset="77"/>
+                        </a:rPr>
+                        <a:t>-111.87</a:t>
+                      </a:r>
+                    </a:p>
+                  </a:txBody>
+                  <a:tcPr marL="21584" marR="21584" marT="17267" marB="17267" anchor="ctr"/>
+                </a:tc>
+                <a:tc>
+                  <a:txBody>
+                    <a:bodyPr/>
+                    <a:lstStyle/>
+                    <a:p>
+                      <a:r>
+                        <a:rPr lang="en-US" sz="1100">
+                          <a:effectLst/>
+                          <a:latin typeface="Monaco" pitchFamily="2" charset="77"/>
+                        </a:rPr>
+                        <a:t>0.00</a:t>
+                      </a:r>
+                    </a:p>
+                  </a:txBody>
+                  <a:tcPr marL="21584" marR="21584" marT="17267" marB="17267" anchor="ctr"/>
+                </a:tc>
+                <a:extLst>
+                  <a:ext uri="{0D108BD9-81ED-4DB2-BD59-A6C34878D82A}">
+                    <a16:rowId xmlns:a16="http://schemas.microsoft.com/office/drawing/2014/main" val="3098490758"/>
+                  </a:ext>
+                </a:extLst>
+              </a:tr>
+              <a:tr h="241741">
+                <a:tc>
+                  <a:txBody>
+                    <a:bodyPr/>
+                    <a:lstStyle/>
+                    <a:p>
+                      <a:r>
+                        <a:rPr lang="en-US" sz="1100">
+                          <a:effectLst/>
+                          <a:latin typeface="Monaco" pitchFamily="2" charset="77"/>
+                        </a:rPr>
+                        <a:t>0</a:t>
+                      </a:r>
+                    </a:p>
+                  </a:txBody>
+                  <a:tcPr marL="21584" marR="21584" marT="17267" marB="17267" anchor="ctr"/>
+                </a:tc>
+                <a:tc>
+                  <a:txBody>
+                    <a:bodyPr/>
+                    <a:lstStyle/>
+                    <a:p>
+                      <a:r>
+                        <a:rPr lang="en-US" sz="1100">
+                          <a:effectLst/>
+                          <a:latin typeface="Monaco" pitchFamily="2" charset="77"/>
+                        </a:rPr>
+                        <a:t>B</a:t>
+                      </a:r>
+                    </a:p>
+                  </a:txBody>
+                  <a:tcPr marL="21584" marR="21584" marT="17267" marB="17267" anchor="ctr"/>
+                </a:tc>
+                <a:tc>
+                  <a:txBody>
+                    <a:bodyPr/>
+                    <a:lstStyle/>
+                    <a:p>
+                      <a:r>
+                        <a:rPr lang="en-US" sz="1100">
+                          <a:effectLst/>
+                          <a:latin typeface="Monaco" pitchFamily="2" charset="77"/>
+                        </a:rPr>
+                        <a:t>-1.63</a:t>
+                      </a:r>
+                    </a:p>
+                  </a:txBody>
+                  <a:tcPr marL="21584" marR="21584" marT="17267" marB="17267" anchor="ctr"/>
+                </a:tc>
+                <a:tc>
+                  <a:txBody>
+                    <a:bodyPr/>
+                    <a:lstStyle/>
+                    <a:p>
+                      <a:r>
+                        <a:rPr lang="en-US" sz="1100">
+                          <a:effectLst/>
+                          <a:latin typeface="Monaco" pitchFamily="2" charset="77"/>
+                        </a:rPr>
+                        <a:t>5057.55</a:t>
+                      </a:r>
+                    </a:p>
+                  </a:txBody>
+                  <a:tcPr marL="21584" marR="21584" marT="17267" marB="17267" anchor="ctr"/>
+                </a:tc>
+                <a:extLst>
+                  <a:ext uri="{0D108BD9-81ED-4DB2-BD59-A6C34878D82A}">
+                    <a16:rowId xmlns:a16="http://schemas.microsoft.com/office/drawing/2014/main" val="3320719759"/>
+                  </a:ext>
+                </a:extLst>
+              </a:tr>
+              <a:tr h="241741">
+                <a:tc>
+                  <a:txBody>
+                    <a:bodyPr/>
+                    <a:lstStyle/>
+                    <a:p>
+                      <a:r>
+                        <a:rPr lang="en-US" sz="1100">
+                          <a:effectLst/>
+                          <a:latin typeface="Monaco" pitchFamily="2" charset="77"/>
+                        </a:rPr>
+                        <a:t>0</a:t>
+                      </a:r>
+                    </a:p>
+                  </a:txBody>
+                  <a:tcPr marL="21584" marR="21584" marT="17267" marB="17267" anchor="ctr"/>
+                </a:tc>
+                <a:tc>
+                  <a:txBody>
+                    <a:bodyPr/>
+                    <a:lstStyle/>
+                    <a:p>
+                      <a:r>
+                        <a:rPr lang="en-US" sz="1100">
+                          <a:effectLst/>
+                          <a:latin typeface="Monaco" pitchFamily="2" charset="77"/>
+                        </a:rPr>
+                        <a:t>C</a:t>
+                      </a:r>
+                    </a:p>
+                  </a:txBody>
+                  <a:tcPr marL="21584" marR="21584" marT="17267" marB="17267" anchor="ctr"/>
+                </a:tc>
+                <a:tc>
+                  <a:txBody>
+                    <a:bodyPr/>
+                    <a:lstStyle/>
+                    <a:p>
+                      <a:r>
+                        <a:rPr lang="en-US" sz="1100">
+                          <a:effectLst/>
+                          <a:latin typeface="Monaco" pitchFamily="2" charset="77"/>
+                        </a:rPr>
+                        <a:t>-1.55</a:t>
+                      </a:r>
+                    </a:p>
+                  </a:txBody>
+                  <a:tcPr marL="21584" marR="21584" marT="17267" marB="17267" anchor="ctr"/>
+                </a:tc>
+                <a:tc>
+                  <a:txBody>
+                    <a:bodyPr/>
+                    <a:lstStyle/>
+                    <a:p>
+                      <a:r>
+                        <a:rPr lang="en-US" sz="1100">
+                          <a:effectLst/>
+                          <a:latin typeface="Monaco" pitchFamily="2" charset="77"/>
+                        </a:rPr>
+                        <a:t>3789.42</a:t>
+                      </a:r>
+                    </a:p>
+                  </a:txBody>
+                  <a:tcPr marL="21584" marR="21584" marT="17267" marB="17267" anchor="ctr"/>
+                </a:tc>
+                <a:extLst>
+                  <a:ext uri="{0D108BD9-81ED-4DB2-BD59-A6C34878D82A}">
+                    <a16:rowId xmlns:a16="http://schemas.microsoft.com/office/drawing/2014/main" val="704067264"/>
+                  </a:ext>
+                </a:extLst>
+              </a:tr>
+              <a:tr h="241741">
+                <a:tc>
+                  <a:txBody>
+                    <a:bodyPr/>
+                    <a:lstStyle/>
+                    <a:p>
+                      <a:r>
+                        <a:rPr lang="en-US" sz="1100">
+                          <a:effectLst/>
+                          <a:latin typeface="Monaco" pitchFamily="2" charset="77"/>
+                        </a:rPr>
+                        <a:t>0</a:t>
+                      </a:r>
+                    </a:p>
+                  </a:txBody>
+                  <a:tcPr marL="21584" marR="21584" marT="17267" marB="17267" anchor="ctr"/>
+                </a:tc>
+                <a:tc>
+                  <a:txBody>
+                    <a:bodyPr/>
+                    <a:lstStyle/>
+                    <a:p>
+                      <a:r>
+                        <a:rPr lang="en-US" sz="1100">
+                          <a:effectLst/>
+                          <a:latin typeface="Monaco" pitchFamily="2" charset="77"/>
+                        </a:rPr>
+                        <a:t>D</a:t>
+                      </a:r>
+                    </a:p>
+                  </a:txBody>
+                  <a:tcPr marL="21584" marR="21584" marT="17267" marB="17267" anchor="ctr"/>
+                </a:tc>
+                <a:tc>
+                  <a:txBody>
+                    <a:bodyPr/>
+                    <a:lstStyle/>
+                    <a:p>
+                      <a:r>
+                        <a:rPr lang="en-US" sz="1100">
+                          <a:effectLst/>
+                          <a:latin typeface="Monaco" pitchFamily="2" charset="77"/>
+                        </a:rPr>
+                        <a:t>-1.53</a:t>
+                      </a:r>
+                    </a:p>
+                  </a:txBody>
+                  <a:tcPr marL="21584" marR="21584" marT="17267" marB="17267" anchor="ctr"/>
+                </a:tc>
+                <a:tc>
+                  <a:txBody>
+                    <a:bodyPr/>
+                    <a:lstStyle/>
+                    <a:p>
+                      <a:r>
+                        <a:rPr lang="en-US" sz="1100">
+                          <a:effectLst/>
+                          <a:latin typeface="Monaco" pitchFamily="2" charset="77"/>
+                        </a:rPr>
+                        <a:t>3769.77</a:t>
+                      </a:r>
+                    </a:p>
+                  </a:txBody>
+                  <a:tcPr marL="21584" marR="21584" marT="17267" marB="17267" anchor="ctr"/>
+                </a:tc>
+                <a:extLst>
+                  <a:ext uri="{0D108BD9-81ED-4DB2-BD59-A6C34878D82A}">
+                    <a16:rowId xmlns:a16="http://schemas.microsoft.com/office/drawing/2014/main" val="1721700645"/>
+                  </a:ext>
+                </a:extLst>
+              </a:tr>
+              <a:tr h="241741">
+                <a:tc>
+                  <a:txBody>
+                    <a:bodyPr/>
+                    <a:lstStyle/>
+                    <a:p>
+                      <a:r>
+                        <a:rPr lang="en-US" sz="1100">
+                          <a:effectLst/>
+                          <a:latin typeface="Monaco" pitchFamily="2" charset="77"/>
+                        </a:rPr>
+                        <a:t>0</a:t>
+                      </a:r>
+                    </a:p>
+                  </a:txBody>
+                  <a:tcPr marL="21584" marR="21584" marT="17267" marB="17267" anchor="ctr"/>
+                </a:tc>
+                <a:tc>
+                  <a:txBody>
+                    <a:bodyPr/>
+                    <a:lstStyle/>
+                    <a:p>
+                      <a:r>
+                        <a:rPr lang="en-US" sz="1100">
+                          <a:effectLst/>
+                          <a:latin typeface="Monaco" pitchFamily="2" charset="77"/>
+                        </a:rPr>
+                        <a:t>E</a:t>
+                      </a:r>
+                    </a:p>
+                  </a:txBody>
+                  <a:tcPr marL="21584" marR="21584" marT="17267" marB="17267" anchor="ctr"/>
+                </a:tc>
+                <a:tc>
+                  <a:txBody>
+                    <a:bodyPr/>
+                    <a:lstStyle/>
+                    <a:p>
+                      <a:r>
+                        <a:rPr lang="en-US" sz="1100">
+                          <a:effectLst/>
+                          <a:latin typeface="Monaco" pitchFamily="2" charset="77"/>
+                        </a:rPr>
+                        <a:t>-1.47</a:t>
+                      </a:r>
+                    </a:p>
+                  </a:txBody>
+                  <a:tcPr marL="21584" marR="21584" marT="17267" marB="17267" anchor="ctr"/>
+                </a:tc>
+                <a:tc>
+                  <a:txBody>
+                    <a:bodyPr/>
+                    <a:lstStyle/>
+                    <a:p>
+                      <a:r>
+                        <a:rPr lang="en-US" sz="1100">
+                          <a:effectLst/>
+                          <a:latin typeface="Monaco" pitchFamily="2" charset="77"/>
+                        </a:rPr>
+                        <a:t>3426.81</a:t>
+                      </a:r>
+                    </a:p>
+                  </a:txBody>
+                  <a:tcPr marL="21584" marR="21584" marT="17267" marB="17267" anchor="ctr"/>
+                </a:tc>
+                <a:extLst>
+                  <a:ext uri="{0D108BD9-81ED-4DB2-BD59-A6C34878D82A}">
+                    <a16:rowId xmlns:a16="http://schemas.microsoft.com/office/drawing/2014/main" val="364849027"/>
+                  </a:ext>
+                </a:extLst>
+              </a:tr>
+              <a:tr h="241741">
+                <a:tc>
+                  <a:txBody>
+                    <a:bodyPr/>
+                    <a:lstStyle/>
+                    <a:p>
+                      <a:r>
+                        <a:rPr lang="en-US" sz="1100">
+                          <a:effectLst/>
+                          <a:latin typeface="Monaco" pitchFamily="2" charset="77"/>
+                        </a:rPr>
+                        <a:t>0</a:t>
+                      </a:r>
+                    </a:p>
+                  </a:txBody>
+                  <a:tcPr marL="21584" marR="21584" marT="17267" marB="17267" anchor="ctr"/>
+                </a:tc>
+                <a:tc>
+                  <a:txBody>
+                    <a:bodyPr/>
+                    <a:lstStyle/>
+                    <a:p>
+                      <a:r>
+                        <a:rPr lang="en-US" sz="1100">
+                          <a:effectLst/>
+                          <a:latin typeface="Monaco" pitchFamily="2" charset="77"/>
+                        </a:rPr>
+                        <a:t>F</a:t>
+                      </a:r>
+                    </a:p>
+                  </a:txBody>
+                  <a:tcPr marL="21584" marR="21584" marT="17267" marB="17267" anchor="ctr"/>
+                </a:tc>
+                <a:tc>
+                  <a:txBody>
+                    <a:bodyPr/>
+                    <a:lstStyle/>
+                    <a:p>
+                      <a:r>
+                        <a:rPr lang="en-US" sz="1100">
+                          <a:effectLst/>
+                          <a:latin typeface="Monaco" pitchFamily="2" charset="77"/>
+                        </a:rPr>
+                        <a:t>-1.70</a:t>
+                      </a:r>
+                    </a:p>
+                  </a:txBody>
+                  <a:tcPr marL="21584" marR="21584" marT="17267" marB="17267" anchor="ctr"/>
+                </a:tc>
+                <a:tc>
+                  <a:txBody>
+                    <a:bodyPr/>
+                    <a:lstStyle/>
+                    <a:p>
+                      <a:r>
+                        <a:rPr lang="en-US" sz="1100">
+                          <a:effectLst/>
+                          <a:latin typeface="Monaco" pitchFamily="2" charset="77"/>
+                        </a:rPr>
+                        <a:t>5415.01</a:t>
+                      </a:r>
+                    </a:p>
+                  </a:txBody>
+                  <a:tcPr marL="21584" marR="21584" marT="17267" marB="17267" anchor="ctr"/>
+                </a:tc>
+                <a:extLst>
+                  <a:ext uri="{0D108BD9-81ED-4DB2-BD59-A6C34878D82A}">
+                    <a16:rowId xmlns:a16="http://schemas.microsoft.com/office/drawing/2014/main" val="2031955213"/>
+                  </a:ext>
+                </a:extLst>
+              </a:tr>
+              <a:tr h="241741">
+                <a:tc>
+                  <a:txBody>
+                    <a:bodyPr/>
+                    <a:lstStyle/>
+                    <a:p>
+                      <a:r>
+                        <a:rPr lang="en-US" sz="1100">
+                          <a:effectLst/>
+                          <a:latin typeface="Monaco" pitchFamily="2" charset="77"/>
+                        </a:rPr>
+                        <a:t>0</a:t>
+                      </a:r>
+                    </a:p>
+                  </a:txBody>
+                  <a:tcPr marL="21584" marR="21584" marT="17267" marB="17267" anchor="ctr"/>
+                </a:tc>
+                <a:tc>
+                  <a:txBody>
+                    <a:bodyPr/>
+                    <a:lstStyle/>
+                    <a:p>
+                      <a:r>
+                        <a:rPr lang="en-US" sz="1100">
+                          <a:effectLst/>
+                          <a:latin typeface="Monaco" pitchFamily="2" charset="77"/>
+                        </a:rPr>
+                        <a:t>G</a:t>
+                      </a:r>
+                    </a:p>
+                  </a:txBody>
+                  <a:tcPr marL="21584" marR="21584" marT="17267" marB="17267" anchor="ctr"/>
+                </a:tc>
+                <a:tc>
+                  <a:txBody>
+                    <a:bodyPr/>
+                    <a:lstStyle/>
+                    <a:p>
+                      <a:r>
+                        <a:rPr lang="en-US" sz="1100">
+                          <a:effectLst/>
+                          <a:latin typeface="Monaco" pitchFamily="2" charset="77"/>
+                        </a:rPr>
+                        <a:t>-1.69</a:t>
+                      </a:r>
+                    </a:p>
+                  </a:txBody>
+                  <a:tcPr marL="21584" marR="21584" marT="17267" marB="17267" anchor="ctr"/>
+                </a:tc>
+                <a:tc>
+                  <a:txBody>
+                    <a:bodyPr/>
+                    <a:lstStyle/>
+                    <a:p>
+                      <a:r>
+                        <a:rPr lang="en-US" sz="1100">
+                          <a:effectLst/>
+                          <a:latin typeface="Monaco" pitchFamily="2" charset="77"/>
+                        </a:rPr>
+                        <a:t>4896.55</a:t>
+                      </a:r>
+                    </a:p>
+                  </a:txBody>
+                  <a:tcPr marL="21584" marR="21584" marT="17267" marB="17267" anchor="ctr"/>
+                </a:tc>
+                <a:extLst>
+                  <a:ext uri="{0D108BD9-81ED-4DB2-BD59-A6C34878D82A}">
+                    <a16:rowId xmlns:a16="http://schemas.microsoft.com/office/drawing/2014/main" val="1124873399"/>
+                  </a:ext>
+                </a:extLst>
+              </a:tr>
+              <a:tr h="241741">
+                <a:tc>
+                  <a:txBody>
+                    <a:bodyPr/>
+                    <a:lstStyle/>
+                    <a:p>
+                      <a:r>
+                        <a:rPr lang="en-US" sz="1100">
+                          <a:effectLst/>
+                          <a:latin typeface="Monaco" pitchFamily="2" charset="77"/>
+                        </a:rPr>
+                        <a:t>0</a:t>
+                      </a:r>
+                    </a:p>
+                  </a:txBody>
+                  <a:tcPr marL="21584" marR="21584" marT="17267" marB="17267" anchor="ctr"/>
+                </a:tc>
+                <a:tc>
+                  <a:txBody>
+                    <a:bodyPr/>
+                    <a:lstStyle/>
+                    <a:p>
+                      <a:r>
+                        <a:rPr lang="en-US" sz="1100">
+                          <a:effectLst/>
+                          <a:latin typeface="Monaco" pitchFamily="2" charset="77"/>
+                        </a:rPr>
+                        <a:t>H</a:t>
+                      </a:r>
+                    </a:p>
+                  </a:txBody>
+                  <a:tcPr marL="21584" marR="21584" marT="17267" marB="17267" anchor="ctr"/>
+                </a:tc>
+                <a:tc>
+                  <a:txBody>
+                    <a:bodyPr/>
+                    <a:lstStyle/>
+                    <a:p>
+                      <a:r>
+                        <a:rPr lang="en-US" sz="1100">
+                          <a:effectLst/>
+                          <a:latin typeface="Monaco" pitchFamily="2" charset="77"/>
+                        </a:rPr>
+                        <a:t>-1.76</a:t>
+                      </a:r>
+                    </a:p>
+                  </a:txBody>
+                  <a:tcPr marL="21584" marR="21584" marT="17267" marB="17267" anchor="ctr"/>
+                </a:tc>
+                <a:tc>
+                  <a:txBody>
+                    <a:bodyPr/>
+                    <a:lstStyle/>
+                    <a:p>
+                      <a:r>
+                        <a:rPr lang="en-US" sz="1100">
+                          <a:effectLst/>
+                          <a:latin typeface="Monaco" pitchFamily="2" charset="77"/>
+                        </a:rPr>
+                        <a:t>4090.33</a:t>
+                      </a:r>
+                    </a:p>
+                  </a:txBody>
+                  <a:tcPr marL="21584" marR="21584" marT="17267" marB="17267" anchor="ctr"/>
+                </a:tc>
+                <a:extLst>
+                  <a:ext uri="{0D108BD9-81ED-4DB2-BD59-A6C34878D82A}">
+                    <a16:rowId xmlns:a16="http://schemas.microsoft.com/office/drawing/2014/main" val="3514347605"/>
+                  </a:ext>
+                </a:extLst>
+              </a:tr>
+              <a:tr h="241741">
+                <a:tc>
+                  <a:txBody>
+                    <a:bodyPr/>
+                    <a:lstStyle/>
+                    <a:p>
+                      <a:r>
+                        <a:rPr lang="en-US" sz="1100">
+                          <a:effectLst/>
+                          <a:latin typeface="Monaco" pitchFamily="2" charset="77"/>
+                        </a:rPr>
+                        <a:t>0</a:t>
+                      </a:r>
+                    </a:p>
+                  </a:txBody>
+                  <a:tcPr marL="21584" marR="21584" marT="17267" marB="17267" anchor="ctr"/>
+                </a:tc>
+                <a:tc>
+                  <a:txBody>
+                    <a:bodyPr/>
+                    <a:lstStyle/>
+                    <a:p>
+                      <a:r>
+                        <a:rPr lang="en-US" sz="1100">
+                          <a:effectLst/>
+                          <a:latin typeface="Monaco" pitchFamily="2" charset="77"/>
+                        </a:rPr>
+                        <a:t>I</a:t>
+                      </a:r>
+                    </a:p>
+                  </a:txBody>
+                  <a:tcPr marL="21584" marR="21584" marT="17267" marB="17267" anchor="ctr"/>
+                </a:tc>
+                <a:tc>
+                  <a:txBody>
+                    <a:bodyPr/>
+                    <a:lstStyle/>
+                    <a:p>
+                      <a:r>
+                        <a:rPr lang="en-US" sz="1100">
+                          <a:effectLst/>
+                          <a:latin typeface="Monaco" pitchFamily="2" charset="77"/>
+                        </a:rPr>
+                        <a:t>-1.70</a:t>
+                      </a:r>
+                    </a:p>
+                  </a:txBody>
+                  <a:tcPr marL="21584" marR="21584" marT="17267" marB="17267" anchor="ctr"/>
+                </a:tc>
+                <a:tc>
+                  <a:txBody>
+                    <a:bodyPr/>
+                    <a:lstStyle/>
+                    <a:p>
+                      <a:r>
+                        <a:rPr lang="en-US" sz="1100">
+                          <a:effectLst/>
+                          <a:latin typeface="Monaco" pitchFamily="2" charset="77"/>
+                        </a:rPr>
+                        <a:t>4531.26</a:t>
+                      </a:r>
+                    </a:p>
+                  </a:txBody>
+                  <a:tcPr marL="21584" marR="21584" marT="17267" marB="17267" anchor="ctr"/>
+                </a:tc>
+                <a:extLst>
+                  <a:ext uri="{0D108BD9-81ED-4DB2-BD59-A6C34878D82A}">
+                    <a16:rowId xmlns:a16="http://schemas.microsoft.com/office/drawing/2014/main" val="4100279114"/>
+                  </a:ext>
+                </a:extLst>
+              </a:tr>
+              <a:tr h="241741">
+                <a:tc>
+                  <a:txBody>
+                    <a:bodyPr/>
+                    <a:lstStyle/>
+                    <a:p>
+                      <a:r>
+                        <a:rPr lang="en-US" sz="1100">
+                          <a:effectLst/>
+                          <a:latin typeface="Monaco" pitchFamily="2" charset="77"/>
+                        </a:rPr>
+                        <a:t>0</a:t>
+                      </a:r>
+                    </a:p>
+                  </a:txBody>
+                  <a:tcPr marL="21584" marR="21584" marT="17267" marB="17267" anchor="ctr">
+                    <a:solidFill>
+                      <a:srgbClr val="FFFF00"/>
+                    </a:solidFill>
+                  </a:tcPr>
+                </a:tc>
+                <a:tc>
+                  <a:txBody>
+                    <a:bodyPr/>
+                    <a:lstStyle/>
+                    <a:p>
+                      <a:r>
+                        <a:rPr lang="en-US" sz="1100">
+                          <a:effectLst/>
+                          <a:latin typeface="Monaco" pitchFamily="2" charset="77"/>
+                        </a:rPr>
+                        <a:t>J</a:t>
+                      </a:r>
+                    </a:p>
+                  </a:txBody>
+                  <a:tcPr marL="21584" marR="21584" marT="17267" marB="17267" anchor="ctr">
+                    <a:solidFill>
+                      <a:srgbClr val="FFFF00"/>
+                    </a:solidFill>
+                  </a:tcPr>
+                </a:tc>
+                <a:tc>
+                  <a:txBody>
+                    <a:bodyPr/>
+                    <a:lstStyle/>
+                    <a:p>
+                      <a:r>
+                        <a:rPr lang="en-US" sz="1100">
+                          <a:effectLst/>
+                          <a:latin typeface="Monaco" pitchFamily="2" charset="77"/>
+                        </a:rPr>
+                        <a:t>1.80</a:t>
+                      </a:r>
+                    </a:p>
+                  </a:txBody>
+                  <a:tcPr marL="21584" marR="21584" marT="17267" marB="17267" anchor="ctr">
+                    <a:solidFill>
+                      <a:srgbClr val="FFFF00"/>
+                    </a:solidFill>
+                  </a:tcPr>
+                </a:tc>
+                <a:tc>
+                  <a:txBody>
+                    <a:bodyPr/>
+                    <a:lstStyle/>
+                    <a:p>
+                      <a:r>
+                        <a:rPr lang="en-US" sz="1100" dirty="0">
+                          <a:effectLst/>
+                          <a:latin typeface="Monaco" pitchFamily="2" charset="77"/>
+                        </a:rPr>
+                        <a:t>0.19</a:t>
+                      </a:r>
+                    </a:p>
+                  </a:txBody>
+                  <a:tcPr marL="21584" marR="21584" marT="17267" marB="17267" anchor="ctr">
+                    <a:solidFill>
+                      <a:srgbClr val="FFFF00"/>
+                    </a:solidFill>
+                  </a:tcPr>
+                </a:tc>
+                <a:extLst>
+                  <a:ext uri="{0D108BD9-81ED-4DB2-BD59-A6C34878D82A}">
+                    <a16:rowId xmlns:a16="http://schemas.microsoft.com/office/drawing/2014/main" val="3225381033"/>
+                  </a:ext>
+                </a:extLst>
+              </a:tr>
+              <a:tr h="241741">
+                <a:tc>
+                  <a:txBody>
+                    <a:bodyPr/>
+                    <a:lstStyle/>
+                    <a:p>
+                      <a:r>
+                        <a:rPr lang="en-US" sz="1100">
+                          <a:effectLst/>
+                          <a:latin typeface="Monaco" pitchFamily="2" charset="77"/>
+                        </a:rPr>
+                        <a:t>0</a:t>
+                      </a:r>
+                    </a:p>
+                  </a:txBody>
+                  <a:tcPr marL="21584" marR="21584" marT="17267" marB="17267" anchor="ctr"/>
+                </a:tc>
+                <a:tc>
+                  <a:txBody>
+                    <a:bodyPr/>
+                    <a:lstStyle/>
+                    <a:p>
+                      <a:r>
+                        <a:rPr lang="en-US" sz="1100">
+                          <a:effectLst/>
+                          <a:latin typeface="Monaco" pitchFamily="2" charset="77"/>
+                        </a:rPr>
+                        <a:t>K</a:t>
+                      </a:r>
+                    </a:p>
+                  </a:txBody>
+                  <a:tcPr marL="21584" marR="21584" marT="17267" marB="17267" anchor="ctr"/>
+                </a:tc>
+                <a:tc>
+                  <a:txBody>
+                    <a:bodyPr/>
+                    <a:lstStyle/>
+                    <a:p>
+                      <a:r>
+                        <a:rPr lang="en-US" sz="1100">
+                          <a:effectLst/>
+                          <a:latin typeface="Monaco" pitchFamily="2" charset="77"/>
+                        </a:rPr>
+                        <a:t>-1.73</a:t>
+                      </a:r>
+                    </a:p>
+                  </a:txBody>
+                  <a:tcPr marL="21584" marR="21584" marT="17267" marB="17267" anchor="ctr"/>
+                </a:tc>
+                <a:tc>
+                  <a:txBody>
+                    <a:bodyPr/>
+                    <a:lstStyle/>
+                    <a:p>
+                      <a:r>
+                        <a:rPr lang="en-US" sz="1100">
+                          <a:effectLst/>
+                          <a:latin typeface="Monaco" pitchFamily="2" charset="77"/>
+                        </a:rPr>
+                        <a:t>3574.06</a:t>
+                      </a:r>
+                    </a:p>
+                  </a:txBody>
+                  <a:tcPr marL="21584" marR="21584" marT="17267" marB="17267" anchor="ctr"/>
+                </a:tc>
+                <a:extLst>
+                  <a:ext uri="{0D108BD9-81ED-4DB2-BD59-A6C34878D82A}">
+                    <a16:rowId xmlns:a16="http://schemas.microsoft.com/office/drawing/2014/main" val="3760894604"/>
+                  </a:ext>
+                </a:extLst>
+              </a:tr>
+              <a:tr h="241741">
+                <a:tc>
+                  <a:txBody>
+                    <a:bodyPr/>
+                    <a:lstStyle/>
+                    <a:p>
+                      <a:r>
+                        <a:rPr lang="en-US" sz="1100">
+                          <a:effectLst/>
+                          <a:latin typeface="Monaco" pitchFamily="2" charset="77"/>
+                        </a:rPr>
+                        <a:t>0</a:t>
+                      </a:r>
+                    </a:p>
+                  </a:txBody>
+                  <a:tcPr marL="21584" marR="21584" marT="17267" marB="17267" anchor="ctr">
+                    <a:solidFill>
+                      <a:srgbClr val="FFFF00"/>
+                    </a:solidFill>
+                  </a:tcPr>
+                </a:tc>
+                <a:tc>
+                  <a:txBody>
+                    <a:bodyPr/>
+                    <a:lstStyle/>
+                    <a:p>
+                      <a:r>
+                        <a:rPr lang="en-US" sz="1100">
+                          <a:effectLst/>
+                          <a:latin typeface="Monaco" pitchFamily="2" charset="77"/>
+                        </a:rPr>
+                        <a:t>L</a:t>
+                      </a:r>
+                    </a:p>
+                  </a:txBody>
+                  <a:tcPr marL="21584" marR="21584" marT="17267" marB="17267" anchor="ctr">
+                    <a:solidFill>
+                      <a:srgbClr val="FFFF00"/>
+                    </a:solidFill>
+                  </a:tcPr>
+                </a:tc>
+                <a:tc>
+                  <a:txBody>
+                    <a:bodyPr/>
+                    <a:lstStyle/>
+                    <a:p>
+                      <a:r>
+                        <a:rPr lang="en-US" sz="1100">
+                          <a:effectLst/>
+                          <a:latin typeface="Monaco" pitchFamily="2" charset="77"/>
+                        </a:rPr>
+                        <a:t>2.05</a:t>
+                      </a:r>
+                    </a:p>
+                  </a:txBody>
+                  <a:tcPr marL="21584" marR="21584" marT="17267" marB="17267" anchor="ctr">
+                    <a:solidFill>
+                      <a:srgbClr val="FFFF00"/>
+                    </a:solidFill>
+                  </a:tcPr>
+                </a:tc>
+                <a:tc>
+                  <a:txBody>
+                    <a:bodyPr/>
+                    <a:lstStyle/>
+                    <a:p>
+                      <a:r>
+                        <a:rPr lang="en-US" sz="1100" dirty="0">
+                          <a:effectLst/>
+                          <a:latin typeface="Monaco" pitchFamily="2" charset="77"/>
+                        </a:rPr>
+                        <a:t>0.09</a:t>
+                      </a:r>
+                    </a:p>
+                  </a:txBody>
+                  <a:tcPr marL="21584" marR="21584" marT="17267" marB="17267" anchor="ctr">
+                    <a:solidFill>
+                      <a:srgbClr val="FFFF00"/>
+                    </a:solidFill>
+                  </a:tcPr>
+                </a:tc>
+                <a:extLst>
+                  <a:ext uri="{0D108BD9-81ED-4DB2-BD59-A6C34878D82A}">
+                    <a16:rowId xmlns:a16="http://schemas.microsoft.com/office/drawing/2014/main" val="3104032892"/>
+                  </a:ext>
+                </a:extLst>
+              </a:tr>
+              <a:tr h="241741">
+                <a:tc>
+                  <a:txBody>
+                    <a:bodyPr/>
+                    <a:lstStyle/>
+                    <a:p>
+                      <a:r>
+                        <a:rPr lang="en-US" sz="1100">
+                          <a:effectLst/>
+                          <a:latin typeface="Monaco" pitchFamily="2" charset="77"/>
+                        </a:rPr>
+                        <a:t>0</a:t>
+                      </a:r>
+                    </a:p>
+                  </a:txBody>
+                  <a:tcPr marL="21584" marR="21584" marT="17267" marB="17267" anchor="ctr">
+                    <a:solidFill>
+                      <a:srgbClr val="FFFF00"/>
+                    </a:solidFill>
+                  </a:tcPr>
+                </a:tc>
+                <a:tc>
+                  <a:txBody>
+                    <a:bodyPr/>
+                    <a:lstStyle/>
+                    <a:p>
+                      <a:r>
+                        <a:rPr lang="en-US" sz="1100">
+                          <a:effectLst/>
+                          <a:latin typeface="Monaco" pitchFamily="2" charset="77"/>
+                        </a:rPr>
+                        <a:t>M</a:t>
+                      </a:r>
+                    </a:p>
+                  </a:txBody>
+                  <a:tcPr marL="21584" marR="21584" marT="17267" marB="17267" anchor="ctr">
+                    <a:solidFill>
+                      <a:srgbClr val="FFFF00"/>
+                    </a:solidFill>
+                  </a:tcPr>
+                </a:tc>
+                <a:tc>
+                  <a:txBody>
+                    <a:bodyPr/>
+                    <a:lstStyle/>
+                    <a:p>
+                      <a:r>
+                        <a:rPr lang="en-US" sz="1100">
+                          <a:effectLst/>
+                          <a:latin typeface="Monaco" pitchFamily="2" charset="77"/>
+                        </a:rPr>
+                        <a:t>1.72</a:t>
+                      </a:r>
+                    </a:p>
+                  </a:txBody>
+                  <a:tcPr marL="21584" marR="21584" marT="17267" marB="17267" anchor="ctr">
+                    <a:solidFill>
+                      <a:srgbClr val="FFFF00"/>
+                    </a:solidFill>
+                  </a:tcPr>
+                </a:tc>
+                <a:tc>
+                  <a:txBody>
+                    <a:bodyPr/>
+                    <a:lstStyle/>
+                    <a:p>
+                      <a:r>
+                        <a:rPr lang="en-US" sz="1100">
+                          <a:effectLst/>
+                          <a:latin typeface="Monaco" pitchFamily="2" charset="77"/>
+                        </a:rPr>
+                        <a:t>0.14</a:t>
+                      </a:r>
+                    </a:p>
+                  </a:txBody>
+                  <a:tcPr marL="21584" marR="21584" marT="17267" marB="17267" anchor="ctr">
+                    <a:solidFill>
+                      <a:srgbClr val="FFFF00"/>
+                    </a:solidFill>
+                  </a:tcPr>
+                </a:tc>
+                <a:extLst>
+                  <a:ext uri="{0D108BD9-81ED-4DB2-BD59-A6C34878D82A}">
+                    <a16:rowId xmlns:a16="http://schemas.microsoft.com/office/drawing/2014/main" val="977167281"/>
+                  </a:ext>
+                </a:extLst>
+              </a:tr>
+              <a:tr h="241741">
+                <a:tc>
+                  <a:txBody>
+                    <a:bodyPr/>
+                    <a:lstStyle/>
+                    <a:p>
+                      <a:r>
+                        <a:rPr lang="en-US" sz="1100">
+                          <a:effectLst/>
+                          <a:latin typeface="Monaco" pitchFamily="2" charset="77"/>
+                        </a:rPr>
+                        <a:t>0</a:t>
+                      </a:r>
+                    </a:p>
+                  </a:txBody>
+                  <a:tcPr marL="21584" marR="21584" marT="17267" marB="17267" anchor="ctr">
+                    <a:solidFill>
+                      <a:srgbClr val="FFFF00"/>
+                    </a:solidFill>
+                  </a:tcPr>
+                </a:tc>
+                <a:tc>
+                  <a:txBody>
+                    <a:bodyPr/>
+                    <a:lstStyle/>
+                    <a:p>
+                      <a:r>
+                        <a:rPr lang="en-US" sz="1100">
+                          <a:effectLst/>
+                          <a:latin typeface="Monaco" pitchFamily="2" charset="77"/>
+                        </a:rPr>
+                        <a:t>N</a:t>
+                      </a:r>
+                    </a:p>
+                  </a:txBody>
+                  <a:tcPr marL="21584" marR="21584" marT="17267" marB="17267" anchor="ctr">
+                    <a:solidFill>
+                      <a:srgbClr val="FFFF00"/>
+                    </a:solidFill>
+                  </a:tcPr>
+                </a:tc>
+                <a:tc>
+                  <a:txBody>
+                    <a:bodyPr/>
+                    <a:lstStyle/>
+                    <a:p>
+                      <a:r>
+                        <a:rPr lang="en-US" sz="1100">
+                          <a:effectLst/>
+                          <a:latin typeface="Monaco" pitchFamily="2" charset="77"/>
+                        </a:rPr>
+                        <a:t>1.67</a:t>
+                      </a:r>
+                    </a:p>
+                  </a:txBody>
+                  <a:tcPr marL="21584" marR="21584" marT="17267" marB="17267" anchor="ctr">
+                    <a:solidFill>
+                      <a:srgbClr val="FFFF00"/>
+                    </a:solidFill>
+                  </a:tcPr>
+                </a:tc>
+                <a:tc>
+                  <a:txBody>
+                    <a:bodyPr/>
+                    <a:lstStyle/>
+                    <a:p>
+                      <a:r>
+                        <a:rPr lang="en-US" sz="1100">
+                          <a:effectLst/>
+                          <a:latin typeface="Monaco" pitchFamily="2" charset="77"/>
+                        </a:rPr>
+                        <a:t>0.13</a:t>
+                      </a:r>
+                    </a:p>
+                  </a:txBody>
+                  <a:tcPr marL="21584" marR="21584" marT="17267" marB="17267" anchor="ctr">
+                    <a:solidFill>
+                      <a:srgbClr val="FFFF00"/>
+                    </a:solidFill>
+                  </a:tcPr>
+                </a:tc>
+                <a:extLst>
+                  <a:ext uri="{0D108BD9-81ED-4DB2-BD59-A6C34878D82A}">
+                    <a16:rowId xmlns:a16="http://schemas.microsoft.com/office/drawing/2014/main" val="48299891"/>
+                  </a:ext>
+                </a:extLst>
+              </a:tr>
+              <a:tr h="241741">
+                <a:tc>
+                  <a:txBody>
+                    <a:bodyPr/>
+                    <a:lstStyle/>
+                    <a:p>
+                      <a:r>
+                        <a:rPr lang="en-US" sz="1100">
+                          <a:effectLst/>
+                          <a:latin typeface="Monaco" pitchFamily="2" charset="77"/>
+                        </a:rPr>
+                        <a:t>0</a:t>
+                      </a:r>
+                    </a:p>
+                  </a:txBody>
+                  <a:tcPr marL="21584" marR="21584" marT="17267" marB="17267" anchor="ctr">
+                    <a:solidFill>
+                      <a:srgbClr val="FFFF00"/>
+                    </a:solidFill>
+                  </a:tcPr>
+                </a:tc>
+                <a:tc>
+                  <a:txBody>
+                    <a:bodyPr/>
+                    <a:lstStyle/>
+                    <a:p>
+                      <a:r>
+                        <a:rPr lang="en-US" sz="1100">
+                          <a:effectLst/>
+                          <a:latin typeface="Monaco" pitchFamily="2" charset="77"/>
+                        </a:rPr>
+                        <a:t>O</a:t>
+                      </a:r>
+                    </a:p>
+                  </a:txBody>
+                  <a:tcPr marL="21584" marR="21584" marT="17267" marB="17267" anchor="ctr">
+                    <a:solidFill>
+                      <a:srgbClr val="FFFF00"/>
+                    </a:solidFill>
+                  </a:tcPr>
+                </a:tc>
+                <a:tc>
+                  <a:txBody>
+                    <a:bodyPr/>
+                    <a:lstStyle/>
+                    <a:p>
+                      <a:r>
+                        <a:rPr lang="en-US" sz="1100">
+                          <a:effectLst/>
+                          <a:latin typeface="Monaco" pitchFamily="2" charset="77"/>
+                        </a:rPr>
+                        <a:t>1.70</a:t>
+                      </a:r>
+                    </a:p>
+                  </a:txBody>
+                  <a:tcPr marL="21584" marR="21584" marT="17267" marB="17267" anchor="ctr">
+                    <a:solidFill>
+                      <a:srgbClr val="FFFF00"/>
+                    </a:solidFill>
+                  </a:tcPr>
+                </a:tc>
+                <a:tc>
+                  <a:txBody>
+                    <a:bodyPr/>
+                    <a:lstStyle/>
+                    <a:p>
+                      <a:r>
+                        <a:rPr lang="en-US" sz="1100">
+                          <a:effectLst/>
+                          <a:latin typeface="Monaco" pitchFamily="2" charset="77"/>
+                        </a:rPr>
+                        <a:t>0.11</a:t>
+                      </a:r>
+                    </a:p>
+                  </a:txBody>
+                  <a:tcPr marL="21584" marR="21584" marT="17267" marB="17267" anchor="ctr">
+                    <a:solidFill>
+                      <a:srgbClr val="FFFF00"/>
+                    </a:solidFill>
+                  </a:tcPr>
+                </a:tc>
+                <a:extLst>
+                  <a:ext uri="{0D108BD9-81ED-4DB2-BD59-A6C34878D82A}">
+                    <a16:rowId xmlns:a16="http://schemas.microsoft.com/office/drawing/2014/main" val="2663566941"/>
+                  </a:ext>
+                </a:extLst>
+              </a:tr>
+              <a:tr h="241741">
+                <a:tc>
+                  <a:txBody>
+                    <a:bodyPr/>
+                    <a:lstStyle/>
+                    <a:p>
+                      <a:r>
+                        <a:rPr lang="en-US" sz="1100">
+                          <a:effectLst/>
+                          <a:latin typeface="Monaco" pitchFamily="2" charset="77"/>
+                        </a:rPr>
+                        <a:t>0</a:t>
+                      </a:r>
+                    </a:p>
+                  </a:txBody>
+                  <a:tcPr marL="21584" marR="21584" marT="17267" marB="17267" anchor="ctr">
+                    <a:solidFill>
+                      <a:srgbClr val="FFFF00"/>
+                    </a:solidFill>
+                  </a:tcPr>
+                </a:tc>
+                <a:tc>
+                  <a:txBody>
+                    <a:bodyPr/>
+                    <a:lstStyle/>
+                    <a:p>
+                      <a:r>
+                        <a:rPr lang="en-US" sz="1100">
+                          <a:effectLst/>
+                          <a:latin typeface="Monaco" pitchFamily="2" charset="77"/>
+                        </a:rPr>
+                        <a:t>P</a:t>
+                      </a:r>
+                    </a:p>
+                  </a:txBody>
+                  <a:tcPr marL="21584" marR="21584" marT="17267" marB="17267" anchor="ctr">
+                    <a:solidFill>
+                      <a:srgbClr val="FFFF00"/>
+                    </a:solidFill>
+                  </a:tcPr>
+                </a:tc>
+                <a:tc>
+                  <a:txBody>
+                    <a:bodyPr/>
+                    <a:lstStyle/>
+                    <a:p>
+                      <a:r>
+                        <a:rPr lang="en-US" sz="1100">
+                          <a:effectLst/>
+                          <a:latin typeface="Monaco" pitchFamily="2" charset="77"/>
+                        </a:rPr>
+                        <a:t>1.37</a:t>
+                      </a:r>
+                    </a:p>
+                  </a:txBody>
+                  <a:tcPr marL="21584" marR="21584" marT="17267" marB="17267" anchor="ctr">
+                    <a:solidFill>
+                      <a:srgbClr val="FFFF00"/>
+                    </a:solidFill>
+                  </a:tcPr>
+                </a:tc>
+                <a:tc>
+                  <a:txBody>
+                    <a:bodyPr/>
+                    <a:lstStyle/>
+                    <a:p>
+                      <a:r>
+                        <a:rPr lang="en-US" sz="1100">
+                          <a:effectLst/>
+                          <a:latin typeface="Monaco" pitchFamily="2" charset="77"/>
+                        </a:rPr>
+                        <a:t>0.13</a:t>
+                      </a:r>
+                    </a:p>
+                  </a:txBody>
+                  <a:tcPr marL="21584" marR="21584" marT="17267" marB="17267" anchor="ctr">
+                    <a:solidFill>
+                      <a:srgbClr val="FFFF00"/>
+                    </a:solidFill>
+                  </a:tcPr>
+                </a:tc>
+                <a:extLst>
+                  <a:ext uri="{0D108BD9-81ED-4DB2-BD59-A6C34878D82A}">
+                    <a16:rowId xmlns:a16="http://schemas.microsoft.com/office/drawing/2014/main" val="3228889066"/>
+                  </a:ext>
+                </a:extLst>
+              </a:tr>
+              <a:tr h="241741">
+                <a:tc>
+                  <a:txBody>
+                    <a:bodyPr/>
+                    <a:lstStyle/>
+                    <a:p>
+                      <a:r>
+                        <a:rPr lang="en-US" sz="1100">
+                          <a:effectLst/>
+                          <a:latin typeface="Monaco" pitchFamily="2" charset="77"/>
+                        </a:rPr>
+                        <a:t>0</a:t>
+                      </a:r>
+                    </a:p>
+                  </a:txBody>
+                  <a:tcPr marL="21584" marR="21584" marT="17267" marB="17267" anchor="ctr">
+                    <a:solidFill>
+                      <a:srgbClr val="FFFF00"/>
+                    </a:solidFill>
+                  </a:tcPr>
+                </a:tc>
+                <a:tc>
+                  <a:txBody>
+                    <a:bodyPr/>
+                    <a:lstStyle/>
+                    <a:p>
+                      <a:r>
+                        <a:rPr lang="en-US" sz="1100">
+                          <a:effectLst/>
+                          <a:latin typeface="Monaco" pitchFamily="2" charset="77"/>
+                        </a:rPr>
+                        <a:t>Q</a:t>
+                      </a:r>
+                    </a:p>
+                  </a:txBody>
+                  <a:tcPr marL="21584" marR="21584" marT="17267" marB="17267" anchor="ctr">
+                    <a:solidFill>
+                      <a:srgbClr val="FFFF00"/>
+                    </a:solidFill>
+                  </a:tcPr>
+                </a:tc>
+                <a:tc>
+                  <a:txBody>
+                    <a:bodyPr/>
+                    <a:lstStyle/>
+                    <a:p>
+                      <a:r>
+                        <a:rPr lang="en-US" sz="1100">
+                          <a:effectLst/>
+                          <a:latin typeface="Monaco" pitchFamily="2" charset="77"/>
+                        </a:rPr>
+                        <a:t>1.57</a:t>
+                      </a:r>
+                    </a:p>
+                  </a:txBody>
+                  <a:tcPr marL="21584" marR="21584" marT="17267" marB="17267" anchor="ctr">
+                    <a:solidFill>
+                      <a:srgbClr val="FFFF00"/>
+                    </a:solidFill>
+                  </a:tcPr>
+                </a:tc>
+                <a:tc>
+                  <a:txBody>
+                    <a:bodyPr/>
+                    <a:lstStyle/>
+                    <a:p>
+                      <a:r>
+                        <a:rPr lang="en-US" sz="1100" dirty="0">
+                          <a:effectLst/>
+                          <a:latin typeface="Monaco" pitchFamily="2" charset="77"/>
+                        </a:rPr>
+                        <a:t>0.11</a:t>
+                      </a:r>
+                    </a:p>
+                  </a:txBody>
+                  <a:tcPr marL="21584" marR="21584" marT="17267" marB="17267" anchor="ctr">
+                    <a:solidFill>
+                      <a:srgbClr val="FFFF00"/>
+                    </a:solidFill>
+                  </a:tcPr>
+                </a:tc>
+                <a:extLst>
+                  <a:ext uri="{0D108BD9-81ED-4DB2-BD59-A6C34878D82A}">
+                    <a16:rowId xmlns:a16="http://schemas.microsoft.com/office/drawing/2014/main" val="1394756233"/>
+                  </a:ext>
+                </a:extLst>
+              </a:tr>
+              <a:tr h="241741">
+                <a:tc>
+                  <a:txBody>
+                    <a:bodyPr/>
+                    <a:lstStyle/>
+                    <a:p>
+                      <a:r>
+                        <a:rPr lang="en-US" sz="1100" dirty="0">
+                          <a:effectLst/>
+                          <a:latin typeface="Monaco" pitchFamily="2" charset="77"/>
+                        </a:rPr>
+                        <a:t>0</a:t>
+                      </a:r>
+                    </a:p>
+                  </a:txBody>
+                  <a:tcPr marL="21584" marR="21584" marT="17267" marB="17267" anchor="ctr"/>
+                </a:tc>
+                <a:tc>
+                  <a:txBody>
+                    <a:bodyPr/>
+                    <a:lstStyle/>
+                    <a:p>
+                      <a:r>
+                        <a:rPr lang="en-US" sz="1100">
+                          <a:effectLst/>
+                          <a:latin typeface="Monaco" pitchFamily="2" charset="77"/>
+                        </a:rPr>
+                        <a:t>R</a:t>
+                      </a:r>
+                    </a:p>
+                  </a:txBody>
+                  <a:tcPr marL="21584" marR="21584" marT="17267" marB="17267" anchor="ctr"/>
+                </a:tc>
+                <a:tc>
+                  <a:txBody>
+                    <a:bodyPr/>
+                    <a:lstStyle/>
+                    <a:p>
+                      <a:r>
+                        <a:rPr lang="en-US" sz="1100">
+                          <a:effectLst/>
+                          <a:latin typeface="Monaco" pitchFamily="2" charset="77"/>
+                        </a:rPr>
+                        <a:t>-2.36</a:t>
+                      </a:r>
+                    </a:p>
+                  </a:txBody>
+                  <a:tcPr marL="21584" marR="21584" marT="17267" marB="17267" anchor="ctr"/>
+                </a:tc>
+                <a:tc>
+                  <a:txBody>
+                    <a:bodyPr/>
+                    <a:lstStyle/>
+                    <a:p>
+                      <a:r>
+                        <a:rPr lang="en-US" sz="1100" dirty="0">
+                          <a:effectLst/>
+                          <a:latin typeface="Monaco" pitchFamily="2" charset="77"/>
+                        </a:rPr>
+                        <a:t>3814.38</a:t>
+                      </a:r>
+                    </a:p>
+                  </a:txBody>
+                  <a:tcPr marL="21584" marR="21584" marT="17267" marB="17267" anchor="ctr"/>
+                </a:tc>
+                <a:extLst>
+                  <a:ext uri="{0D108BD9-81ED-4DB2-BD59-A6C34878D82A}">
+                    <a16:rowId xmlns:a16="http://schemas.microsoft.com/office/drawing/2014/main" val="630022800"/>
+                  </a:ext>
+                </a:extLst>
+              </a:tr>
+            </a:tbl>
+          </a:graphicData>
+        </a:graphic>
+      </p:graphicFrame>
+      <mc:AlternateContent xmlns:mc="http://schemas.openxmlformats.org/markup-compatibility/2006">
+        <mc:Choice xmlns:a14="http://schemas.microsoft.com/office/drawing/2010/main" Requires="a14">
+          <p:sp>
+            <p:nvSpPr>
+              <p:cNvPr id="3" name="TextBox 2">
+                <a:extLst>
+                  <a:ext uri="{FF2B5EF4-FFF2-40B4-BE49-F238E27FC236}">
+                    <a16:creationId xmlns:a16="http://schemas.microsoft.com/office/drawing/2014/main" id="{7C5F4DE7-739D-1D4C-8E3E-E657AE601F7D}"/>
+                  </a:ext>
+                </a:extLst>
+              </p:cNvPr>
+              <p:cNvSpPr txBox="1"/>
+              <p:nvPr/>
+            </p:nvSpPr>
+            <p:spPr>
+              <a:xfrm>
+                <a:off x="508430" y="381815"/>
+                <a:ext cx="5117670" cy="1077218"/>
+              </a:xfrm>
+              <a:prstGeom prst="rect">
+                <a:avLst/>
+              </a:prstGeom>
+              <a:noFill/>
+            </p:spPr>
+            <p:txBody>
+              <a:bodyPr wrap="square" rtlCol="0">
+                <a:spAutoFit/>
+              </a:bodyPr>
+              <a:lstStyle/>
+              <a:p>
+                <a:pPr algn="just"/>
+                <a:r>
+                  <a:rPr lang="en-GB" sz="1600" i="1" dirty="0">
+                    <a:latin typeface="Cambria" panose="02040503050406030204" pitchFamily="18" charset="0"/>
+                  </a:rPr>
+                  <a:t>Table 110. Predicted size at maturity among populations of generation 0. The estimated parameter (Mean) and its standard error (SE) define the </a:t>
+                </a:r>
+                <a14:m>
+                  <m:oMath xmlns:m="http://schemas.openxmlformats.org/officeDocument/2006/math">
+                    <m:func>
+                      <m:funcPr>
+                        <m:ctrlPr>
+                          <a:rPr lang="sv-SE" sz="1600" b="0" i="1" smtClean="0">
+                            <a:latin typeface="Cambria Math" panose="02040503050406030204" pitchFamily="18" charset="0"/>
+                          </a:rPr>
+                        </m:ctrlPr>
+                      </m:funcPr>
+                      <m:fName>
+                        <m:r>
+                          <m:rPr>
+                            <m:sty m:val="p"/>
+                          </m:rPr>
+                          <a:rPr lang="sv-SE" sz="1600" b="0" i="0" smtClean="0">
+                            <a:latin typeface="Cambria Math" panose="02040503050406030204" pitchFamily="18" charset="0"/>
+                          </a:rPr>
+                          <m:t>ln</m:t>
+                        </m:r>
+                      </m:fName>
+                      <m:e>
+                        <m:r>
+                          <m:rPr>
+                            <m:nor/>
+                          </m:rPr>
+                          <a:rPr lang="sv-SE" sz="1600" b="0" i="0" smtClean="0">
+                            <a:latin typeface="Cambria Math" panose="02040503050406030204" pitchFamily="18" charset="0"/>
+                          </a:rPr>
+                          <m:t>size</m:t>
+                        </m:r>
+                      </m:e>
+                    </m:func>
+                  </m:oMath>
+                </a14:m>
+                <a:r>
+                  <a:rPr lang="en-GB" sz="1600" i="1" dirty="0">
+                    <a:latin typeface="Cambria" panose="02040503050406030204" pitchFamily="18" charset="0"/>
+                  </a:rPr>
+                  <a:t> at 50% maturity. The slope parameter was fixed to 0.18 (Model 1b).</a:t>
+                </a:r>
+              </a:p>
+            </p:txBody>
+          </p:sp>
+        </mc:Choice>
+        <mc:Fallback>
+          <p:sp>
+            <p:nvSpPr>
+              <p:cNvPr id="3" name="TextBox 2">
+                <a:extLst>
+                  <a:ext uri="{FF2B5EF4-FFF2-40B4-BE49-F238E27FC236}">
+                    <a16:creationId xmlns:a16="http://schemas.microsoft.com/office/drawing/2014/main" id="{7C5F4DE7-739D-1D4C-8E3E-E657AE601F7D}"/>
+                  </a:ext>
+                </a:extLst>
+              </p:cNvPr>
+              <p:cNvSpPr txBox="1">
+                <a:spLocks noRot="1" noChangeAspect="1" noMove="1" noResize="1" noEditPoints="1" noAdjustHandles="1" noChangeArrowheads="1" noChangeShapeType="1" noTextEdit="1"/>
+              </p:cNvSpPr>
+              <p:nvPr/>
+            </p:nvSpPr>
+            <p:spPr>
+              <a:xfrm>
+                <a:off x="508430" y="381815"/>
+                <a:ext cx="5117670" cy="1077218"/>
+              </a:xfrm>
+              <a:prstGeom prst="rect">
+                <a:avLst/>
+              </a:prstGeom>
+              <a:blipFill>
+                <a:blip r:embed="rId2"/>
+                <a:stretch>
+                  <a:fillRect l="-495" t="-1163" r="-495" b="-5814"/>
+                </a:stretch>
+              </a:blipFill>
+            </p:spPr>
+            <p:txBody>
+              <a:bodyPr/>
+              <a:lstStyle/>
+              <a:p>
+                <a:r>
+                  <a:rPr lang="en-GB">
+                    <a:noFill/>
+                  </a:rPr>
+                  <a:t> </a:t>
+                </a:r>
+              </a:p>
+            </p:txBody>
+          </p:sp>
+        </mc:Fallback>
+      </mc:AlternateContent>
+    </p:spTree>
+    <p:extLst>
+      <p:ext uri="{BB962C8B-B14F-4D97-AF65-F5344CB8AC3E}">
+        <p14:creationId xmlns:p14="http://schemas.microsoft.com/office/powerpoint/2010/main" val="204301127"/>
+      </p:ext>
+    </p:extLst>
+  </p:cSld>
+  <p:clrMapOvr>
+    <a:masterClrMapping/>
+  </p:clrMapOvr>
+</p:sld>
+</file>
+
+<file path=ppt/slides/slide12.xml><?xml version="1.0" encoding="utf-8"?>
+<p:sld xmlns:a="http://schemas.openxmlformats.org/drawingml/2006/main" xmlns:r="http://schemas.openxmlformats.org/officeDocument/2006/relationships" xmlns:p="http://schemas.openxmlformats.org/presentationml/2006/main">
+  <p:cSld>
+    <p:spTree>
+      <p:nvGrpSpPr>
+        <p:cNvPr id="1" name=""/>
+        <p:cNvGrpSpPr/>
+        <p:nvPr/>
+      </p:nvGrpSpPr>
+      <p:grpSpPr>
+        <a:xfrm>
+          <a:off x="0" y="0"/>
+          <a:ext cx="0" cy="0"/>
+          <a:chOff x="0" y="0"/>
+          <a:chExt cx="0" cy="0"/>
+        </a:xfrm>
+      </p:grpSpPr>
+      <p:sp>
+        <p:nvSpPr>
           <p:cNvPr id="2" name="Rectangle 1">
             <a:extLst>
               <a:ext uri="{FF2B5EF4-FFF2-40B4-BE49-F238E27FC236}">
@@ -3581,7 +5590,7 @@
         <p:spPr>
           <a:xfrm>
             <a:off x="95290" y="126747"/>
-            <a:ext cx="4695966" cy="369332"/>
+            <a:ext cx="5352043" cy="369332"/>
           </a:xfrm>
           <a:prstGeom prst="rect">
             <a:avLst/>
@@ -3596,50 +5605,828 @@
           <a:p>
             <a:r>
               <a:rPr lang="en-GB" b="1" dirty="0">
-                <a:latin typeface="Optima" panose="02000503060000020004" pitchFamily="2" charset="0"/>
-              </a:rPr>
-              <a:t>Model 4: one slope and separate populations</a:t>
+                <a:latin typeface="Cambria" panose="02040503050406030204" pitchFamily="18" charset="0"/>
+              </a:rPr>
+              <a:t>Model 4: 18 parameters, one </a:t>
+            </a:r>
+            <a:r>
+              <a:rPr lang="en-GB" b="1" i="1" dirty="0">
+                <a:latin typeface="Cambria" panose="02040503050406030204" pitchFamily="18" charset="0"/>
+              </a:rPr>
+              <a:t>slope</a:t>
+            </a:r>
+            <a:r>
+              <a:rPr lang="en-GB" b="1" dirty="0">
+                <a:latin typeface="Cambria" panose="02040503050406030204" pitchFamily="18" charset="0"/>
+              </a:rPr>
+              <a:t> plus 17 </a:t>
+            </a:r>
+            <a:r>
+              <a:rPr lang="en-GB" b="1" i="1" dirty="0">
+                <a:latin typeface="Cambria" panose="02040503050406030204" pitchFamily="18" charset="0"/>
+              </a:rPr>
+              <a:t>means</a:t>
             </a:r>
           </a:p>
         </p:txBody>
       </p:sp>
+      <p:graphicFrame>
+        <p:nvGraphicFramePr>
+          <p:cNvPr id="5" name="Table 4">
+            <a:extLst>
+              <a:ext uri="{FF2B5EF4-FFF2-40B4-BE49-F238E27FC236}">
+                <a16:creationId xmlns:a16="http://schemas.microsoft.com/office/drawing/2014/main" id="{AEF5DF53-0479-D747-A42C-32BFD4D4C8D7}"/>
+              </a:ext>
+            </a:extLst>
+          </p:cNvPr>
+          <p:cNvGraphicFramePr>
+            <a:graphicFrameLocks noGrp="1"/>
+          </p:cNvGraphicFramePr>
+          <p:nvPr>
+            <p:extLst>
+              <p:ext uri="{D42A27DB-BD31-4B8C-83A1-F6EECF244321}">
+                <p14:modId xmlns:p14="http://schemas.microsoft.com/office/powerpoint/2010/main" val="805343103"/>
+              </p:ext>
+            </p:extLst>
+          </p:nvPr>
+        </p:nvGraphicFramePr>
+        <p:xfrm>
+          <a:off x="182367" y="1238854"/>
+          <a:ext cx="11679433" cy="550965"/>
+        </p:xfrm>
+        <a:graphic>
+          <a:graphicData uri="http://schemas.openxmlformats.org/drawingml/2006/table">
+            <a:tbl>
+              <a:tblPr firstRow="1" bandRow="1">
+                <a:tableStyleId>{8799B23B-EC83-4686-B30A-512413B5E67A}</a:tableStyleId>
+              </a:tblPr>
+              <a:tblGrid>
+                <a:gridCol w="614707">
+                  <a:extLst>
+                    <a:ext uri="{9D8B030D-6E8A-4147-A177-3AD203B41FA5}">
+                      <a16:colId xmlns:a16="http://schemas.microsoft.com/office/drawing/2014/main" val="1142775753"/>
+                    </a:ext>
+                  </a:extLst>
+                </a:gridCol>
+                <a:gridCol w="614707">
+                  <a:extLst>
+                    <a:ext uri="{9D8B030D-6E8A-4147-A177-3AD203B41FA5}">
+                      <a16:colId xmlns:a16="http://schemas.microsoft.com/office/drawing/2014/main" val="1404837774"/>
+                    </a:ext>
+                  </a:extLst>
+                </a:gridCol>
+                <a:gridCol w="614707">
+                  <a:extLst>
+                    <a:ext uri="{9D8B030D-6E8A-4147-A177-3AD203B41FA5}">
+                      <a16:colId xmlns:a16="http://schemas.microsoft.com/office/drawing/2014/main" val="246323040"/>
+                    </a:ext>
+                  </a:extLst>
+                </a:gridCol>
+                <a:gridCol w="614707">
+                  <a:extLst>
+                    <a:ext uri="{9D8B030D-6E8A-4147-A177-3AD203B41FA5}">
+                      <a16:colId xmlns:a16="http://schemas.microsoft.com/office/drawing/2014/main" val="1515245812"/>
+                    </a:ext>
+                  </a:extLst>
+                </a:gridCol>
+                <a:gridCol w="614707">
+                  <a:extLst>
+                    <a:ext uri="{9D8B030D-6E8A-4147-A177-3AD203B41FA5}">
+                      <a16:colId xmlns:a16="http://schemas.microsoft.com/office/drawing/2014/main" val="481988100"/>
+                    </a:ext>
+                  </a:extLst>
+                </a:gridCol>
+                <a:gridCol w="614707">
+                  <a:extLst>
+                    <a:ext uri="{9D8B030D-6E8A-4147-A177-3AD203B41FA5}">
+                      <a16:colId xmlns:a16="http://schemas.microsoft.com/office/drawing/2014/main" val="3867225493"/>
+                    </a:ext>
+                  </a:extLst>
+                </a:gridCol>
+                <a:gridCol w="614707">
+                  <a:extLst>
+                    <a:ext uri="{9D8B030D-6E8A-4147-A177-3AD203B41FA5}">
+                      <a16:colId xmlns:a16="http://schemas.microsoft.com/office/drawing/2014/main" val="2423523534"/>
+                    </a:ext>
+                  </a:extLst>
+                </a:gridCol>
+                <a:gridCol w="614707">
+                  <a:extLst>
+                    <a:ext uri="{9D8B030D-6E8A-4147-A177-3AD203B41FA5}">
+                      <a16:colId xmlns:a16="http://schemas.microsoft.com/office/drawing/2014/main" val="4278220730"/>
+                    </a:ext>
+                  </a:extLst>
+                </a:gridCol>
+                <a:gridCol w="614707">
+                  <a:extLst>
+                    <a:ext uri="{9D8B030D-6E8A-4147-A177-3AD203B41FA5}">
+                      <a16:colId xmlns:a16="http://schemas.microsoft.com/office/drawing/2014/main" val="2301908397"/>
+                    </a:ext>
+                  </a:extLst>
+                </a:gridCol>
+                <a:gridCol w="614707">
+                  <a:extLst>
+                    <a:ext uri="{9D8B030D-6E8A-4147-A177-3AD203B41FA5}">
+                      <a16:colId xmlns:a16="http://schemas.microsoft.com/office/drawing/2014/main" val="4283630566"/>
+                    </a:ext>
+                  </a:extLst>
+                </a:gridCol>
+                <a:gridCol w="614707">
+                  <a:extLst>
+                    <a:ext uri="{9D8B030D-6E8A-4147-A177-3AD203B41FA5}">
+                      <a16:colId xmlns:a16="http://schemas.microsoft.com/office/drawing/2014/main" val="1285668032"/>
+                    </a:ext>
+                  </a:extLst>
+                </a:gridCol>
+                <a:gridCol w="614707">
+                  <a:extLst>
+                    <a:ext uri="{9D8B030D-6E8A-4147-A177-3AD203B41FA5}">
+                      <a16:colId xmlns:a16="http://schemas.microsoft.com/office/drawing/2014/main" val="3456741400"/>
+                    </a:ext>
+                  </a:extLst>
+                </a:gridCol>
+                <a:gridCol w="614707">
+                  <a:extLst>
+                    <a:ext uri="{9D8B030D-6E8A-4147-A177-3AD203B41FA5}">
+                      <a16:colId xmlns:a16="http://schemas.microsoft.com/office/drawing/2014/main" val="506109406"/>
+                    </a:ext>
+                  </a:extLst>
+                </a:gridCol>
+                <a:gridCol w="614707">
+                  <a:extLst>
+                    <a:ext uri="{9D8B030D-6E8A-4147-A177-3AD203B41FA5}">
+                      <a16:colId xmlns:a16="http://schemas.microsoft.com/office/drawing/2014/main" val="1018379969"/>
+                    </a:ext>
+                  </a:extLst>
+                </a:gridCol>
+                <a:gridCol w="614707">
+                  <a:extLst>
+                    <a:ext uri="{9D8B030D-6E8A-4147-A177-3AD203B41FA5}">
+                      <a16:colId xmlns:a16="http://schemas.microsoft.com/office/drawing/2014/main" val="1958681036"/>
+                    </a:ext>
+                  </a:extLst>
+                </a:gridCol>
+                <a:gridCol w="614707">
+                  <a:extLst>
+                    <a:ext uri="{9D8B030D-6E8A-4147-A177-3AD203B41FA5}">
+                      <a16:colId xmlns:a16="http://schemas.microsoft.com/office/drawing/2014/main" val="3336706370"/>
+                    </a:ext>
+                  </a:extLst>
+                </a:gridCol>
+                <a:gridCol w="614707">
+                  <a:extLst>
+                    <a:ext uri="{9D8B030D-6E8A-4147-A177-3AD203B41FA5}">
+                      <a16:colId xmlns:a16="http://schemas.microsoft.com/office/drawing/2014/main" val="1015628253"/>
+                    </a:ext>
+                  </a:extLst>
+                </a:gridCol>
+                <a:gridCol w="614707">
+                  <a:extLst>
+                    <a:ext uri="{9D8B030D-6E8A-4147-A177-3AD203B41FA5}">
+                      <a16:colId xmlns:a16="http://schemas.microsoft.com/office/drawing/2014/main" val="3961284796"/>
+                    </a:ext>
+                  </a:extLst>
+                </a:gridCol>
+                <a:gridCol w="614707">
+                  <a:extLst>
+                    <a:ext uri="{9D8B030D-6E8A-4147-A177-3AD203B41FA5}">
+                      <a16:colId xmlns:a16="http://schemas.microsoft.com/office/drawing/2014/main" val="374752414"/>
+                    </a:ext>
+                  </a:extLst>
+                </a:gridCol>
+              </a:tblGrid>
+              <a:tr h="246375">
+                <a:tc>
+                  <a:txBody>
+                    <a:bodyPr/>
+                    <a:lstStyle/>
+                    <a:p>
+                      <a:r>
+                        <a:rPr lang="en-GB" sz="800" dirty="0">
+                          <a:latin typeface="Monaco" pitchFamily="2" charset="77"/>
+                        </a:rPr>
+                        <a:t>Juvenile (0)</a:t>
+                      </a:r>
+                    </a:p>
+                  </a:txBody>
+                  <a:tcPr marL="60750" marR="60750" marT="30375" marB="30375"/>
+                </a:tc>
+                <a:tc>
+                  <a:txBody>
+                    <a:bodyPr/>
+                    <a:lstStyle/>
+                    <a:p>
+                      <a:r>
+                        <a:rPr lang="en-GB" sz="800" dirty="0">
+                          <a:latin typeface="Monaco" pitchFamily="2" charset="77"/>
+                        </a:rPr>
+                        <a:t>Adult A (1)</a:t>
+                      </a:r>
+                    </a:p>
+                  </a:txBody>
+                  <a:tcPr marL="60750" marR="60750" marT="30375" marB="30375"/>
+                </a:tc>
+                <a:tc>
+                  <a:txBody>
+                    <a:bodyPr/>
+                    <a:lstStyle/>
+                    <a:p>
+                      <a:r>
+                        <a:rPr lang="en-GB" sz="800" dirty="0">
+                          <a:latin typeface="Monaco" pitchFamily="2" charset="77"/>
+                        </a:rPr>
+                        <a:t>Adult B (2)</a:t>
+                      </a:r>
+                    </a:p>
+                  </a:txBody>
+                  <a:tcPr marL="60750" marR="60750" marT="30375" marB="30375"/>
+                </a:tc>
+                <a:tc>
+                  <a:txBody>
+                    <a:bodyPr/>
+                    <a:lstStyle/>
+                    <a:p>
+                      <a:r>
+                        <a:rPr lang="en-GB" sz="800" dirty="0">
+                          <a:latin typeface="Monaco" pitchFamily="2" charset="77"/>
+                        </a:rPr>
+                        <a:t>Adult C (3)</a:t>
+                      </a:r>
+                    </a:p>
+                  </a:txBody>
+                  <a:tcPr marL="60750" marR="60750" marT="30375" marB="30375"/>
+                </a:tc>
+                <a:tc>
+                  <a:txBody>
+                    <a:bodyPr/>
+                    <a:lstStyle/>
+                    <a:p>
+                      <a:r>
+                        <a:rPr lang="en-GB" sz="800" dirty="0">
+                          <a:latin typeface="Monaco" pitchFamily="2" charset="77"/>
+                        </a:rPr>
+                        <a:t>Adult D (4)</a:t>
+                      </a:r>
+                    </a:p>
+                  </a:txBody>
+                  <a:tcPr marL="60750" marR="60750" marT="30375" marB="30375"/>
+                </a:tc>
+                <a:tc>
+                  <a:txBody>
+                    <a:bodyPr/>
+                    <a:lstStyle/>
+                    <a:p>
+                      <a:r>
+                        <a:rPr lang="en-GB" sz="800" dirty="0">
+                          <a:latin typeface="Monaco" pitchFamily="2" charset="77"/>
+                        </a:rPr>
+                        <a:t>Adult E (5)</a:t>
+                      </a:r>
+                    </a:p>
+                  </a:txBody>
+                  <a:tcPr marL="60750" marR="60750" marT="30375" marB="30375"/>
+                </a:tc>
+                <a:tc>
+                  <a:txBody>
+                    <a:bodyPr/>
+                    <a:lstStyle/>
+                    <a:p>
+                      <a:r>
+                        <a:rPr lang="en-GB" sz="800" dirty="0">
+                          <a:latin typeface="Monaco" pitchFamily="2" charset="77"/>
+                        </a:rPr>
+                        <a:t>Adult F (6)</a:t>
+                      </a:r>
+                    </a:p>
+                  </a:txBody>
+                  <a:tcPr marL="60750" marR="60750" marT="30375" marB="30375"/>
+                </a:tc>
+                <a:tc>
+                  <a:txBody>
+                    <a:bodyPr/>
+                    <a:lstStyle/>
+                    <a:p>
+                      <a:r>
+                        <a:rPr lang="en-GB" sz="800" dirty="0">
+                          <a:latin typeface="Monaco" pitchFamily="2" charset="77"/>
+                        </a:rPr>
+                        <a:t>Adult G (7)</a:t>
+                      </a:r>
+                    </a:p>
+                  </a:txBody>
+                  <a:tcPr marL="60750" marR="60750" marT="30375" marB="30375"/>
+                </a:tc>
+                <a:tc>
+                  <a:txBody>
+                    <a:bodyPr/>
+                    <a:lstStyle/>
+                    <a:p>
+                      <a:r>
+                        <a:rPr lang="en-GB" sz="800" dirty="0">
+                          <a:latin typeface="Monaco" pitchFamily="2" charset="77"/>
+                        </a:rPr>
+                        <a:t>Adult H (8)</a:t>
+                      </a:r>
+                    </a:p>
+                  </a:txBody>
+                  <a:tcPr marL="60750" marR="60750" marT="30375" marB="30375"/>
+                </a:tc>
+                <a:tc>
+                  <a:txBody>
+                    <a:bodyPr/>
+                    <a:lstStyle/>
+                    <a:p>
+                      <a:r>
+                        <a:rPr lang="en-GB" sz="800" dirty="0">
+                          <a:latin typeface="Monaco" pitchFamily="2" charset="77"/>
+                        </a:rPr>
+                        <a:t>Adult I (9)</a:t>
+                      </a:r>
+                    </a:p>
+                  </a:txBody>
+                  <a:tcPr marL="60750" marR="60750" marT="30375" marB="30375"/>
+                </a:tc>
+                <a:tc>
+                  <a:txBody>
+                    <a:bodyPr/>
+                    <a:lstStyle/>
+                    <a:p>
+                      <a:r>
+                        <a:rPr lang="en-GB" sz="800" dirty="0">
+                          <a:latin typeface="Monaco" pitchFamily="2" charset="77"/>
+                        </a:rPr>
+                        <a:t>Adult J (10)</a:t>
+                      </a:r>
+                    </a:p>
+                  </a:txBody>
+                  <a:tcPr marL="60750" marR="60750" marT="30375" marB="30375"/>
+                </a:tc>
+                <a:tc>
+                  <a:txBody>
+                    <a:bodyPr/>
+                    <a:lstStyle/>
+                    <a:p>
+                      <a:r>
+                        <a:rPr lang="en-GB" sz="800" dirty="0">
+                          <a:latin typeface="Monaco" pitchFamily="2" charset="77"/>
+                        </a:rPr>
+                        <a:t>Adult K (11)</a:t>
+                      </a:r>
+                    </a:p>
+                  </a:txBody>
+                  <a:tcPr marL="60750" marR="60750" marT="30375" marB="30375"/>
+                </a:tc>
+                <a:tc>
+                  <a:txBody>
+                    <a:bodyPr/>
+                    <a:lstStyle/>
+                    <a:p>
+                      <a:r>
+                        <a:rPr lang="en-GB" sz="800" dirty="0">
+                          <a:latin typeface="Monaco" pitchFamily="2" charset="77"/>
+                        </a:rPr>
+                        <a:t>Adult L (12)</a:t>
+                      </a:r>
+                    </a:p>
+                  </a:txBody>
+                  <a:tcPr marL="60750" marR="60750" marT="30375" marB="30375"/>
+                </a:tc>
+                <a:tc>
+                  <a:txBody>
+                    <a:bodyPr/>
+                    <a:lstStyle/>
+                    <a:p>
+                      <a:r>
+                        <a:rPr lang="en-GB" sz="800" dirty="0">
+                          <a:latin typeface="Monaco" pitchFamily="2" charset="77"/>
+                        </a:rPr>
+                        <a:t>Adult M (13)</a:t>
+                      </a:r>
+                    </a:p>
+                  </a:txBody>
+                  <a:tcPr marL="60750" marR="60750" marT="30375" marB="30375"/>
+                </a:tc>
+                <a:tc>
+                  <a:txBody>
+                    <a:bodyPr/>
+                    <a:lstStyle/>
+                    <a:p>
+                      <a:r>
+                        <a:rPr lang="en-GB" sz="800" dirty="0">
+                          <a:latin typeface="Monaco" pitchFamily="2" charset="77"/>
+                        </a:rPr>
+                        <a:t>Adult N (14)</a:t>
+                      </a:r>
+                    </a:p>
+                  </a:txBody>
+                  <a:tcPr marL="60750" marR="60750" marT="30375" marB="30375"/>
+                </a:tc>
+                <a:tc>
+                  <a:txBody>
+                    <a:bodyPr/>
+                    <a:lstStyle/>
+                    <a:p>
+                      <a:r>
+                        <a:rPr lang="en-GB" sz="800" dirty="0">
+                          <a:latin typeface="Monaco" pitchFamily="2" charset="77"/>
+                        </a:rPr>
+                        <a:t>Adult O (15)</a:t>
+                      </a:r>
+                    </a:p>
+                  </a:txBody>
+                  <a:tcPr marL="60750" marR="60750" marT="30375" marB="30375"/>
+                </a:tc>
+                <a:tc>
+                  <a:txBody>
+                    <a:bodyPr/>
+                    <a:lstStyle/>
+                    <a:p>
+                      <a:r>
+                        <a:rPr lang="en-GB" sz="800" dirty="0">
+                          <a:latin typeface="Monaco" pitchFamily="2" charset="77"/>
+                        </a:rPr>
+                        <a:t>Adult P (16)</a:t>
+                      </a:r>
+                    </a:p>
+                  </a:txBody>
+                  <a:tcPr marL="60750" marR="60750" marT="30375" marB="30375"/>
+                </a:tc>
+                <a:tc>
+                  <a:txBody>
+                    <a:bodyPr/>
+                    <a:lstStyle/>
+                    <a:p>
+                      <a:r>
+                        <a:rPr lang="en-GB" sz="800" dirty="0">
+                          <a:latin typeface="Monaco" pitchFamily="2" charset="77"/>
+                        </a:rPr>
+                        <a:t>Adult Q (17)</a:t>
+                      </a:r>
+                    </a:p>
+                  </a:txBody>
+                  <a:tcPr marL="60750" marR="60750" marT="30375" marB="30375"/>
+                </a:tc>
+                <a:tc>
+                  <a:txBody>
+                    <a:bodyPr/>
+                    <a:lstStyle/>
+                    <a:p>
+                      <a:r>
+                        <a:rPr lang="en-GB" sz="800" dirty="0">
+                          <a:latin typeface="Monaco" pitchFamily="2" charset="77"/>
+                        </a:rPr>
+                        <a:t>Adult R (18)</a:t>
+                      </a:r>
+                    </a:p>
+                  </a:txBody>
+                  <a:tcPr marL="60750" marR="60750" marT="30375" marB="30375"/>
+                </a:tc>
+                <a:extLst>
+                  <a:ext uri="{0D108BD9-81ED-4DB2-BD59-A6C34878D82A}">
+                    <a16:rowId xmlns:a16="http://schemas.microsoft.com/office/drawing/2014/main" val="3332999659"/>
+                  </a:ext>
+                </a:extLst>
+              </a:tr>
+              <a:tr h="246375">
+                <a:tc>
+                  <a:txBody>
+                    <a:bodyPr/>
+                    <a:lstStyle/>
+                    <a:p>
+                      <a:r>
+                        <a:rPr lang="en-GB" sz="800" dirty="0">
+                          <a:latin typeface="Monaco" pitchFamily="2" charset="77"/>
+                        </a:rPr>
+                        <a:t>771</a:t>
+                      </a:r>
+                    </a:p>
+                  </a:txBody>
+                  <a:tcPr marL="60750" marR="60750" marT="30375" marB="30375"/>
+                </a:tc>
+                <a:tc>
+                  <a:txBody>
+                    <a:bodyPr/>
+                    <a:lstStyle/>
+                    <a:p>
+                      <a:r>
+                        <a:rPr lang="en-GB" sz="800" dirty="0">
+                          <a:latin typeface="Monaco" pitchFamily="2" charset="77"/>
+                        </a:rPr>
+                        <a:t>15</a:t>
+                      </a:r>
+                    </a:p>
+                  </a:txBody>
+                  <a:tcPr marL="60750" marR="60750" marT="30375" marB="30375"/>
+                </a:tc>
+                <a:tc>
+                  <a:txBody>
+                    <a:bodyPr/>
+                    <a:lstStyle/>
+                    <a:p>
+                      <a:r>
+                        <a:rPr lang="en-GB" sz="800" dirty="0">
+                          <a:latin typeface="Monaco" pitchFamily="2" charset="77"/>
+                        </a:rPr>
+                        <a:t>34</a:t>
+                      </a:r>
+                    </a:p>
+                  </a:txBody>
+                  <a:tcPr marL="60750" marR="60750" marT="30375" marB="30375"/>
+                </a:tc>
+                <a:tc>
+                  <a:txBody>
+                    <a:bodyPr/>
+                    <a:lstStyle/>
+                    <a:p>
+                      <a:r>
+                        <a:rPr lang="en-GB" sz="800" dirty="0">
+                          <a:latin typeface="Monaco" pitchFamily="2" charset="77"/>
+                        </a:rPr>
+                        <a:t>39</a:t>
+                      </a:r>
+                    </a:p>
+                  </a:txBody>
+                  <a:tcPr marL="60750" marR="60750" marT="30375" marB="30375"/>
+                </a:tc>
+                <a:tc>
+                  <a:txBody>
+                    <a:bodyPr/>
+                    <a:lstStyle/>
+                    <a:p>
+                      <a:r>
+                        <a:rPr lang="en-GB" sz="800" dirty="0">
+                          <a:latin typeface="Monaco" pitchFamily="2" charset="77"/>
+                        </a:rPr>
+                        <a:t>37</a:t>
+                      </a:r>
+                    </a:p>
+                  </a:txBody>
+                  <a:tcPr marL="60750" marR="60750" marT="30375" marB="30375"/>
+                </a:tc>
+                <a:tc>
+                  <a:txBody>
+                    <a:bodyPr/>
+                    <a:lstStyle/>
+                    <a:p>
+                      <a:r>
+                        <a:rPr lang="en-GB" sz="800" dirty="0">
+                          <a:latin typeface="Monaco" pitchFamily="2" charset="77"/>
+                        </a:rPr>
+                        <a:t>35</a:t>
+                      </a:r>
+                    </a:p>
+                  </a:txBody>
+                  <a:tcPr marL="60750" marR="60750" marT="30375" marB="30375"/>
+                </a:tc>
+                <a:tc>
+                  <a:txBody>
+                    <a:bodyPr/>
+                    <a:lstStyle/>
+                    <a:p>
+                      <a:r>
+                        <a:rPr lang="en-GB" sz="800" dirty="0">
+                          <a:latin typeface="Monaco" pitchFamily="2" charset="77"/>
+                        </a:rPr>
+                        <a:t>36</a:t>
+                      </a:r>
+                    </a:p>
+                  </a:txBody>
+                  <a:tcPr marL="60750" marR="60750" marT="30375" marB="30375"/>
+                </a:tc>
+                <a:tc>
+                  <a:txBody>
+                    <a:bodyPr/>
+                    <a:lstStyle/>
+                    <a:p>
+                      <a:r>
+                        <a:rPr lang="en-GB" sz="800" dirty="0">
+                          <a:latin typeface="Monaco" pitchFamily="2" charset="77"/>
+                        </a:rPr>
+                        <a:t>23</a:t>
+                      </a:r>
+                    </a:p>
+                  </a:txBody>
+                  <a:tcPr marL="60750" marR="60750" marT="30375" marB="30375"/>
+                </a:tc>
+                <a:tc>
+                  <a:txBody>
+                    <a:bodyPr/>
+                    <a:lstStyle/>
+                    <a:p>
+                      <a:r>
+                        <a:rPr lang="en-GB" sz="800" dirty="0">
+                          <a:latin typeface="Monaco" pitchFamily="2" charset="77"/>
+                        </a:rPr>
+                        <a:t>22</a:t>
+                      </a:r>
+                    </a:p>
+                  </a:txBody>
+                  <a:tcPr marL="60750" marR="60750" marT="30375" marB="30375"/>
+                </a:tc>
+                <a:tc>
+                  <a:txBody>
+                    <a:bodyPr/>
+                    <a:lstStyle/>
+                    <a:p>
+                      <a:r>
+                        <a:rPr lang="en-GB" sz="800" dirty="0">
+                          <a:latin typeface="Monaco" pitchFamily="2" charset="77"/>
+                        </a:rPr>
+                        <a:t>37</a:t>
+                      </a:r>
+                    </a:p>
+                  </a:txBody>
+                  <a:tcPr marL="60750" marR="60750" marT="30375" marB="30375"/>
+                </a:tc>
+                <a:tc>
+                  <a:txBody>
+                    <a:bodyPr/>
+                    <a:lstStyle/>
+                    <a:p>
+                      <a:r>
+                        <a:rPr lang="en-GB" sz="800" dirty="0">
+                          <a:latin typeface="Monaco" pitchFamily="2" charset="77"/>
+                        </a:rPr>
+                        <a:t>40</a:t>
+                      </a:r>
+                    </a:p>
+                  </a:txBody>
+                  <a:tcPr marL="60750" marR="60750" marT="30375" marB="30375"/>
+                </a:tc>
+                <a:tc>
+                  <a:txBody>
+                    <a:bodyPr/>
+                    <a:lstStyle/>
+                    <a:p>
+                      <a:r>
+                        <a:rPr lang="en-GB" sz="800" dirty="0">
+                          <a:latin typeface="Monaco" pitchFamily="2" charset="77"/>
+                        </a:rPr>
+                        <a:t>46</a:t>
+                      </a:r>
+                    </a:p>
+                  </a:txBody>
+                  <a:tcPr marL="60750" marR="60750" marT="30375" marB="30375"/>
+                </a:tc>
+                <a:tc>
+                  <a:txBody>
+                    <a:bodyPr/>
+                    <a:lstStyle/>
+                    <a:p>
+                      <a:r>
+                        <a:rPr lang="en-GB" sz="800" dirty="0">
+                          <a:latin typeface="Monaco" pitchFamily="2" charset="77"/>
+                        </a:rPr>
+                        <a:t>28</a:t>
+                      </a:r>
+                    </a:p>
+                  </a:txBody>
+                  <a:tcPr marL="60750" marR="60750" marT="30375" marB="30375"/>
+                </a:tc>
+                <a:tc>
+                  <a:txBody>
+                    <a:bodyPr/>
+                    <a:lstStyle/>
+                    <a:p>
+                      <a:r>
+                        <a:rPr lang="en-GB" sz="800" dirty="0">
+                          <a:latin typeface="Monaco" pitchFamily="2" charset="77"/>
+                        </a:rPr>
+                        <a:t>41</a:t>
+                      </a:r>
+                    </a:p>
+                  </a:txBody>
+                  <a:tcPr marL="60750" marR="60750" marT="30375" marB="30375"/>
+                </a:tc>
+                <a:tc>
+                  <a:txBody>
+                    <a:bodyPr/>
+                    <a:lstStyle/>
+                    <a:p>
+                      <a:r>
+                        <a:rPr lang="en-GB" sz="800" dirty="0">
+                          <a:latin typeface="Monaco" pitchFamily="2" charset="77"/>
+                        </a:rPr>
+                        <a:t>42</a:t>
+                      </a:r>
+                    </a:p>
+                  </a:txBody>
+                  <a:tcPr marL="60750" marR="60750" marT="30375" marB="30375"/>
+                </a:tc>
+                <a:tc>
+                  <a:txBody>
+                    <a:bodyPr/>
+                    <a:lstStyle/>
+                    <a:p>
+                      <a:r>
+                        <a:rPr lang="en-GB" sz="800" dirty="0">
+                          <a:latin typeface="Monaco" pitchFamily="2" charset="77"/>
+                        </a:rPr>
+                        <a:t>39</a:t>
+                      </a:r>
+                    </a:p>
+                  </a:txBody>
+                  <a:tcPr marL="60750" marR="60750" marT="30375" marB="30375"/>
+                </a:tc>
+                <a:tc>
+                  <a:txBody>
+                    <a:bodyPr/>
+                    <a:lstStyle/>
+                    <a:p>
+                      <a:r>
+                        <a:rPr lang="en-GB" sz="800" dirty="0">
+                          <a:latin typeface="Monaco" pitchFamily="2" charset="77"/>
+                        </a:rPr>
+                        <a:t>49</a:t>
+                      </a:r>
+                    </a:p>
+                  </a:txBody>
+                  <a:tcPr marL="60750" marR="60750" marT="30375" marB="30375"/>
+                </a:tc>
+                <a:tc>
+                  <a:txBody>
+                    <a:bodyPr/>
+                    <a:lstStyle/>
+                    <a:p>
+                      <a:r>
+                        <a:rPr lang="en-GB" sz="800" dirty="0">
+                          <a:latin typeface="Monaco" pitchFamily="2" charset="77"/>
+                        </a:rPr>
+                        <a:t>34</a:t>
+                      </a:r>
+                    </a:p>
+                  </a:txBody>
+                  <a:tcPr marL="60750" marR="60750" marT="30375" marB="30375"/>
+                </a:tc>
+                <a:tc>
+                  <a:txBody>
+                    <a:bodyPr/>
+                    <a:lstStyle/>
+                    <a:p>
+                      <a:r>
+                        <a:rPr lang="en-GB" sz="800" dirty="0">
+                          <a:latin typeface="Monaco" pitchFamily="2" charset="77"/>
+                        </a:rPr>
+                        <a:t>46</a:t>
+                      </a:r>
+                    </a:p>
+                  </a:txBody>
+                  <a:tcPr marL="60750" marR="60750" marT="30375" marB="30375"/>
+                </a:tc>
+                <a:extLst>
+                  <a:ext uri="{0D108BD9-81ED-4DB2-BD59-A6C34878D82A}">
+                    <a16:rowId xmlns:a16="http://schemas.microsoft.com/office/drawing/2014/main" val="1890029390"/>
+                  </a:ext>
+                </a:extLst>
+              </a:tr>
+            </a:tbl>
+          </a:graphicData>
+        </a:graphic>
+      </p:graphicFrame>
       <p:sp>
         <p:nvSpPr>
-          <p:cNvPr id="6" name="Rectangle 5">
-            <a:extLst>
-              <a:ext uri="{FF2B5EF4-FFF2-40B4-BE49-F238E27FC236}">
-                <a16:creationId xmlns:a16="http://schemas.microsoft.com/office/drawing/2014/main" id="{E2AFCB4E-0D0D-3945-A493-3441E70E0572}"/>
-              </a:ext>
-            </a:extLst>
-          </p:cNvPr>
-          <p:cNvSpPr/>
+          <p:cNvPr id="7" name="TextBox 6">
+            <a:extLst>
+              <a:ext uri="{FF2B5EF4-FFF2-40B4-BE49-F238E27FC236}">
+                <a16:creationId xmlns:a16="http://schemas.microsoft.com/office/drawing/2014/main" id="{AEC16B3B-629B-CC49-AB98-A69DFB2855B8}"/>
+              </a:ext>
+            </a:extLst>
+          </p:cNvPr>
+          <p:cNvSpPr txBox="1"/>
           <p:nvPr/>
         </p:nvSpPr>
         <p:spPr>
           <a:xfrm>
-            <a:off x="0" y="6858000"/>
-            <a:ext cx="5686164" cy="1169551"/>
+            <a:off x="95290" y="654079"/>
+            <a:ext cx="11766510" cy="584775"/>
           </a:xfrm>
           <a:prstGeom prst="rect">
             <a:avLst/>
           </a:prstGeom>
+          <a:noFill/>
         </p:spPr>
         <p:txBody>
-          <a:bodyPr wrap="square">
+          <a:bodyPr wrap="square" rtlCol="0">
             <a:spAutoFit/>
           </a:bodyPr>
           <a:lstStyle/>
           <a:p>
-            <a:r>
-              <a:rPr lang="en-US" sz="1400" b="0" i="0" u="none" strike="noStrike" dirty="0">
-                <a:solidFill>
-                  <a:srgbClr val="0070C0"/>
-                </a:solidFill>
-                <a:effectLst/>
-                <a:latin typeface="Optima-Regular" panose="02000503060000020004" pitchFamily="2" charset="0"/>
-              </a:rPr>
-              <a:t>After fitting this model, it could be extended to allow the parameters to vary over tanks (or with space in the clinal data). I did something a bit like this ages ago for ANG, but without separating males and females. It was possible to fit a cline for size at maturity even though we had rather few juveniles in that data set.</a:t>
-            </a:r>
+            <a:pPr algn="just"/>
+            <a:r>
+              <a:rPr lang="en-GB" sz="1600" i="1" dirty="0">
+                <a:latin typeface="Cambria" panose="02040503050406030204" pitchFamily="18" charset="0"/>
+              </a:rPr>
+              <a:t>Table 110. Count of samples for each maturity class. Juveniles were given maturity of zero and adults were given maturity from one to 18 depending on the population which they belonged to. Outliers are excluded ang both generations are </a:t>
+            </a:r>
+            <a:r>
+              <a:rPr lang="en-GB" sz="1600" i="1">
+                <a:latin typeface="Cambria" panose="02040503050406030204" pitchFamily="18" charset="0"/>
+              </a:rPr>
+              <a:t>combined.</a:t>
+            </a:r>
+            <a:endParaRPr lang="en-GB" sz="1600" i="1" dirty="0">
+              <a:latin typeface="Cambria" panose="02040503050406030204" pitchFamily="18" charset="0"/>
+            </a:endParaRPr>
           </a:p>
         </p:txBody>
       </p:sp>
@@ -3656,7 +6443,7 @@
 </p:sld>
 </file>
 
-<file path=ppt/slides/slide11.xml><?xml version="1.0" encoding="utf-8"?>
+<file path=ppt/slides/slide13.xml><?xml version="1.0" encoding="utf-8"?>
 <p:sld xmlns:a="http://schemas.openxmlformats.org/drawingml/2006/main" xmlns:r="http://schemas.openxmlformats.org/officeDocument/2006/relationships" xmlns:p="http://schemas.openxmlformats.org/presentationml/2006/main">
   <p:cSld>
     <p:spTree>
@@ -4411,154 +7198,6 @@
     <p:extLst>
       <p:ext uri="{BB962C8B-B14F-4D97-AF65-F5344CB8AC3E}">
         <p14:creationId xmlns:p14="http://schemas.microsoft.com/office/powerpoint/2010/main" val="3851005987"/>
-      </p:ext>
-    </p:extLst>
-  </p:cSld>
-  <p:clrMapOvr>
-    <a:masterClrMapping/>
-  </p:clrMapOvr>
-</p:sld>
-</file>
-
-<file path=ppt/slides/slide12.xml><?xml version="1.0" encoding="utf-8"?>
-<p:sld xmlns:a="http://schemas.openxmlformats.org/drawingml/2006/main" xmlns:r="http://schemas.openxmlformats.org/officeDocument/2006/relationships" xmlns:p="http://schemas.openxmlformats.org/presentationml/2006/main">
-  <p:cSld>
-    <p:spTree>
-      <p:nvGrpSpPr>
-        <p:cNvPr id="1" name=""/>
-        <p:cNvGrpSpPr/>
-        <p:nvPr/>
-      </p:nvGrpSpPr>
-      <p:grpSpPr>
-        <a:xfrm>
-          <a:off x="0" y="0"/>
-          <a:ext cx="0" cy="0"/>
-          <a:chOff x="0" y="0"/>
-          <a:chExt cx="0" cy="0"/>
-        </a:xfrm>
-      </p:grpSpPr>
-      <p:sp>
-        <p:nvSpPr>
-          <p:cNvPr id="8" name="TextBox 7">
-            <a:extLst>
-              <a:ext uri="{FF2B5EF4-FFF2-40B4-BE49-F238E27FC236}">
-                <a16:creationId xmlns:a16="http://schemas.microsoft.com/office/drawing/2014/main" id="{0A8A04AC-8CA9-854E-8274-3F4FB2281C3B}"/>
-              </a:ext>
-            </a:extLst>
-          </p:cNvPr>
-          <p:cNvSpPr txBox="1"/>
-          <p:nvPr/>
-        </p:nvSpPr>
-        <p:spPr>
-          <a:xfrm>
-            <a:off x="7022804" y="3579628"/>
-            <a:ext cx="4906926" cy="553998"/>
-          </a:xfrm>
-          <a:prstGeom prst="rect">
-            <a:avLst/>
-          </a:prstGeom>
-          <a:noFill/>
-        </p:spPr>
-        <p:txBody>
-          <a:bodyPr wrap="square" rtlCol="0">
-            <a:spAutoFit/>
-          </a:bodyPr>
-          <a:lstStyle/>
-          <a:p>
-            <a:r>
-              <a:rPr lang="en-GB" sz="1000" i="1" dirty="0">
-                <a:latin typeface="Optima" panose="02000503060000020004" pitchFamily="2" charset="0"/>
-              </a:rPr>
-              <a:t>Figure 102. Relationship between probability of maturity and size. Fitted curve in orange is superimposed on the observed proportions of mature snails(blue dots - proportions of adult snails for size bins. Blue error bars – 2.5th and 97.5th percentiles).</a:t>
-            </a:r>
-          </a:p>
-        </p:txBody>
-      </p:sp>
-      <p:sp>
-        <p:nvSpPr>
-          <p:cNvPr id="15" name="TextBox 14">
-            <a:extLst>
-              <a:ext uri="{FF2B5EF4-FFF2-40B4-BE49-F238E27FC236}">
-                <a16:creationId xmlns:a16="http://schemas.microsoft.com/office/drawing/2014/main" id="{3B141816-BF8B-7840-B8D0-8D8D47593700}"/>
-              </a:ext>
-            </a:extLst>
-          </p:cNvPr>
-          <p:cNvSpPr txBox="1"/>
-          <p:nvPr/>
-        </p:nvSpPr>
-        <p:spPr>
-          <a:xfrm>
-            <a:off x="133390" y="279147"/>
-            <a:ext cx="2662908" cy="369332"/>
-          </a:xfrm>
-          <a:prstGeom prst="rect">
-            <a:avLst/>
-          </a:prstGeom>
-          <a:noFill/>
-        </p:spPr>
-        <p:txBody>
-          <a:bodyPr wrap="none" rtlCol="0">
-            <a:spAutoFit/>
-          </a:bodyPr>
-          <a:lstStyle/>
-          <a:p>
-            <a:r>
-              <a:rPr lang="en-GB" b="1" dirty="0">
-                <a:latin typeface="Optima" panose="02000503060000020004" pitchFamily="2" charset="0"/>
-              </a:rPr>
-              <a:t>Model 3: tank difference</a:t>
-            </a:r>
-          </a:p>
-        </p:txBody>
-      </p:sp>
-      <p:sp>
-        <p:nvSpPr>
-          <p:cNvPr id="9" name="Rectangle 8">
-            <a:extLst>
-              <a:ext uri="{FF2B5EF4-FFF2-40B4-BE49-F238E27FC236}">
-                <a16:creationId xmlns:a16="http://schemas.microsoft.com/office/drawing/2014/main" id="{153A4B30-66DE-9245-9491-D642209007BE}"/>
-              </a:ext>
-            </a:extLst>
-          </p:cNvPr>
-          <p:cNvSpPr/>
-          <p:nvPr/>
-        </p:nvSpPr>
-        <p:spPr>
-          <a:xfrm>
-            <a:off x="133390" y="717306"/>
-            <a:ext cx="5388334" cy="2308324"/>
-          </a:xfrm>
-          <a:prstGeom prst="rect">
-            <a:avLst/>
-          </a:prstGeom>
-        </p:spPr>
-        <p:txBody>
-          <a:bodyPr wrap="square">
-            <a:spAutoFit/>
-          </a:bodyPr>
-          <a:lstStyle/>
-          <a:p>
-            <a:r>
-              <a:rPr lang="en-US" sz="1600" dirty="0">
-                <a:solidFill>
-                  <a:srgbClr val="0070C0"/>
-                </a:solidFill>
-                <a:latin typeface="Optima-Regular" panose="02000503060000020004" pitchFamily="2" charset="0"/>
-              </a:rPr>
-              <a:t>Given the logistic fit, a value for 'size at maturity' is the intercept (1.91 +/- 0.02 in slide 2) because this is the size at 50% probability of maturity (zero on the logit scale). If we had such an estimate for each tank and each generation, this could be treated as a trait in the plasticity analysis, just like weight, boldness etc. Adding tank to the analysis would give these separate estimates, I guess, or there might be enough data to do the analysis separately for each tank (and generation) (Model 3).</a:t>
-            </a:r>
-            <a:endParaRPr lang="en-GB" sz="1600" dirty="0">
-              <a:solidFill>
-                <a:srgbClr val="0070C0"/>
-              </a:solidFill>
-            </a:endParaRPr>
-          </a:p>
-        </p:txBody>
-      </p:sp>
-    </p:spTree>
-    <p:extLst>
-      <p:ext uri="{BB962C8B-B14F-4D97-AF65-F5344CB8AC3E}">
-        <p14:creationId xmlns:p14="http://schemas.microsoft.com/office/powerpoint/2010/main" val="2761302379"/>
       </p:ext>
     </p:extLst>
   </p:cSld>
@@ -9827,50 +12466,6 @@
       </p:grpSpPr>
       <p:sp>
         <p:nvSpPr>
-          <p:cNvPr id="2" name="Rectangle 1">
-            <a:extLst>
-              <a:ext uri="{FF2B5EF4-FFF2-40B4-BE49-F238E27FC236}">
-                <a16:creationId xmlns:a16="http://schemas.microsoft.com/office/drawing/2014/main" id="{3B715FB9-E5CF-D147-93F4-1763E5BE0254}"/>
-              </a:ext>
-            </a:extLst>
-          </p:cNvPr>
-          <p:cNvSpPr/>
-          <p:nvPr/>
-        </p:nvSpPr>
-        <p:spPr>
-          <a:xfrm>
-            <a:off x="0" y="-1417747"/>
-            <a:ext cx="11861800" cy="1754326"/>
-          </a:xfrm>
-          <a:prstGeom prst="rect">
-            <a:avLst/>
-          </a:prstGeom>
-        </p:spPr>
-        <p:txBody>
-          <a:bodyPr wrap="square">
-            <a:spAutoFit/>
-          </a:bodyPr>
-          <a:lstStyle/>
-          <a:p>
-            <a:r>
-              <a:rPr lang="en-US" dirty="0">
-                <a:solidFill>
-                  <a:srgbClr val="0070C0"/>
-                </a:solidFill>
-                <a:latin typeface="Optima-Regular" panose="02000503060000020004" pitchFamily="2" charset="0"/>
-              </a:rPr>
-              <a:t>single slope for the logistic regressions of maturity on size, in order to focus on comparing the size at 50% maturity among tanks. Probably this should be done separately for gen0 and gen1, where there might be biological reasons for slopes to differ, but perhaps that difference, and the difference between sexes, could first be tested on the full data set. Then the slope could be fixed and individual tank/gen combinations analyses separately to find the size at 50% maturity and its standard error to use in the plasticity analyses (or you could fit a model with one slope and means for different tanks).</a:t>
-            </a:r>
-            <a:endParaRPr lang="en-US" dirty="0">
-              <a:solidFill>
-                <a:srgbClr val="0070C0"/>
-              </a:solidFill>
-            </a:endParaRPr>
-          </a:p>
-        </p:txBody>
-      </p:sp>
-      <p:sp>
-        <p:nvSpPr>
           <p:cNvPr id="7" name="TextBox 6">
             <a:extLst>
               <a:ext uri="{FF2B5EF4-FFF2-40B4-BE49-F238E27FC236}">
@@ -10822,7 +13417,7 @@
         <p:spPr>
           <a:xfrm>
             <a:off x="133391" y="794658"/>
-            <a:ext cx="10991810" cy="1200329"/>
+            <a:ext cx="10991810" cy="923330"/>
           </a:xfrm>
           <a:prstGeom prst="rect">
             <a:avLst/>
@@ -10840,19 +13435,7 @@
               <a:rPr lang="en-GB" dirty="0">
                 <a:latin typeface="Cambria" panose="02040503050406030204" pitchFamily="18" charset="0"/>
               </a:rPr>
-              <a:t>Between model 1b, model 2 and model 3, the best fit to the data was obtained with model 1b (Table 108) suggesting that adding information about sex or generation at maturity does not increase significantly the proportion of variance explained </a:t>
-            </a:r>
-            <a:r>
-              <a:rPr lang="en-GB">
-                <a:latin typeface="Cambria" panose="02040503050406030204" pitchFamily="18" charset="0"/>
-              </a:rPr>
-              <a:t>by the model. </a:t>
-            </a:r>
-            <a:r>
-              <a:rPr lang="en-GB" dirty="0">
-                <a:latin typeface="Cambria" panose="02040503050406030204" pitchFamily="18" charset="0"/>
-              </a:rPr>
-              <a:t>Model 1a was not included here because it was fitted on a different dataset which contained outliers.</a:t>
+              <a:t>Between model 1b, model 2 and model 3, the best fit to the data was obtained with model 1b (Table 108) suggesting that the probability at maturity does not differ between sexes nor generations. Model 1a was not included here because it was fitted on a different dataset which contained outliers.</a:t>
             </a:r>
           </a:p>
         </p:txBody>
@@ -10909,13 +13492,13 @@
           <p:nvPr>
             <p:extLst>
               <p:ext uri="{D42A27DB-BD31-4B8C-83A1-F6EECF244321}">
-                <p14:modId xmlns:p14="http://schemas.microsoft.com/office/powerpoint/2010/main" val="3874352426"/>
+                <p14:modId xmlns:p14="http://schemas.microsoft.com/office/powerpoint/2010/main" val="3895234679"/>
               </p:ext>
             </p:extLst>
           </p:nvPr>
         </p:nvGraphicFramePr>
         <p:xfrm>
-          <a:off x="329334" y="2520744"/>
+          <a:off x="329334" y="2342944"/>
           <a:ext cx="1836000" cy="1260000"/>
         </p:xfrm>
         <a:graphic>
@@ -11106,7 +13689,7 @@
         </p:nvSpPr>
         <p:spPr>
           <a:xfrm>
-            <a:off x="277671" y="2120130"/>
+            <a:off x="277671" y="1942330"/>
             <a:ext cx="4906926" cy="400110"/>
           </a:xfrm>
           <a:prstGeom prst="rect">
@@ -11129,12 +13712,190 @@
           </a:p>
         </p:txBody>
       </p:sp>
+      <mc:AlternateContent xmlns:mc="http://schemas.openxmlformats.org/markup-compatibility/2006">
+        <mc:Choice xmlns:a14="http://schemas.microsoft.com/office/drawing/2010/main" Requires="a14">
+          <p:sp>
+            <p:nvSpPr>
+              <p:cNvPr id="7" name="TextBox 6">
+                <a:extLst>
+                  <a:ext uri="{FF2B5EF4-FFF2-40B4-BE49-F238E27FC236}">
+                    <a16:creationId xmlns:a16="http://schemas.microsoft.com/office/drawing/2014/main" id="{611808AA-43D0-C24C-A151-B125AF033E0E}"/>
+                  </a:ext>
+                </a:extLst>
+              </p:cNvPr>
+              <p:cNvSpPr txBox="1"/>
+              <p:nvPr/>
+            </p:nvSpPr>
+            <p:spPr>
+              <a:xfrm>
+                <a:off x="133391" y="3880516"/>
+                <a:ext cx="10991810" cy="830997"/>
+              </a:xfrm>
+              <a:prstGeom prst="rect">
+                <a:avLst/>
+              </a:prstGeom>
+              <a:noFill/>
+            </p:spPr>
+            <p:txBody>
+              <a:bodyPr wrap="square" rtlCol="0">
+                <a:spAutoFit/>
+              </a:bodyPr>
+              <a:lstStyle/>
+              <a:p>
+                <a:pPr algn="just"/>
+                <a:r>
+                  <a:rPr lang="en-GB" sz="1600" dirty="0">
+                    <a:latin typeface="Cambria" panose="02040503050406030204" pitchFamily="18" charset="0"/>
+                  </a:rPr>
+                  <a:t>It was noticeable that in both model 2 and model 3, the most different parameter was </a:t>
+                </a:r>
+                <a:r>
+                  <a:rPr lang="en-GB" sz="1600" i="1" dirty="0">
+                    <a:latin typeface="Cambria" panose="02040503050406030204" pitchFamily="18" charset="0"/>
+                  </a:rPr>
+                  <a:t>mean</a:t>
+                </a:r>
+                <a:r>
+                  <a:rPr lang="en-GB" sz="1600" dirty="0">
+                    <a:latin typeface="Cambria" panose="02040503050406030204" pitchFamily="18" charset="0"/>
+                  </a:rPr>
+                  <a:t> and not </a:t>
+                </a:r>
+                <a:r>
+                  <a:rPr lang="en-GB" sz="1600" i="1" dirty="0">
+                    <a:latin typeface="Cambria" panose="02040503050406030204" pitchFamily="18" charset="0"/>
+                  </a:rPr>
+                  <a:t>slope</a:t>
+                </a:r>
+                <a:r>
+                  <a:rPr lang="en-GB" sz="1600" dirty="0">
+                    <a:latin typeface="Cambria" panose="02040503050406030204" pitchFamily="18" charset="0"/>
+                  </a:rPr>
+                  <a:t>. I assessed whether models with two </a:t>
+                </a:r>
+                <a:r>
+                  <a:rPr lang="en-GB" sz="1600" i="1" dirty="0">
+                    <a:latin typeface="Cambria" panose="02040503050406030204" pitchFamily="18" charset="0"/>
+                  </a:rPr>
+                  <a:t>mean </a:t>
+                </a:r>
+                <a:r>
+                  <a:rPr lang="en-GB" sz="1600" dirty="0">
+                    <a:latin typeface="Cambria" panose="02040503050406030204" pitchFamily="18" charset="0"/>
+                  </a:rPr>
+                  <a:t>parameters and one </a:t>
+                </a:r>
+                <a:r>
+                  <a:rPr lang="en-GB" sz="1600" i="1" dirty="0">
+                    <a:latin typeface="Cambria" panose="02040503050406030204" pitchFamily="18" charset="0"/>
+                  </a:rPr>
+                  <a:t>slope </a:t>
+                </a:r>
+                <a:r>
+                  <a:rPr lang="en-GB" sz="1600" dirty="0">
+                    <a:latin typeface="Cambria" panose="02040503050406030204" pitchFamily="18" charset="0"/>
+                  </a:rPr>
+                  <a:t>parameter improved the fit (Table 109). They do but not significantly (</a:t>
+                </a:r>
+                <a14:m>
+                  <m:oMath xmlns:m="http://schemas.openxmlformats.org/officeDocument/2006/math">
+                    <m:r>
+                      <a:rPr lang="en-GB" sz="1600" i="1" smtClean="0">
+                        <a:latin typeface="Cambria Math" panose="02040503050406030204" pitchFamily="18" charset="0"/>
+                        <a:ea typeface="Cambria Math" panose="02040503050406030204" pitchFamily="18" charset="0"/>
+                      </a:rPr>
+                      <m:t>∆</m:t>
+                    </m:r>
+                    <m:r>
+                      <m:rPr>
+                        <m:nor/>
+                      </m:rPr>
+                      <a:rPr lang="sv-SE" sz="1600" b="0" i="0" smtClean="0">
+                        <a:latin typeface="Cambria Math" panose="02040503050406030204" pitchFamily="18" charset="0"/>
+                        <a:ea typeface="Cambria Math" panose="02040503050406030204" pitchFamily="18" charset="0"/>
+                      </a:rPr>
+                      <m:t>AIC</m:t>
+                    </m:r>
+                    <m:r>
+                      <m:rPr>
+                        <m:nor/>
+                      </m:rPr>
+                      <a:rPr lang="sv-SE" sz="1600" b="0" i="0" smtClean="0">
+                        <a:latin typeface="Cambria Math" panose="02040503050406030204" pitchFamily="18" charset="0"/>
+                        <a:ea typeface="Cambria Math" panose="02040503050406030204" pitchFamily="18" charset="0"/>
+                      </a:rPr>
+                      <m:t> </m:t>
+                    </m:r>
+                    <m:r>
+                      <a:rPr lang="sv-SE" sz="1600" b="0" i="1" smtClean="0">
+                        <a:latin typeface="Cambria Math" panose="02040503050406030204" pitchFamily="18" charset="0"/>
+                        <a:ea typeface="Cambria Math" panose="02040503050406030204" pitchFamily="18" charset="0"/>
+                      </a:rPr>
+                      <m:t>&lt;2</m:t>
+                    </m:r>
+                  </m:oMath>
+                </a14:m>
+                <a:r>
+                  <a:rPr lang="en-GB" sz="1600" dirty="0">
+                    <a:latin typeface="Cambria" panose="02040503050406030204" pitchFamily="18" charset="0"/>
+                  </a:rPr>
+                  <a:t>).</a:t>
+                </a:r>
+              </a:p>
+            </p:txBody>
+          </p:sp>
+        </mc:Choice>
+        <mc:Fallback>
+          <p:sp>
+            <p:nvSpPr>
+              <p:cNvPr id="7" name="TextBox 6">
+                <a:extLst>
+                  <a:ext uri="{FF2B5EF4-FFF2-40B4-BE49-F238E27FC236}">
+                    <a16:creationId xmlns:a16="http://schemas.microsoft.com/office/drawing/2014/main" id="{611808AA-43D0-C24C-A151-B125AF033E0E}"/>
+                  </a:ext>
+                </a:extLst>
+              </p:cNvPr>
+              <p:cNvSpPr txBox="1">
+                <a:spLocks noRot="1" noChangeAspect="1" noMove="1" noResize="1" noEditPoints="1" noAdjustHandles="1" noChangeArrowheads="1" noChangeShapeType="1" noTextEdit="1"/>
+              </p:cNvSpPr>
+              <p:nvPr/>
+            </p:nvSpPr>
+            <p:spPr>
+              <a:xfrm>
+                <a:off x="133391" y="3880516"/>
+                <a:ext cx="10991810" cy="830997"/>
+              </a:xfrm>
+              <a:prstGeom prst="rect">
+                <a:avLst/>
+              </a:prstGeom>
+              <a:blipFill>
+                <a:blip r:embed="rId2"/>
+                <a:stretch>
+                  <a:fillRect l="-231" t="-1515" r="-231" b="-7576"/>
+                </a:stretch>
+              </a:blipFill>
+            </p:spPr>
+            <p:txBody>
+              <a:bodyPr/>
+              <a:lstStyle/>
+              <a:p>
+                <a:r>
+                  <a:rPr lang="en-GB">
+                    <a:noFill/>
+                  </a:rPr>
+                  <a:t> </a:t>
+                </a:r>
+              </a:p>
+            </p:txBody>
+          </p:sp>
+        </mc:Fallback>
+      </mc:AlternateContent>
       <p:sp>
         <p:nvSpPr>
-          <p:cNvPr id="7" name="TextBox 6">
-            <a:extLst>
-              <a:ext uri="{FF2B5EF4-FFF2-40B4-BE49-F238E27FC236}">
-                <a16:creationId xmlns:a16="http://schemas.microsoft.com/office/drawing/2014/main" id="{611808AA-43D0-C24C-A151-B125AF033E0E}"/>
+          <p:cNvPr id="8" name="TextBox 7">
+            <a:extLst>
+              <a:ext uri="{FF2B5EF4-FFF2-40B4-BE49-F238E27FC236}">
+                <a16:creationId xmlns:a16="http://schemas.microsoft.com/office/drawing/2014/main" id="{575E7502-467B-CA42-9B69-B27A7AA4E1FA}"/>
               </a:ext>
             </a:extLst>
           </p:cNvPr>
@@ -11143,8 +13904,8 @@
         </p:nvSpPr>
         <p:spPr>
           <a:xfrm>
-            <a:off x="133391" y="4083716"/>
-            <a:ext cx="10991810" cy="646331"/>
+            <a:off x="277670" y="4842510"/>
+            <a:ext cx="6859730" cy="400110"/>
           </a:xfrm>
           <a:prstGeom prst="rect">
             <a:avLst/>
@@ -11157,97 +13918,11 @@
           </a:bodyPr>
           <a:lstStyle/>
           <a:p>
-            <a:pPr algn="just"/>
-            <a:r>
-              <a:rPr lang="en-GB" dirty="0">
-                <a:latin typeface="Cambria" panose="02040503050406030204" pitchFamily="18" charset="0"/>
-              </a:rPr>
-              <a:t>It was noticeable that in both model 1 and model 3, the most different parameter was </a:t>
-            </a:r>
-            <a:r>
-              <a:rPr lang="en-GB" i="1" dirty="0">
-                <a:latin typeface="Cambria" panose="02040503050406030204" pitchFamily="18" charset="0"/>
-              </a:rPr>
-              <a:t>mean</a:t>
-            </a:r>
-            <a:r>
-              <a:rPr lang="en-GB" dirty="0">
-                <a:latin typeface="Cambria" panose="02040503050406030204" pitchFamily="18" charset="0"/>
-              </a:rPr>
-              <a:t> and not </a:t>
-            </a:r>
-            <a:r>
-              <a:rPr lang="en-GB" i="1" dirty="0">
-                <a:latin typeface="Cambria" panose="02040503050406030204" pitchFamily="18" charset="0"/>
-              </a:rPr>
-              <a:t>slope</a:t>
-            </a:r>
-            <a:r>
-              <a:rPr lang="en-GB" dirty="0">
-                <a:latin typeface="Cambria" panose="02040503050406030204" pitchFamily="18" charset="0"/>
-              </a:rPr>
-              <a:t>. I assessed whether models with two </a:t>
-            </a:r>
-            <a:r>
-              <a:rPr lang="en-GB" i="1" dirty="0">
-                <a:latin typeface="Cambria" panose="02040503050406030204" pitchFamily="18" charset="0"/>
-              </a:rPr>
-              <a:t>mean </a:t>
-            </a:r>
-            <a:r>
-              <a:rPr lang="en-GB" dirty="0">
-                <a:latin typeface="Cambria" panose="02040503050406030204" pitchFamily="18" charset="0"/>
-              </a:rPr>
-              <a:t>parameters and one </a:t>
-            </a:r>
-            <a:r>
-              <a:rPr lang="en-GB" i="1" dirty="0">
-                <a:latin typeface="Cambria" panose="02040503050406030204" pitchFamily="18" charset="0"/>
-              </a:rPr>
-              <a:t>slope </a:t>
-            </a:r>
-            <a:r>
-              <a:rPr lang="en-GB" dirty="0">
-                <a:latin typeface="Cambria" panose="02040503050406030204" pitchFamily="18" charset="0"/>
-              </a:rPr>
-              <a:t>parameter improved the fit (Table 109).</a:t>
-            </a:r>
-          </a:p>
-        </p:txBody>
-      </p:sp>
-      <p:sp>
-        <p:nvSpPr>
-          <p:cNvPr id="8" name="TextBox 7">
-            <a:extLst>
-              <a:ext uri="{FF2B5EF4-FFF2-40B4-BE49-F238E27FC236}">
-                <a16:creationId xmlns:a16="http://schemas.microsoft.com/office/drawing/2014/main" id="{575E7502-467B-CA42-9B69-B27A7AA4E1FA}"/>
-              </a:ext>
-            </a:extLst>
-          </p:cNvPr>
-          <p:cNvSpPr txBox="1"/>
-          <p:nvPr/>
-        </p:nvSpPr>
-        <p:spPr>
-          <a:xfrm>
-            <a:off x="277671" y="4842510"/>
-            <a:ext cx="4906926" cy="400110"/>
-          </a:xfrm>
-          <a:prstGeom prst="rect">
-            <a:avLst/>
-          </a:prstGeom>
-          <a:noFill/>
-        </p:spPr>
-        <p:txBody>
-          <a:bodyPr wrap="square" rtlCol="0">
-            <a:spAutoFit/>
-          </a:bodyPr>
-          <a:lstStyle/>
-          <a:p>
             <a:r>
               <a:rPr lang="en-GB" sz="1000" i="1" dirty="0">
                 <a:latin typeface="Cambria" panose="02040503050406030204" pitchFamily="18" charset="0"/>
               </a:rPr>
-              <a:t>Table 109s. Model fit comparison using AIC. Model 1b was the best fit and it included two parameters and two maturity classes (juvenile and adult).</a:t>
+              <a:t>Table 109. Model fit comparison using AIC. Model 1b was the best fit and it included two parameters and two maturity classes (juvenile and adult). The two models with “one slope” contained three parameters in total, two means and one slope.</a:t>
             </a:r>
           </a:p>
         </p:txBody>

--- a/docs/Littorina_offspring_size_maturity.pptx
+++ b/docs/Littorina_offspring_size_maturity.pptx
@@ -16,8 +16,9 @@
     <p:sldId id="270" r:id="rId10"/>
     <p:sldId id="271" r:id="rId11"/>
     <p:sldId id="272" r:id="rId12"/>
-    <p:sldId id="267" r:id="rId13"/>
-    <p:sldId id="262" r:id="rId14"/>
+    <p:sldId id="273" r:id="rId13"/>
+    <p:sldId id="267" r:id="rId14"/>
+    <p:sldId id="262" r:id="rId15"/>
   </p:sldIdLst>
   <p:sldSz cx="12192000" cy="6858000"/>
   <p:notesSz cx="6858000" cy="9144000"/>
@@ -273,7 +274,7 @@
           <a:p>
             <a:fld id="{036DFB3D-27A1-E84B-9564-8CD6EABFCA81}" type="datetimeFigureOut">
               <a:rPr lang="en-GB" smtClean="0"/>
-              <a:t>04/05/2020</a:t>
+              <a:t>08/05/2020</a:t>
             </a:fld>
             <a:endParaRPr lang="en-GB"/>
           </a:p>
@@ -473,7 +474,7 @@
           <a:p>
             <a:fld id="{036DFB3D-27A1-E84B-9564-8CD6EABFCA81}" type="datetimeFigureOut">
               <a:rPr lang="en-GB" smtClean="0"/>
-              <a:t>04/05/2020</a:t>
+              <a:t>08/05/2020</a:t>
             </a:fld>
             <a:endParaRPr lang="en-GB"/>
           </a:p>
@@ -683,7 +684,7 @@
           <a:p>
             <a:fld id="{036DFB3D-27A1-E84B-9564-8CD6EABFCA81}" type="datetimeFigureOut">
               <a:rPr lang="en-GB" smtClean="0"/>
-              <a:t>04/05/2020</a:t>
+              <a:t>08/05/2020</a:t>
             </a:fld>
             <a:endParaRPr lang="en-GB"/>
           </a:p>
@@ -883,7 +884,7 @@
           <a:p>
             <a:fld id="{036DFB3D-27A1-E84B-9564-8CD6EABFCA81}" type="datetimeFigureOut">
               <a:rPr lang="en-GB" smtClean="0"/>
-              <a:t>04/05/2020</a:t>
+              <a:t>08/05/2020</a:t>
             </a:fld>
             <a:endParaRPr lang="en-GB"/>
           </a:p>
@@ -1159,7 +1160,7 @@
           <a:p>
             <a:fld id="{036DFB3D-27A1-E84B-9564-8CD6EABFCA81}" type="datetimeFigureOut">
               <a:rPr lang="en-GB" smtClean="0"/>
-              <a:t>04/05/2020</a:t>
+              <a:t>08/05/2020</a:t>
             </a:fld>
             <a:endParaRPr lang="en-GB"/>
           </a:p>
@@ -1427,7 +1428,7 @@
           <a:p>
             <a:fld id="{036DFB3D-27A1-E84B-9564-8CD6EABFCA81}" type="datetimeFigureOut">
               <a:rPr lang="en-GB" smtClean="0"/>
-              <a:t>04/05/2020</a:t>
+              <a:t>08/05/2020</a:t>
             </a:fld>
             <a:endParaRPr lang="en-GB"/>
           </a:p>
@@ -1842,7 +1843,7 @@
           <a:p>
             <a:fld id="{036DFB3D-27A1-E84B-9564-8CD6EABFCA81}" type="datetimeFigureOut">
               <a:rPr lang="en-GB" smtClean="0"/>
-              <a:t>04/05/2020</a:t>
+              <a:t>08/05/2020</a:t>
             </a:fld>
             <a:endParaRPr lang="en-GB"/>
           </a:p>
@@ -1984,7 +1985,7 @@
           <a:p>
             <a:fld id="{036DFB3D-27A1-E84B-9564-8CD6EABFCA81}" type="datetimeFigureOut">
               <a:rPr lang="en-GB" smtClean="0"/>
-              <a:t>04/05/2020</a:t>
+              <a:t>08/05/2020</a:t>
             </a:fld>
             <a:endParaRPr lang="en-GB"/>
           </a:p>
@@ -2097,7 +2098,7 @@
           <a:p>
             <a:fld id="{036DFB3D-27A1-E84B-9564-8CD6EABFCA81}" type="datetimeFigureOut">
               <a:rPr lang="en-GB" smtClean="0"/>
-              <a:t>04/05/2020</a:t>
+              <a:t>08/05/2020</a:t>
             </a:fld>
             <a:endParaRPr lang="en-GB"/>
           </a:p>
@@ -2410,7 +2411,7 @@
           <a:p>
             <a:fld id="{036DFB3D-27A1-E84B-9564-8CD6EABFCA81}" type="datetimeFigureOut">
               <a:rPr lang="en-GB" smtClean="0"/>
-              <a:t>04/05/2020</a:t>
+              <a:t>08/05/2020</a:t>
             </a:fld>
             <a:endParaRPr lang="en-GB"/>
           </a:p>
@@ -2699,7 +2700,7 @@
           <a:p>
             <a:fld id="{036DFB3D-27A1-E84B-9564-8CD6EABFCA81}" type="datetimeFigureOut">
               <a:rPr lang="en-GB" smtClean="0"/>
-              <a:t>04/05/2020</a:t>
+              <a:t>08/05/2020</a:t>
             </a:fld>
             <a:endParaRPr lang="en-GB"/>
           </a:p>
@@ -2942,7 +2943,7 @@
           <a:p>
             <a:fld id="{036DFB3D-27A1-E84B-9564-8CD6EABFCA81}" type="datetimeFigureOut">
               <a:rPr lang="en-GB" smtClean="0"/>
-              <a:t>04/05/2020</a:t>
+              <a:t>08/05/2020</a:t>
             </a:fld>
             <a:endParaRPr lang="en-GB"/>
           </a:p>
@@ -3612,7 +3613,7 @@
         <p:spPr>
           <a:xfrm>
             <a:off x="133390" y="1498347"/>
-            <a:ext cx="11928137" cy="369332"/>
+            <a:ext cx="11193385" cy="1477328"/>
           </a:xfrm>
           <a:prstGeom prst="rect">
             <a:avLst/>
@@ -3620,7 +3621,7 @@
           <a:noFill/>
         </p:spPr>
         <p:txBody>
-          <a:bodyPr wrap="none" rtlCol="0">
+          <a:bodyPr wrap="square" rtlCol="0">
             <a:spAutoFit/>
           </a:bodyPr>
           <a:lstStyle/>
@@ -3630,6 +3631,17 @@
                 <a:latin typeface="Cambria" panose="02040503050406030204" pitchFamily="18" charset="0"/>
               </a:rPr>
               <a:t>2) Does the slope differ between generations? NO, model 3 two slopes and model 3 one slope showed similar AIC values</a:t>
+            </a:r>
+          </a:p>
+          <a:p>
+            <a:r>
+              <a:rPr lang="en-GB" dirty="0">
+                <a:solidFill>
+                  <a:srgbClr val="0070C0"/>
+                </a:solidFill>
+                <a:latin typeface="Cambria" panose="02040503050406030204" pitchFamily="18" charset="0"/>
+              </a:rPr>
+              <a:t>The lack of difference between generations may be partly due to the problem with lacking juveniles in gen0 for a large part of the cline. However, the constancy of slope is key - it allows fitting for individual tanks and so a simple comparison of the sizes at 50% maturity. </a:t>
             </a:r>
           </a:p>
         </p:txBody>
@@ -3648,7 +3660,7 @@
         </p:nvSpPr>
         <p:spPr>
           <a:xfrm>
-            <a:off x="133390" y="2465080"/>
+            <a:off x="133390" y="3341380"/>
             <a:ext cx="11728410" cy="923330"/>
           </a:xfrm>
           <a:prstGeom prst="rect">
@@ -3685,7 +3697,7 @@
         </p:nvSpPr>
         <p:spPr>
           <a:xfrm>
-            <a:off x="133390" y="3716112"/>
+            <a:off x="133390" y="4592412"/>
             <a:ext cx="11728410" cy="1477328"/>
           </a:xfrm>
           <a:prstGeom prst="rect">
@@ -3717,108 +3729,6 @@
           </a:p>
         </p:txBody>
       </p:sp>
-      <mc:AlternateContent xmlns:mc="http://schemas.openxmlformats.org/markup-compatibility/2006">
-        <mc:Choice xmlns:a14="http://schemas.microsoft.com/office/drawing/2010/main" Requires="a14">
-          <p:sp>
-            <p:nvSpPr>
-              <p:cNvPr id="10" name="Rectangle 9">
-                <a:extLst>
-                  <a:ext uri="{FF2B5EF4-FFF2-40B4-BE49-F238E27FC236}">
-                    <a16:creationId xmlns:a16="http://schemas.microsoft.com/office/drawing/2014/main" id="{43C464FE-D2DA-7843-A891-ECCAD9F6421C}"/>
-                  </a:ext>
-                </a:extLst>
-              </p:cNvPr>
-              <p:cNvSpPr/>
-              <p:nvPr/>
-            </p:nvSpPr>
-            <p:spPr>
-              <a:xfrm>
-                <a:off x="133390" y="5193440"/>
-                <a:ext cx="11728410" cy="646331"/>
-              </a:xfrm>
-              <a:prstGeom prst="rect">
-                <a:avLst/>
-              </a:prstGeom>
-            </p:spPr>
-            <p:txBody>
-              <a:bodyPr wrap="square">
-                <a:spAutoFit/>
-              </a:bodyPr>
-              <a:lstStyle/>
-              <a:p>
-                <a:pPr algn="just"/>
-                <a:r>
-                  <a:rPr lang="en-GB" b="1" i="1" dirty="0">
-                    <a:latin typeface="Cambria" panose="02040503050406030204" pitchFamily="18" charset="0"/>
-                  </a:rPr>
-                  <a:t>Can we instead use the fitted values from the best model (Model 1b) and take the average predicted size </a:t>
-                </a:r>
-                <a14:m>
-                  <m:oMath xmlns:m="http://schemas.openxmlformats.org/officeDocument/2006/math">
-                    <m:r>
-                      <a:rPr lang="en-GB" b="1" i="1" smtClean="0">
-                        <a:latin typeface="Cambria Math" panose="02040503050406030204" pitchFamily="18" charset="0"/>
-                        <a:ea typeface="Cambria Math" panose="02040503050406030204" pitchFamily="18" charset="0"/>
-                      </a:rPr>
-                      <m:t>±</m:t>
-                    </m:r>
-                  </m:oMath>
-                </a14:m>
-                <a:r>
-                  <a:rPr lang="en-GB" b="1" i="1" dirty="0">
-                    <a:latin typeface="Cambria" panose="02040503050406030204" pitchFamily="18" charset="0"/>
-                  </a:rPr>
-                  <a:t> SE for each population in generation 0 and generation 1?</a:t>
-                </a:r>
-              </a:p>
-            </p:txBody>
-          </p:sp>
-        </mc:Choice>
-        <mc:Fallback>
-          <p:sp>
-            <p:nvSpPr>
-              <p:cNvPr id="10" name="Rectangle 9">
-                <a:extLst>
-                  <a:ext uri="{FF2B5EF4-FFF2-40B4-BE49-F238E27FC236}">
-                    <a16:creationId xmlns:a16="http://schemas.microsoft.com/office/drawing/2014/main" id="{43C464FE-D2DA-7843-A891-ECCAD9F6421C}"/>
-                  </a:ext>
-                </a:extLst>
-              </p:cNvPr>
-              <p:cNvSpPr>
-                <a:spLocks noRot="1" noChangeAspect="1" noMove="1" noResize="1" noEditPoints="1" noAdjustHandles="1" noChangeArrowheads="1" noChangeShapeType="1" noTextEdit="1"/>
-              </p:cNvSpPr>
-              <p:nvPr/>
-            </p:nvSpPr>
-            <p:spPr>
-              <a:xfrm>
-                <a:off x="133390" y="5193440"/>
-                <a:ext cx="11728410" cy="646331"/>
-              </a:xfrm>
-              <a:prstGeom prst="rect">
-                <a:avLst/>
-              </a:prstGeom>
-              <a:blipFill>
-                <a:blip r:embed="rId2"/>
-                <a:stretch>
-                  <a:fillRect l="-433" t="-3846" r="-325" b="-11538"/>
-                </a:stretch>
-              </a:blipFill>
-            </p:spPr>
-            <p:txBody>
-              <a:bodyPr/>
-              <a:lstStyle/>
-              <a:p>
-                <a:r>
-                  <a:rPr lang="en-GB">
-                    <a:noFill/>
-                  </a:rPr>
-                  <a:t> </a:t>
-                </a:r>
-              </a:p>
-            </p:txBody>
-          </p:sp>
-        </mc:Fallback>
-      </mc:AlternateContent>
     </p:spTree>
     <p:extLst>
       <p:ext uri="{BB962C8B-B14F-4D97-AF65-F5344CB8AC3E}">
@@ -5374,8 +5284,8 @@
           </a:graphicData>
         </a:graphic>
       </p:graphicFrame>
-      <mc:AlternateContent xmlns:mc="http://schemas.openxmlformats.org/markup-compatibility/2006">
-        <mc:Choice xmlns:a14="http://schemas.microsoft.com/office/drawing/2010/main" Requires="a14">
+      <mc:AlternateContent xmlns:mc="http://schemas.openxmlformats.org/markup-compatibility/2006" xmlns:a14="http://schemas.microsoft.com/office/drawing/2010/main">
+        <mc:Choice Requires="a14">
           <p:sp>
             <p:nvSpPr>
               <p:cNvPr id="3" name="TextBox 2">
@@ -5456,7 +5366,7 @@
             </p:txBody>
           </p:sp>
         </mc:Choice>
-        <mc:Fallback>
+        <mc:Fallback xmlns="">
           <p:sp>
             <p:nvSpPr>
               <p:cNvPr id="3" name="TextBox 2">
@@ -5515,6 +5425,151 @@
 </file>
 
 <file path=ppt/slides/slide12.xml><?xml version="1.0" encoding="utf-8"?>
+<p:sld xmlns:a="http://schemas.openxmlformats.org/drawingml/2006/main" xmlns:r="http://schemas.openxmlformats.org/officeDocument/2006/relationships" xmlns:p="http://schemas.openxmlformats.org/presentationml/2006/main">
+  <p:cSld>
+    <p:spTree>
+      <p:nvGrpSpPr>
+        <p:cNvPr id="1" name=""/>
+        <p:cNvGrpSpPr/>
+        <p:nvPr/>
+      </p:nvGrpSpPr>
+      <p:grpSpPr>
+        <a:xfrm>
+          <a:off x="0" y="0"/>
+          <a:ext cx="0" cy="0"/>
+          <a:chOff x="0" y="0"/>
+          <a:chExt cx="0" cy="0"/>
+        </a:xfrm>
+      </p:grpSpPr>
+      <p:sp>
+        <p:nvSpPr>
+          <p:cNvPr id="2" name="Rectangle 1">
+            <a:extLst>
+              <a:ext uri="{FF2B5EF4-FFF2-40B4-BE49-F238E27FC236}">
+                <a16:creationId xmlns:a16="http://schemas.microsoft.com/office/drawing/2014/main" id="{3FFEE570-C6C4-0948-9504-564EA12479DB}"/>
+              </a:ext>
+            </a:extLst>
+          </p:cNvPr>
+          <p:cNvSpPr/>
+          <p:nvPr/>
+        </p:nvSpPr>
+        <p:spPr>
+          <a:xfrm>
+            <a:off x="203200" y="900837"/>
+            <a:ext cx="11671300" cy="1477328"/>
+          </a:xfrm>
+          <a:prstGeom prst="rect">
+            <a:avLst/>
+          </a:prstGeom>
+        </p:spPr>
+        <p:txBody>
+          <a:bodyPr wrap="square">
+            <a:spAutoFit/>
+          </a:bodyPr>
+          <a:lstStyle/>
+          <a:p>
+            <a:pPr algn="just"/>
+            <a:r>
+              <a:rPr lang="en-US" dirty="0">
+                <a:latin typeface="Cambria" panose="02040503050406030204" pitchFamily="18" charset="0"/>
+              </a:rPr>
+              <a:t>use </a:t>
+            </a:r>
+            <a:r>
+              <a:rPr lang="en-US">
+                <a:latin typeface="Cambria" panose="02040503050406030204" pitchFamily="18" charset="0"/>
+              </a:rPr>
+              <a:t>field data (ER_SB): </a:t>
+            </a:r>
+            <a:endParaRPr lang="en-US" dirty="0">
+              <a:latin typeface="Cambria" panose="02040503050406030204" pitchFamily="18" charset="0"/>
+            </a:endParaRPr>
+          </a:p>
+          <a:p>
+            <a:pPr marL="342900" indent="-342900" algn="just">
+              <a:buAutoNum type="arabicParenR"/>
+            </a:pPr>
+            <a:r>
+              <a:rPr lang="en-US" dirty="0">
+                <a:latin typeface="Cambria" panose="02040503050406030204" pitchFamily="18" charset="0"/>
+              </a:rPr>
+              <a:t>using transect snails close to the gen0 sampling point (or maybe even combining transect and gen0 snails over a small area)</a:t>
+            </a:r>
+          </a:p>
+          <a:p>
+            <a:pPr algn="just"/>
+            <a:r>
+              <a:rPr lang="en-US" dirty="0">
+                <a:latin typeface="Cambria" panose="02040503050406030204" pitchFamily="18" charset="0"/>
+              </a:rPr>
+              <a:t>       OR</a:t>
+            </a:r>
+          </a:p>
+          <a:p>
+            <a:pPr algn="just"/>
+            <a:r>
+              <a:rPr lang="en-US" dirty="0">
+                <a:latin typeface="Cambria" panose="02040503050406030204" pitchFamily="18" charset="0"/>
+              </a:rPr>
+              <a:t>2)  fitting a cline in size at maturity and reading off the prediction at the relevant point</a:t>
+            </a:r>
+            <a:endParaRPr lang="en-GB" dirty="0">
+              <a:latin typeface="Cambria" panose="02040503050406030204" pitchFamily="18" charset="0"/>
+            </a:endParaRPr>
+          </a:p>
+        </p:txBody>
+      </p:sp>
+      <p:sp>
+        <p:nvSpPr>
+          <p:cNvPr id="3" name="TextBox 2">
+            <a:extLst>
+              <a:ext uri="{FF2B5EF4-FFF2-40B4-BE49-F238E27FC236}">
+                <a16:creationId xmlns:a16="http://schemas.microsoft.com/office/drawing/2014/main" id="{01FEB42D-0209-984A-8E0F-5ABC5A7CE99E}"/>
+              </a:ext>
+            </a:extLst>
+          </p:cNvPr>
+          <p:cNvSpPr txBox="1"/>
+          <p:nvPr/>
+        </p:nvSpPr>
+        <p:spPr>
+          <a:xfrm>
+            <a:off x="133390" y="279147"/>
+            <a:ext cx="1072794" cy="369332"/>
+          </a:xfrm>
+          <a:prstGeom prst="rect">
+            <a:avLst/>
+          </a:prstGeom>
+          <a:noFill/>
+        </p:spPr>
+        <p:txBody>
+          <a:bodyPr wrap="none" rtlCol="0">
+            <a:spAutoFit/>
+          </a:bodyPr>
+          <a:lstStyle/>
+          <a:p>
+            <a:r>
+              <a:rPr lang="en-GB" b="1" dirty="0">
+                <a:latin typeface="Cambria" panose="02040503050406030204" pitchFamily="18" charset="0"/>
+              </a:rPr>
+              <a:t>Solution</a:t>
+            </a:r>
+          </a:p>
+        </p:txBody>
+      </p:sp>
+    </p:spTree>
+    <p:extLst>
+      <p:ext uri="{BB962C8B-B14F-4D97-AF65-F5344CB8AC3E}">
+        <p14:creationId xmlns:p14="http://schemas.microsoft.com/office/powerpoint/2010/main" val="1358766533"/>
+      </p:ext>
+    </p:extLst>
+  </p:cSld>
+  <p:clrMapOvr>
+    <a:masterClrMapping/>
+  </p:clrMapOvr>
+</p:sld>
+</file>
+
+<file path=ppt/slides/slide13.xml><?xml version="1.0" encoding="utf-8"?>
 <p:sld xmlns:a="http://schemas.openxmlformats.org/drawingml/2006/main" xmlns:r="http://schemas.openxmlformats.org/officeDocument/2006/relationships" xmlns:p="http://schemas.openxmlformats.org/presentationml/2006/main">
   <p:cSld>
     <p:spTree>
@@ -6443,7 +6498,7 @@
 </p:sld>
 </file>
 
-<file path=ppt/slides/slide13.xml><?xml version="1.0" encoding="utf-8"?>
+<file path=ppt/slides/slide14.xml><?xml version="1.0" encoding="utf-8"?>
 <p:sld xmlns:a="http://schemas.openxmlformats.org/drawingml/2006/main" xmlns:r="http://schemas.openxmlformats.org/officeDocument/2006/relationships" xmlns:p="http://schemas.openxmlformats.org/presentationml/2006/main">
   <p:cSld>
     <p:spTree>
@@ -13712,8 +13767,8 @@
           </a:p>
         </p:txBody>
       </p:sp>
-      <mc:AlternateContent xmlns:mc="http://schemas.openxmlformats.org/markup-compatibility/2006">
-        <mc:Choice xmlns:a14="http://schemas.microsoft.com/office/drawing/2010/main" Requires="a14">
+      <mc:AlternateContent xmlns:mc="http://schemas.openxmlformats.org/markup-compatibility/2006" xmlns:a14="http://schemas.microsoft.com/office/drawing/2010/main">
+        <mc:Choice Requires="a14">
           <p:sp>
             <p:nvSpPr>
               <p:cNvPr id="7" name="TextBox 6">
@@ -13845,7 +13900,7 @@
             </p:txBody>
           </p:sp>
         </mc:Choice>
-        <mc:Fallback>
+        <mc:Fallback xmlns="">
           <p:sp>
             <p:nvSpPr>
               <p:cNvPr id="7" name="TextBox 6">
